--- a/doc/框架使用说明_1.1.15.pptx
+++ b/doc/框架使用说明_1.1.15.pptx
@@ -16,53 +16,56 @@
     <p:sldId id="264" r:id="rId10"/>
     <p:sldId id="265" r:id="rId11"/>
     <p:sldId id="266" r:id="rId12"/>
-    <p:sldId id="267" r:id="rId13"/>
-    <p:sldId id="268" r:id="rId14"/>
-    <p:sldId id="269" r:id="rId15"/>
-    <p:sldId id="270" r:id="rId16"/>
-    <p:sldId id="271" r:id="rId17"/>
-    <p:sldId id="272" r:id="rId18"/>
-    <p:sldId id="273" r:id="rId19"/>
-    <p:sldId id="274" r:id="rId20"/>
-    <p:sldId id="275" r:id="rId21"/>
-    <p:sldId id="276" r:id="rId22"/>
-    <p:sldId id="277" r:id="rId23"/>
-    <p:sldId id="278" r:id="rId24"/>
-    <p:sldId id="279" r:id="rId25"/>
-    <p:sldId id="280" r:id="rId26"/>
-    <p:sldId id="281" r:id="rId27"/>
-    <p:sldId id="282" r:id="rId28"/>
-    <p:sldId id="283" r:id="rId29"/>
-    <p:sldId id="284" r:id="rId30"/>
-    <p:sldId id="285" r:id="rId31"/>
-    <p:sldId id="286" r:id="rId32"/>
-    <p:sldId id="287" r:id="rId33"/>
-    <p:sldId id="288" r:id="rId34"/>
-    <p:sldId id="289" r:id="rId35"/>
-    <p:sldId id="290" r:id="rId36"/>
-    <p:sldId id="291" r:id="rId37"/>
-    <p:sldId id="292" r:id="rId38"/>
-    <p:sldId id="293" r:id="rId39"/>
-    <p:sldId id="294" r:id="rId40"/>
-    <p:sldId id="295" r:id="rId41"/>
-    <p:sldId id="296" r:id="rId42"/>
-    <p:sldId id="297" r:id="rId43"/>
-    <p:sldId id="298" r:id="rId44"/>
-    <p:sldId id="299" r:id="rId45"/>
-    <p:sldId id="300" r:id="rId46"/>
-    <p:sldId id="302" r:id="rId47"/>
-    <p:sldId id="301" r:id="rId48"/>
-    <p:sldId id="303" r:id="rId49"/>
-    <p:sldId id="304" r:id="rId50"/>
-    <p:sldId id="309" r:id="rId51"/>
-    <p:sldId id="310" r:id="rId52"/>
-    <p:sldId id="311" r:id="rId53"/>
-    <p:sldId id="305" r:id="rId54"/>
-    <p:sldId id="306" r:id="rId55"/>
-    <p:sldId id="307" r:id="rId56"/>
-    <p:sldId id="308" r:id="rId57"/>
-    <p:sldId id="312" r:id="rId58"/>
-    <p:sldId id="313" r:id="rId59"/>
+    <p:sldId id="315" r:id="rId13"/>
+    <p:sldId id="316" r:id="rId14"/>
+    <p:sldId id="314" r:id="rId15"/>
+    <p:sldId id="267" r:id="rId16"/>
+    <p:sldId id="268" r:id="rId17"/>
+    <p:sldId id="269" r:id="rId18"/>
+    <p:sldId id="270" r:id="rId19"/>
+    <p:sldId id="271" r:id="rId20"/>
+    <p:sldId id="272" r:id="rId21"/>
+    <p:sldId id="273" r:id="rId22"/>
+    <p:sldId id="274" r:id="rId23"/>
+    <p:sldId id="275" r:id="rId24"/>
+    <p:sldId id="276" r:id="rId25"/>
+    <p:sldId id="277" r:id="rId26"/>
+    <p:sldId id="278" r:id="rId27"/>
+    <p:sldId id="279" r:id="rId28"/>
+    <p:sldId id="280" r:id="rId29"/>
+    <p:sldId id="281" r:id="rId30"/>
+    <p:sldId id="282" r:id="rId31"/>
+    <p:sldId id="283" r:id="rId32"/>
+    <p:sldId id="284" r:id="rId33"/>
+    <p:sldId id="285" r:id="rId34"/>
+    <p:sldId id="286" r:id="rId35"/>
+    <p:sldId id="287" r:id="rId36"/>
+    <p:sldId id="288" r:id="rId37"/>
+    <p:sldId id="289" r:id="rId38"/>
+    <p:sldId id="290" r:id="rId39"/>
+    <p:sldId id="291" r:id="rId40"/>
+    <p:sldId id="292" r:id="rId41"/>
+    <p:sldId id="293" r:id="rId42"/>
+    <p:sldId id="294" r:id="rId43"/>
+    <p:sldId id="295" r:id="rId44"/>
+    <p:sldId id="296" r:id="rId45"/>
+    <p:sldId id="297" r:id="rId46"/>
+    <p:sldId id="298" r:id="rId47"/>
+    <p:sldId id="299" r:id="rId48"/>
+    <p:sldId id="300" r:id="rId49"/>
+    <p:sldId id="302" r:id="rId50"/>
+    <p:sldId id="301" r:id="rId51"/>
+    <p:sldId id="303" r:id="rId52"/>
+    <p:sldId id="304" r:id="rId53"/>
+    <p:sldId id="309" r:id="rId54"/>
+    <p:sldId id="310" r:id="rId55"/>
+    <p:sldId id="311" r:id="rId56"/>
+    <p:sldId id="305" r:id="rId57"/>
+    <p:sldId id="306" r:id="rId58"/>
+    <p:sldId id="307" r:id="rId59"/>
+    <p:sldId id="308" r:id="rId60"/>
+    <p:sldId id="312" r:id="rId61"/>
+    <p:sldId id="313" r:id="rId62"/>
   </p:sldIdLst>
   <p:sldSz cx="9144000" cy="6858000" type="screen4x3"/>
   <p:notesSz cx="6858000" cy="9144000"/>
@@ -4775,7 +4778,12 @@
             <p:ph idx="1"/>
           </p:nvPr>
         </p:nvSpPr>
-        <p:spPr/>
+        <p:spPr>
+          <a:xfrm>
+            <a:off x="500034" y="1285860"/>
+            <a:ext cx="8229600" cy="4525963"/>
+          </a:xfrm>
+        </p:spPr>
         <p:txBody>
           <a:bodyPr/>
           <a:lstStyle/>
@@ -4819,9 +4827,269 @@
           </a:p>
         </p:txBody>
       </p:sp>
+      <p:sp>
+        <p:nvSpPr>
+          <p:cNvPr id="5" name="TextBox 4"/>
+          <p:cNvSpPr txBox="1"/>
+          <p:nvPr/>
+        </p:nvSpPr>
+        <p:spPr>
+          <a:xfrm>
+            <a:off x="5929322" y="1714488"/>
+            <a:ext cx="3000364" cy="3416320"/>
+          </a:xfrm>
+          <a:prstGeom prst="rect">
+            <a:avLst/>
+          </a:prstGeom>
+          <a:noFill/>
+        </p:spPr>
+        <p:txBody>
+          <a:bodyPr wrap="square" rtlCol="0">
+            <a:spAutoFit/>
+          </a:bodyPr>
+          <a:lstStyle/>
+          <a:p>
+            <a:r>
+              <a:rPr lang="zh-CN" altLang="en-US" dirty="0" smtClean="0">
+                <a:solidFill>
+                  <a:srgbClr val="FF0000"/>
+                </a:solidFill>
+              </a:rPr>
+              <a:t>约定：</a:t>
+            </a:r>
+            <a:endParaRPr lang="en-US" altLang="zh-CN" dirty="0" smtClean="0">
+              <a:solidFill>
+                <a:srgbClr val="FF0000"/>
+              </a:solidFill>
+            </a:endParaRPr>
+          </a:p>
+          <a:p>
+            <a:r>
+              <a:rPr lang="zh-CN" altLang="en-US" dirty="0" smtClean="0">
+                <a:solidFill>
+                  <a:srgbClr val="FF0000"/>
+                </a:solidFill>
+              </a:rPr>
+              <a:t>必须有一个</a:t>
+            </a:r>
+            <a:r>
+              <a:rPr lang="en-US" altLang="zh-CN" dirty="0" err="1" smtClean="0">
+                <a:solidFill>
+                  <a:srgbClr val="FF0000"/>
+                </a:solidFill>
+              </a:rPr>
+              <a:t>int</a:t>
+            </a:r>
+            <a:r>
+              <a:rPr lang="zh-CN" altLang="en-US" dirty="0" smtClean="0">
+                <a:solidFill>
+                  <a:srgbClr val="FF0000"/>
+                </a:solidFill>
+              </a:rPr>
+              <a:t>类型的</a:t>
+            </a:r>
+            <a:r>
+              <a:rPr lang="en-US" altLang="zh-CN" dirty="0" smtClean="0">
+                <a:solidFill>
+                  <a:srgbClr val="FF0000"/>
+                </a:solidFill>
+              </a:rPr>
+              <a:t>id</a:t>
+            </a:r>
+            <a:r>
+              <a:rPr lang="zh-CN" altLang="en-US" dirty="0" smtClean="0">
+                <a:solidFill>
+                  <a:srgbClr val="FF0000"/>
+                </a:solidFill>
+              </a:rPr>
+              <a:t>主键；</a:t>
+            </a:r>
+            <a:endParaRPr lang="en-US" altLang="zh-CN" dirty="0" smtClean="0">
+              <a:solidFill>
+                <a:srgbClr val="FF0000"/>
+              </a:solidFill>
+            </a:endParaRPr>
+          </a:p>
+          <a:p>
+            <a:r>
+              <a:rPr lang="en-US" altLang="zh-CN" dirty="0" err="1" smtClean="0">
+                <a:solidFill>
+                  <a:srgbClr val="FF0000"/>
+                </a:solidFill>
+              </a:rPr>
+              <a:t>mysql</a:t>
+            </a:r>
+            <a:r>
+              <a:rPr lang="zh-CN" altLang="en-US" dirty="0" smtClean="0">
+                <a:solidFill>
+                  <a:srgbClr val="FF0000"/>
+                </a:solidFill>
+              </a:rPr>
+              <a:t>数据库可使用自增</a:t>
+            </a:r>
+            <a:r>
+              <a:rPr lang="en-US" altLang="zh-CN" dirty="0" smtClean="0">
+                <a:solidFill>
+                  <a:srgbClr val="FF0000"/>
+                </a:solidFill>
+              </a:rPr>
+              <a:t>id</a:t>
+            </a:r>
+            <a:r>
+              <a:rPr lang="zh-CN" altLang="en-US" dirty="0" smtClean="0">
+                <a:solidFill>
+                  <a:srgbClr val="FF0000"/>
+                </a:solidFill>
+              </a:rPr>
+              <a:t>，</a:t>
+            </a:r>
+            <a:r>
+              <a:rPr lang="en-US" altLang="zh-CN" dirty="0" smtClean="0">
+                <a:solidFill>
+                  <a:srgbClr val="FF0000"/>
+                </a:solidFill>
+              </a:rPr>
+              <a:t>oracle</a:t>
+            </a:r>
+            <a:r>
+              <a:rPr lang="zh-CN" altLang="en-US" dirty="0" smtClean="0">
+                <a:solidFill>
+                  <a:srgbClr val="FF0000"/>
+                </a:solidFill>
+              </a:rPr>
+              <a:t>数据库可使用</a:t>
+            </a:r>
+            <a:r>
+              <a:rPr lang="zh-CN" altLang="en-US" dirty="0" smtClean="0">
+                <a:solidFill>
+                  <a:srgbClr val="FF0000"/>
+                </a:solidFill>
+              </a:rPr>
+              <a:t>序列</a:t>
+            </a:r>
+            <a:endParaRPr lang="en-US" altLang="zh-CN" dirty="0" smtClean="0">
+              <a:solidFill>
+                <a:srgbClr val="FF0000"/>
+              </a:solidFill>
+            </a:endParaRPr>
+          </a:p>
+          <a:p>
+            <a:endParaRPr lang="en-US" altLang="zh-CN" dirty="0" smtClean="0">
+              <a:solidFill>
+                <a:srgbClr val="FF0000"/>
+              </a:solidFill>
+            </a:endParaRPr>
+          </a:p>
+          <a:p>
+            <a:endParaRPr lang="en-US" altLang="zh-CN" dirty="0" smtClean="0">
+              <a:solidFill>
+                <a:srgbClr val="FF0000"/>
+              </a:solidFill>
+            </a:endParaRPr>
+          </a:p>
+          <a:p>
+            <a:r>
+              <a:rPr lang="en-US" altLang="zh-CN" dirty="0" err="1" smtClean="0">
+                <a:solidFill>
+                  <a:srgbClr val="FF0000"/>
+                </a:solidFill>
+              </a:rPr>
+              <a:t>DesAnnotation</a:t>
+            </a:r>
+            <a:r>
+              <a:rPr lang="zh-CN" altLang="en-US" dirty="0" smtClean="0">
+                <a:solidFill>
+                  <a:srgbClr val="FF0000"/>
+                </a:solidFill>
+              </a:rPr>
+              <a:t>注解</a:t>
+            </a:r>
+            <a:endParaRPr lang="en-US" altLang="zh-CN" dirty="0" smtClean="0">
+              <a:solidFill>
+                <a:srgbClr val="FF0000"/>
+              </a:solidFill>
+            </a:endParaRPr>
+          </a:p>
+          <a:p>
+            <a:r>
+              <a:rPr lang="zh-CN" altLang="en-US" dirty="0" smtClean="0">
+                <a:solidFill>
+                  <a:srgbClr val="FF0000"/>
+                </a:solidFill>
+              </a:rPr>
+              <a:t>放在类上</a:t>
+            </a:r>
+            <a:endParaRPr lang="en-US" altLang="zh-CN" dirty="0" smtClean="0">
+              <a:solidFill>
+                <a:srgbClr val="FF0000"/>
+              </a:solidFill>
+            </a:endParaRPr>
+          </a:p>
+          <a:p>
+            <a:r>
+              <a:rPr lang="zh-CN" altLang="en-US" dirty="0" smtClean="0">
+                <a:solidFill>
+                  <a:srgbClr val="FF0000"/>
+                </a:solidFill>
+              </a:rPr>
+              <a:t>代表类的描述；</a:t>
+            </a:r>
+            <a:endParaRPr lang="en-US" altLang="zh-CN" dirty="0" smtClean="0">
+              <a:solidFill>
+                <a:srgbClr val="FF0000"/>
+              </a:solidFill>
+            </a:endParaRPr>
+          </a:p>
+          <a:p>
+            <a:r>
+              <a:rPr lang="zh-CN" altLang="en-US" dirty="0" smtClean="0">
+                <a:solidFill>
+                  <a:srgbClr val="FF0000"/>
+                </a:solidFill>
+              </a:rPr>
+              <a:t>放在属性上</a:t>
+            </a:r>
+            <a:endParaRPr lang="en-US" altLang="zh-CN" dirty="0" smtClean="0">
+              <a:solidFill>
+                <a:srgbClr val="FF0000"/>
+              </a:solidFill>
+            </a:endParaRPr>
+          </a:p>
+          <a:p>
+            <a:r>
+              <a:rPr lang="zh-CN" altLang="en-US" dirty="0" smtClean="0">
+                <a:solidFill>
+                  <a:srgbClr val="FF0000"/>
+                </a:solidFill>
+              </a:rPr>
+              <a:t>代表属性的描述</a:t>
+            </a:r>
+            <a:endParaRPr lang="en-US" altLang="zh-CN" dirty="0" smtClean="0">
+              <a:solidFill>
+                <a:srgbClr val="FF0000"/>
+              </a:solidFill>
+            </a:endParaRPr>
+          </a:p>
+          <a:p>
+            <a:r>
+              <a:rPr lang="zh-CN" altLang="en-US" dirty="0" smtClean="0">
+                <a:solidFill>
+                  <a:srgbClr val="00B050"/>
+                </a:solidFill>
+              </a:rPr>
+              <a:t>主要用于页面显示</a:t>
+            </a:r>
+            <a:endParaRPr lang="zh-CN" altLang="en-US" dirty="0">
+              <a:solidFill>
+                <a:srgbClr val="00B050"/>
+              </a:solidFill>
+            </a:endParaRPr>
+          </a:p>
+        </p:txBody>
+      </p:sp>
       <p:pic>
         <p:nvPicPr>
-          <p:cNvPr id="3074" name="Picture 2"/>
+          <p:cNvPr id="4099" name="Picture 3"/>
           <p:cNvPicPr>
             <a:picLocks noChangeAspect="1" noChangeArrowheads="1"/>
           </p:cNvPicPr>
@@ -4836,8 +5104,8 @@
         </p:blipFill>
         <p:spPr bwMode="auto">
           <a:xfrm>
-            <a:off x="642910" y="2214554"/>
-            <a:ext cx="5457825" cy="2524125"/>
+            <a:off x="285720" y="1785926"/>
+            <a:ext cx="5372100" cy="4876800"/>
           </a:xfrm>
           <a:prstGeom prst="rect">
             <a:avLst/>
@@ -4852,146 +5120,6 @@
           <a:effectLst/>
         </p:spPr>
       </p:pic>
-      <p:sp>
-        <p:nvSpPr>
-          <p:cNvPr id="5" name="TextBox 4"/>
-          <p:cNvSpPr txBox="1"/>
-          <p:nvPr/>
-        </p:nvSpPr>
-        <p:spPr>
-          <a:xfrm>
-            <a:off x="1643042" y="5143512"/>
-            <a:ext cx="5665333" cy="923330"/>
-          </a:xfrm>
-          <a:prstGeom prst="rect">
-            <a:avLst/>
-          </a:prstGeom>
-          <a:noFill/>
-        </p:spPr>
-        <p:txBody>
-          <a:bodyPr wrap="none" rtlCol="0">
-            <a:spAutoFit/>
-          </a:bodyPr>
-          <a:lstStyle/>
-          <a:p>
-            <a:r>
-              <a:rPr lang="zh-CN" altLang="en-US" dirty="0" smtClean="0">
-                <a:solidFill>
-                  <a:srgbClr val="FF0000"/>
-                </a:solidFill>
-              </a:rPr>
-              <a:t>约定：</a:t>
-            </a:r>
-            <a:endParaRPr lang="en-US" altLang="zh-CN" dirty="0" smtClean="0">
-              <a:solidFill>
-                <a:srgbClr val="FF0000"/>
-              </a:solidFill>
-            </a:endParaRPr>
-          </a:p>
-          <a:p>
-            <a:r>
-              <a:rPr lang="zh-CN" altLang="en-US" dirty="0" smtClean="0">
-                <a:solidFill>
-                  <a:srgbClr val="FF0000"/>
-                </a:solidFill>
-              </a:rPr>
-              <a:t>必须有一个</a:t>
-            </a:r>
-            <a:r>
-              <a:rPr lang="en-US" altLang="zh-CN" dirty="0" err="1" smtClean="0">
-                <a:solidFill>
-                  <a:srgbClr val="FF0000"/>
-                </a:solidFill>
-              </a:rPr>
-              <a:t>int</a:t>
-            </a:r>
-            <a:r>
-              <a:rPr lang="zh-CN" altLang="en-US" dirty="0" smtClean="0">
-                <a:solidFill>
-                  <a:srgbClr val="FF0000"/>
-                </a:solidFill>
-              </a:rPr>
-              <a:t>类型的</a:t>
-            </a:r>
-            <a:r>
-              <a:rPr lang="en-US" altLang="zh-CN" dirty="0" smtClean="0">
-                <a:solidFill>
-                  <a:srgbClr val="FF0000"/>
-                </a:solidFill>
-              </a:rPr>
-              <a:t>id</a:t>
-            </a:r>
-            <a:r>
-              <a:rPr lang="zh-CN" altLang="en-US" dirty="0" smtClean="0">
-                <a:solidFill>
-                  <a:srgbClr val="FF0000"/>
-                </a:solidFill>
-              </a:rPr>
-              <a:t>主键；</a:t>
-            </a:r>
-            <a:endParaRPr lang="en-US" altLang="zh-CN" dirty="0" smtClean="0">
-              <a:solidFill>
-                <a:srgbClr val="FF0000"/>
-              </a:solidFill>
-            </a:endParaRPr>
-          </a:p>
-          <a:p>
-            <a:r>
-              <a:rPr lang="en-US" altLang="zh-CN" dirty="0" err="1" smtClean="0">
-                <a:solidFill>
-                  <a:srgbClr val="FF0000"/>
-                </a:solidFill>
-              </a:rPr>
-              <a:t>mysql</a:t>
-            </a:r>
-            <a:r>
-              <a:rPr lang="zh-CN" altLang="en-US" dirty="0" smtClean="0">
-                <a:solidFill>
-                  <a:srgbClr val="FF0000"/>
-                </a:solidFill>
-              </a:rPr>
-              <a:t>数据库可使用自增</a:t>
-            </a:r>
-            <a:r>
-              <a:rPr lang="en-US" altLang="zh-CN" dirty="0" smtClean="0">
-                <a:solidFill>
-                  <a:srgbClr val="FF0000"/>
-                </a:solidFill>
-              </a:rPr>
-              <a:t>id</a:t>
-            </a:r>
-            <a:r>
-              <a:rPr lang="zh-CN" altLang="en-US" dirty="0" smtClean="0">
-                <a:solidFill>
-                  <a:srgbClr val="FF0000"/>
-                </a:solidFill>
-              </a:rPr>
-              <a:t>，</a:t>
-            </a:r>
-            <a:r>
-              <a:rPr lang="en-US" altLang="zh-CN" dirty="0" smtClean="0">
-                <a:solidFill>
-                  <a:srgbClr val="FF0000"/>
-                </a:solidFill>
-              </a:rPr>
-              <a:t>oracle</a:t>
-            </a:r>
-            <a:r>
-              <a:rPr lang="zh-CN" altLang="en-US" dirty="0" smtClean="0">
-                <a:solidFill>
-                  <a:srgbClr val="FF0000"/>
-                </a:solidFill>
-              </a:rPr>
-              <a:t>数据库可使用序列</a:t>
-            </a:r>
-            <a:endParaRPr lang="zh-CN" altLang="en-US" dirty="0">
-              <a:solidFill>
-                <a:srgbClr val="FF0000"/>
-              </a:solidFill>
-            </a:endParaRPr>
-          </a:p>
-        </p:txBody>
-      </p:sp>
     </p:spTree>
   </p:cSld>
   <p:clrMapOvr>
@@ -5042,7 +5170,7 @@
       </p:sp>
       <p:pic>
         <p:nvPicPr>
-          <p:cNvPr id="4098" name="Picture 2"/>
+          <p:cNvPr id="5122" name="Picture 2"/>
           <p:cNvPicPr>
             <a:picLocks noChangeAspect="1" noChangeArrowheads="1"/>
           </p:cNvPicPr>
@@ -5057,8 +5185,8 @@
         </p:blipFill>
         <p:spPr bwMode="auto">
           <a:xfrm>
-            <a:off x="285720" y="1500174"/>
-            <a:ext cx="8532813" cy="3181350"/>
+            <a:off x="714348" y="1214422"/>
+            <a:ext cx="6846887" cy="3390900"/>
           </a:xfrm>
           <a:prstGeom prst="rect">
             <a:avLst/>
@@ -5075,14 +5203,14 @@
       </p:pic>
       <p:sp>
         <p:nvSpPr>
-          <p:cNvPr id="5" name="TextBox 4"/>
+          <p:cNvPr id="6" name="TextBox 5"/>
           <p:cNvSpPr txBox="1"/>
           <p:nvPr/>
         </p:nvSpPr>
         <p:spPr>
           <a:xfrm>
-            <a:off x="571472" y="5000636"/>
-            <a:ext cx="7529625" cy="646331"/>
+            <a:off x="571472" y="4857760"/>
+            <a:ext cx="8215338" cy="923330"/>
           </a:xfrm>
           <a:prstGeom prst="rect">
             <a:avLst/>
@@ -5090,41 +5218,69 @@
           <a:noFill/>
         </p:spPr>
         <p:txBody>
-          <a:bodyPr wrap="none" rtlCol="0">
+          <a:bodyPr wrap="square" rtlCol="0">
             <a:spAutoFit/>
           </a:bodyPr>
           <a:lstStyle/>
           <a:p>
             <a:r>
               <a:rPr lang="zh-CN" altLang="en-US" dirty="0" smtClean="0"/>
-              <a:t>修改红色框内的</a:t>
+              <a:t>目前框架已经集成了</a:t>
             </a:r>
             <a:r>
               <a:rPr lang="en-US" altLang="zh-CN" dirty="0" smtClean="0"/>
-              <a:t>class</a:t>
-            </a:r>
-            <a:r>
-              <a:rPr lang="zh-CN" altLang="en-US" dirty="0" smtClean="0"/>
-              <a:t>对象之后，执行</a:t>
+              <a:t>Spring </a:t>
+            </a:r>
+            <a:r>
+              <a:rPr lang="en-US" altLang="zh-CN" dirty="0" err="1" smtClean="0"/>
+              <a:t>JdbcTemplate</a:t>
+            </a:r>
+            <a:r>
+              <a:rPr lang="zh-CN" altLang="en-US" dirty="0" smtClean="0"/>
+              <a:t>和</a:t>
+            </a:r>
+            <a:r>
+              <a:rPr lang="en-US" altLang="zh-CN" dirty="0" err="1" smtClean="0"/>
+              <a:t>Mybatis</a:t>
+            </a:r>
+            <a:r>
+              <a:rPr lang="zh-CN" altLang="en-US" dirty="0" smtClean="0"/>
+              <a:t>，但是目前代码生成器只支持</a:t>
             </a:r>
             <a:r>
               <a:rPr lang="en-US" altLang="zh-CN" dirty="0" smtClean="0"/>
-              <a:t>main</a:t>
-            </a:r>
-            <a:r>
-              <a:rPr lang="zh-CN" altLang="en-US" dirty="0" smtClean="0"/>
-              <a:t>方法，就可以自动生成</a:t>
+              <a:t>Spring </a:t>
+            </a:r>
+            <a:r>
+              <a:rPr lang="en-US" altLang="zh-CN" dirty="0" err="1" smtClean="0"/>
+              <a:t>JbdcTemplate</a:t>
+            </a:r>
+            <a:r>
+              <a:rPr lang="zh-CN" altLang="en-US" dirty="0" smtClean="0"/>
+              <a:t>方式，</a:t>
+            </a:r>
+            <a:r>
+              <a:rPr lang="en-US" altLang="zh-CN" dirty="0" err="1" smtClean="0"/>
+              <a:t>Mybatis</a:t>
+            </a:r>
+            <a:r>
+              <a:rPr lang="zh-CN" altLang="en-US" dirty="0" smtClean="0"/>
+              <a:t>的方式后续版本会增加</a:t>
             </a:r>
             <a:endParaRPr lang="en-US" altLang="zh-CN" dirty="0" smtClean="0"/>
           </a:p>
           <a:p>
             <a:r>
+              <a:rPr lang="zh-CN" altLang="en-US" dirty="0" smtClean="0"/>
+              <a:t>页面类型支持左树右表、表格、无页面三种类型，页面使用</a:t>
+            </a:r>
+            <a:r>
               <a:rPr lang="en-US" altLang="zh-CN" dirty="0" err="1" smtClean="0"/>
-              <a:t>model,dao,service,controller</a:t>
-            </a:r>
-            <a:r>
-              <a:rPr lang="zh-CN" altLang="en-US" dirty="0" smtClean="0"/>
-              <a:t>层代码，刷新项目就能看到生成的类文件</a:t>
+              <a:t>EasyUI</a:t>
+            </a:r>
+            <a:r>
+              <a:rPr lang="zh-CN" altLang="en-US" dirty="0" smtClean="0"/>
+              <a:t>实现</a:t>
             </a:r>
             <a:endParaRPr lang="zh-CN" altLang="en-US" dirty="0"/>
           </a:p>
@@ -5170,17 +5326,13 @@
           <a:bodyPr/>
           <a:lstStyle/>
           <a:p>
-            <a:r>
-              <a:rPr lang="zh-CN" altLang="en-US" dirty="0" smtClean="0"/>
-              <a:t>代码生成器</a:t>
-            </a:r>
-            <a:endParaRPr lang="zh-CN" altLang="en-US" dirty="0"/>
+            <a:endParaRPr lang="zh-CN" altLang="en-US"/>
           </a:p>
         </p:txBody>
       </p:sp>
       <p:pic>
         <p:nvPicPr>
-          <p:cNvPr id="5122" name="Picture 2"/>
+          <p:cNvPr id="6146" name="Picture 2"/>
           <p:cNvPicPr>
             <a:picLocks noChangeAspect="1" noChangeArrowheads="1"/>
           </p:cNvPicPr>
@@ -5195,8 +5347,41 @@
         </p:blipFill>
         <p:spPr bwMode="auto">
           <a:xfrm>
-            <a:off x="571472" y="1214422"/>
-            <a:ext cx="3133725" cy="3810000"/>
+            <a:off x="500034" y="1571612"/>
+            <a:ext cx="6599237" cy="1990725"/>
+          </a:xfrm>
+          <a:prstGeom prst="rect">
+            <a:avLst/>
+          </a:prstGeom>
+          <a:noFill/>
+          <a:ln w="9525">
+            <a:noFill/>
+            <a:miter lim="800000"/>
+            <a:headEnd/>
+            <a:tailEnd/>
+          </a:ln>
+          <a:effectLst/>
+        </p:spPr>
+      </p:pic>
+      <p:pic>
+        <p:nvPicPr>
+          <p:cNvPr id="6147" name="Picture 3"/>
+          <p:cNvPicPr>
+            <a:picLocks noChangeAspect="1" noChangeArrowheads="1"/>
+          </p:cNvPicPr>
+          <p:nvPr/>
+        </p:nvPicPr>
+        <p:blipFill>
+          <a:blip r:embed="rId3"/>
+          <a:srcRect/>
+          <a:stretch>
+            <a:fillRect/>
+          </a:stretch>
+        </p:blipFill>
+        <p:spPr bwMode="auto">
+          <a:xfrm>
+            <a:off x="571472" y="3714752"/>
+            <a:ext cx="4019550" cy="1495425"/>
           </a:xfrm>
           <a:prstGeom prst="rect">
             <a:avLst/>
@@ -5251,17 +5436,13 @@
           <a:bodyPr/>
           <a:lstStyle/>
           <a:p>
-            <a:r>
-              <a:rPr lang="zh-CN" altLang="en-US" dirty="0" smtClean="0"/>
-              <a:t>代码生成器</a:t>
-            </a:r>
-            <a:endParaRPr lang="zh-CN" altLang="en-US" dirty="0"/>
+            <a:endParaRPr lang="zh-CN" altLang="en-US"/>
           </a:p>
         </p:txBody>
       </p:sp>
       <p:pic>
         <p:nvPicPr>
-          <p:cNvPr id="6146" name="Picture 2"/>
+          <p:cNvPr id="7171" name="Picture 3"/>
           <p:cNvPicPr>
             <a:picLocks noChangeAspect="1" noChangeArrowheads="1"/>
           </p:cNvPicPr>
@@ -5276,8 +5457,41 @@
         </p:blipFill>
         <p:spPr bwMode="auto">
           <a:xfrm>
-            <a:off x="214282" y="1724025"/>
-            <a:ext cx="8929717" cy="5133975"/>
+            <a:off x="500034" y="1928802"/>
+            <a:ext cx="5781675" cy="1323975"/>
+          </a:xfrm>
+          <a:prstGeom prst="rect">
+            <a:avLst/>
+          </a:prstGeom>
+          <a:noFill/>
+          <a:ln w="9525">
+            <a:noFill/>
+            <a:miter lim="800000"/>
+            <a:headEnd/>
+            <a:tailEnd/>
+          </a:ln>
+          <a:effectLst/>
+        </p:spPr>
+      </p:pic>
+      <p:pic>
+        <p:nvPicPr>
+          <p:cNvPr id="7172" name="Picture 4"/>
+          <p:cNvPicPr>
+            <a:picLocks noChangeAspect="1" noChangeArrowheads="1"/>
+          </p:cNvPicPr>
+          <p:nvPr/>
+        </p:nvPicPr>
+        <p:blipFill>
+          <a:blip r:embed="rId3"/>
+          <a:srcRect/>
+          <a:stretch>
+            <a:fillRect/>
+          </a:stretch>
+        </p:blipFill>
+        <p:spPr bwMode="auto">
+          <a:xfrm>
+            <a:off x="571472" y="3500438"/>
+            <a:ext cx="4333875" cy="1333500"/>
           </a:xfrm>
           <a:prstGeom prst="rect">
             <a:avLst/>
@@ -5319,6 +5533,25 @@
       </p:grpSpPr>
       <p:sp>
         <p:nvSpPr>
+          <p:cNvPr id="2" name="内容占位符 1"/>
+          <p:cNvSpPr>
+            <a:spLocks noGrp="1"/>
+          </p:cNvSpPr>
+          <p:nvPr>
+            <p:ph idx="1"/>
+          </p:nvPr>
+        </p:nvSpPr>
+        <p:spPr/>
+        <p:txBody>
+          <a:bodyPr/>
+          <a:lstStyle/>
+          <a:p>
+            <a:endParaRPr lang="zh-CN" altLang="en-US"/>
+          </a:p>
+        </p:txBody>
+      </p:sp>
+      <p:sp>
+        <p:nvSpPr>
           <p:cNvPr id="3" name="标题 2"/>
           <p:cNvSpPr>
             <a:spLocks noGrp="1"/>
@@ -5329,85 +5562,13 @@
         </p:nvSpPr>
         <p:spPr/>
         <p:txBody>
-          <a:bodyPr>
-            <a:normAutofit/>
-          </a:bodyPr>
+          <a:bodyPr/>
           <a:lstStyle/>
           <a:p>
-            <a:r>
-              <a:rPr lang="zh-CN" altLang="en-US" dirty="0" smtClean="0"/>
-              <a:t>代码生成器</a:t>
-            </a:r>
-            <a:endParaRPr lang="zh-CN" altLang="en-US" dirty="0"/>
-          </a:p>
-        </p:txBody>
-      </p:sp>
-      <p:pic>
-        <p:nvPicPr>
-          <p:cNvPr id="7170" name="Picture 2"/>
-          <p:cNvPicPr>
-            <a:picLocks noChangeAspect="1" noChangeArrowheads="1"/>
-          </p:cNvPicPr>
-          <p:nvPr/>
-        </p:nvPicPr>
-        <p:blipFill>
-          <a:blip r:embed="rId2"/>
-          <a:srcRect/>
-          <a:stretch>
-            <a:fillRect/>
-          </a:stretch>
-        </p:blipFill>
-        <p:spPr bwMode="auto">
-          <a:xfrm>
-            <a:off x="142844" y="1285860"/>
-            <a:ext cx="3667125" cy="2895600"/>
-          </a:xfrm>
-          <a:prstGeom prst="rect">
-            <a:avLst/>
-          </a:prstGeom>
-          <a:noFill/>
-          <a:ln w="9525">
-            <a:noFill/>
-            <a:miter lim="800000"/>
-            <a:headEnd/>
-            <a:tailEnd/>
-          </a:ln>
-          <a:effectLst/>
-        </p:spPr>
-      </p:pic>
-      <p:pic>
-        <p:nvPicPr>
-          <p:cNvPr id="7171" name="Picture 3"/>
-          <p:cNvPicPr>
-            <a:picLocks noChangeAspect="1" noChangeArrowheads="1"/>
-          </p:cNvPicPr>
-          <p:nvPr/>
-        </p:nvPicPr>
-        <p:blipFill>
-          <a:blip r:embed="rId3"/>
-          <a:srcRect/>
-          <a:stretch>
-            <a:fillRect/>
-          </a:stretch>
-        </p:blipFill>
-        <p:spPr bwMode="auto">
-          <a:xfrm>
-            <a:off x="3714744" y="933450"/>
-            <a:ext cx="5286375" cy="5924550"/>
-          </a:xfrm>
-          <a:prstGeom prst="rect">
-            <a:avLst/>
-          </a:prstGeom>
-          <a:noFill/>
-          <a:ln w="9525">
-            <a:noFill/>
-            <a:miter lim="800000"/>
-            <a:headEnd/>
-            <a:tailEnd/>
-          </a:ln>
-          <a:effectLst/>
-        </p:spPr>
-      </p:pic>
+            <a:endParaRPr lang="zh-CN" altLang="en-US"/>
+          </a:p>
+        </p:txBody>
+      </p:sp>
     </p:spTree>
   </p:cSld>
   <p:clrMapOvr>
@@ -5458,7 +5619,7 @@
       </p:sp>
       <p:pic>
         <p:nvPicPr>
-          <p:cNvPr id="8194" name="Picture 2"/>
+          <p:cNvPr id="5122" name="Picture 2"/>
           <p:cNvPicPr>
             <a:picLocks noChangeAspect="1" noChangeArrowheads="1"/>
           </p:cNvPicPr>
@@ -5473,8 +5634,8 @@
         </p:blipFill>
         <p:spPr bwMode="auto">
           <a:xfrm>
-            <a:off x="642910" y="1190625"/>
-            <a:ext cx="7342187" cy="5667375"/>
+            <a:off x="571472" y="1214422"/>
+            <a:ext cx="3133725" cy="3810000"/>
           </a:xfrm>
           <a:prstGeom prst="rect">
             <a:avLst/>
@@ -5516,12 +5677,12 @@
       </p:grpSpPr>
       <p:sp>
         <p:nvSpPr>
-          <p:cNvPr id="2" name="内容占位符 1"/>
-          <p:cNvSpPr>
-            <a:spLocks noGrp="1"/>
-          </p:cNvSpPr>
-          <p:nvPr>
-            <p:ph idx="1"/>
+          <p:cNvPr id="3" name="标题 2"/>
+          <p:cNvSpPr>
+            <a:spLocks noGrp="1"/>
+          </p:cNvSpPr>
+          <p:nvPr>
+            <p:ph type="title"/>
           </p:nvPr>
         </p:nvSpPr>
         <p:spPr/>
@@ -5530,70 +5691,46 @@
           <a:lstStyle/>
           <a:p>
             <a:r>
-              <a:rPr lang="en-US" altLang="zh-CN" dirty="0" smtClean="0"/>
-              <a:t>model</a:t>
-            </a:r>
-            <a:r>
-              <a:rPr lang="zh-CN" altLang="en-US" dirty="0" smtClean="0"/>
-              <a:t>类必须有一个</a:t>
-            </a:r>
-            <a:r>
-              <a:rPr lang="en-US" altLang="zh-CN" dirty="0" err="1" smtClean="0"/>
-              <a:t>int</a:t>
-            </a:r>
-            <a:r>
-              <a:rPr lang="zh-CN" altLang="en-US" dirty="0" smtClean="0"/>
-              <a:t>类型的</a:t>
-            </a:r>
-            <a:r>
-              <a:rPr lang="en-US" altLang="zh-CN" dirty="0" smtClean="0"/>
-              <a:t>id</a:t>
-            </a:r>
-            <a:r>
-              <a:rPr lang="zh-CN" altLang="en-US" dirty="0" smtClean="0"/>
-              <a:t>字段</a:t>
-            </a:r>
-            <a:endParaRPr lang="en-US" altLang="zh-CN" dirty="0" smtClean="0"/>
-          </a:p>
-          <a:p>
-            <a:r>
-              <a:rPr lang="zh-CN" altLang="en-US" dirty="0" smtClean="0"/>
-              <a:t>数据库的表名是类名首字母小写</a:t>
-            </a:r>
-            <a:endParaRPr lang="en-US" altLang="zh-CN" dirty="0" smtClean="0"/>
-          </a:p>
-          <a:p>
-            <a:r>
-              <a:rPr lang="zh-CN" altLang="en-US" dirty="0" smtClean="0"/>
-              <a:t>表中列名对应类中的属性名</a:t>
+              <a:rPr lang="zh-CN" altLang="en-US" dirty="0" smtClean="0"/>
+              <a:t>代码生成器</a:t>
             </a:r>
             <a:endParaRPr lang="zh-CN" altLang="en-US" dirty="0"/>
           </a:p>
         </p:txBody>
       </p:sp>
-      <p:sp>
-        <p:nvSpPr>
-          <p:cNvPr id="3" name="标题 2"/>
-          <p:cNvSpPr>
-            <a:spLocks noGrp="1"/>
-          </p:cNvSpPr>
-          <p:nvPr>
-            <p:ph type="title"/>
-          </p:nvPr>
-        </p:nvSpPr>
-        <p:spPr/>
-        <p:txBody>
-          <a:bodyPr/>
-          <a:lstStyle/>
-          <a:p>
-            <a:r>
-              <a:rPr lang="zh-CN" altLang="en-US" dirty="0" smtClean="0"/>
-              <a:t>代码生成器的约定</a:t>
-            </a:r>
-            <a:endParaRPr lang="zh-CN" altLang="en-US" dirty="0"/>
-          </a:p>
-        </p:txBody>
-      </p:sp>
+      <p:pic>
+        <p:nvPicPr>
+          <p:cNvPr id="6146" name="Picture 2"/>
+          <p:cNvPicPr>
+            <a:picLocks noChangeAspect="1" noChangeArrowheads="1"/>
+          </p:cNvPicPr>
+          <p:nvPr/>
+        </p:nvPicPr>
+        <p:blipFill>
+          <a:blip r:embed="rId2"/>
+          <a:srcRect/>
+          <a:stretch>
+            <a:fillRect/>
+          </a:stretch>
+        </p:blipFill>
+        <p:spPr bwMode="auto">
+          <a:xfrm>
+            <a:off x="214282" y="1724025"/>
+            <a:ext cx="8929717" cy="5133975"/>
+          </a:xfrm>
+          <a:prstGeom prst="rect">
+            <a:avLst/>
+          </a:prstGeom>
+          <a:noFill/>
+          <a:ln w="9525">
+            <a:noFill/>
+            <a:miter lim="800000"/>
+            <a:headEnd/>
+            <a:tailEnd/>
+          </a:ln>
+          <a:effectLst/>
+        </p:spPr>
+      </p:pic>
     </p:spTree>
   </p:cSld>
   <p:clrMapOvr>
@@ -5631,7 +5768,9 @@
         </p:nvSpPr>
         <p:spPr/>
         <p:txBody>
-          <a:bodyPr/>
+          <a:bodyPr>
+            <a:normAutofit/>
+          </a:bodyPr>
           <a:lstStyle/>
           <a:p>
             <a:r>
@@ -5644,7 +5783,7 @@
       </p:sp>
       <p:pic>
         <p:nvPicPr>
-          <p:cNvPr id="9218" name="Picture 2"/>
+          <p:cNvPr id="7170" name="Picture 2"/>
           <p:cNvPicPr>
             <a:picLocks noChangeAspect="1" noChangeArrowheads="1"/>
           </p:cNvPicPr>
@@ -5659,8 +5798,8 @@
         </p:blipFill>
         <p:spPr bwMode="auto">
           <a:xfrm>
-            <a:off x="571472" y="1285860"/>
-            <a:ext cx="2895600" cy="2905125"/>
+            <a:off x="142844" y="1285860"/>
+            <a:ext cx="3667125" cy="2895600"/>
           </a:xfrm>
           <a:prstGeom prst="rect">
             <a:avLst/>
@@ -5675,63 +5814,39 @@
           <a:effectLst/>
         </p:spPr>
       </p:pic>
-      <p:sp>
-        <p:nvSpPr>
-          <p:cNvPr id="5" name="TextBox 4"/>
-          <p:cNvSpPr txBox="1"/>
+      <p:pic>
+        <p:nvPicPr>
+          <p:cNvPr id="7171" name="Picture 3"/>
+          <p:cNvPicPr>
+            <a:picLocks noChangeAspect="1" noChangeArrowheads="1"/>
+          </p:cNvPicPr>
           <p:nvPr/>
-        </p:nvSpPr>
-        <p:spPr>
-          <a:xfrm>
-            <a:off x="4071934" y="1500174"/>
-            <a:ext cx="4586512" cy="646331"/>
+        </p:nvPicPr>
+        <p:blipFill>
+          <a:blip r:embed="rId3"/>
+          <a:srcRect/>
+          <a:stretch>
+            <a:fillRect/>
+          </a:stretch>
+        </p:blipFill>
+        <p:spPr bwMode="auto">
+          <a:xfrm>
+            <a:off x="3714744" y="933450"/>
+            <a:ext cx="5286375" cy="5924550"/>
           </a:xfrm>
           <a:prstGeom prst="rect">
             <a:avLst/>
           </a:prstGeom>
           <a:noFill/>
-        </p:spPr>
-        <p:txBody>
-          <a:bodyPr wrap="none" rtlCol="0">
-            <a:spAutoFit/>
-          </a:bodyPr>
-          <a:lstStyle/>
-          <a:p>
-            <a:r>
-              <a:rPr lang="zh-CN" altLang="en-US" dirty="0" smtClean="0"/>
-              <a:t>代码生成器的模板在</a:t>
-            </a:r>
-            <a:r>
-              <a:rPr lang="en-US" altLang="zh-CN" dirty="0" smtClean="0"/>
-              <a:t>/</a:t>
-            </a:r>
-            <a:r>
-              <a:rPr lang="en-US" altLang="zh-CN" dirty="0" err="1" smtClean="0"/>
-              <a:t>vm</a:t>
-            </a:r>
-            <a:r>
-              <a:rPr lang="en-US" altLang="zh-CN" dirty="0" smtClean="0"/>
-              <a:t>/</a:t>
-            </a:r>
-            <a:r>
-              <a:rPr lang="en-US" altLang="zh-CN" dirty="0" err="1" smtClean="0"/>
-              <a:t>codegenerate</a:t>
-            </a:r>
-            <a:r>
-              <a:rPr lang="zh-CN" altLang="en-US" dirty="0" smtClean="0"/>
-              <a:t>下</a:t>
-            </a:r>
-            <a:endParaRPr lang="en-US" altLang="zh-CN" dirty="0" smtClean="0"/>
-          </a:p>
-          <a:p>
-            <a:r>
-              <a:rPr lang="zh-CN" altLang="en-US" dirty="0" smtClean="0"/>
-              <a:t>如有需要可自行修改模板</a:t>
-            </a:r>
-            <a:endParaRPr lang="zh-CN" altLang="en-US" dirty="0"/>
-          </a:p>
-        </p:txBody>
-      </p:sp>
+          <a:ln w="9525">
+            <a:noFill/>
+            <a:miter lim="800000"/>
+            <a:headEnd/>
+            <a:tailEnd/>
+          </a:ln>
+          <a:effectLst/>
+        </p:spPr>
+      </p:pic>
     </p:spTree>
   </p:cSld>
   <p:clrMapOvr>
@@ -5782,7 +5897,7 @@
       </p:sp>
       <p:pic>
         <p:nvPicPr>
-          <p:cNvPr id="10242" name="Picture 2"/>
+          <p:cNvPr id="8194" name="Picture 2"/>
           <p:cNvPicPr>
             <a:picLocks noChangeAspect="1" noChangeArrowheads="1"/>
           </p:cNvPicPr>
@@ -5797,8 +5912,8 @@
         </p:blipFill>
         <p:spPr bwMode="auto">
           <a:xfrm>
-            <a:off x="428596" y="1214422"/>
-            <a:ext cx="4914900" cy="4295775"/>
+            <a:off x="642910" y="1190625"/>
+            <a:ext cx="7342187" cy="5667375"/>
           </a:xfrm>
           <a:prstGeom prst="rect">
             <a:avLst/>
@@ -5813,54 +5928,6 @@
           <a:effectLst/>
         </p:spPr>
       </p:pic>
-      <p:sp>
-        <p:nvSpPr>
-          <p:cNvPr id="5" name="TextBox 4"/>
-          <p:cNvSpPr txBox="1"/>
-          <p:nvPr/>
-        </p:nvSpPr>
-        <p:spPr>
-          <a:xfrm>
-            <a:off x="5500694" y="1643050"/>
-            <a:ext cx="3608680" cy="923330"/>
-          </a:xfrm>
-          <a:prstGeom prst="rect">
-            <a:avLst/>
-          </a:prstGeom>
-          <a:noFill/>
-        </p:spPr>
-        <p:txBody>
-          <a:bodyPr wrap="none" rtlCol="0">
-            <a:spAutoFit/>
-          </a:bodyPr>
-          <a:lstStyle/>
-          <a:p>
-            <a:r>
-              <a:rPr lang="zh-CN" altLang="en-US" dirty="0" smtClean="0"/>
-              <a:t>如果生成的代码包名需要修改</a:t>
-            </a:r>
-            <a:endParaRPr lang="en-US" altLang="zh-CN" dirty="0" smtClean="0"/>
-          </a:p>
-          <a:p>
-            <a:r>
-              <a:rPr lang="zh-CN" altLang="en-US" dirty="0" smtClean="0"/>
-              <a:t>可以直接修改</a:t>
-            </a:r>
-            <a:r>
-              <a:rPr lang="en-US" altLang="zh-CN" dirty="0" err="1" smtClean="0"/>
-              <a:t>configs.properties</a:t>
-            </a:r>
-            <a:endParaRPr lang="en-US" altLang="zh-CN" dirty="0" smtClean="0"/>
-          </a:p>
-          <a:p>
-            <a:r>
-              <a:rPr lang="zh-CN" altLang="en-US" dirty="0" smtClean="0"/>
-              <a:t>文件中的配置</a:t>
-            </a:r>
-            <a:endParaRPr lang="zh-CN" altLang="en-US" dirty="0"/>
-          </a:p>
-        </p:txBody>
-      </p:sp>
     </p:spTree>
   </p:cSld>
   <p:clrMapOvr>
@@ -5888,12 +5955,12 @@
       </p:grpSpPr>
       <p:sp>
         <p:nvSpPr>
-          <p:cNvPr id="3" name="标题 2"/>
-          <p:cNvSpPr>
-            <a:spLocks noGrp="1"/>
-          </p:cNvSpPr>
-          <p:nvPr>
-            <p:ph type="title"/>
+          <p:cNvPr id="2" name="内容占位符 1"/>
+          <p:cNvSpPr>
+            <a:spLocks noGrp="1"/>
+          </p:cNvSpPr>
+          <p:nvPr>
+            <p:ph idx="1"/>
           </p:nvPr>
         </p:nvSpPr>
         <p:spPr/>
@@ -5902,144 +5969,66 @@
           <a:lstStyle/>
           <a:p>
             <a:r>
-              <a:rPr lang="zh-CN" altLang="en-US" dirty="0" smtClean="0"/>
-              <a:t>分布式</a:t>
-            </a:r>
-            <a:r>
               <a:rPr lang="en-US" altLang="zh-CN" dirty="0" smtClean="0"/>
-              <a:t>session</a:t>
+              <a:t>model</a:t>
+            </a:r>
+            <a:r>
+              <a:rPr lang="zh-CN" altLang="en-US" dirty="0" smtClean="0"/>
+              <a:t>类必须有一个</a:t>
+            </a:r>
+            <a:r>
+              <a:rPr lang="en-US" altLang="zh-CN" dirty="0" err="1" smtClean="0"/>
+              <a:t>int</a:t>
+            </a:r>
+            <a:r>
+              <a:rPr lang="zh-CN" altLang="en-US" dirty="0" smtClean="0"/>
+              <a:t>类型的</a:t>
+            </a:r>
+            <a:r>
+              <a:rPr lang="en-US" altLang="zh-CN" dirty="0" smtClean="0"/>
+              <a:t>id</a:t>
+            </a:r>
+            <a:r>
+              <a:rPr lang="zh-CN" altLang="en-US" dirty="0" smtClean="0"/>
+              <a:t>字段</a:t>
+            </a:r>
+            <a:endParaRPr lang="en-US" altLang="zh-CN" dirty="0" smtClean="0"/>
+          </a:p>
+          <a:p>
+            <a:r>
+              <a:rPr lang="zh-CN" altLang="en-US" dirty="0" smtClean="0"/>
+              <a:t>数据库的表名是类名首字母小写</a:t>
+            </a:r>
+            <a:endParaRPr lang="en-US" altLang="zh-CN" dirty="0" smtClean="0"/>
+          </a:p>
+          <a:p>
+            <a:r>
+              <a:rPr lang="zh-CN" altLang="en-US" dirty="0" smtClean="0"/>
+              <a:t>表中列名对应类中的属性名</a:t>
             </a:r>
             <a:endParaRPr lang="zh-CN" altLang="en-US" dirty="0"/>
           </a:p>
         </p:txBody>
       </p:sp>
-      <p:pic>
-        <p:nvPicPr>
-          <p:cNvPr id="11266" name="Picture 2"/>
-          <p:cNvPicPr>
-            <a:picLocks noChangeAspect="1" noChangeArrowheads="1"/>
-          </p:cNvPicPr>
-          <p:nvPr/>
-        </p:nvPicPr>
-        <p:blipFill>
-          <a:blip r:embed="rId2"/>
-          <a:srcRect/>
-          <a:stretch>
-            <a:fillRect/>
-          </a:stretch>
-        </p:blipFill>
-        <p:spPr bwMode="auto">
-          <a:xfrm>
-            <a:off x="357158" y="1357298"/>
-            <a:ext cx="4724400" cy="4010025"/>
-          </a:xfrm>
-          <a:prstGeom prst="rect">
-            <a:avLst/>
-          </a:prstGeom>
-          <a:noFill/>
-          <a:ln w="9525">
-            <a:noFill/>
-            <a:miter lim="800000"/>
-            <a:headEnd/>
-            <a:tailEnd/>
-          </a:ln>
-          <a:effectLst/>
-        </p:spPr>
-      </p:pic>
-      <p:sp>
-        <p:nvSpPr>
-          <p:cNvPr id="5" name="TextBox 4"/>
-          <p:cNvSpPr txBox="1"/>
-          <p:nvPr/>
-        </p:nvSpPr>
-        <p:spPr>
-          <a:xfrm>
-            <a:off x="5350974" y="1571612"/>
-            <a:ext cx="3793026" cy="646331"/>
-          </a:xfrm>
-          <a:prstGeom prst="rect">
-            <a:avLst/>
-          </a:prstGeom>
-          <a:noFill/>
-        </p:spPr>
-        <p:txBody>
-          <a:bodyPr wrap="none" rtlCol="0">
-            <a:spAutoFit/>
-          </a:bodyPr>
+      <p:sp>
+        <p:nvSpPr>
+          <p:cNvPr id="3" name="标题 2"/>
+          <p:cNvSpPr>
+            <a:spLocks noGrp="1"/>
+          </p:cNvSpPr>
+          <p:nvPr>
+            <p:ph type="title"/>
+          </p:nvPr>
+        </p:nvSpPr>
+        <p:spPr/>
+        <p:txBody>
+          <a:bodyPr/>
           <a:lstStyle/>
           <a:p>
             <a:r>
               <a:rPr lang="zh-CN" altLang="en-US" dirty="0" smtClean="0"/>
-              <a:t>分布式</a:t>
-            </a:r>
-            <a:r>
-              <a:rPr lang="en-US" altLang="zh-CN" dirty="0" smtClean="0"/>
-              <a:t>Session</a:t>
-            </a:r>
-            <a:r>
-              <a:rPr lang="zh-CN" altLang="en-US" dirty="0" smtClean="0"/>
-              <a:t>主要是利用第三方</a:t>
-            </a:r>
-            <a:endParaRPr lang="en-US" altLang="zh-CN" dirty="0" smtClean="0"/>
-          </a:p>
-          <a:p>
-            <a:r>
-              <a:rPr lang="zh-CN" altLang="en-US" dirty="0" smtClean="0"/>
-              <a:t>组件来保存公共的</a:t>
-            </a:r>
-            <a:r>
-              <a:rPr lang="en-US" altLang="zh-CN" dirty="0" smtClean="0"/>
-              <a:t>Session</a:t>
-            </a:r>
-            <a:r>
-              <a:rPr lang="zh-CN" altLang="en-US" dirty="0" smtClean="0"/>
-              <a:t>中的数据</a:t>
-            </a:r>
-            <a:endParaRPr lang="zh-CN" altLang="en-US" dirty="0"/>
-          </a:p>
-        </p:txBody>
-      </p:sp>
-      <p:sp>
-        <p:nvSpPr>
-          <p:cNvPr id="6" name="TextBox 5"/>
-          <p:cNvSpPr txBox="1"/>
-          <p:nvPr/>
-        </p:nvSpPr>
-        <p:spPr>
-          <a:xfrm>
-            <a:off x="5572132" y="2786058"/>
-            <a:ext cx="1579278" cy="1200329"/>
-          </a:xfrm>
-          <a:prstGeom prst="rect">
-            <a:avLst/>
-          </a:prstGeom>
-          <a:noFill/>
-        </p:spPr>
-        <p:txBody>
-          <a:bodyPr wrap="none" rtlCol="0">
-            <a:spAutoFit/>
-          </a:bodyPr>
-          <a:lstStyle/>
-          <a:p>
-            <a:r>
-              <a:rPr lang="zh-CN" altLang="en-US" dirty="0" smtClean="0"/>
-              <a:t>提供两种方式</a:t>
-            </a:r>
-            <a:endParaRPr lang="en-US" altLang="zh-CN" dirty="0" smtClean="0"/>
-          </a:p>
-          <a:p>
-            <a:r>
-              <a:rPr lang="en-US" altLang="zh-CN" dirty="0" smtClean="0"/>
-              <a:t>1.Redis</a:t>
-            </a:r>
-          </a:p>
-          <a:p>
-            <a:r>
-              <a:rPr lang="en-US" altLang="zh-CN" dirty="0" smtClean="0"/>
-              <a:t>2.Zookeeper</a:t>
-            </a:r>
-          </a:p>
-          <a:p>
+              <a:t>代码生成器的约定</a:t>
+            </a:r>
             <a:endParaRPr lang="zh-CN" altLang="en-US" dirty="0"/>
           </a:p>
         </p:txBody>
@@ -6099,7 +6088,7 @@
       </p:sp>
       <p:pic>
         <p:nvPicPr>
-          <p:cNvPr id="1026" name="Picture 2"/>
+          <p:cNvPr id="3" name="Picture 2"/>
           <p:cNvPicPr>
             <a:picLocks noChangeAspect="1" noChangeArrowheads="1"/>
           </p:cNvPicPr>
@@ -6114,8 +6103,8 @@
         </p:blipFill>
         <p:spPr bwMode="auto">
           <a:xfrm>
-            <a:off x="142844" y="1000108"/>
-            <a:ext cx="8704263" cy="5661854"/>
+            <a:off x="214282" y="1285860"/>
+            <a:ext cx="2609850" cy="4114800"/>
           </a:xfrm>
           <a:prstGeom prst="rect">
             <a:avLst/>
@@ -6130,6 +6119,256 @@
           <a:effectLst/>
         </p:spPr>
       </p:pic>
+      <p:sp>
+        <p:nvSpPr>
+          <p:cNvPr id="5" name="TextBox 4"/>
+          <p:cNvSpPr txBox="1"/>
+          <p:nvPr/>
+        </p:nvSpPr>
+        <p:spPr>
+          <a:xfrm>
+            <a:off x="3000364" y="1357298"/>
+            <a:ext cx="4009431" cy="4801314"/>
+          </a:xfrm>
+          <a:prstGeom prst="rect">
+            <a:avLst/>
+          </a:prstGeom>
+          <a:noFill/>
+        </p:spPr>
+        <p:txBody>
+          <a:bodyPr wrap="none" rtlCol="0">
+            <a:spAutoFit/>
+          </a:bodyPr>
+          <a:lstStyle/>
+          <a:p>
+            <a:r>
+              <a:rPr lang="en-US" altLang="zh-CN" dirty="0" smtClean="0"/>
+              <a:t>annotation:</a:t>
+            </a:r>
+            <a:r>
+              <a:rPr lang="zh-CN" altLang="en-US" dirty="0" smtClean="0"/>
+              <a:t>自动注解</a:t>
+            </a:r>
+            <a:endParaRPr lang="en-US" altLang="zh-CN" dirty="0" smtClean="0"/>
+          </a:p>
+          <a:p>
+            <a:r>
+              <a:rPr lang="en-US" altLang="zh-CN" dirty="0" err="1" smtClean="0"/>
+              <a:t>aspect:aop</a:t>
+            </a:r>
+            <a:r>
+              <a:rPr lang="zh-CN" altLang="en-US" dirty="0" smtClean="0"/>
+              <a:t>层</a:t>
+            </a:r>
+            <a:endParaRPr lang="en-US" altLang="zh-CN" dirty="0" smtClean="0"/>
+          </a:p>
+          <a:p>
+            <a:r>
+              <a:rPr lang="en-US" altLang="zh-CN" dirty="0" smtClean="0"/>
+              <a:t>cache:</a:t>
+            </a:r>
+            <a:r>
+              <a:rPr lang="zh-CN" altLang="en-US" dirty="0" smtClean="0"/>
+              <a:t>缓存</a:t>
+            </a:r>
+            <a:endParaRPr lang="en-US" altLang="zh-CN" dirty="0" smtClean="0"/>
+          </a:p>
+          <a:p>
+            <a:r>
+              <a:rPr lang="en-US" altLang="zh-CN" dirty="0" err="1" smtClean="0"/>
+              <a:t>codegenerate</a:t>
+            </a:r>
+            <a:r>
+              <a:rPr lang="zh-CN" altLang="en-US" dirty="0" smtClean="0"/>
+              <a:t>：代码生成器</a:t>
+            </a:r>
+            <a:endParaRPr lang="en-US" altLang="zh-CN" dirty="0" smtClean="0"/>
+          </a:p>
+          <a:p>
+            <a:r>
+              <a:rPr lang="en-US" altLang="zh-CN" dirty="0" smtClean="0"/>
+              <a:t>common:</a:t>
+            </a:r>
+            <a:r>
+              <a:rPr lang="zh-CN" altLang="en-US" dirty="0" smtClean="0"/>
+              <a:t>拦截器</a:t>
+            </a:r>
+            <a:endParaRPr lang="en-US" altLang="zh-CN" dirty="0" smtClean="0"/>
+          </a:p>
+          <a:p>
+            <a:r>
+              <a:rPr lang="en-US" altLang="zh-CN" dirty="0" err="1" smtClean="0"/>
+              <a:t>controller:Controller</a:t>
+            </a:r>
+            <a:r>
+              <a:rPr lang="zh-CN" altLang="en-US" dirty="0" smtClean="0"/>
+              <a:t>层</a:t>
+            </a:r>
+            <a:endParaRPr lang="en-US" altLang="zh-CN" dirty="0" smtClean="0"/>
+          </a:p>
+          <a:p>
+            <a:r>
+              <a:rPr lang="en-US" altLang="zh-CN" dirty="0" err="1" smtClean="0"/>
+              <a:t>dao:Dao</a:t>
+            </a:r>
+            <a:r>
+              <a:rPr lang="zh-CN" altLang="en-US" dirty="0" smtClean="0"/>
+              <a:t>层</a:t>
+            </a:r>
+            <a:endParaRPr lang="en-US" altLang="zh-CN" dirty="0" smtClean="0"/>
+          </a:p>
+          <a:p>
+            <a:r>
+              <a:rPr lang="en-US" altLang="zh-CN" dirty="0" err="1" smtClean="0"/>
+              <a:t>dubbo:dubbo</a:t>
+            </a:r>
+            <a:r>
+              <a:rPr lang="zh-CN" altLang="en-US" dirty="0" smtClean="0"/>
+              <a:t>提供服务和获取服务层</a:t>
+            </a:r>
+            <a:endParaRPr lang="en-US" altLang="zh-CN" dirty="0" smtClean="0"/>
+          </a:p>
+          <a:p>
+            <a:r>
+              <a:rPr lang="en-US" altLang="zh-CN" dirty="0" smtClean="0"/>
+              <a:t>exception:</a:t>
+            </a:r>
+            <a:r>
+              <a:rPr lang="zh-CN" altLang="en-US" dirty="0" smtClean="0"/>
+              <a:t>异常类</a:t>
+            </a:r>
+            <a:endParaRPr lang="en-US" altLang="zh-CN" dirty="0" smtClean="0"/>
+          </a:p>
+          <a:p>
+            <a:r>
+              <a:rPr lang="en-US" altLang="zh-CN" dirty="0" smtClean="0"/>
+              <a:t>framework:</a:t>
+            </a:r>
+            <a:r>
+              <a:rPr lang="zh-CN" altLang="en-US" dirty="0" smtClean="0"/>
+              <a:t>框架代码层</a:t>
+            </a:r>
+            <a:endParaRPr lang="en-US" altLang="zh-CN" dirty="0" smtClean="0"/>
+          </a:p>
+          <a:p>
+            <a:r>
+              <a:rPr lang="en-US" altLang="zh-CN" dirty="0" smtClean="0"/>
+              <a:t>jobs:</a:t>
+            </a:r>
+            <a:r>
+              <a:rPr lang="zh-CN" altLang="en-US" dirty="0" smtClean="0"/>
+              <a:t>定时器层</a:t>
+            </a:r>
+            <a:endParaRPr lang="en-US" altLang="zh-CN" dirty="0" smtClean="0"/>
+          </a:p>
+          <a:p>
+            <a:r>
+              <a:rPr lang="en-US" altLang="zh-CN" dirty="0" smtClean="0"/>
+              <a:t>model</a:t>
+            </a:r>
+            <a:r>
+              <a:rPr lang="zh-CN" altLang="en-US" dirty="0" smtClean="0"/>
+              <a:t>：</a:t>
+            </a:r>
+            <a:r>
+              <a:rPr lang="en-US" altLang="zh-CN" dirty="0" smtClean="0"/>
+              <a:t>Model</a:t>
+            </a:r>
+            <a:r>
+              <a:rPr lang="zh-CN" altLang="en-US" dirty="0" smtClean="0"/>
+              <a:t>层</a:t>
+            </a:r>
+            <a:endParaRPr lang="en-US" altLang="zh-CN" dirty="0" smtClean="0"/>
+          </a:p>
+          <a:p>
+            <a:r>
+              <a:rPr lang="en-US" altLang="zh-CN" dirty="0" err="1" smtClean="0"/>
+              <a:t>mq</a:t>
+            </a:r>
+            <a:r>
+              <a:rPr lang="zh-CN" altLang="en-US" dirty="0" smtClean="0"/>
+              <a:t>：接收和发送</a:t>
+            </a:r>
+            <a:r>
+              <a:rPr lang="en-US" altLang="zh-CN" dirty="0" smtClean="0"/>
+              <a:t>MQ</a:t>
+            </a:r>
+            <a:r>
+              <a:rPr lang="zh-CN" altLang="en-US" dirty="0" smtClean="0"/>
+              <a:t>数据层</a:t>
+            </a:r>
+            <a:endParaRPr lang="en-US" altLang="zh-CN" dirty="0" smtClean="0"/>
+          </a:p>
+          <a:p>
+            <a:r>
+              <a:rPr lang="en-US" altLang="zh-CN" dirty="0" err="1" smtClean="0"/>
+              <a:t>mybatisDao:Mybatis</a:t>
+            </a:r>
+            <a:r>
+              <a:rPr lang="en-US" altLang="zh-CN" dirty="0" smtClean="0"/>
+              <a:t> Dao</a:t>
+            </a:r>
+            <a:r>
+              <a:rPr lang="zh-CN" altLang="en-US" dirty="0" smtClean="0"/>
+              <a:t>层</a:t>
+            </a:r>
+            <a:endParaRPr lang="en-US" altLang="zh-CN" dirty="0" smtClean="0"/>
+          </a:p>
+          <a:p>
+            <a:r>
+              <a:rPr lang="en-US" altLang="zh-CN" dirty="0" smtClean="0"/>
+              <a:t>service</a:t>
+            </a:r>
+            <a:r>
+              <a:rPr lang="zh-CN" altLang="en-US" dirty="0" smtClean="0"/>
+              <a:t>：</a:t>
+            </a:r>
+            <a:r>
+              <a:rPr lang="en-US" altLang="zh-CN" dirty="0" smtClean="0"/>
+              <a:t>Service</a:t>
+            </a:r>
+            <a:r>
+              <a:rPr lang="zh-CN" altLang="en-US" dirty="0" smtClean="0"/>
+              <a:t>层</a:t>
+            </a:r>
+            <a:endParaRPr lang="en-US" altLang="zh-CN" dirty="0" smtClean="0"/>
+          </a:p>
+          <a:p>
+            <a:r>
+              <a:rPr lang="en-US" altLang="zh-CN" dirty="0" err="1" smtClean="0"/>
+              <a:t>taglib</a:t>
+            </a:r>
+            <a:r>
+              <a:rPr lang="en-US" altLang="zh-CN" dirty="0" smtClean="0"/>
+              <a:t>:</a:t>
+            </a:r>
+            <a:r>
+              <a:rPr lang="zh-CN" altLang="en-US" dirty="0" smtClean="0"/>
+              <a:t>自定义</a:t>
+            </a:r>
+            <a:r>
+              <a:rPr lang="en-US" altLang="zh-CN" dirty="0" err="1" smtClean="0"/>
+              <a:t>jsp</a:t>
+            </a:r>
+            <a:r>
+              <a:rPr lang="zh-CN" altLang="en-US" dirty="0" smtClean="0"/>
+              <a:t>标签</a:t>
+            </a:r>
+            <a:endParaRPr lang="en-US" altLang="zh-CN" dirty="0" smtClean="0"/>
+          </a:p>
+          <a:p>
+            <a:r>
+              <a:rPr lang="en-US" altLang="zh-CN" dirty="0" smtClean="0"/>
+              <a:t>test:</a:t>
+            </a:r>
+            <a:r>
+              <a:rPr lang="zh-CN" altLang="en-US" dirty="0" smtClean="0"/>
+              <a:t>写的测试代码，可以删除</a:t>
+            </a:r>
+            <a:endParaRPr lang="zh-CN" altLang="en-US" dirty="0"/>
+          </a:p>
+        </p:txBody>
+      </p:sp>
     </p:spTree>
   </p:cSld>
   <p:clrMapOvr>
@@ -6171,12 +6410,8 @@
           <a:lstStyle/>
           <a:p>
             <a:r>
-              <a:rPr lang="en-US" altLang="zh-CN" dirty="0" err="1" smtClean="0"/>
-              <a:t>BeanName</a:t>
-            </a:r>
-            <a:r>
-              <a:rPr lang="zh-CN" altLang="en-US" dirty="0" smtClean="0"/>
-              <a:t>生成策略</a:t>
+              <a:rPr lang="zh-CN" altLang="en-US" dirty="0" smtClean="0"/>
+              <a:t>代码生成器</a:t>
             </a:r>
             <a:endParaRPr lang="zh-CN" altLang="en-US" dirty="0"/>
           </a:p>
@@ -6184,7 +6419,7 @@
       </p:sp>
       <p:pic>
         <p:nvPicPr>
-          <p:cNvPr id="12290" name="Picture 2"/>
+          <p:cNvPr id="9218" name="Picture 2"/>
           <p:cNvPicPr>
             <a:picLocks noChangeAspect="1" noChangeArrowheads="1"/>
           </p:cNvPicPr>
@@ -6199,8 +6434,8 @@
         </p:blipFill>
         <p:spPr bwMode="auto">
           <a:xfrm>
-            <a:off x="0" y="1628775"/>
-            <a:ext cx="9144000" cy="3600450"/>
+            <a:off x="571472" y="1285860"/>
+            <a:ext cx="2895600" cy="2905125"/>
           </a:xfrm>
           <a:prstGeom prst="rect">
             <a:avLst/>
@@ -6223,8 +6458,8 @@
         </p:nvSpPr>
         <p:spPr>
           <a:xfrm>
-            <a:off x="571472" y="4572008"/>
-            <a:ext cx="8315097" cy="369332"/>
+            <a:off x="4071934" y="1500174"/>
+            <a:ext cx="4586512" cy="646331"/>
           </a:xfrm>
           <a:prstGeom prst="rect">
             <a:avLst/>
@@ -6239,19 +6474,34 @@
           <a:p>
             <a:r>
               <a:rPr lang="zh-CN" altLang="en-US" dirty="0" smtClean="0"/>
-              <a:t>在包扫描组件后增加红框内的内容，则自动生成的</a:t>
+              <a:t>代码生成器的模板在</a:t>
+            </a:r>
+            <a:r>
+              <a:rPr lang="en-US" altLang="zh-CN" dirty="0" smtClean="0"/>
+              <a:t>/</a:t>
             </a:r>
             <a:r>
               <a:rPr lang="en-US" altLang="zh-CN" dirty="0" err="1" smtClean="0"/>
-              <a:t>BeanName</a:t>
-            </a:r>
-            <a:r>
-              <a:rPr lang="zh-CN" altLang="en-US" dirty="0" smtClean="0"/>
-              <a:t>会自动去掉</a:t>
+              <a:t>vm</a:t>
+            </a:r>
+            <a:r>
+              <a:rPr lang="en-US" altLang="zh-CN" dirty="0" smtClean="0"/>
+              <a:t>/</a:t>
             </a:r>
             <a:r>
               <a:rPr lang="en-US" altLang="zh-CN" dirty="0" err="1" smtClean="0"/>
-              <a:t>Impl</a:t>
+              <a:t>codegenerate</a:t>
+            </a:r>
+            <a:r>
+              <a:rPr lang="zh-CN" altLang="en-US" dirty="0" smtClean="0"/>
+              <a:t>下</a:t>
+            </a:r>
+            <a:endParaRPr lang="en-US" altLang="zh-CN" dirty="0" smtClean="0"/>
+          </a:p>
+          <a:p>
+            <a:r>
+              <a:rPr lang="zh-CN" altLang="en-US" dirty="0" smtClean="0"/>
+              <a:t>如有需要可自行修改模板</a:t>
             </a:r>
             <a:endParaRPr lang="zh-CN" altLang="en-US" dirty="0"/>
           </a:p>
@@ -6298,12 +6548,8 @@
           <a:lstStyle/>
           <a:p>
             <a:r>
-              <a:rPr lang="en-US" altLang="zh-CN" dirty="0" err="1" smtClean="0"/>
-              <a:t>BeanName</a:t>
-            </a:r>
-            <a:r>
-              <a:rPr lang="zh-CN" altLang="en-US" dirty="0" smtClean="0"/>
-              <a:t>生成策略</a:t>
+              <a:rPr lang="zh-CN" altLang="en-US" dirty="0" smtClean="0"/>
+              <a:t>代码生成器</a:t>
             </a:r>
             <a:endParaRPr lang="zh-CN" altLang="en-US" dirty="0"/>
           </a:p>
@@ -6311,7 +6557,7 @@
       </p:sp>
       <p:pic>
         <p:nvPicPr>
-          <p:cNvPr id="13314" name="Picture 2"/>
+          <p:cNvPr id="10242" name="Picture 2"/>
           <p:cNvPicPr>
             <a:picLocks noChangeAspect="1" noChangeArrowheads="1"/>
           </p:cNvPicPr>
@@ -6326,8 +6572,8 @@
         </p:blipFill>
         <p:spPr bwMode="auto">
           <a:xfrm>
-            <a:off x="500034" y="1500174"/>
-            <a:ext cx="4876800" cy="2257425"/>
+            <a:off x="428596" y="1214422"/>
+            <a:ext cx="4914900" cy="4295775"/>
           </a:xfrm>
           <a:prstGeom prst="rect">
             <a:avLst/>
@@ -6342,6 +6588,54 @@
           <a:effectLst/>
         </p:spPr>
       </p:pic>
+      <p:sp>
+        <p:nvSpPr>
+          <p:cNvPr id="5" name="TextBox 4"/>
+          <p:cNvSpPr txBox="1"/>
+          <p:nvPr/>
+        </p:nvSpPr>
+        <p:spPr>
+          <a:xfrm>
+            <a:off x="5500694" y="1643050"/>
+            <a:ext cx="3608680" cy="923330"/>
+          </a:xfrm>
+          <a:prstGeom prst="rect">
+            <a:avLst/>
+          </a:prstGeom>
+          <a:noFill/>
+        </p:spPr>
+        <p:txBody>
+          <a:bodyPr wrap="none" rtlCol="0">
+            <a:spAutoFit/>
+          </a:bodyPr>
+          <a:lstStyle/>
+          <a:p>
+            <a:r>
+              <a:rPr lang="zh-CN" altLang="en-US" dirty="0" smtClean="0"/>
+              <a:t>如果生成的代码包名需要修改</a:t>
+            </a:r>
+            <a:endParaRPr lang="en-US" altLang="zh-CN" dirty="0" smtClean="0"/>
+          </a:p>
+          <a:p>
+            <a:r>
+              <a:rPr lang="zh-CN" altLang="en-US" dirty="0" smtClean="0"/>
+              <a:t>可以直接修改</a:t>
+            </a:r>
+            <a:r>
+              <a:rPr lang="en-US" altLang="zh-CN" dirty="0" err="1" smtClean="0"/>
+              <a:t>configs.properties</a:t>
+            </a:r>
+            <a:endParaRPr lang="en-US" altLang="zh-CN" dirty="0" smtClean="0"/>
+          </a:p>
+          <a:p>
+            <a:r>
+              <a:rPr lang="zh-CN" altLang="en-US" dirty="0" smtClean="0"/>
+              <a:t>文件中的配置</a:t>
+            </a:r>
+            <a:endParaRPr lang="zh-CN" altLang="en-US" dirty="0"/>
+          </a:p>
+        </p:txBody>
+      </p:sp>
     </p:spTree>
   </p:cSld>
   <p:clrMapOvr>
@@ -6384,11 +6678,11 @@
           <a:p>
             <a:r>
               <a:rPr lang="zh-CN" altLang="en-US" dirty="0" smtClean="0"/>
-              <a:t>默认</a:t>
-            </a:r>
-            <a:r>
-              <a:rPr lang="en-US" altLang="zh-CN" dirty="0" err="1" smtClean="0"/>
-              <a:t>RequestMapping</a:t>
+              <a:t>分布式</a:t>
+            </a:r>
+            <a:r>
+              <a:rPr lang="en-US" altLang="zh-CN" dirty="0" smtClean="0"/>
+              <a:t>session</a:t>
             </a:r>
             <a:endParaRPr lang="zh-CN" altLang="en-US" dirty="0"/>
           </a:p>
@@ -6396,7 +6690,7 @@
       </p:sp>
       <p:pic>
         <p:nvPicPr>
-          <p:cNvPr id="14338" name="Picture 2"/>
+          <p:cNvPr id="11266" name="Picture 2"/>
           <p:cNvPicPr>
             <a:picLocks noChangeAspect="1" noChangeArrowheads="1"/>
           </p:cNvPicPr>
@@ -6411,8 +6705,8 @@
         </p:blipFill>
         <p:spPr bwMode="auto">
           <a:xfrm>
-            <a:off x="500034" y="1214422"/>
-            <a:ext cx="7885113" cy="4552950"/>
+            <a:off x="357158" y="1357298"/>
+            <a:ext cx="4724400" cy="4010025"/>
           </a:xfrm>
           <a:prstGeom prst="rect">
             <a:avLst/>
@@ -6435,8 +6729,8 @@
         </p:nvSpPr>
         <p:spPr>
           <a:xfrm>
-            <a:off x="2214546" y="5857892"/>
-            <a:ext cx="6362639" cy="369332"/>
+            <a:off x="5350974" y="1571612"/>
+            <a:ext cx="3793026" cy="646331"/>
           </a:xfrm>
           <a:prstGeom prst="rect">
             <a:avLst/>
@@ -6451,28 +6745,76 @@
           <a:p>
             <a:r>
               <a:rPr lang="zh-CN" altLang="en-US" dirty="0" smtClean="0"/>
-              <a:t>如果</a:t>
-            </a:r>
-            <a:r>
-              <a:rPr lang="en-US" altLang="zh-CN" dirty="0" err="1" smtClean="0"/>
-              <a:t>RequestMapping</a:t>
-            </a:r>
-            <a:r>
-              <a:rPr lang="zh-CN" altLang="en-US" dirty="0" smtClean="0"/>
-              <a:t>后面没有配置</a:t>
-            </a:r>
-            <a:r>
-              <a:rPr lang="en-US" altLang="zh-CN" dirty="0" err="1" smtClean="0"/>
-              <a:t>url</a:t>
-            </a:r>
-            <a:r>
-              <a:rPr lang="zh-CN" altLang="en-US" dirty="0" smtClean="0"/>
-              <a:t>，默认为方法名</a:t>
+              <a:t>分布式</a:t>
             </a:r>
             <a:r>
               <a:rPr lang="en-US" altLang="zh-CN" dirty="0" smtClean="0"/>
-              <a:t>+.do</a:t>
-            </a:r>
+              <a:t>Session</a:t>
+            </a:r>
+            <a:r>
+              <a:rPr lang="zh-CN" altLang="en-US" dirty="0" smtClean="0"/>
+              <a:t>主要是利用第三方</a:t>
+            </a:r>
+            <a:endParaRPr lang="en-US" altLang="zh-CN" dirty="0" smtClean="0"/>
+          </a:p>
+          <a:p>
+            <a:r>
+              <a:rPr lang="zh-CN" altLang="en-US" dirty="0" smtClean="0"/>
+              <a:t>组件来保存公共的</a:t>
+            </a:r>
+            <a:r>
+              <a:rPr lang="en-US" altLang="zh-CN" dirty="0" smtClean="0"/>
+              <a:t>Session</a:t>
+            </a:r>
+            <a:r>
+              <a:rPr lang="zh-CN" altLang="en-US" dirty="0" smtClean="0"/>
+              <a:t>中的数据</a:t>
+            </a:r>
+            <a:endParaRPr lang="zh-CN" altLang="en-US" dirty="0"/>
+          </a:p>
+        </p:txBody>
+      </p:sp>
+      <p:sp>
+        <p:nvSpPr>
+          <p:cNvPr id="6" name="TextBox 5"/>
+          <p:cNvSpPr txBox="1"/>
+          <p:nvPr/>
+        </p:nvSpPr>
+        <p:spPr>
+          <a:xfrm>
+            <a:off x="5572132" y="2786058"/>
+            <a:ext cx="1579278" cy="1200329"/>
+          </a:xfrm>
+          <a:prstGeom prst="rect">
+            <a:avLst/>
+          </a:prstGeom>
+          <a:noFill/>
+        </p:spPr>
+        <p:txBody>
+          <a:bodyPr wrap="none" rtlCol="0">
+            <a:spAutoFit/>
+          </a:bodyPr>
+          <a:lstStyle/>
+          <a:p>
+            <a:r>
+              <a:rPr lang="zh-CN" altLang="en-US" dirty="0" smtClean="0"/>
+              <a:t>提供两种方式</a:t>
+            </a:r>
+            <a:endParaRPr lang="en-US" altLang="zh-CN" dirty="0" smtClean="0"/>
+          </a:p>
+          <a:p>
+            <a:r>
+              <a:rPr lang="en-US" altLang="zh-CN" dirty="0" smtClean="0"/>
+              <a:t>1.Redis</a:t>
+            </a:r>
+          </a:p>
+          <a:p>
+            <a:r>
+              <a:rPr lang="en-US" altLang="zh-CN" dirty="0" smtClean="0"/>
+              <a:t>2.Zookeeper</a:t>
+            </a:r>
+          </a:p>
+          <a:p>
             <a:endParaRPr lang="zh-CN" altLang="en-US" dirty="0"/>
           </a:p>
         </p:txBody>
@@ -6518,8 +6860,12 @@
           <a:lstStyle/>
           <a:p>
             <a:r>
-              <a:rPr lang="zh-CN" altLang="en-US" dirty="0" smtClean="0"/>
-              <a:t>自定义注解</a:t>
+              <a:rPr lang="en-US" altLang="zh-CN" dirty="0" err="1" smtClean="0"/>
+              <a:t>BeanName</a:t>
+            </a:r>
+            <a:r>
+              <a:rPr lang="zh-CN" altLang="en-US" dirty="0" smtClean="0"/>
+              <a:t>生成策略</a:t>
             </a:r>
             <a:endParaRPr lang="zh-CN" altLang="en-US" dirty="0"/>
           </a:p>
@@ -6527,7 +6873,7 @@
       </p:sp>
       <p:pic>
         <p:nvPicPr>
-          <p:cNvPr id="15362" name="Picture 2"/>
+          <p:cNvPr id="12290" name="Picture 2"/>
           <p:cNvPicPr>
             <a:picLocks noChangeAspect="1" noChangeArrowheads="1"/>
           </p:cNvPicPr>
@@ -6542,8 +6888,8 @@
         </p:blipFill>
         <p:spPr bwMode="auto">
           <a:xfrm>
-            <a:off x="214282" y="1214422"/>
-            <a:ext cx="3714750" cy="3124200"/>
+            <a:off x="0" y="1628775"/>
+            <a:ext cx="9144000" cy="3600450"/>
           </a:xfrm>
           <a:prstGeom prst="rect">
             <a:avLst/>
@@ -6558,6 +6904,48 @@
           <a:effectLst/>
         </p:spPr>
       </p:pic>
+      <p:sp>
+        <p:nvSpPr>
+          <p:cNvPr id="5" name="TextBox 4"/>
+          <p:cNvSpPr txBox="1"/>
+          <p:nvPr/>
+        </p:nvSpPr>
+        <p:spPr>
+          <a:xfrm>
+            <a:off x="571472" y="4572008"/>
+            <a:ext cx="8315097" cy="369332"/>
+          </a:xfrm>
+          <a:prstGeom prst="rect">
+            <a:avLst/>
+          </a:prstGeom>
+          <a:noFill/>
+        </p:spPr>
+        <p:txBody>
+          <a:bodyPr wrap="none" rtlCol="0">
+            <a:spAutoFit/>
+          </a:bodyPr>
+          <a:lstStyle/>
+          <a:p>
+            <a:r>
+              <a:rPr lang="zh-CN" altLang="en-US" dirty="0" smtClean="0"/>
+              <a:t>在包扫描组件后增加红框内的内容，则自动生成的</a:t>
+            </a:r>
+            <a:r>
+              <a:rPr lang="en-US" altLang="zh-CN" dirty="0" err="1" smtClean="0"/>
+              <a:t>BeanName</a:t>
+            </a:r>
+            <a:r>
+              <a:rPr lang="zh-CN" altLang="en-US" dirty="0" smtClean="0"/>
+              <a:t>会自动去掉</a:t>
+            </a:r>
+            <a:r>
+              <a:rPr lang="en-US" altLang="zh-CN" dirty="0" err="1" smtClean="0"/>
+              <a:t>Impl</a:t>
+            </a:r>
+            <a:endParaRPr lang="zh-CN" altLang="en-US" dirty="0"/>
+          </a:p>
+        </p:txBody>
+      </p:sp>
     </p:spTree>
   </p:cSld>
   <p:clrMapOvr>
@@ -6595,14 +6983,16 @@
         </p:nvSpPr>
         <p:spPr/>
         <p:txBody>
-          <a:bodyPr>
-            <a:normAutofit/>
-          </a:bodyPr>
+          <a:bodyPr/>
           <a:lstStyle/>
           <a:p>
             <a:r>
-              <a:rPr lang="zh-CN" altLang="en-US" dirty="0" smtClean="0"/>
-              <a:t>自定义注解</a:t>
+              <a:rPr lang="en-US" altLang="zh-CN" dirty="0" err="1" smtClean="0"/>
+              <a:t>BeanName</a:t>
+            </a:r>
+            <a:r>
+              <a:rPr lang="zh-CN" altLang="en-US" dirty="0" smtClean="0"/>
+              <a:t>生成策略</a:t>
             </a:r>
             <a:endParaRPr lang="zh-CN" altLang="en-US" dirty="0"/>
           </a:p>
@@ -6610,7 +7000,7 @@
       </p:sp>
       <p:pic>
         <p:nvPicPr>
-          <p:cNvPr id="16386" name="Picture 2"/>
+          <p:cNvPr id="13314" name="Picture 2"/>
           <p:cNvPicPr>
             <a:picLocks noChangeAspect="1" noChangeArrowheads="1"/>
           </p:cNvPicPr>
@@ -6625,8 +7015,8 @@
         </p:blipFill>
         <p:spPr bwMode="auto">
           <a:xfrm>
-            <a:off x="500034" y="1714488"/>
-            <a:ext cx="7285037" cy="4152900"/>
+            <a:off x="500034" y="1500174"/>
+            <a:ext cx="4876800" cy="2257425"/>
           </a:xfrm>
           <a:prstGeom prst="rect">
             <a:avLst/>
@@ -6683,7 +7073,11 @@
           <a:p>
             <a:r>
               <a:rPr lang="zh-CN" altLang="en-US" dirty="0" smtClean="0"/>
-              <a:t>自定义注解</a:t>
+              <a:t>默认</a:t>
+            </a:r>
+            <a:r>
+              <a:rPr lang="en-US" altLang="zh-CN" dirty="0" err="1" smtClean="0"/>
+              <a:t>RequestMapping</a:t>
             </a:r>
             <a:endParaRPr lang="zh-CN" altLang="en-US" dirty="0"/>
           </a:p>
@@ -6691,7 +7085,7 @@
       </p:sp>
       <p:pic>
         <p:nvPicPr>
-          <p:cNvPr id="17410" name="Picture 2"/>
+          <p:cNvPr id="14338" name="Picture 2"/>
           <p:cNvPicPr>
             <a:picLocks noChangeAspect="1" noChangeArrowheads="1"/>
           </p:cNvPicPr>
@@ -6706,8 +7100,8 @@
         </p:blipFill>
         <p:spPr bwMode="auto">
           <a:xfrm>
-            <a:off x="428596" y="1285860"/>
-            <a:ext cx="6067425" cy="1276350"/>
+            <a:off x="500034" y="1214422"/>
+            <a:ext cx="7885113" cy="4552950"/>
           </a:xfrm>
           <a:prstGeom prst="rect">
             <a:avLst/>
@@ -6722,54 +7116,21 @@
           <a:effectLst/>
         </p:spPr>
       </p:pic>
-      <p:pic>
-        <p:nvPicPr>
-          <p:cNvPr id="17411" name="Picture 3"/>
-          <p:cNvPicPr>
-            <a:picLocks noChangeAspect="1" noChangeArrowheads="1"/>
-          </p:cNvPicPr>
+      <p:sp>
+        <p:nvSpPr>
+          <p:cNvPr id="5" name="TextBox 4"/>
+          <p:cNvSpPr txBox="1"/>
           <p:nvPr/>
-        </p:nvPicPr>
-        <p:blipFill>
-          <a:blip r:embed="rId3"/>
-          <a:srcRect/>
-          <a:stretch>
-            <a:fillRect/>
-          </a:stretch>
-        </p:blipFill>
-        <p:spPr bwMode="auto">
-          <a:xfrm>
-            <a:off x="0" y="2714620"/>
-            <a:ext cx="9072594" cy="247650"/>
+        </p:nvSpPr>
+        <p:spPr>
+          <a:xfrm>
+            <a:off x="2214546" y="5857892"/>
+            <a:ext cx="6362639" cy="369332"/>
           </a:xfrm>
           <a:prstGeom prst="rect">
             <a:avLst/>
           </a:prstGeom>
           <a:noFill/>
-          <a:ln w="9525">
-            <a:noFill/>
-            <a:miter lim="800000"/>
-            <a:headEnd/>
-            <a:tailEnd/>
-          </a:ln>
-          <a:effectLst/>
-        </p:spPr>
-      </p:pic>
-      <p:sp>
-        <p:nvSpPr>
-          <p:cNvPr id="6" name="TextBox 5"/>
-          <p:cNvSpPr txBox="1"/>
-          <p:nvPr/>
-        </p:nvSpPr>
-        <p:spPr>
-          <a:xfrm>
-            <a:off x="0" y="3286124"/>
-            <a:ext cx="6878806" cy="646331"/>
-          </a:xfrm>
-          <a:prstGeom prst="rect">
-            <a:avLst/>
-          </a:prstGeom>
-          <a:noFill/>
         </p:spPr>
         <p:txBody>
           <a:bodyPr wrap="none" rtlCol="0">
@@ -6779,44 +7140,27 @@
           <a:p>
             <a:r>
               <a:rPr lang="zh-CN" altLang="en-US" dirty="0" smtClean="0"/>
-              <a:t>只需要在方法上加上红框内的注解，就会在执行这个方法的时候，</a:t>
-            </a:r>
-            <a:endParaRPr lang="en-US" altLang="zh-CN" dirty="0" smtClean="0"/>
-          </a:p>
-          <a:p>
-            <a:r>
-              <a:rPr lang="zh-CN" altLang="en-US" dirty="0" smtClean="0"/>
-              <a:t>打印出方法执行消耗的时间</a:t>
-            </a:r>
-            <a:endParaRPr lang="zh-CN" altLang="en-US" dirty="0"/>
-          </a:p>
-        </p:txBody>
-      </p:sp>
-      <p:sp>
-        <p:nvSpPr>
-          <p:cNvPr id="7" name="TextBox 6"/>
-          <p:cNvSpPr txBox="1"/>
-          <p:nvPr/>
-        </p:nvSpPr>
-        <p:spPr>
-          <a:xfrm>
-            <a:off x="142844" y="4286256"/>
-            <a:ext cx="4108817" cy="369332"/>
-          </a:xfrm>
-          <a:prstGeom prst="rect">
-            <a:avLst/>
-          </a:prstGeom>
-          <a:noFill/>
-        </p:spPr>
-        <p:txBody>
-          <a:bodyPr wrap="none" rtlCol="0">
-            <a:spAutoFit/>
-          </a:bodyPr>
-          <a:lstStyle/>
-          <a:p>
-            <a:r>
-              <a:rPr lang="zh-CN" altLang="en-US" dirty="0" smtClean="0"/>
-              <a:t>可以参照这个例子编写自己的功能注解</a:t>
+              <a:t>如果</a:t>
+            </a:r>
+            <a:r>
+              <a:rPr lang="en-US" altLang="zh-CN" dirty="0" err="1" smtClean="0"/>
+              <a:t>RequestMapping</a:t>
+            </a:r>
+            <a:r>
+              <a:rPr lang="zh-CN" altLang="en-US" dirty="0" smtClean="0"/>
+              <a:t>后面没有配置</a:t>
+            </a:r>
+            <a:r>
+              <a:rPr lang="en-US" altLang="zh-CN" dirty="0" err="1" smtClean="0"/>
+              <a:t>url</a:t>
+            </a:r>
+            <a:r>
+              <a:rPr lang="zh-CN" altLang="en-US" dirty="0" smtClean="0"/>
+              <a:t>，默认为方法名</a:t>
+            </a:r>
+            <a:r>
+              <a:rPr lang="en-US" altLang="zh-CN" dirty="0" smtClean="0"/>
+              <a:t>+.do</a:t>
             </a:r>
             <a:endParaRPr lang="zh-CN" altLang="en-US" dirty="0"/>
           </a:p>
@@ -6859,14 +7203,12 @@
         </p:nvSpPr>
         <p:spPr/>
         <p:txBody>
-          <a:bodyPr>
-            <a:normAutofit/>
-          </a:bodyPr>
+          <a:bodyPr/>
           <a:lstStyle/>
           <a:p>
             <a:r>
               <a:rPr lang="zh-CN" altLang="en-US" dirty="0" smtClean="0"/>
-              <a:t>配置文件内容获取</a:t>
+              <a:t>自定义注解</a:t>
             </a:r>
             <a:endParaRPr lang="zh-CN" altLang="en-US" dirty="0"/>
           </a:p>
@@ -6874,7 +7216,7 @@
       </p:sp>
       <p:pic>
         <p:nvPicPr>
-          <p:cNvPr id="18434" name="Picture 2"/>
+          <p:cNvPr id="15362" name="Picture 2"/>
           <p:cNvPicPr>
             <a:picLocks noChangeAspect="1" noChangeArrowheads="1"/>
           </p:cNvPicPr>
@@ -6889,8 +7231,8 @@
         </p:blipFill>
         <p:spPr bwMode="auto">
           <a:xfrm>
-            <a:off x="357158" y="1214422"/>
-            <a:ext cx="6124575" cy="4333875"/>
+            <a:off x="214282" y="1214422"/>
+            <a:ext cx="3714750" cy="3124200"/>
           </a:xfrm>
           <a:prstGeom prst="rect">
             <a:avLst/>
@@ -6942,12 +7284,14 @@
         </p:nvSpPr>
         <p:spPr/>
         <p:txBody>
-          <a:bodyPr/>
+          <a:bodyPr>
+            <a:normAutofit/>
+          </a:bodyPr>
           <a:lstStyle/>
           <a:p>
             <a:r>
               <a:rPr lang="zh-CN" altLang="en-US" dirty="0" smtClean="0"/>
-              <a:t>配置文件内容获取</a:t>
+              <a:t>自定义注解</a:t>
             </a:r>
             <a:endParaRPr lang="zh-CN" altLang="en-US" dirty="0"/>
           </a:p>
@@ -6955,7 +7299,7 @@
       </p:sp>
       <p:pic>
         <p:nvPicPr>
-          <p:cNvPr id="19458" name="Picture 2"/>
+          <p:cNvPr id="16386" name="Picture 2"/>
           <p:cNvPicPr>
             <a:picLocks noChangeAspect="1" noChangeArrowheads="1"/>
           </p:cNvPicPr>
@@ -6970,122 +7314,8 @@
         </p:blipFill>
         <p:spPr bwMode="auto">
           <a:xfrm>
-            <a:off x="500034" y="1500174"/>
-            <a:ext cx="4581525" cy="3105150"/>
-          </a:xfrm>
-          <a:prstGeom prst="rect">
-            <a:avLst/>
-          </a:prstGeom>
-          <a:noFill/>
-          <a:ln w="9525">
-            <a:noFill/>
-            <a:miter lim="800000"/>
-            <a:headEnd/>
-            <a:tailEnd/>
-          </a:ln>
-          <a:effectLst/>
-        </p:spPr>
-      </p:pic>
-      <p:sp>
-        <p:nvSpPr>
-          <p:cNvPr id="5" name="TextBox 4"/>
-          <p:cNvSpPr txBox="1"/>
-          <p:nvPr/>
-        </p:nvSpPr>
-        <p:spPr>
-          <a:xfrm>
-            <a:off x="716693" y="5572140"/>
-            <a:ext cx="8427307" cy="646331"/>
-          </a:xfrm>
-          <a:prstGeom prst="rect">
-            <a:avLst/>
-          </a:prstGeom>
-          <a:noFill/>
-        </p:spPr>
-        <p:txBody>
-          <a:bodyPr wrap="none" rtlCol="0">
-            <a:spAutoFit/>
-          </a:bodyPr>
-          <a:lstStyle/>
-          <a:p>
-            <a:r>
-              <a:rPr lang="en-US" altLang="zh-CN" dirty="0" smtClean="0"/>
-              <a:t>1.</a:t>
-            </a:r>
-            <a:r>
-              <a:rPr lang="zh-CN" altLang="en-US" dirty="0" smtClean="0"/>
-              <a:t>在</a:t>
-            </a:r>
-            <a:r>
-              <a:rPr lang="en-US" altLang="zh-CN" dirty="0" smtClean="0"/>
-              <a:t>Spring</a:t>
-            </a:r>
-            <a:r>
-              <a:rPr lang="zh-CN" altLang="en-US" dirty="0" smtClean="0"/>
-              <a:t>的</a:t>
-            </a:r>
-            <a:r>
-              <a:rPr lang="en-US" altLang="zh-CN" dirty="0" smtClean="0"/>
-              <a:t>Bean</a:t>
-            </a:r>
-            <a:r>
-              <a:rPr lang="zh-CN" altLang="en-US" dirty="0" smtClean="0"/>
-              <a:t>中使用</a:t>
-            </a:r>
-            <a:r>
-              <a:rPr lang="en-US" altLang="zh-CN" dirty="0" smtClean="0"/>
-              <a:t>@Value</a:t>
-            </a:r>
-            <a:r>
-              <a:rPr lang="zh-CN" altLang="en-US" dirty="0" smtClean="0"/>
-              <a:t>注解</a:t>
-            </a:r>
-            <a:endParaRPr lang="en-US" altLang="zh-CN" dirty="0" smtClean="0"/>
-          </a:p>
-          <a:p>
-            <a:r>
-              <a:rPr lang="en-US" altLang="zh-CN" dirty="0" smtClean="0"/>
-              <a:t>2.</a:t>
-            </a:r>
-            <a:r>
-              <a:rPr lang="zh-CN" altLang="en-US" dirty="0" smtClean="0"/>
-              <a:t>使用</a:t>
-            </a:r>
-            <a:r>
-              <a:rPr lang="en-US" altLang="zh-CN" dirty="0" err="1" smtClean="0"/>
-              <a:t>CustomizedPropertyPlaceholderConfigurer.</a:t>
-            </a:r>
-            <a:r>
-              <a:rPr lang="en-US" altLang="zh-CN" i="1" dirty="0" err="1" smtClean="0"/>
-              <a:t>getContextProperty</a:t>
-            </a:r>
-            <a:r>
-              <a:rPr lang="zh-CN" altLang="en-US" i="1" dirty="0" smtClean="0"/>
-              <a:t>方法</a:t>
-            </a:r>
-            <a:endParaRPr lang="zh-CN" altLang="en-US" dirty="0"/>
-          </a:p>
-        </p:txBody>
-      </p:sp>
-      <p:pic>
-        <p:nvPicPr>
-          <p:cNvPr id="19459" name="Picture 3"/>
-          <p:cNvPicPr>
-            <a:picLocks noChangeAspect="1" noChangeArrowheads="1"/>
-          </p:cNvPicPr>
-          <p:nvPr/>
-        </p:nvPicPr>
-        <p:blipFill>
-          <a:blip r:embed="rId3"/>
-          <a:srcRect/>
-          <a:stretch>
-            <a:fillRect/>
-          </a:stretch>
-        </p:blipFill>
-        <p:spPr bwMode="auto">
-          <a:xfrm>
-            <a:off x="0" y="3929066"/>
-            <a:ext cx="9144000" cy="1609725"/>
+            <a:off x="500034" y="1714488"/>
+            <a:ext cx="7285037" cy="4152900"/>
           </a:xfrm>
           <a:prstGeom prst="rect">
             <a:avLst/>
@@ -7141,24 +7371,8 @@
           <a:lstStyle/>
           <a:p>
             <a:r>
-              <a:rPr lang="en-US" altLang="zh-CN" dirty="0" smtClean="0"/>
-              <a:t>Spring </a:t>
-            </a:r>
-            <a:r>
-              <a:rPr lang="en-US" altLang="zh-CN" dirty="0" err="1" smtClean="0"/>
-              <a:t>websocket</a:t>
-            </a:r>
-            <a:r>
-              <a:rPr lang="en-US" altLang="zh-CN" dirty="0" smtClean="0"/>
-              <a:t> </a:t>
-            </a:r>
-            <a:r>
-              <a:rPr lang="zh-CN" altLang="en-US" dirty="0" smtClean="0"/>
-              <a:t>使用</a:t>
-            </a:r>
-            <a:r>
-              <a:rPr lang="en-US" altLang="zh-CN" dirty="0" smtClean="0"/>
-              <a:t>Demo</a:t>
+              <a:rPr lang="zh-CN" altLang="en-US" dirty="0" smtClean="0"/>
+              <a:t>自定义注解</a:t>
             </a:r>
             <a:endParaRPr lang="zh-CN" altLang="en-US" dirty="0"/>
           </a:p>
@@ -7166,7 +7380,7 @@
       </p:sp>
       <p:pic>
         <p:nvPicPr>
-          <p:cNvPr id="20482" name="Picture 2"/>
+          <p:cNvPr id="17410" name="Picture 2"/>
           <p:cNvPicPr>
             <a:picLocks noChangeAspect="1" noChangeArrowheads="1"/>
           </p:cNvPicPr>
@@ -7181,8 +7395,8 @@
         </p:blipFill>
         <p:spPr bwMode="auto">
           <a:xfrm>
-            <a:off x="0" y="1085850"/>
-            <a:ext cx="9143999" cy="4686300"/>
+            <a:off x="428596" y="1285860"/>
+            <a:ext cx="6067425" cy="1276350"/>
           </a:xfrm>
           <a:prstGeom prst="rect">
             <a:avLst/>
@@ -7197,6 +7411,106 @@
           <a:effectLst/>
         </p:spPr>
       </p:pic>
+      <p:pic>
+        <p:nvPicPr>
+          <p:cNvPr id="17411" name="Picture 3"/>
+          <p:cNvPicPr>
+            <a:picLocks noChangeAspect="1" noChangeArrowheads="1"/>
+          </p:cNvPicPr>
+          <p:nvPr/>
+        </p:nvPicPr>
+        <p:blipFill>
+          <a:blip r:embed="rId3"/>
+          <a:srcRect/>
+          <a:stretch>
+            <a:fillRect/>
+          </a:stretch>
+        </p:blipFill>
+        <p:spPr bwMode="auto">
+          <a:xfrm>
+            <a:off x="0" y="2714620"/>
+            <a:ext cx="9072594" cy="247650"/>
+          </a:xfrm>
+          <a:prstGeom prst="rect">
+            <a:avLst/>
+          </a:prstGeom>
+          <a:noFill/>
+          <a:ln w="9525">
+            <a:noFill/>
+            <a:miter lim="800000"/>
+            <a:headEnd/>
+            <a:tailEnd/>
+          </a:ln>
+          <a:effectLst/>
+        </p:spPr>
+      </p:pic>
+      <p:sp>
+        <p:nvSpPr>
+          <p:cNvPr id="6" name="TextBox 5"/>
+          <p:cNvSpPr txBox="1"/>
+          <p:nvPr/>
+        </p:nvSpPr>
+        <p:spPr>
+          <a:xfrm>
+            <a:off x="0" y="3286124"/>
+            <a:ext cx="6878806" cy="646331"/>
+          </a:xfrm>
+          <a:prstGeom prst="rect">
+            <a:avLst/>
+          </a:prstGeom>
+          <a:noFill/>
+        </p:spPr>
+        <p:txBody>
+          <a:bodyPr wrap="none" rtlCol="0">
+            <a:spAutoFit/>
+          </a:bodyPr>
+          <a:lstStyle/>
+          <a:p>
+            <a:r>
+              <a:rPr lang="zh-CN" altLang="en-US" dirty="0" smtClean="0"/>
+              <a:t>只需要在方法上加上红框内的注解，就会在执行这个方法的时候，</a:t>
+            </a:r>
+            <a:endParaRPr lang="en-US" altLang="zh-CN" dirty="0" smtClean="0"/>
+          </a:p>
+          <a:p>
+            <a:r>
+              <a:rPr lang="zh-CN" altLang="en-US" dirty="0" smtClean="0"/>
+              <a:t>打印出方法执行消耗的时间</a:t>
+            </a:r>
+            <a:endParaRPr lang="zh-CN" altLang="en-US" dirty="0"/>
+          </a:p>
+        </p:txBody>
+      </p:sp>
+      <p:sp>
+        <p:nvSpPr>
+          <p:cNvPr id="7" name="TextBox 6"/>
+          <p:cNvSpPr txBox="1"/>
+          <p:nvPr/>
+        </p:nvSpPr>
+        <p:spPr>
+          <a:xfrm>
+            <a:off x="142844" y="4286256"/>
+            <a:ext cx="4108817" cy="369332"/>
+          </a:xfrm>
+          <a:prstGeom prst="rect">
+            <a:avLst/>
+          </a:prstGeom>
+          <a:noFill/>
+        </p:spPr>
+        <p:txBody>
+          <a:bodyPr wrap="none" rtlCol="0">
+            <a:spAutoFit/>
+          </a:bodyPr>
+          <a:lstStyle/>
+          <a:p>
+            <a:r>
+              <a:rPr lang="zh-CN" altLang="en-US" dirty="0" smtClean="0"/>
+              <a:t>可以参照这个例子编写自己的功能注解</a:t>
+            </a:r>
+            <a:endParaRPr lang="zh-CN" altLang="en-US" dirty="0"/>
+          </a:p>
+        </p:txBody>
+      </p:sp>
     </p:spTree>
   </p:cSld>
   <p:clrMapOvr>
@@ -7224,44 +7538,6 @@
       </p:grpSpPr>
       <p:sp>
         <p:nvSpPr>
-          <p:cNvPr id="2" name="内容占位符 1"/>
-          <p:cNvSpPr>
-            <a:spLocks noGrp="1"/>
-          </p:cNvSpPr>
-          <p:nvPr>
-            <p:ph idx="1"/>
-          </p:nvPr>
-        </p:nvSpPr>
-        <p:spPr/>
-        <p:txBody>
-          <a:bodyPr/>
-          <a:lstStyle/>
-          <a:p>
-            <a:r>
-              <a:rPr lang="zh-CN" altLang="en-US" dirty="0" smtClean="0"/>
-              <a:t>实现用户之间的在线聊天</a:t>
-            </a:r>
-            <a:endParaRPr lang="en-US" altLang="zh-CN" dirty="0" smtClean="0"/>
-          </a:p>
-          <a:p>
-            <a:r>
-              <a:rPr lang="zh-CN" altLang="en-US" dirty="0" smtClean="0"/>
-              <a:t>实现服务端到浏览器的信息推送，代替原来的旧方案（使用浏览器定时</a:t>
-            </a:r>
-            <a:r>
-              <a:rPr lang="en-US" altLang="zh-CN" dirty="0" err="1" smtClean="0"/>
-              <a:t>ajax</a:t>
-            </a:r>
-            <a:r>
-              <a:rPr lang="zh-CN" altLang="en-US" dirty="0" smtClean="0"/>
-              <a:t>刷新）</a:t>
-            </a:r>
-            <a:endParaRPr lang="zh-CN" altLang="en-US" dirty="0"/>
-          </a:p>
-        </p:txBody>
-      </p:sp>
-      <p:sp>
-        <p:nvSpPr>
           <p:cNvPr id="3" name="标题 2"/>
           <p:cNvSpPr>
             <a:spLocks noGrp="1"/>
@@ -7278,75 +7554,46 @@
           <a:lstStyle/>
           <a:p>
             <a:r>
-              <a:rPr lang="en-US" altLang="zh-CN" dirty="0" smtClean="0"/>
-              <a:t>Spring </a:t>
-            </a:r>
-            <a:r>
-              <a:rPr lang="en-US" altLang="zh-CN" dirty="0" err="1" smtClean="0"/>
-              <a:t>websocket</a:t>
-            </a:r>
-            <a:r>
-              <a:rPr lang="zh-CN" altLang="en-US" dirty="0" smtClean="0"/>
-              <a:t>应用场景</a:t>
+              <a:rPr lang="zh-CN" altLang="en-US" dirty="0" smtClean="0"/>
+              <a:t>配置文件内容获取</a:t>
             </a:r>
             <a:endParaRPr lang="zh-CN" altLang="en-US" dirty="0"/>
           </a:p>
         </p:txBody>
       </p:sp>
-      <p:sp>
-        <p:nvSpPr>
-          <p:cNvPr id="4" name="TextBox 3"/>
-          <p:cNvSpPr txBox="1"/>
+      <p:pic>
+        <p:nvPicPr>
+          <p:cNvPr id="18434" name="Picture 2"/>
+          <p:cNvPicPr>
+            <a:picLocks noChangeAspect="1" noChangeArrowheads="1"/>
+          </p:cNvPicPr>
           <p:nvPr/>
-        </p:nvSpPr>
-        <p:spPr>
-          <a:xfrm>
-            <a:off x="857224" y="3786190"/>
-            <a:ext cx="4278735" cy="369332"/>
+        </p:nvPicPr>
+        <p:blipFill>
+          <a:blip r:embed="rId2"/>
+          <a:srcRect/>
+          <a:stretch>
+            <a:fillRect/>
+          </a:stretch>
+        </p:blipFill>
+        <p:spPr bwMode="auto">
+          <a:xfrm>
+            <a:off x="357158" y="1214422"/>
+            <a:ext cx="6124575" cy="4333875"/>
           </a:xfrm>
           <a:prstGeom prst="rect">
             <a:avLst/>
           </a:prstGeom>
           <a:noFill/>
-        </p:spPr>
-        <p:txBody>
-          <a:bodyPr wrap="none" rtlCol="0">
-            <a:spAutoFit/>
-          </a:bodyPr>
-          <a:lstStyle/>
-          <a:p>
-            <a:r>
-              <a:rPr lang="zh-CN" altLang="en-US" dirty="0" smtClean="0"/>
-              <a:t>支持</a:t>
-            </a:r>
-            <a:r>
-              <a:rPr lang="en-US" altLang="zh-CN" dirty="0" smtClean="0"/>
-              <a:t>IE10+</a:t>
-            </a:r>
-            <a:r>
-              <a:rPr lang="zh-CN" altLang="en-US" dirty="0" smtClean="0"/>
-              <a:t>，</a:t>
-            </a:r>
-            <a:r>
-              <a:rPr lang="en-US" altLang="zh-CN" dirty="0" err="1" smtClean="0"/>
-              <a:t>firefox</a:t>
-            </a:r>
-            <a:r>
-              <a:rPr lang="zh-CN" altLang="en-US" dirty="0" smtClean="0"/>
-              <a:t>，</a:t>
-            </a:r>
-            <a:r>
-              <a:rPr lang="en-US" altLang="zh-CN" dirty="0" smtClean="0"/>
-              <a:t>chrome</a:t>
-            </a:r>
-            <a:r>
-              <a:rPr lang="zh-CN" altLang="en-US" dirty="0" smtClean="0"/>
-              <a:t>等浏览器</a:t>
-            </a:r>
-            <a:endParaRPr lang="zh-CN" altLang="en-US" dirty="0"/>
-          </a:p>
-        </p:txBody>
-      </p:sp>
+          <a:ln w="9525">
+            <a:noFill/>
+            <a:miter lim="800000"/>
+            <a:headEnd/>
+            <a:tailEnd/>
+          </a:ln>
+          <a:effectLst/>
+        </p:spPr>
+      </p:pic>
     </p:spTree>
   </p:cSld>
   <p:clrMapOvr>
@@ -7536,16 +7783,8 @@
           <a:lstStyle/>
           <a:p>
             <a:r>
-              <a:rPr lang="en-US" altLang="zh-CN" dirty="0" smtClean="0"/>
-              <a:t>Spring </a:t>
-            </a:r>
-            <a:r>
-              <a:rPr lang="en-US" altLang="zh-CN" dirty="0" err="1" smtClean="0"/>
-              <a:t>websocket</a:t>
-            </a:r>
-            <a:r>
-              <a:rPr lang="zh-CN" altLang="en-US" dirty="0" smtClean="0"/>
-              <a:t>使用说明</a:t>
+              <a:rPr lang="zh-CN" altLang="en-US" dirty="0" smtClean="0"/>
+              <a:t>配置文件内容获取</a:t>
             </a:r>
             <a:endParaRPr lang="zh-CN" altLang="en-US" dirty="0"/>
           </a:p>
@@ -7553,7 +7792,7 @@
       </p:sp>
       <p:pic>
         <p:nvPicPr>
-          <p:cNvPr id="21506" name="Picture 2"/>
+          <p:cNvPr id="19458" name="Picture 2"/>
           <p:cNvPicPr>
             <a:picLocks noChangeAspect="1" noChangeArrowheads="1"/>
           </p:cNvPicPr>
@@ -7568,8 +7807,8 @@
         </p:blipFill>
         <p:spPr bwMode="auto">
           <a:xfrm>
-            <a:off x="214282" y="2500306"/>
-            <a:ext cx="8780463" cy="2162175"/>
+            <a:off x="500034" y="1500174"/>
+            <a:ext cx="4581525" cy="3105150"/>
           </a:xfrm>
           <a:prstGeom prst="rect">
             <a:avLst/>
@@ -7584,9 +7823,90 @@
           <a:effectLst/>
         </p:spPr>
       </p:pic>
+      <p:sp>
+        <p:nvSpPr>
+          <p:cNvPr id="5" name="TextBox 4"/>
+          <p:cNvSpPr txBox="1"/>
+          <p:nvPr/>
+        </p:nvSpPr>
+        <p:spPr>
+          <a:xfrm>
+            <a:off x="716693" y="5572140"/>
+            <a:ext cx="8427307" cy="646331"/>
+          </a:xfrm>
+          <a:prstGeom prst="rect">
+            <a:avLst/>
+          </a:prstGeom>
+          <a:noFill/>
+        </p:spPr>
+        <p:txBody>
+          <a:bodyPr wrap="none" rtlCol="0">
+            <a:spAutoFit/>
+          </a:bodyPr>
+          <a:lstStyle/>
+          <a:p>
+            <a:r>
+              <a:rPr lang="en-US" altLang="zh-CN" dirty="0" smtClean="0"/>
+              <a:t>1.</a:t>
+            </a:r>
+            <a:r>
+              <a:rPr lang="zh-CN" altLang="en-US" dirty="0" smtClean="0"/>
+              <a:t>在</a:t>
+            </a:r>
+            <a:r>
+              <a:rPr lang="en-US" altLang="zh-CN" dirty="0" smtClean="0"/>
+              <a:t>Spring</a:t>
+            </a:r>
+            <a:r>
+              <a:rPr lang="zh-CN" altLang="en-US" dirty="0" smtClean="0"/>
+              <a:t>的</a:t>
+            </a:r>
+            <a:r>
+              <a:rPr lang="en-US" altLang="zh-CN" dirty="0" smtClean="0"/>
+              <a:t>Bean</a:t>
+            </a:r>
+            <a:r>
+              <a:rPr lang="zh-CN" altLang="en-US" dirty="0" smtClean="0"/>
+              <a:t>中使用</a:t>
+            </a:r>
+            <a:r>
+              <a:rPr lang="en-US" altLang="zh-CN" dirty="0" smtClean="0"/>
+              <a:t>@Value</a:t>
+            </a:r>
+            <a:r>
+              <a:rPr lang="zh-CN" altLang="en-US" dirty="0" smtClean="0"/>
+              <a:t>注解</a:t>
+            </a:r>
+            <a:endParaRPr lang="en-US" altLang="zh-CN" dirty="0" smtClean="0"/>
+          </a:p>
+          <a:p>
+            <a:r>
+              <a:rPr lang="en-US" altLang="zh-CN" dirty="0" smtClean="0"/>
+              <a:t>2.</a:t>
+            </a:r>
+            <a:r>
+              <a:rPr lang="zh-CN" altLang="en-US" dirty="0" smtClean="0"/>
+              <a:t>使用</a:t>
+            </a:r>
+            <a:r>
+              <a:rPr lang="en-US" altLang="zh-CN" dirty="0" err="1" smtClean="0"/>
+              <a:t>CustomizedPropertyPlaceholderConfigurer.</a:t>
+            </a:r>
+            <a:r>
+              <a:rPr lang="en-US" altLang="zh-CN" i="1" dirty="0" err="1" smtClean="0"/>
+              <a:t>getContextProperty</a:t>
+            </a:r>
+            <a:r>
+              <a:rPr lang="zh-CN" altLang="en-US" i="1" dirty="0" smtClean="0"/>
+              <a:t>方法</a:t>
+            </a:r>
+            <a:endParaRPr lang="zh-CN" altLang="en-US" dirty="0"/>
+          </a:p>
+        </p:txBody>
+      </p:sp>
       <p:pic>
         <p:nvPicPr>
-          <p:cNvPr id="21507" name="Picture 3"/>
+          <p:cNvPr id="19459" name="Picture 3"/>
           <p:cNvPicPr>
             <a:picLocks noChangeAspect="1" noChangeArrowheads="1"/>
           </p:cNvPicPr>
@@ -7601,8 +7921,8 @@
         </p:blipFill>
         <p:spPr bwMode="auto">
           <a:xfrm>
-            <a:off x="357158" y="1142984"/>
-            <a:ext cx="5029200" cy="1400175"/>
+            <a:off x="0" y="3929066"/>
+            <a:ext cx="9144000" cy="1609725"/>
           </a:xfrm>
           <a:prstGeom prst="rect">
             <a:avLst/>
@@ -7617,52 +7937,6 @@
           <a:effectLst/>
         </p:spPr>
       </p:pic>
-      <p:sp>
-        <p:nvSpPr>
-          <p:cNvPr id="6" name="TextBox 5"/>
-          <p:cNvSpPr txBox="1"/>
-          <p:nvPr/>
-        </p:nvSpPr>
-        <p:spPr>
-          <a:xfrm>
-            <a:off x="357158" y="5000636"/>
-            <a:ext cx="7856638" cy="369332"/>
-          </a:xfrm>
-          <a:prstGeom prst="rect">
-            <a:avLst/>
-          </a:prstGeom>
-          <a:noFill/>
-        </p:spPr>
-        <p:txBody>
-          <a:bodyPr wrap="none" rtlCol="0">
-            <a:spAutoFit/>
-          </a:bodyPr>
-          <a:lstStyle/>
-          <a:p>
-            <a:r>
-              <a:rPr lang="zh-CN" altLang="en-US" dirty="0" smtClean="0"/>
-              <a:t>编写自己的</a:t>
-            </a:r>
-            <a:r>
-              <a:rPr lang="en-US" altLang="zh-CN" dirty="0" smtClean="0"/>
-              <a:t>Handler</a:t>
-            </a:r>
-            <a:r>
-              <a:rPr lang="zh-CN" altLang="en-US" dirty="0" smtClean="0"/>
-              <a:t>类，发送消息时的业务逻辑写在</a:t>
-            </a:r>
-            <a:r>
-              <a:rPr lang="en-US" altLang="zh-CN" dirty="0" err="1" smtClean="0"/>
-              <a:t>handleMessage</a:t>
-            </a:r>
-            <a:r>
-              <a:rPr lang="zh-CN" altLang="en-US" dirty="0" smtClean="0"/>
-              <a:t>方法中</a:t>
-            </a:r>
-            <a:endParaRPr lang="zh-CN" altLang="en-US" dirty="0"/>
-          </a:p>
-        </p:txBody>
-      </p:sp>
     </p:spTree>
   </p:cSld>
   <p:clrMapOvr>
@@ -7712,8 +7986,16 @@
               <a:t>websocket</a:t>
             </a:r>
             <a:r>
-              <a:rPr lang="zh-CN" altLang="en-US" dirty="0" smtClean="0"/>
-              <a:t>使用说明</a:t>
+              <a:rPr lang="en-US" altLang="zh-CN" dirty="0" smtClean="0"/>
+              <a:t> </a:t>
+            </a:r>
+            <a:r>
+              <a:rPr lang="zh-CN" altLang="en-US" dirty="0" smtClean="0"/>
+              <a:t>使用</a:t>
+            </a:r>
+            <a:r>
+              <a:rPr lang="en-US" altLang="zh-CN" dirty="0" smtClean="0"/>
+              <a:t>Demo</a:t>
             </a:r>
             <a:endParaRPr lang="zh-CN" altLang="en-US" dirty="0"/>
           </a:p>
@@ -7721,7 +8003,7 @@
       </p:sp>
       <p:pic>
         <p:nvPicPr>
-          <p:cNvPr id="22530" name="Picture 2"/>
+          <p:cNvPr id="20482" name="Picture 2"/>
           <p:cNvPicPr>
             <a:picLocks noChangeAspect="1" noChangeArrowheads="1"/>
           </p:cNvPicPr>
@@ -7736,8 +8018,8 @@
         </p:blipFill>
         <p:spPr bwMode="auto">
           <a:xfrm>
-            <a:off x="1" y="1347788"/>
-            <a:ext cx="9144000" cy="4162425"/>
+            <a:off x="0" y="1085850"/>
+            <a:ext cx="9143999" cy="4686300"/>
           </a:xfrm>
           <a:prstGeom prst="rect">
             <a:avLst/>
@@ -7779,12 +8061,12 @@
       </p:grpSpPr>
       <p:sp>
         <p:nvSpPr>
-          <p:cNvPr id="3" name="标题 2"/>
-          <p:cNvSpPr>
-            <a:spLocks noGrp="1"/>
-          </p:cNvSpPr>
-          <p:nvPr>
-            <p:ph type="title"/>
+          <p:cNvPr id="2" name="内容占位符 1"/>
+          <p:cNvSpPr>
+            <a:spLocks noGrp="1"/>
+          </p:cNvSpPr>
+          <p:nvPr>
+            <p:ph idx="1"/>
           </p:nvPr>
         </p:nvSpPr>
         <p:spPr/>
@@ -7793,6 +8075,46 @@
           <a:lstStyle/>
           <a:p>
             <a:r>
+              <a:rPr lang="zh-CN" altLang="en-US" dirty="0" smtClean="0"/>
+              <a:t>实现用户之间的在线聊天</a:t>
+            </a:r>
+            <a:endParaRPr lang="en-US" altLang="zh-CN" dirty="0" smtClean="0"/>
+          </a:p>
+          <a:p>
+            <a:r>
+              <a:rPr lang="zh-CN" altLang="en-US" dirty="0" smtClean="0"/>
+              <a:t>实现服务端到浏览器的信息推送，代替原来的旧方案（使用浏览器定时</a:t>
+            </a:r>
+            <a:r>
+              <a:rPr lang="en-US" altLang="zh-CN" dirty="0" err="1" smtClean="0"/>
+              <a:t>ajax</a:t>
+            </a:r>
+            <a:r>
+              <a:rPr lang="zh-CN" altLang="en-US" dirty="0" smtClean="0"/>
+              <a:t>刷新）</a:t>
+            </a:r>
+            <a:endParaRPr lang="zh-CN" altLang="en-US" dirty="0"/>
+          </a:p>
+        </p:txBody>
+      </p:sp>
+      <p:sp>
+        <p:nvSpPr>
+          <p:cNvPr id="3" name="标题 2"/>
+          <p:cNvSpPr>
+            <a:spLocks noGrp="1"/>
+          </p:cNvSpPr>
+          <p:nvPr>
+            <p:ph type="title"/>
+          </p:nvPr>
+        </p:nvSpPr>
+        <p:spPr/>
+        <p:txBody>
+          <a:bodyPr>
+            <a:normAutofit/>
+          </a:bodyPr>
+          <a:lstStyle/>
+          <a:p>
+            <a:r>
               <a:rPr lang="en-US" altLang="zh-CN" dirty="0" smtClean="0"/>
               <a:t>Spring </a:t>
             </a:r>
@@ -7802,60 +8124,27 @@
             </a:r>
             <a:r>
               <a:rPr lang="zh-CN" altLang="en-US" dirty="0" smtClean="0"/>
-              <a:t>使用说明</a:t>
+              <a:t>应用场景</a:t>
             </a:r>
             <a:endParaRPr lang="zh-CN" altLang="en-US" dirty="0"/>
           </a:p>
         </p:txBody>
       </p:sp>
-      <p:pic>
-        <p:nvPicPr>
-          <p:cNvPr id="23554" name="Picture 2"/>
-          <p:cNvPicPr>
-            <a:picLocks noChangeAspect="1" noChangeArrowheads="1"/>
-          </p:cNvPicPr>
+      <p:sp>
+        <p:nvSpPr>
+          <p:cNvPr id="4" name="TextBox 3"/>
+          <p:cNvSpPr txBox="1"/>
           <p:nvPr/>
-        </p:nvPicPr>
-        <p:blipFill>
-          <a:blip r:embed="rId2"/>
-          <a:srcRect/>
-          <a:stretch>
-            <a:fillRect/>
-          </a:stretch>
-        </p:blipFill>
-        <p:spPr bwMode="auto">
-          <a:xfrm>
-            <a:off x="0" y="1214422"/>
-            <a:ext cx="9144000" cy="3067050"/>
+        </p:nvSpPr>
+        <p:spPr>
+          <a:xfrm>
+            <a:off x="857224" y="3786190"/>
+            <a:ext cx="4278735" cy="369332"/>
           </a:xfrm>
           <a:prstGeom prst="rect">
             <a:avLst/>
           </a:prstGeom>
           <a:noFill/>
-          <a:ln w="9525">
-            <a:noFill/>
-            <a:miter lim="800000"/>
-            <a:headEnd/>
-            <a:tailEnd/>
-          </a:ln>
-          <a:effectLst/>
-        </p:spPr>
-      </p:pic>
-      <p:sp>
-        <p:nvSpPr>
-          <p:cNvPr id="4" name="TextBox 3"/>
-          <p:cNvSpPr txBox="1"/>
-          <p:nvPr/>
-        </p:nvSpPr>
-        <p:spPr>
-          <a:xfrm>
-            <a:off x="142844" y="4857760"/>
-            <a:ext cx="8725466" cy="369332"/>
-          </a:xfrm>
-          <a:prstGeom prst="rect">
-            <a:avLst/>
-          </a:prstGeom>
-          <a:noFill/>
         </p:spPr>
         <p:txBody>
           <a:bodyPr wrap="none" rtlCol="0">
@@ -7865,7 +8154,31 @@
           <a:p>
             <a:r>
               <a:rPr lang="zh-CN" altLang="en-US" dirty="0" smtClean="0"/>
-              <a:t>如果需要对发送的消息进行过滤处理，如脏话、影响社会和谐的，可以加到拦截器中</a:t>
+              <a:t>支持</a:t>
+            </a:r>
+            <a:r>
+              <a:rPr lang="en-US" altLang="zh-CN" dirty="0" smtClean="0"/>
+              <a:t>IE10+</a:t>
+            </a:r>
+            <a:r>
+              <a:rPr lang="zh-CN" altLang="en-US" dirty="0" smtClean="0"/>
+              <a:t>，</a:t>
+            </a:r>
+            <a:r>
+              <a:rPr lang="en-US" altLang="zh-CN" dirty="0" err="1" smtClean="0"/>
+              <a:t>firefox</a:t>
+            </a:r>
+            <a:r>
+              <a:rPr lang="zh-CN" altLang="en-US" dirty="0" smtClean="0"/>
+              <a:t>，</a:t>
+            </a:r>
+            <a:r>
+              <a:rPr lang="en-US" altLang="zh-CN" dirty="0" smtClean="0"/>
+              <a:t>chrome</a:t>
+            </a:r>
+            <a:r>
+              <a:rPr lang="zh-CN" altLang="en-US" dirty="0" smtClean="0"/>
+              <a:t>等浏览器</a:t>
             </a:r>
             <a:endParaRPr lang="zh-CN" altLang="en-US" dirty="0"/>
           </a:p>
@@ -7929,7 +8242,7 @@
       </p:sp>
       <p:pic>
         <p:nvPicPr>
-          <p:cNvPr id="24578" name="Picture 2"/>
+          <p:cNvPr id="21506" name="Picture 2"/>
           <p:cNvPicPr>
             <a:picLocks noChangeAspect="1" noChangeArrowheads="1"/>
           </p:cNvPicPr>
@@ -7944,8 +8257,8 @@
         </p:blipFill>
         <p:spPr bwMode="auto">
           <a:xfrm>
-            <a:off x="0" y="1142984"/>
-            <a:ext cx="7227887" cy="5294325"/>
+            <a:off x="214282" y="2500306"/>
+            <a:ext cx="8780463" cy="2162175"/>
           </a:xfrm>
           <a:prstGeom prst="rect">
             <a:avLst/>
@@ -7960,6 +8273,85 @@
           <a:effectLst/>
         </p:spPr>
       </p:pic>
+      <p:pic>
+        <p:nvPicPr>
+          <p:cNvPr id="21507" name="Picture 3"/>
+          <p:cNvPicPr>
+            <a:picLocks noChangeAspect="1" noChangeArrowheads="1"/>
+          </p:cNvPicPr>
+          <p:nvPr/>
+        </p:nvPicPr>
+        <p:blipFill>
+          <a:blip r:embed="rId3"/>
+          <a:srcRect/>
+          <a:stretch>
+            <a:fillRect/>
+          </a:stretch>
+        </p:blipFill>
+        <p:spPr bwMode="auto">
+          <a:xfrm>
+            <a:off x="357158" y="1142984"/>
+            <a:ext cx="5029200" cy="1400175"/>
+          </a:xfrm>
+          <a:prstGeom prst="rect">
+            <a:avLst/>
+          </a:prstGeom>
+          <a:noFill/>
+          <a:ln w="9525">
+            <a:noFill/>
+            <a:miter lim="800000"/>
+            <a:headEnd/>
+            <a:tailEnd/>
+          </a:ln>
+          <a:effectLst/>
+        </p:spPr>
+      </p:pic>
+      <p:sp>
+        <p:nvSpPr>
+          <p:cNvPr id="6" name="TextBox 5"/>
+          <p:cNvSpPr txBox="1"/>
+          <p:nvPr/>
+        </p:nvSpPr>
+        <p:spPr>
+          <a:xfrm>
+            <a:off x="357158" y="5000636"/>
+            <a:ext cx="7856638" cy="369332"/>
+          </a:xfrm>
+          <a:prstGeom prst="rect">
+            <a:avLst/>
+          </a:prstGeom>
+          <a:noFill/>
+        </p:spPr>
+        <p:txBody>
+          <a:bodyPr wrap="none" rtlCol="0">
+            <a:spAutoFit/>
+          </a:bodyPr>
+          <a:lstStyle/>
+          <a:p>
+            <a:r>
+              <a:rPr lang="zh-CN" altLang="en-US" dirty="0" smtClean="0"/>
+              <a:t>编写自己的</a:t>
+            </a:r>
+            <a:r>
+              <a:rPr lang="en-US" altLang="zh-CN" dirty="0" smtClean="0"/>
+              <a:t>Handler</a:t>
+            </a:r>
+            <a:r>
+              <a:rPr lang="zh-CN" altLang="en-US" dirty="0" smtClean="0"/>
+              <a:t>类，发送消息时的业务逻辑写在</a:t>
+            </a:r>
+            <a:r>
+              <a:rPr lang="en-US" altLang="zh-CN" dirty="0" err="1" smtClean="0"/>
+              <a:t>handleMessage</a:t>
+            </a:r>
+            <a:r>
+              <a:rPr lang="zh-CN" altLang="en-US" dirty="0" smtClean="0"/>
+              <a:t>方法中</a:t>
+            </a:r>
+            <a:endParaRPr lang="zh-CN" altLang="en-US" dirty="0"/>
+          </a:p>
+        </p:txBody>
+      </p:sp>
     </p:spTree>
   </p:cSld>
   <p:clrMapOvr>
@@ -8018,7 +8410,7 @@
       </p:sp>
       <p:pic>
         <p:nvPicPr>
-          <p:cNvPr id="25602" name="Picture 2"/>
+          <p:cNvPr id="22530" name="Picture 2"/>
           <p:cNvPicPr>
             <a:picLocks noChangeAspect="1" noChangeArrowheads="1"/>
           </p:cNvPicPr>
@@ -8033,8 +8425,8 @@
         </p:blipFill>
         <p:spPr bwMode="auto">
           <a:xfrm>
-            <a:off x="0" y="1285860"/>
-            <a:ext cx="9144000" cy="5572139"/>
+            <a:off x="1" y="1347788"/>
+            <a:ext cx="9144000" cy="4162425"/>
           </a:xfrm>
           <a:prstGeom prst="rect">
             <a:avLst/>
@@ -8105,21 +8497,54 @@
           </a:p>
         </p:txBody>
       </p:sp>
-      <p:sp>
-        <p:nvSpPr>
-          <p:cNvPr id="4" name="TextBox 3"/>
-          <p:cNvSpPr txBox="1"/>
+      <p:pic>
+        <p:nvPicPr>
+          <p:cNvPr id="23554" name="Picture 2"/>
+          <p:cNvPicPr>
+            <a:picLocks noChangeAspect="1" noChangeArrowheads="1"/>
+          </p:cNvPicPr>
           <p:nvPr/>
-        </p:nvSpPr>
-        <p:spPr>
-          <a:xfrm>
-            <a:off x="642910" y="1500174"/>
-            <a:ext cx="6000361" cy="369332"/>
+        </p:nvPicPr>
+        <p:blipFill>
+          <a:blip r:embed="rId2"/>
+          <a:srcRect/>
+          <a:stretch>
+            <a:fillRect/>
+          </a:stretch>
+        </p:blipFill>
+        <p:spPr bwMode="auto">
+          <a:xfrm>
+            <a:off x="0" y="1214422"/>
+            <a:ext cx="9144000" cy="3067050"/>
           </a:xfrm>
           <a:prstGeom prst="rect">
             <a:avLst/>
           </a:prstGeom>
           <a:noFill/>
+          <a:ln w="9525">
+            <a:noFill/>
+            <a:miter lim="800000"/>
+            <a:headEnd/>
+            <a:tailEnd/>
+          </a:ln>
+          <a:effectLst/>
+        </p:spPr>
+      </p:pic>
+      <p:sp>
+        <p:nvSpPr>
+          <p:cNvPr id="4" name="TextBox 3"/>
+          <p:cNvSpPr txBox="1"/>
+          <p:nvPr/>
+        </p:nvSpPr>
+        <p:spPr>
+          <a:xfrm>
+            <a:off x="142844" y="4857760"/>
+            <a:ext cx="8725466" cy="369332"/>
+          </a:xfrm>
+          <a:prstGeom prst="rect">
+            <a:avLst/>
+          </a:prstGeom>
+          <a:noFill/>
         </p:spPr>
         <p:txBody>
           <a:bodyPr wrap="none" rtlCol="0">
@@ -8129,19 +8554,7 @@
           <a:p>
             <a:r>
               <a:rPr lang="zh-CN" altLang="en-US" dirty="0" smtClean="0"/>
-              <a:t>前端使用样例，可以具体参照框架中的</a:t>
-            </a:r>
-            <a:r>
-              <a:rPr lang="en-US" altLang="zh-CN" dirty="0" smtClean="0"/>
-              <a:t>chat.js</a:t>
-            </a:r>
-            <a:r>
-              <a:rPr lang="zh-CN" altLang="en-US" dirty="0" smtClean="0"/>
-              <a:t>和</a:t>
-            </a:r>
-            <a:r>
-              <a:rPr lang="en-US" altLang="zh-CN" dirty="0" smtClean="0"/>
-              <a:t>both.jsp</a:t>
+              <a:t>如果需要对发送的消息进行过滤处理，如脏话、影响社会和谐的，可以加到拦截器中</a:t>
             </a:r>
             <a:endParaRPr lang="zh-CN" altLang="en-US" dirty="0"/>
           </a:p>
@@ -8188,16 +8601,16 @@
           <a:lstStyle/>
           <a:p>
             <a:r>
-              <a:rPr lang="zh-CN" altLang="en-US" dirty="0" smtClean="0"/>
-              <a:t>集成</a:t>
+              <a:rPr lang="en-US" altLang="zh-CN" dirty="0" smtClean="0"/>
+              <a:t>Spring </a:t>
             </a:r>
             <a:r>
               <a:rPr lang="en-US" altLang="zh-CN" dirty="0" err="1" smtClean="0"/>
-              <a:t>Ueditor</a:t>
-            </a:r>
-            <a:r>
-              <a:rPr lang="zh-CN" altLang="en-US" dirty="0" smtClean="0"/>
-              <a:t>在线编辑器</a:t>
+              <a:t>websocket</a:t>
+            </a:r>
+            <a:r>
+              <a:rPr lang="zh-CN" altLang="en-US" dirty="0" smtClean="0"/>
+              <a:t>使用说明</a:t>
             </a:r>
             <a:endParaRPr lang="zh-CN" altLang="en-US" dirty="0"/>
           </a:p>
@@ -8205,7 +8618,7 @@
       </p:sp>
       <p:pic>
         <p:nvPicPr>
-          <p:cNvPr id="26626" name="Picture 2"/>
+          <p:cNvPr id="24578" name="Picture 2"/>
           <p:cNvPicPr>
             <a:picLocks noChangeAspect="1" noChangeArrowheads="1"/>
           </p:cNvPicPr>
@@ -8220,8 +8633,8 @@
         </p:blipFill>
         <p:spPr bwMode="auto">
           <a:xfrm>
-            <a:off x="1" y="1071547"/>
-            <a:ext cx="9144000" cy="5214973"/>
+            <a:off x="0" y="1142984"/>
+            <a:ext cx="7227887" cy="5294325"/>
           </a:xfrm>
           <a:prstGeom prst="rect">
             <a:avLst/>
@@ -8236,68 +8649,6 @@
           <a:effectLst/>
         </p:spPr>
       </p:pic>
-      <p:sp>
-        <p:nvSpPr>
-          <p:cNvPr id="5" name="TextBox 4"/>
-          <p:cNvSpPr txBox="1"/>
-          <p:nvPr/>
-        </p:nvSpPr>
-        <p:spPr>
-          <a:xfrm>
-            <a:off x="4429124" y="6286520"/>
-            <a:ext cx="4063933" cy="369332"/>
-          </a:xfrm>
-          <a:prstGeom prst="rect">
-            <a:avLst/>
-          </a:prstGeom>
-          <a:noFill/>
-        </p:spPr>
-        <p:txBody>
-          <a:bodyPr wrap="none" rtlCol="0">
-            <a:spAutoFit/>
-          </a:bodyPr>
-          <a:lstStyle/>
-          <a:p>
-            <a:r>
-              <a:rPr lang="zh-CN" altLang="en-US" dirty="0" smtClean="0">
-                <a:solidFill>
-                  <a:srgbClr val="FF0000"/>
-                </a:solidFill>
-              </a:rPr>
-              <a:t>具体使用参照页面</a:t>
-            </a:r>
-            <a:r>
-              <a:rPr lang="en-US" altLang="zh-CN" dirty="0" smtClean="0">
-                <a:solidFill>
-                  <a:srgbClr val="FF0000"/>
-                </a:solidFill>
-              </a:rPr>
-              <a:t>/</a:t>
-            </a:r>
-            <a:r>
-              <a:rPr lang="en-US" altLang="zh-CN" dirty="0" err="1" smtClean="0">
-                <a:solidFill>
-                  <a:srgbClr val="FF0000"/>
-                </a:solidFill>
-              </a:rPr>
-              <a:t>ueditor</a:t>
-            </a:r>
-            <a:r>
-              <a:rPr lang="en-US" altLang="zh-CN" dirty="0" smtClean="0">
-                <a:solidFill>
-                  <a:srgbClr val="FF0000"/>
-                </a:solidFill>
-              </a:rPr>
-              <a:t>/show.jsp</a:t>
-            </a:r>
-            <a:endParaRPr lang="zh-CN" altLang="en-US" dirty="0">
-              <a:solidFill>
-                <a:srgbClr val="FF0000"/>
-              </a:solidFill>
-            </a:endParaRPr>
-          </a:p>
-        </p:txBody>
-      </p:sp>
     </p:spTree>
   </p:cSld>
   <p:clrMapOvr>
@@ -8339,8 +8690,16 @@
           <a:lstStyle/>
           <a:p>
             <a:r>
-              <a:rPr lang="zh-CN" altLang="en-US" dirty="0" smtClean="0"/>
-              <a:t>框架工具类</a:t>
+              <a:rPr lang="en-US" altLang="zh-CN" dirty="0" smtClean="0"/>
+              <a:t>Spring </a:t>
+            </a:r>
+            <a:r>
+              <a:rPr lang="en-US" altLang="zh-CN" dirty="0" err="1" smtClean="0"/>
+              <a:t>websocket</a:t>
+            </a:r>
+            <a:r>
+              <a:rPr lang="zh-CN" altLang="en-US" dirty="0" smtClean="0"/>
+              <a:t>使用说明</a:t>
             </a:r>
             <a:endParaRPr lang="zh-CN" altLang="en-US" dirty="0"/>
           </a:p>
@@ -8348,7 +8707,7 @@
       </p:sp>
       <p:pic>
         <p:nvPicPr>
-          <p:cNvPr id="27651" name="Picture 3"/>
+          <p:cNvPr id="25602" name="Picture 2"/>
           <p:cNvPicPr>
             <a:picLocks noChangeAspect="1" noChangeArrowheads="1"/>
           </p:cNvPicPr>
@@ -8363,8 +8722,8 @@
         </p:blipFill>
         <p:spPr bwMode="auto">
           <a:xfrm>
-            <a:off x="357158" y="1142984"/>
-            <a:ext cx="6570663" cy="5162550"/>
+            <a:off x="0" y="1285860"/>
+            <a:ext cx="9144000" cy="5572139"/>
           </a:xfrm>
           <a:prstGeom prst="rect">
             <a:avLst/>
@@ -8420,8 +8779,16 @@
           <a:lstStyle/>
           <a:p>
             <a:r>
-              <a:rPr lang="zh-CN" altLang="en-US" dirty="0" smtClean="0"/>
-              <a:t>快递查询</a:t>
+              <a:rPr lang="en-US" altLang="zh-CN" dirty="0" smtClean="0"/>
+              <a:t>Spring </a:t>
+            </a:r>
+            <a:r>
+              <a:rPr lang="en-US" altLang="zh-CN" dirty="0" err="1" smtClean="0"/>
+              <a:t>websocket</a:t>
+            </a:r>
+            <a:r>
+              <a:rPr lang="zh-CN" altLang="en-US" dirty="0" smtClean="0"/>
+              <a:t>使用说明</a:t>
             </a:r>
             <a:endParaRPr lang="zh-CN" altLang="en-US" dirty="0"/>
           </a:p>
@@ -8435,8 +8802,8 @@
         </p:nvSpPr>
         <p:spPr>
           <a:xfrm>
-            <a:off x="571472" y="1500174"/>
-            <a:ext cx="6535764" cy="646331"/>
+            <a:off x="642910" y="1500174"/>
+            <a:ext cx="6000361" cy="369332"/>
           </a:xfrm>
           <a:prstGeom prst="rect">
             <a:avLst/>
@@ -8451,155 +8818,24 @@
           <a:p>
             <a:r>
               <a:rPr lang="zh-CN" altLang="en-US" dirty="0" smtClean="0"/>
-              <a:t>使用快递</a:t>
+              <a:t>前端使用样例，可以具体参照框架中的</a:t>
             </a:r>
             <a:r>
               <a:rPr lang="en-US" altLang="zh-CN" dirty="0" smtClean="0"/>
-              <a:t>100</a:t>
-            </a:r>
-            <a:r>
-              <a:rPr lang="zh-CN" altLang="en-US" dirty="0" smtClean="0"/>
-              <a:t>接口实现，使用时需要在快递</a:t>
+              <a:t>chat.js</a:t>
+            </a:r>
+            <a:r>
+              <a:rPr lang="zh-CN" altLang="en-US" dirty="0" smtClean="0"/>
+              <a:t>和</a:t>
             </a:r>
             <a:r>
               <a:rPr lang="en-US" altLang="zh-CN" dirty="0" smtClean="0"/>
-              <a:t>100</a:t>
-            </a:r>
-            <a:r>
-              <a:rPr lang="zh-CN" altLang="en-US" dirty="0" smtClean="0"/>
-              <a:t>官网申请，</a:t>
-            </a:r>
-            <a:endParaRPr lang="en-US" altLang="zh-CN" dirty="0" smtClean="0"/>
-          </a:p>
-          <a:p>
-            <a:r>
-              <a:rPr lang="zh-CN" altLang="en-US" dirty="0" smtClean="0"/>
-              <a:t>将分配的快递接口</a:t>
-            </a:r>
-            <a:r>
-              <a:rPr lang="en-US" altLang="zh-CN" dirty="0" smtClean="0"/>
-              <a:t>id</a:t>
-            </a:r>
-            <a:r>
-              <a:rPr lang="zh-CN" altLang="en-US" dirty="0" smtClean="0"/>
-              <a:t>填入配置文件</a:t>
-            </a:r>
-            <a:r>
-              <a:rPr lang="en-US" altLang="zh-CN" dirty="0" err="1" smtClean="0"/>
-              <a:t>configs.properties</a:t>
-            </a:r>
-            <a:r>
-              <a:rPr lang="zh-CN" altLang="en-US" dirty="0" smtClean="0"/>
-              <a:t>文件中</a:t>
+              <a:t>both.jsp</a:t>
             </a:r>
             <a:endParaRPr lang="zh-CN" altLang="en-US" dirty="0"/>
           </a:p>
         </p:txBody>
       </p:sp>
-      <p:pic>
-        <p:nvPicPr>
-          <p:cNvPr id="28675" name="Picture 3"/>
-          <p:cNvPicPr>
-            <a:picLocks noChangeAspect="1" noChangeArrowheads="1"/>
-          </p:cNvPicPr>
-          <p:nvPr/>
-        </p:nvPicPr>
-        <p:blipFill>
-          <a:blip r:embed="rId2"/>
-          <a:srcRect/>
-          <a:stretch>
-            <a:fillRect/>
-          </a:stretch>
-        </p:blipFill>
-        <p:spPr bwMode="auto">
-          <a:xfrm>
-            <a:off x="2876550" y="3500438"/>
-            <a:ext cx="6267450" cy="3086100"/>
-          </a:xfrm>
-          <a:prstGeom prst="rect">
-            <a:avLst/>
-          </a:prstGeom>
-          <a:noFill/>
-          <a:ln w="9525">
-            <a:noFill/>
-            <a:miter lim="800000"/>
-            <a:headEnd/>
-            <a:tailEnd/>
-          </a:ln>
-          <a:effectLst/>
-        </p:spPr>
-      </p:pic>
-      <p:sp>
-        <p:nvSpPr>
-          <p:cNvPr id="7" name="TextBox 6"/>
-          <p:cNvSpPr txBox="1"/>
-          <p:nvPr/>
-        </p:nvSpPr>
-        <p:spPr>
-          <a:xfrm>
-            <a:off x="642910" y="3143248"/>
-            <a:ext cx="6452407" cy="369332"/>
-          </a:xfrm>
-          <a:prstGeom prst="rect">
-            <a:avLst/>
-          </a:prstGeom>
-          <a:noFill/>
-        </p:spPr>
-        <p:txBody>
-          <a:bodyPr wrap="none" rtlCol="0">
-            <a:spAutoFit/>
-          </a:bodyPr>
-          <a:lstStyle/>
-          <a:p>
-            <a:r>
-              <a:rPr lang="zh-CN" altLang="en-US" dirty="0" smtClean="0"/>
-              <a:t>调用工具类</a:t>
-            </a:r>
-            <a:r>
-              <a:rPr lang="en-US" altLang="zh-CN" dirty="0" err="1" smtClean="0"/>
-              <a:t>ExpressageUtil</a:t>
-            </a:r>
-            <a:r>
-              <a:rPr lang="zh-CN" altLang="en-US" dirty="0" smtClean="0"/>
-              <a:t>，传递参数就可以查询出快递信息</a:t>
-            </a:r>
-            <a:endParaRPr lang="zh-CN" altLang="en-US" dirty="0"/>
-          </a:p>
-        </p:txBody>
-      </p:sp>
-      <p:pic>
-        <p:nvPicPr>
-          <p:cNvPr id="28677" name="Picture 5"/>
-          <p:cNvPicPr>
-            <a:picLocks noChangeAspect="1" noChangeArrowheads="1"/>
-          </p:cNvPicPr>
-          <p:nvPr/>
-        </p:nvPicPr>
-        <p:blipFill>
-          <a:blip r:embed="rId3"/>
-          <a:srcRect/>
-          <a:stretch>
-            <a:fillRect/>
-          </a:stretch>
-        </p:blipFill>
-        <p:spPr bwMode="auto">
-          <a:xfrm>
-            <a:off x="714348" y="2285992"/>
-            <a:ext cx="5295900" cy="638175"/>
-          </a:xfrm>
-          <a:prstGeom prst="rect">
-            <a:avLst/>
-          </a:prstGeom>
-          <a:noFill/>
-          <a:ln w="9525">
-            <a:noFill/>
-            <a:miter lim="800000"/>
-            <a:headEnd/>
-            <a:tailEnd/>
-          </a:ln>
-          <a:effectLst/>
-        </p:spPr>
-      </p:pic>
     </p:spTree>
   </p:cSld>
   <p:clrMapOvr>
@@ -8642,7 +8878,15 @@
           <a:p>
             <a:r>
               <a:rPr lang="zh-CN" altLang="en-US" dirty="0" smtClean="0"/>
-              <a:t>模板解析工具类</a:t>
+              <a:t>集成</a:t>
+            </a:r>
+            <a:r>
+              <a:rPr lang="en-US" altLang="zh-CN" dirty="0" err="1" smtClean="0"/>
+              <a:t>Ueditor</a:t>
+            </a:r>
+            <a:r>
+              <a:rPr lang="zh-CN" altLang="en-US" dirty="0" smtClean="0"/>
+              <a:t>在线编辑器</a:t>
             </a:r>
             <a:endParaRPr lang="zh-CN" altLang="en-US" dirty="0"/>
           </a:p>
@@ -8650,7 +8894,7 @@
       </p:sp>
       <p:pic>
         <p:nvPicPr>
-          <p:cNvPr id="29699" name="Picture 3"/>
+          <p:cNvPr id="26626" name="Picture 2"/>
           <p:cNvPicPr>
             <a:picLocks noChangeAspect="1" noChangeArrowheads="1"/>
           </p:cNvPicPr>
@@ -8665,8 +8909,8 @@
         </p:blipFill>
         <p:spPr bwMode="auto">
           <a:xfrm>
-            <a:off x="285720" y="1428736"/>
-            <a:ext cx="2590800" cy="4171950"/>
+            <a:off x="1" y="1071547"/>
+            <a:ext cx="9144000" cy="5214973"/>
           </a:xfrm>
           <a:prstGeom prst="rect">
             <a:avLst/>
@@ -8683,14 +8927,14 @@
       </p:pic>
       <p:sp>
         <p:nvSpPr>
-          <p:cNvPr id="6" name="TextBox 5"/>
+          <p:cNvPr id="5" name="TextBox 4"/>
           <p:cNvSpPr txBox="1"/>
           <p:nvPr/>
         </p:nvSpPr>
         <p:spPr>
           <a:xfrm>
-            <a:off x="3071802" y="1428736"/>
-            <a:ext cx="5262979" cy="923330"/>
+            <a:off x="4429124" y="6286520"/>
+            <a:ext cx="4063933" cy="369332"/>
           </a:xfrm>
           <a:prstGeom prst="rect">
             <a:avLst/>
@@ -8704,40 +8948,42 @@
           <a:lstStyle/>
           <a:p>
             <a:r>
-              <a:rPr lang="zh-CN" altLang="en-US" dirty="0" smtClean="0"/>
-              <a:t>模板语言</a:t>
-            </a:r>
-            <a:r>
-              <a:rPr lang="en-US" altLang="zh-CN" dirty="0" err="1" smtClean="0"/>
-              <a:t>Freemarker</a:t>
-            </a:r>
-            <a:r>
-              <a:rPr lang="zh-CN" altLang="en-US" dirty="0" smtClean="0"/>
-              <a:t>和</a:t>
-            </a:r>
-            <a:r>
-              <a:rPr lang="en-US" altLang="zh-CN" dirty="0" smtClean="0"/>
-              <a:t>Velocity</a:t>
-            </a:r>
-            <a:r>
-              <a:rPr lang="zh-CN" altLang="en-US" dirty="0" smtClean="0"/>
-              <a:t>的解析工具类</a:t>
-            </a:r>
-            <a:endParaRPr lang="en-US" altLang="zh-CN" dirty="0" smtClean="0"/>
-          </a:p>
-          <a:p>
-            <a:r>
-              <a:rPr lang="zh-CN" altLang="en-US" dirty="0" smtClean="0"/>
-              <a:t>传递模板文件地址及参数对象，返回解析模板后的</a:t>
-            </a:r>
-            <a:endParaRPr lang="en-US" altLang="zh-CN" dirty="0" smtClean="0"/>
-          </a:p>
-          <a:p>
-            <a:r>
-              <a:rPr lang="zh-CN" altLang="en-US" dirty="0" smtClean="0"/>
-              <a:t>字符串</a:t>
-            </a:r>
-            <a:endParaRPr lang="zh-CN" altLang="en-US" dirty="0"/>
+              <a:rPr lang="zh-CN" altLang="en-US" dirty="0" smtClean="0">
+                <a:solidFill>
+                  <a:srgbClr val="FF0000"/>
+                </a:solidFill>
+              </a:rPr>
+              <a:t>具体使用参照页面</a:t>
+            </a:r>
+            <a:r>
+              <a:rPr lang="en-US" altLang="zh-CN" dirty="0" smtClean="0">
+                <a:solidFill>
+                  <a:srgbClr val="FF0000"/>
+                </a:solidFill>
+              </a:rPr>
+              <a:t>/</a:t>
+            </a:r>
+            <a:r>
+              <a:rPr lang="en-US" altLang="zh-CN" dirty="0" err="1" smtClean="0">
+                <a:solidFill>
+                  <a:srgbClr val="FF0000"/>
+                </a:solidFill>
+              </a:rPr>
+              <a:t>ueditor</a:t>
+            </a:r>
+            <a:r>
+              <a:rPr lang="en-US" altLang="zh-CN" dirty="0" smtClean="0">
+                <a:solidFill>
+                  <a:srgbClr val="FF0000"/>
+                </a:solidFill>
+              </a:rPr>
+              <a:t>/show.jsp</a:t>
+            </a:r>
+            <a:endParaRPr lang="zh-CN" altLang="en-US" dirty="0">
+              <a:solidFill>
+                <a:srgbClr val="FF0000"/>
+              </a:solidFill>
+            </a:endParaRPr>
           </a:p>
         </p:txBody>
       </p:sp>
@@ -8795,7 +9041,7 @@
       </p:sp>
       <p:pic>
         <p:nvPicPr>
-          <p:cNvPr id="3075" name="Picture 3"/>
+          <p:cNvPr id="2051" name="Picture 3"/>
           <p:cNvPicPr>
             <a:picLocks noChangeAspect="1" noChangeArrowheads="1"/>
           </p:cNvPicPr>
@@ -8810,8 +9056,8 @@
         </p:blipFill>
         <p:spPr bwMode="auto">
           <a:xfrm>
-            <a:off x="500034" y="1357298"/>
-            <a:ext cx="5648325" cy="4067175"/>
+            <a:off x="571472" y="1142984"/>
+            <a:ext cx="5438775" cy="4886325"/>
           </a:xfrm>
           <a:prstGeom prst="rect">
             <a:avLst/>
@@ -8867,12 +9113,8 @@
           <a:lstStyle/>
           <a:p>
             <a:r>
-              <a:rPr lang="en-US" altLang="zh-CN" dirty="0" smtClean="0"/>
-              <a:t>Velocity</a:t>
-            </a:r>
-            <a:r>
-              <a:rPr lang="zh-CN" altLang="en-US" dirty="0" smtClean="0"/>
-              <a:t>工具类</a:t>
+              <a:rPr lang="zh-CN" altLang="en-US" dirty="0" smtClean="0"/>
+              <a:t>框架工具类</a:t>
             </a:r>
             <a:endParaRPr lang="zh-CN" altLang="en-US" dirty="0"/>
           </a:p>
@@ -8880,7 +9122,7 @@
       </p:sp>
       <p:pic>
         <p:nvPicPr>
-          <p:cNvPr id="30723" name="Picture 3"/>
+          <p:cNvPr id="27651" name="Picture 3"/>
           <p:cNvPicPr>
             <a:picLocks noChangeAspect="1" noChangeArrowheads="1"/>
           </p:cNvPicPr>
@@ -8895,8 +9137,8 @@
         </p:blipFill>
         <p:spPr bwMode="auto">
           <a:xfrm>
-            <a:off x="357158" y="1285860"/>
-            <a:ext cx="8485187" cy="4686300"/>
+            <a:off x="357158" y="1142984"/>
+            <a:ext cx="6570663" cy="5162550"/>
           </a:xfrm>
           <a:prstGeom prst="rect">
             <a:avLst/>
@@ -8952,12 +9194,77 @@
           <a:lstStyle/>
           <a:p>
             <a:r>
+              <a:rPr lang="zh-CN" altLang="en-US" dirty="0" smtClean="0"/>
+              <a:t>快递查询</a:t>
+            </a:r>
+            <a:endParaRPr lang="zh-CN" altLang="en-US" dirty="0"/>
+          </a:p>
+        </p:txBody>
+      </p:sp>
+      <p:sp>
+        <p:nvSpPr>
+          <p:cNvPr id="4" name="TextBox 3"/>
+          <p:cNvSpPr txBox="1"/>
+          <p:nvPr/>
+        </p:nvSpPr>
+        <p:spPr>
+          <a:xfrm>
+            <a:off x="571472" y="1500174"/>
+            <a:ext cx="6535764" cy="646331"/>
+          </a:xfrm>
+          <a:prstGeom prst="rect">
+            <a:avLst/>
+          </a:prstGeom>
+          <a:noFill/>
+        </p:spPr>
+        <p:txBody>
+          <a:bodyPr wrap="none" rtlCol="0">
+            <a:spAutoFit/>
+          </a:bodyPr>
+          <a:lstStyle/>
+          <a:p>
+            <a:r>
+              <a:rPr lang="zh-CN" altLang="en-US" dirty="0" smtClean="0"/>
+              <a:t>使用快递</a:t>
+            </a:r>
+            <a:r>
+              <a:rPr lang="en-US" altLang="zh-CN" dirty="0" smtClean="0"/>
+              <a:t>100</a:t>
+            </a:r>
+            <a:r>
+              <a:rPr lang="zh-CN" altLang="en-US" dirty="0" smtClean="0"/>
+              <a:t>接口实现，使用时需要在快递</a:t>
+            </a:r>
+            <a:r>
+              <a:rPr lang="en-US" altLang="zh-CN" dirty="0" smtClean="0"/>
+              <a:t>100</a:t>
+            </a:r>
+            <a:r>
+              <a:rPr lang="zh-CN" altLang="en-US" dirty="0" smtClean="0"/>
+              <a:t>官网申请，</a:t>
+            </a:r>
+            <a:endParaRPr lang="en-US" altLang="zh-CN" dirty="0" smtClean="0"/>
+          </a:p>
+          <a:p>
+            <a:r>
+              <a:rPr lang="zh-CN" altLang="en-US" dirty="0" smtClean="0"/>
+              <a:t>将分配的快递接口</a:t>
+            </a:r>
+            <a:r>
+              <a:rPr lang="en-US" altLang="zh-CN" dirty="0" smtClean="0"/>
+              <a:t>id</a:t>
+            </a:r>
+            <a:r>
+              <a:rPr lang="zh-CN" altLang="en-US" dirty="0" smtClean="0"/>
+              <a:t>填入配置文件</a:t>
+            </a:r>
+            <a:r>
               <a:rPr lang="en-US" altLang="zh-CN" dirty="0" err="1" smtClean="0"/>
-              <a:t>Freemarker</a:t>
-            </a:r>
-            <a:r>
-              <a:rPr lang="zh-CN" altLang="en-US" dirty="0" smtClean="0"/>
-              <a:t>工具类</a:t>
+              <a:t>configs.properties</a:t>
+            </a:r>
+            <a:r>
+              <a:rPr lang="zh-CN" altLang="en-US" dirty="0" smtClean="0"/>
+              <a:t>文件中</a:t>
             </a:r>
             <a:endParaRPr lang="zh-CN" altLang="en-US" dirty="0"/>
           </a:p>
@@ -8965,7 +9272,7 @@
       </p:sp>
       <p:pic>
         <p:nvPicPr>
-          <p:cNvPr id="31746" name="Picture 2"/>
+          <p:cNvPr id="28675" name="Picture 3"/>
           <p:cNvPicPr>
             <a:picLocks noChangeAspect="1" noChangeArrowheads="1"/>
           </p:cNvPicPr>
@@ -8980,8 +9287,79 @@
         </p:blipFill>
         <p:spPr bwMode="auto">
           <a:xfrm>
-            <a:off x="571472" y="1071546"/>
-            <a:ext cx="5772150" cy="5657850"/>
+            <a:off x="2876550" y="3500438"/>
+            <a:ext cx="6267450" cy="3086100"/>
+          </a:xfrm>
+          <a:prstGeom prst="rect">
+            <a:avLst/>
+          </a:prstGeom>
+          <a:noFill/>
+          <a:ln w="9525">
+            <a:noFill/>
+            <a:miter lim="800000"/>
+            <a:headEnd/>
+            <a:tailEnd/>
+          </a:ln>
+          <a:effectLst/>
+        </p:spPr>
+      </p:pic>
+      <p:sp>
+        <p:nvSpPr>
+          <p:cNvPr id="7" name="TextBox 6"/>
+          <p:cNvSpPr txBox="1"/>
+          <p:nvPr/>
+        </p:nvSpPr>
+        <p:spPr>
+          <a:xfrm>
+            <a:off x="642910" y="3143248"/>
+            <a:ext cx="6452407" cy="369332"/>
+          </a:xfrm>
+          <a:prstGeom prst="rect">
+            <a:avLst/>
+          </a:prstGeom>
+          <a:noFill/>
+        </p:spPr>
+        <p:txBody>
+          <a:bodyPr wrap="none" rtlCol="0">
+            <a:spAutoFit/>
+          </a:bodyPr>
+          <a:lstStyle/>
+          <a:p>
+            <a:r>
+              <a:rPr lang="zh-CN" altLang="en-US" dirty="0" smtClean="0"/>
+              <a:t>调用工具类</a:t>
+            </a:r>
+            <a:r>
+              <a:rPr lang="en-US" altLang="zh-CN" dirty="0" err="1" smtClean="0"/>
+              <a:t>ExpressageUtil</a:t>
+            </a:r>
+            <a:r>
+              <a:rPr lang="zh-CN" altLang="en-US" dirty="0" smtClean="0"/>
+              <a:t>，传递参数就可以查询出快递信息</a:t>
+            </a:r>
+            <a:endParaRPr lang="zh-CN" altLang="en-US" dirty="0"/>
+          </a:p>
+        </p:txBody>
+      </p:sp>
+      <p:pic>
+        <p:nvPicPr>
+          <p:cNvPr id="28677" name="Picture 5"/>
+          <p:cNvPicPr>
+            <a:picLocks noChangeAspect="1" noChangeArrowheads="1"/>
+          </p:cNvPicPr>
+          <p:nvPr/>
+        </p:nvPicPr>
+        <p:blipFill>
+          <a:blip r:embed="rId3"/>
+          <a:srcRect/>
+          <a:stretch>
+            <a:fillRect/>
+          </a:stretch>
+        </p:blipFill>
+        <p:spPr bwMode="auto">
+          <a:xfrm>
+            <a:off x="714348" y="2285992"/>
+            <a:ext cx="5295900" cy="638175"/>
           </a:xfrm>
           <a:prstGeom prst="rect">
             <a:avLst/>
@@ -9037,12 +9415,8 @@
           <a:lstStyle/>
           <a:p>
             <a:r>
-              <a:rPr lang="en-US" altLang="zh-CN" dirty="0" smtClean="0"/>
-              <a:t>Ftp</a:t>
-            </a:r>
-            <a:r>
-              <a:rPr lang="zh-CN" altLang="en-US" dirty="0" smtClean="0"/>
-              <a:t>工具类</a:t>
+              <a:rPr lang="zh-CN" altLang="en-US" dirty="0" smtClean="0"/>
+              <a:t>模板解析工具类</a:t>
             </a:r>
             <a:endParaRPr lang="zh-CN" altLang="en-US" dirty="0"/>
           </a:p>
@@ -9050,7 +9424,7 @@
       </p:sp>
       <p:pic>
         <p:nvPicPr>
-          <p:cNvPr id="32770" name="Picture 2"/>
+          <p:cNvPr id="29699" name="Picture 3"/>
           <p:cNvPicPr>
             <a:picLocks noChangeAspect="1" noChangeArrowheads="1"/>
           </p:cNvPicPr>
@@ -9065,8 +9439,8 @@
         </p:blipFill>
         <p:spPr bwMode="auto">
           <a:xfrm>
-            <a:off x="214282" y="1428736"/>
-            <a:ext cx="2362200" cy="1371600"/>
+            <a:off x="285720" y="1428736"/>
+            <a:ext cx="2590800" cy="4171950"/>
           </a:xfrm>
           <a:prstGeom prst="rect">
             <a:avLst/>
@@ -9083,14 +9457,14 @@
       </p:pic>
       <p:sp>
         <p:nvSpPr>
-          <p:cNvPr id="5" name="TextBox 4"/>
+          <p:cNvPr id="6" name="TextBox 5"/>
           <p:cNvSpPr txBox="1"/>
           <p:nvPr/>
         </p:nvSpPr>
         <p:spPr>
           <a:xfrm>
-            <a:off x="2714612" y="1500174"/>
-            <a:ext cx="5907386" cy="923330"/>
+            <a:off x="3071802" y="1428736"/>
+            <a:ext cx="5262979" cy="923330"/>
           </a:xfrm>
           <a:prstGeom prst="rect">
             <a:avLst/>
@@ -9104,83 +9478,43 @@
           <a:lstStyle/>
           <a:p>
             <a:r>
+              <a:rPr lang="zh-CN" altLang="en-US" dirty="0" smtClean="0"/>
+              <a:t>模板语言</a:t>
+            </a:r>
+            <a:r>
               <a:rPr lang="en-US" altLang="zh-CN" dirty="0" err="1" smtClean="0"/>
-              <a:t>FtpServerUtil</a:t>
-            </a:r>
-            <a:r>
-              <a:rPr lang="zh-CN" altLang="en-US" dirty="0" smtClean="0"/>
-              <a:t>使用</a:t>
+              <a:t>Freemarker</a:t>
+            </a:r>
+            <a:r>
+              <a:rPr lang="zh-CN" altLang="en-US" dirty="0" smtClean="0"/>
+              <a:t>和</a:t>
             </a:r>
             <a:r>
               <a:rPr lang="en-US" altLang="zh-CN" dirty="0" smtClean="0"/>
-              <a:t>apache</a:t>
-            </a:r>
-            <a:r>
-              <a:rPr lang="zh-CN" altLang="en-US" dirty="0" smtClean="0"/>
-              <a:t>的</a:t>
-            </a:r>
-            <a:r>
-              <a:rPr lang="en-US" altLang="zh-CN" dirty="0" smtClean="0"/>
-              <a:t>ftp server</a:t>
-            </a:r>
-            <a:r>
-              <a:rPr lang="zh-CN" altLang="en-US" dirty="0" smtClean="0"/>
-              <a:t>实现</a:t>
+              <a:t>Velocity</a:t>
+            </a:r>
+            <a:r>
+              <a:rPr lang="zh-CN" altLang="en-US" dirty="0" smtClean="0"/>
+              <a:t>的解析工具类</a:t>
             </a:r>
             <a:endParaRPr lang="en-US" altLang="zh-CN" dirty="0" smtClean="0"/>
           </a:p>
           <a:p>
             <a:r>
-              <a:rPr lang="en-US" altLang="zh-CN" dirty="0" err="1" smtClean="0"/>
-              <a:t>user.properties</a:t>
-            </a:r>
-            <a:r>
-              <a:rPr lang="zh-CN" altLang="en-US" dirty="0" smtClean="0"/>
-              <a:t>的配置方式可以查询</a:t>
-            </a:r>
-            <a:r>
-              <a:rPr lang="en-US" altLang="zh-CN" dirty="0" smtClean="0"/>
-              <a:t>apache ftp server</a:t>
-            </a:r>
-          </a:p>
-          <a:p>
+              <a:rPr lang="zh-CN" altLang="en-US" dirty="0" smtClean="0"/>
+              <a:t>传递模板文件地址及参数对象，返回解析模板后的</a:t>
+            </a:r>
             <a:endParaRPr lang="en-US" altLang="zh-CN" dirty="0" smtClean="0"/>
           </a:p>
-        </p:txBody>
-      </p:sp>
-      <p:pic>
-        <p:nvPicPr>
-          <p:cNvPr id="32771" name="Picture 3"/>
-          <p:cNvPicPr>
-            <a:picLocks noChangeAspect="1" noChangeArrowheads="1"/>
-          </p:cNvPicPr>
-          <p:nvPr/>
-        </p:nvPicPr>
-        <p:blipFill>
-          <a:blip r:embed="rId3"/>
-          <a:srcRect/>
-          <a:stretch>
-            <a:fillRect/>
-          </a:stretch>
-        </p:blipFill>
-        <p:spPr bwMode="auto">
-          <a:xfrm>
-            <a:off x="285720" y="3143248"/>
-            <a:ext cx="8618537" cy="3371850"/>
-          </a:xfrm>
-          <a:prstGeom prst="rect">
-            <a:avLst/>
-          </a:prstGeom>
-          <a:noFill/>
-          <a:ln w="9525">
-            <a:noFill/>
-            <a:miter lim="800000"/>
-            <a:headEnd/>
-            <a:tailEnd/>
-          </a:ln>
-          <a:effectLst/>
-        </p:spPr>
-      </p:pic>
+          <a:p>
+            <a:r>
+              <a:rPr lang="zh-CN" altLang="en-US" dirty="0" smtClean="0"/>
+              <a:t>字符串</a:t>
+            </a:r>
+            <a:endParaRPr lang="zh-CN" altLang="en-US" dirty="0"/>
+          </a:p>
+        </p:txBody>
+      </p:sp>
     </p:spTree>
   </p:cSld>
   <p:clrMapOvr>
@@ -9222,8 +9556,12 @@
           <a:lstStyle/>
           <a:p>
             <a:r>
-              <a:rPr lang="zh-CN" altLang="en-US" dirty="0" smtClean="0"/>
-              <a:t>常用工具类</a:t>
+              <a:rPr lang="en-US" altLang="zh-CN" dirty="0" smtClean="0"/>
+              <a:t>Velocity</a:t>
+            </a:r>
+            <a:r>
+              <a:rPr lang="zh-CN" altLang="en-US" dirty="0" smtClean="0"/>
+              <a:t>工具类</a:t>
             </a:r>
             <a:endParaRPr lang="zh-CN" altLang="en-US" dirty="0"/>
           </a:p>
@@ -9231,7 +9569,7 @@
       </p:sp>
       <p:pic>
         <p:nvPicPr>
-          <p:cNvPr id="33794" name="Picture 2"/>
+          <p:cNvPr id="30723" name="Picture 3"/>
           <p:cNvPicPr>
             <a:picLocks noChangeAspect="1" noChangeArrowheads="1"/>
           </p:cNvPicPr>
@@ -9246,8 +9584,8 @@
         </p:blipFill>
         <p:spPr bwMode="auto">
           <a:xfrm>
-            <a:off x="428596" y="1714488"/>
-            <a:ext cx="7789863" cy="4257675"/>
+            <a:off x="357158" y="1285860"/>
+            <a:ext cx="8485187" cy="4686300"/>
           </a:xfrm>
           <a:prstGeom prst="rect">
             <a:avLst/>
@@ -9303,8 +9641,12 @@
           <a:lstStyle/>
           <a:p>
             <a:r>
-              <a:rPr lang="zh-CN" altLang="en-US" dirty="0" smtClean="0"/>
-              <a:t>常用工具类</a:t>
+              <a:rPr lang="en-US" altLang="zh-CN" dirty="0" err="1" smtClean="0"/>
+              <a:t>Freemarker</a:t>
+            </a:r>
+            <a:r>
+              <a:rPr lang="zh-CN" altLang="en-US" dirty="0" smtClean="0"/>
+              <a:t>工具类</a:t>
             </a:r>
             <a:endParaRPr lang="zh-CN" altLang="en-US" dirty="0"/>
           </a:p>
@@ -9312,7 +9654,7 @@
       </p:sp>
       <p:pic>
         <p:nvPicPr>
-          <p:cNvPr id="34818" name="Picture 2"/>
+          <p:cNvPr id="31746" name="Picture 2"/>
           <p:cNvPicPr>
             <a:picLocks noChangeAspect="1" noChangeArrowheads="1"/>
           </p:cNvPicPr>
@@ -9327,8 +9669,8 @@
         </p:blipFill>
         <p:spPr bwMode="auto">
           <a:xfrm>
-            <a:off x="1" y="1571612"/>
-            <a:ext cx="9144000" cy="2733675"/>
+            <a:off x="571472" y="1071546"/>
+            <a:ext cx="5772150" cy="5657850"/>
           </a:xfrm>
           <a:prstGeom prst="rect">
             <a:avLst/>
@@ -9385,7 +9727,11 @@
           <a:p>
             <a:r>
               <a:rPr lang="en-US" altLang="zh-CN" dirty="0" smtClean="0"/>
-              <a:t>Groovy</a:t>
+              <a:t>Ftp</a:t>
+            </a:r>
+            <a:r>
+              <a:rPr lang="zh-CN" altLang="en-US" dirty="0" smtClean="0"/>
+              <a:t>工具类</a:t>
             </a:r>
             <a:endParaRPr lang="zh-CN" altLang="en-US" dirty="0"/>
           </a:p>
@@ -9393,7 +9739,7 @@
       </p:sp>
       <p:pic>
         <p:nvPicPr>
-          <p:cNvPr id="35842" name="Picture 2"/>
+          <p:cNvPr id="32770" name="Picture 2"/>
           <p:cNvPicPr>
             <a:picLocks noChangeAspect="1" noChangeArrowheads="1"/>
           </p:cNvPicPr>
@@ -9408,8 +9754,8 @@
         </p:blipFill>
         <p:spPr bwMode="auto">
           <a:xfrm>
-            <a:off x="0" y="1357298"/>
-            <a:ext cx="2428875" cy="676275"/>
+            <a:off x="214282" y="1428736"/>
+            <a:ext cx="2362200" cy="1371600"/>
           </a:xfrm>
           <a:prstGeom prst="rect">
             <a:avLst/>
@@ -9432,8 +9778,8 @@
         </p:nvSpPr>
         <p:spPr>
           <a:xfrm>
-            <a:off x="2714612" y="1357298"/>
-            <a:ext cx="5352747" cy="1200329"/>
+            <a:off x="2714612" y="1500174"/>
+            <a:ext cx="5907386" cy="923330"/>
           </a:xfrm>
           <a:prstGeom prst="rect">
             <a:avLst/>
@@ -9447,98 +9793,83 @@
           <a:lstStyle/>
           <a:p>
             <a:r>
+              <a:rPr lang="en-US" altLang="zh-CN" dirty="0" err="1" smtClean="0"/>
+              <a:t>FtpServerUtil</a:t>
+            </a:r>
+            <a:r>
+              <a:rPr lang="zh-CN" altLang="en-US" dirty="0" smtClean="0"/>
+              <a:t>使用</a:t>
+            </a:r>
+            <a:r>
               <a:rPr lang="en-US" altLang="zh-CN" dirty="0" smtClean="0"/>
-              <a:t>Groovy</a:t>
-            </a:r>
-            <a:r>
-              <a:rPr lang="zh-CN" altLang="en-US" dirty="0" smtClean="0"/>
-              <a:t>是一种动态脚本语言，底层使用</a:t>
+              <a:t>apache</a:t>
+            </a:r>
+            <a:r>
+              <a:rPr lang="zh-CN" altLang="en-US" dirty="0" smtClean="0"/>
+              <a:t>的</a:t>
             </a:r>
             <a:r>
               <a:rPr lang="en-US" altLang="zh-CN" dirty="0" smtClean="0"/>
-              <a:t>Java</a:t>
-            </a:r>
-            <a:r>
-              <a:rPr lang="zh-CN" altLang="en-US" dirty="0" smtClean="0"/>
-              <a:t>实现，</a:t>
+              <a:t>ftp server</a:t>
+            </a:r>
+            <a:r>
+              <a:rPr lang="zh-CN" altLang="en-US" dirty="0" smtClean="0"/>
+              <a:t>实现</a:t>
             </a:r>
             <a:endParaRPr lang="en-US" altLang="zh-CN" dirty="0" smtClean="0"/>
           </a:p>
           <a:p>
             <a:r>
-              <a:rPr lang="zh-CN" altLang="en-US" dirty="0" smtClean="0"/>
-              <a:t>所以</a:t>
+              <a:rPr lang="en-US" altLang="zh-CN" dirty="0" err="1" smtClean="0"/>
+              <a:t>user.properties</a:t>
+            </a:r>
+            <a:r>
+              <a:rPr lang="zh-CN" altLang="en-US" dirty="0" smtClean="0"/>
+              <a:t>的配置方式可以查询</a:t>
             </a:r>
             <a:r>
               <a:rPr lang="en-US" altLang="zh-CN" dirty="0" smtClean="0"/>
-              <a:t>95%</a:t>
-            </a:r>
-            <a:r>
-              <a:rPr lang="zh-CN" altLang="en-US" dirty="0" smtClean="0"/>
-              <a:t>的</a:t>
-            </a:r>
-            <a:r>
-              <a:rPr lang="en-US" altLang="zh-CN" dirty="0" smtClean="0"/>
-              <a:t>java</a:t>
-            </a:r>
-            <a:r>
-              <a:rPr lang="zh-CN" altLang="en-US" dirty="0" smtClean="0"/>
-              <a:t>代码可以直接在</a:t>
-            </a:r>
-            <a:r>
-              <a:rPr lang="en-US" altLang="zh-CN" dirty="0" smtClean="0"/>
-              <a:t>Groovy</a:t>
-            </a:r>
-            <a:r>
-              <a:rPr lang="zh-CN" altLang="en-US" dirty="0" smtClean="0"/>
-              <a:t>中运行，</a:t>
-            </a:r>
+              <a:t>apache ftp server</a:t>
+            </a:r>
+          </a:p>
+          <a:p>
             <a:endParaRPr lang="en-US" altLang="zh-CN" dirty="0" smtClean="0"/>
           </a:p>
-          <a:p>
-            <a:r>
-              <a:rPr lang="en-US" altLang="zh-CN" dirty="0" err="1" smtClean="0"/>
-              <a:t>GroovyUtil</a:t>
-            </a:r>
-            <a:r>
-              <a:rPr lang="zh-CN" altLang="en-US" dirty="0" smtClean="0"/>
-              <a:t>就是一个在</a:t>
-            </a:r>
-            <a:r>
-              <a:rPr lang="en-US" altLang="zh-CN" dirty="0" smtClean="0"/>
-              <a:t>Java</a:t>
-            </a:r>
-            <a:r>
-              <a:rPr lang="zh-CN" altLang="en-US" dirty="0" smtClean="0"/>
-              <a:t>中调用</a:t>
-            </a:r>
-            <a:r>
-              <a:rPr lang="en-US" altLang="zh-CN" dirty="0" smtClean="0"/>
-              <a:t>Groovy</a:t>
-            </a:r>
-            <a:r>
-              <a:rPr lang="zh-CN" altLang="en-US" dirty="0" smtClean="0"/>
-              <a:t>的工具类</a:t>
-            </a:r>
-            <a:endParaRPr lang="en-US" altLang="zh-CN" dirty="0" smtClean="0"/>
-          </a:p>
-          <a:p>
-            <a:r>
-              <a:rPr lang="en-US" altLang="zh-CN" dirty="0" smtClean="0"/>
-              <a:t>Groovy</a:t>
-            </a:r>
-            <a:r>
-              <a:rPr lang="zh-CN" altLang="en-US" dirty="0" smtClean="0"/>
-              <a:t>可以在代码中直接调用</a:t>
-            </a:r>
-            <a:r>
-              <a:rPr lang="en-US" altLang="zh-CN" dirty="0" smtClean="0"/>
-              <a:t>Java</a:t>
-            </a:r>
-            <a:endParaRPr lang="zh-CN" altLang="en-US" dirty="0"/>
-          </a:p>
-        </p:txBody>
-      </p:sp>
+        </p:txBody>
+      </p:sp>
+      <p:pic>
+        <p:nvPicPr>
+          <p:cNvPr id="32771" name="Picture 3"/>
+          <p:cNvPicPr>
+            <a:picLocks noChangeAspect="1" noChangeArrowheads="1"/>
+          </p:cNvPicPr>
+          <p:nvPr/>
+        </p:nvPicPr>
+        <p:blipFill>
+          <a:blip r:embed="rId3"/>
+          <a:srcRect/>
+          <a:stretch>
+            <a:fillRect/>
+          </a:stretch>
+        </p:blipFill>
+        <p:spPr bwMode="auto">
+          <a:xfrm>
+            <a:off x="285720" y="3143248"/>
+            <a:ext cx="8618537" cy="3371850"/>
+          </a:xfrm>
+          <a:prstGeom prst="rect">
+            <a:avLst/>
+          </a:prstGeom>
+          <a:noFill/>
+          <a:ln w="9525">
+            <a:noFill/>
+            <a:miter lim="800000"/>
+            <a:headEnd/>
+            <a:tailEnd/>
+          </a:ln>
+          <a:effectLst/>
+        </p:spPr>
+      </p:pic>
     </p:spTree>
   </p:cSld>
   <p:clrMapOvr>
@@ -9566,12 +9897,12 @@
       </p:grpSpPr>
       <p:sp>
         <p:nvSpPr>
-          <p:cNvPr id="2" name="内容占位符 1"/>
-          <p:cNvSpPr>
-            <a:spLocks noGrp="1"/>
-          </p:cNvSpPr>
-          <p:nvPr>
-            <p:ph idx="1"/>
+          <p:cNvPr id="3" name="标题 2"/>
+          <p:cNvSpPr>
+            <a:spLocks noGrp="1"/>
+          </p:cNvSpPr>
+          <p:nvPr>
+            <p:ph type="title"/>
           </p:nvPr>
         </p:nvSpPr>
         <p:spPr/>
@@ -9581,67 +9912,45 @@
           <a:p>
             <a:r>
               <a:rPr lang="zh-CN" altLang="en-US" dirty="0" smtClean="0"/>
-              <a:t>系统中部分业务代码需要在服务运行期间新增修改，而不用重启服务</a:t>
-            </a:r>
-            <a:endParaRPr lang="en-US" altLang="zh-CN" dirty="0" smtClean="0"/>
-          </a:p>
-          <a:p>
-            <a:r>
-              <a:rPr lang="zh-CN" altLang="en-US" dirty="0" smtClean="0"/>
-              <a:t>可以直接在系统后台执行某些代码，完成运行时的操作</a:t>
-            </a:r>
-            <a:endParaRPr lang="en-US" altLang="zh-CN" dirty="0" smtClean="0"/>
-          </a:p>
-          <a:p>
-            <a:r>
-              <a:rPr lang="zh-CN" altLang="en-US" dirty="0" smtClean="0"/>
-              <a:t>某些代码在开发阶段无法确定，需要在运行时才能确定</a:t>
-            </a:r>
-            <a:endParaRPr lang="en-US" altLang="zh-CN" dirty="0" smtClean="0"/>
-          </a:p>
-          <a:p>
-            <a:r>
-              <a:rPr lang="en-US" altLang="zh-CN" dirty="0" smtClean="0"/>
-              <a:t>Groovy</a:t>
-            </a:r>
-            <a:r>
-              <a:rPr lang="zh-CN" altLang="en-US" dirty="0" smtClean="0"/>
-              <a:t>代码可以保存在数据库中，也可以保存在配置文件中</a:t>
-            </a:r>
-            <a:endParaRPr lang="en-US" altLang="zh-CN" dirty="0" smtClean="0"/>
-          </a:p>
-          <a:p>
-            <a:endParaRPr lang="en-US" altLang="zh-CN" dirty="0" smtClean="0"/>
-          </a:p>
-        </p:txBody>
-      </p:sp>
-      <p:sp>
-        <p:nvSpPr>
-          <p:cNvPr id="3" name="标题 2"/>
-          <p:cNvSpPr>
-            <a:spLocks noGrp="1"/>
-          </p:cNvSpPr>
-          <p:nvPr>
-            <p:ph type="title"/>
-          </p:nvPr>
-        </p:nvSpPr>
-        <p:spPr/>
-        <p:txBody>
-          <a:bodyPr/>
-          <a:lstStyle/>
-          <a:p>
-            <a:r>
-              <a:rPr lang="en-US" altLang="zh-CN" dirty="0" smtClean="0"/>
-              <a:t>Groovy</a:t>
-            </a:r>
-            <a:r>
-              <a:rPr lang="zh-CN" altLang="en-US" dirty="0" smtClean="0"/>
-              <a:t>应用场景</a:t>
+              <a:t>常用工具类</a:t>
             </a:r>
             <a:endParaRPr lang="zh-CN" altLang="en-US" dirty="0"/>
           </a:p>
         </p:txBody>
       </p:sp>
+      <p:pic>
+        <p:nvPicPr>
+          <p:cNvPr id="33794" name="Picture 2"/>
+          <p:cNvPicPr>
+            <a:picLocks noChangeAspect="1" noChangeArrowheads="1"/>
+          </p:cNvPicPr>
+          <p:nvPr/>
+        </p:nvPicPr>
+        <p:blipFill>
+          <a:blip r:embed="rId2"/>
+          <a:srcRect/>
+          <a:stretch>
+            <a:fillRect/>
+          </a:stretch>
+        </p:blipFill>
+        <p:spPr bwMode="auto">
+          <a:xfrm>
+            <a:off x="428596" y="1714488"/>
+            <a:ext cx="7789863" cy="4257675"/>
+          </a:xfrm>
+          <a:prstGeom prst="rect">
+            <a:avLst/>
+          </a:prstGeom>
+          <a:noFill/>
+          <a:ln w="9525">
+            <a:noFill/>
+            <a:miter lim="800000"/>
+            <a:headEnd/>
+            <a:tailEnd/>
+          </a:ln>
+          <a:effectLst/>
+        </p:spPr>
+      </p:pic>
     </p:spTree>
   </p:cSld>
   <p:clrMapOvr>
@@ -9683,12 +9992,8 @@
           <a:lstStyle/>
           <a:p>
             <a:r>
-              <a:rPr lang="en-US" altLang="zh-CN" dirty="0" smtClean="0"/>
-              <a:t>Groovy</a:t>
-            </a:r>
-            <a:r>
-              <a:rPr lang="zh-CN" altLang="en-US" dirty="0" smtClean="0"/>
-              <a:t>应用场景</a:t>
+              <a:rPr lang="zh-CN" altLang="en-US" dirty="0" smtClean="0"/>
+              <a:t>常用工具类</a:t>
             </a:r>
             <a:endParaRPr lang="zh-CN" altLang="en-US" dirty="0"/>
           </a:p>
@@ -9696,7 +10001,7 @@
       </p:sp>
       <p:pic>
         <p:nvPicPr>
-          <p:cNvPr id="36866" name="Picture 2"/>
+          <p:cNvPr id="34818" name="Picture 2"/>
           <p:cNvPicPr>
             <a:picLocks noChangeAspect="1" noChangeArrowheads="1"/>
           </p:cNvPicPr>
@@ -9711,8 +10016,8 @@
         </p:blipFill>
         <p:spPr bwMode="auto">
           <a:xfrm>
-            <a:off x="142844" y="1287693"/>
-            <a:ext cx="7929586" cy="5356017"/>
+            <a:off x="1" y="1571612"/>
+            <a:ext cx="9144000" cy="2733675"/>
           </a:xfrm>
           <a:prstGeom prst="rect">
             <a:avLst/>
@@ -9771,17 +10076,13 @@
               <a:rPr lang="en-US" altLang="zh-CN" dirty="0" smtClean="0"/>
               <a:t>Groovy</a:t>
             </a:r>
-            <a:r>
-              <a:rPr lang="zh-CN" altLang="en-US" dirty="0" smtClean="0"/>
-              <a:t>应用场景</a:t>
-            </a:r>
             <a:endParaRPr lang="zh-CN" altLang="en-US" dirty="0"/>
           </a:p>
         </p:txBody>
       </p:sp>
       <p:pic>
         <p:nvPicPr>
-          <p:cNvPr id="37892" name="Picture 4"/>
+          <p:cNvPr id="35842" name="Picture 2"/>
           <p:cNvPicPr>
             <a:picLocks noChangeAspect="1" noChangeArrowheads="1"/>
           </p:cNvPicPr>
@@ -9796,8 +10097,8 @@
         </p:blipFill>
         <p:spPr bwMode="auto">
           <a:xfrm>
-            <a:off x="214282" y="1143000"/>
-            <a:ext cx="7408863" cy="5715000"/>
+            <a:off x="0" y="1357298"/>
+            <a:ext cx="2428875" cy="676275"/>
           </a:xfrm>
           <a:prstGeom prst="rect">
             <a:avLst/>
@@ -9812,6 +10113,121 @@
           <a:effectLst/>
         </p:spPr>
       </p:pic>
+      <p:sp>
+        <p:nvSpPr>
+          <p:cNvPr id="5" name="TextBox 4"/>
+          <p:cNvSpPr txBox="1"/>
+          <p:nvPr/>
+        </p:nvSpPr>
+        <p:spPr>
+          <a:xfrm>
+            <a:off x="2714612" y="1357298"/>
+            <a:ext cx="5352747" cy="1200329"/>
+          </a:xfrm>
+          <a:prstGeom prst="rect">
+            <a:avLst/>
+          </a:prstGeom>
+          <a:noFill/>
+        </p:spPr>
+        <p:txBody>
+          <a:bodyPr wrap="none" rtlCol="0">
+            <a:spAutoFit/>
+          </a:bodyPr>
+          <a:lstStyle/>
+          <a:p>
+            <a:r>
+              <a:rPr lang="en-US" altLang="zh-CN" dirty="0" smtClean="0"/>
+              <a:t>Groovy</a:t>
+            </a:r>
+            <a:r>
+              <a:rPr lang="zh-CN" altLang="en-US" dirty="0" smtClean="0"/>
+              <a:t>是一种动态脚本语言，底层使用</a:t>
+            </a:r>
+            <a:r>
+              <a:rPr lang="en-US" altLang="zh-CN" dirty="0" smtClean="0"/>
+              <a:t>Java</a:t>
+            </a:r>
+            <a:r>
+              <a:rPr lang="zh-CN" altLang="en-US" dirty="0" smtClean="0"/>
+              <a:t>实现，</a:t>
+            </a:r>
+            <a:endParaRPr lang="en-US" altLang="zh-CN" dirty="0" smtClean="0"/>
+          </a:p>
+          <a:p>
+            <a:r>
+              <a:rPr lang="zh-CN" altLang="en-US" dirty="0" smtClean="0"/>
+              <a:t>所以</a:t>
+            </a:r>
+            <a:r>
+              <a:rPr lang="en-US" altLang="zh-CN" dirty="0" smtClean="0"/>
+              <a:t>95%</a:t>
+            </a:r>
+            <a:r>
+              <a:rPr lang="zh-CN" altLang="en-US" dirty="0" smtClean="0"/>
+              <a:t>的</a:t>
+            </a:r>
+            <a:r>
+              <a:rPr lang="en-US" altLang="zh-CN" dirty="0" smtClean="0"/>
+              <a:t>java</a:t>
+            </a:r>
+            <a:r>
+              <a:rPr lang="zh-CN" altLang="en-US" dirty="0" smtClean="0"/>
+              <a:t>代码可以直接在</a:t>
+            </a:r>
+            <a:r>
+              <a:rPr lang="en-US" altLang="zh-CN" dirty="0" smtClean="0"/>
+              <a:t>Groovy</a:t>
+            </a:r>
+            <a:r>
+              <a:rPr lang="zh-CN" altLang="en-US" dirty="0" smtClean="0"/>
+              <a:t>中运行，</a:t>
+            </a:r>
+            <a:endParaRPr lang="en-US" altLang="zh-CN" dirty="0" smtClean="0"/>
+          </a:p>
+          <a:p>
+            <a:r>
+              <a:rPr lang="en-US" altLang="zh-CN" dirty="0" err="1" smtClean="0"/>
+              <a:t>GroovyUtil</a:t>
+            </a:r>
+            <a:r>
+              <a:rPr lang="zh-CN" altLang="en-US" dirty="0" smtClean="0"/>
+              <a:t>就是一个在</a:t>
+            </a:r>
+            <a:r>
+              <a:rPr lang="en-US" altLang="zh-CN" dirty="0" smtClean="0"/>
+              <a:t>Java</a:t>
+            </a:r>
+            <a:r>
+              <a:rPr lang="zh-CN" altLang="en-US" dirty="0" smtClean="0"/>
+              <a:t>中调用</a:t>
+            </a:r>
+            <a:r>
+              <a:rPr lang="en-US" altLang="zh-CN" dirty="0" smtClean="0"/>
+              <a:t>Groovy</a:t>
+            </a:r>
+            <a:r>
+              <a:rPr lang="zh-CN" altLang="en-US" dirty="0" smtClean="0"/>
+              <a:t>的工具类</a:t>
+            </a:r>
+            <a:endParaRPr lang="en-US" altLang="zh-CN" dirty="0" smtClean="0"/>
+          </a:p>
+          <a:p>
+            <a:r>
+              <a:rPr lang="en-US" altLang="zh-CN" dirty="0" smtClean="0"/>
+              <a:t>Groovy</a:t>
+            </a:r>
+            <a:r>
+              <a:rPr lang="zh-CN" altLang="en-US" dirty="0" smtClean="0"/>
+              <a:t>可以在代码中直接调用</a:t>
+            </a:r>
+            <a:r>
+              <a:rPr lang="en-US" altLang="zh-CN" dirty="0" smtClean="0"/>
+              <a:t>Java</a:t>
+            </a:r>
+            <a:endParaRPr lang="zh-CN" altLang="en-US" dirty="0"/>
+          </a:p>
+        </p:txBody>
+      </p:sp>
     </p:spTree>
   </p:cSld>
   <p:clrMapOvr>
@@ -9839,12 +10255,12 @@
       </p:grpSpPr>
       <p:sp>
         <p:nvSpPr>
-          <p:cNvPr id="3" name="标题 2"/>
-          <p:cNvSpPr>
-            <a:spLocks noGrp="1"/>
-          </p:cNvSpPr>
-          <p:nvPr>
-            <p:ph type="title"/>
+          <p:cNvPr id="2" name="内容占位符 1"/>
+          <p:cNvSpPr>
+            <a:spLocks noGrp="1"/>
+          </p:cNvSpPr>
+          <p:nvPr>
+            <p:ph idx="1"/>
           </p:nvPr>
         </p:nvSpPr>
         <p:spPr/>
@@ -9853,123 +10269,63 @@
           <a:lstStyle/>
           <a:p>
             <a:r>
+              <a:rPr lang="zh-CN" altLang="en-US" dirty="0" smtClean="0"/>
+              <a:t>系统中部分业务代码需要在服务运行期间新增修改，而不用重启服务</a:t>
+            </a:r>
+            <a:endParaRPr lang="en-US" altLang="zh-CN" dirty="0" smtClean="0"/>
+          </a:p>
+          <a:p>
+            <a:r>
+              <a:rPr lang="zh-CN" altLang="en-US" dirty="0" smtClean="0"/>
+              <a:t>可以直接在系统后台执行某些代码，完成运行时的操作</a:t>
+            </a:r>
+            <a:endParaRPr lang="en-US" altLang="zh-CN" dirty="0" smtClean="0"/>
+          </a:p>
+          <a:p>
+            <a:r>
+              <a:rPr lang="zh-CN" altLang="en-US" dirty="0" smtClean="0"/>
+              <a:t>某些代码在开发阶段无法确定，需要在运行时才能确定</a:t>
+            </a:r>
+            <a:endParaRPr lang="en-US" altLang="zh-CN" dirty="0" smtClean="0"/>
+          </a:p>
+          <a:p>
+            <a:r>
               <a:rPr lang="en-US" altLang="zh-CN" dirty="0" smtClean="0"/>
               <a:t>Groovy</a:t>
             </a:r>
             <a:r>
               <a:rPr lang="zh-CN" altLang="en-US" dirty="0" smtClean="0"/>
-              <a:t>应用场景</a:t>
-            </a:r>
-            <a:endParaRPr lang="zh-CN" altLang="en-US" dirty="0"/>
-          </a:p>
-        </p:txBody>
-      </p:sp>
-      <p:pic>
-        <p:nvPicPr>
-          <p:cNvPr id="38914" name="Picture 2"/>
-          <p:cNvPicPr>
-            <a:picLocks noChangeAspect="1" noChangeArrowheads="1"/>
-          </p:cNvPicPr>
-          <p:nvPr/>
-        </p:nvPicPr>
-        <p:blipFill>
-          <a:blip r:embed="rId2"/>
-          <a:srcRect/>
-          <a:stretch>
-            <a:fillRect/>
-          </a:stretch>
-        </p:blipFill>
-        <p:spPr bwMode="auto">
-          <a:xfrm>
-            <a:off x="285720" y="1357298"/>
-            <a:ext cx="6980237" cy="1352550"/>
-          </a:xfrm>
-          <a:prstGeom prst="rect">
-            <a:avLst/>
-          </a:prstGeom>
-          <a:noFill/>
-          <a:ln w="9525">
-            <a:noFill/>
-            <a:miter lim="800000"/>
-            <a:headEnd/>
-            <a:tailEnd/>
-          </a:ln>
-          <a:effectLst/>
-        </p:spPr>
-      </p:pic>
-      <p:pic>
-        <p:nvPicPr>
-          <p:cNvPr id="38915" name="Picture 3"/>
-          <p:cNvPicPr>
-            <a:picLocks noChangeAspect="1" noChangeArrowheads="1"/>
-          </p:cNvPicPr>
-          <p:nvPr/>
-        </p:nvPicPr>
-        <p:blipFill>
-          <a:blip r:embed="rId3"/>
-          <a:srcRect/>
-          <a:stretch>
-            <a:fillRect/>
-          </a:stretch>
-        </p:blipFill>
-        <p:spPr bwMode="auto">
-          <a:xfrm>
-            <a:off x="285720" y="3000372"/>
-            <a:ext cx="7323137" cy="1181100"/>
-          </a:xfrm>
-          <a:prstGeom prst="rect">
-            <a:avLst/>
-          </a:prstGeom>
-          <a:noFill/>
-          <a:ln w="9525">
-            <a:noFill/>
-            <a:miter lim="800000"/>
-            <a:headEnd/>
-            <a:tailEnd/>
-          </a:ln>
-          <a:effectLst/>
-        </p:spPr>
-      </p:pic>
-      <p:sp>
-        <p:nvSpPr>
-          <p:cNvPr id="6" name="TextBox 5"/>
-          <p:cNvSpPr txBox="1"/>
-          <p:nvPr/>
-        </p:nvSpPr>
-        <p:spPr>
-          <a:xfrm>
-            <a:off x="214282" y="4572008"/>
-            <a:ext cx="7431843" cy="646331"/>
-          </a:xfrm>
-          <a:prstGeom prst="rect">
-            <a:avLst/>
-          </a:prstGeom>
-          <a:noFill/>
-        </p:spPr>
-        <p:txBody>
-          <a:bodyPr wrap="none" rtlCol="0">
-            <a:spAutoFit/>
-          </a:bodyPr>
+              <a:t>代码可以保存在数据库中，也可以保存在配置文件中</a:t>
+            </a:r>
+            <a:endParaRPr lang="en-US" altLang="zh-CN" dirty="0" smtClean="0"/>
+          </a:p>
+          <a:p>
+            <a:endParaRPr lang="en-US" altLang="zh-CN" dirty="0" smtClean="0"/>
+          </a:p>
+        </p:txBody>
+      </p:sp>
+      <p:sp>
+        <p:nvSpPr>
+          <p:cNvPr id="3" name="标题 2"/>
+          <p:cNvSpPr>
+            <a:spLocks noGrp="1"/>
+          </p:cNvSpPr>
+          <p:nvPr>
+            <p:ph type="title"/>
+          </p:nvPr>
+        </p:nvSpPr>
+        <p:spPr/>
+        <p:txBody>
+          <a:bodyPr/>
           <a:lstStyle/>
           <a:p>
-            <a:r>
-              <a:rPr lang="zh-CN" altLang="en-US" dirty="0" smtClean="0"/>
-              <a:t>将</a:t>
-            </a:r>
             <a:r>
               <a:rPr lang="en-US" altLang="zh-CN" dirty="0" smtClean="0"/>
               <a:t>Groovy</a:t>
             </a:r>
             <a:r>
               <a:rPr lang="zh-CN" altLang="en-US" dirty="0" smtClean="0"/>
-              <a:t>脚本保存在数据库中，提供接口让外部调用，返回执行结果，</a:t>
-            </a:r>
-            <a:endParaRPr lang="en-US" altLang="zh-CN" dirty="0" smtClean="0"/>
-          </a:p>
-          <a:p>
-            <a:r>
-              <a:rPr lang="zh-CN" altLang="en-US" dirty="0" smtClean="0"/>
-              <a:t>可以实现代码的新增修改，不需要重启服务器</a:t>
+              <a:t>应用场景</a:t>
             </a:r>
             <a:endParaRPr lang="zh-CN" altLang="en-US" dirty="0"/>
           </a:p>
@@ -10029,7 +10385,7 @@
       </p:sp>
       <p:pic>
         <p:nvPicPr>
-          <p:cNvPr id="4098" name="Picture 2"/>
+          <p:cNvPr id="3076" name="Picture 4"/>
           <p:cNvPicPr>
             <a:picLocks noChangeAspect="1" noChangeArrowheads="1"/>
           </p:cNvPicPr>
@@ -10044,8 +10400,8 @@
         </p:blipFill>
         <p:spPr bwMode="auto">
           <a:xfrm>
-            <a:off x="214282" y="1285860"/>
-            <a:ext cx="4876800" cy="3467100"/>
+            <a:off x="500034" y="1214422"/>
+            <a:ext cx="6818313" cy="4762500"/>
           </a:xfrm>
           <a:prstGeom prst="rect">
             <a:avLst/>
@@ -10101,12 +10457,12 @@
           <a:lstStyle/>
           <a:p>
             <a:r>
-              <a:rPr lang="en-US" altLang="zh-CN" dirty="0" err="1" smtClean="0"/>
-              <a:t>Redis</a:t>
-            </a:r>
-            <a:r>
-              <a:rPr lang="zh-CN" altLang="en-US" dirty="0" smtClean="0"/>
-              <a:t>操作</a:t>
+              <a:rPr lang="en-US" altLang="zh-CN" dirty="0" smtClean="0"/>
+              <a:t>Groovy</a:t>
+            </a:r>
+            <a:r>
+              <a:rPr lang="zh-CN" altLang="en-US" dirty="0" smtClean="0"/>
+              <a:t>应用场景</a:t>
             </a:r>
             <a:endParaRPr lang="zh-CN" altLang="en-US" dirty="0"/>
           </a:p>
@@ -10114,7 +10470,7 @@
       </p:sp>
       <p:pic>
         <p:nvPicPr>
-          <p:cNvPr id="44034" name="Picture 2"/>
+          <p:cNvPr id="36866" name="Picture 2"/>
           <p:cNvPicPr>
             <a:picLocks noChangeAspect="1" noChangeArrowheads="1"/>
           </p:cNvPicPr>
@@ -10129,8 +10485,8 @@
         </p:blipFill>
         <p:spPr bwMode="auto">
           <a:xfrm>
-            <a:off x="642910" y="2000240"/>
-            <a:ext cx="2505075" cy="838200"/>
+            <a:off x="142844" y="1287693"/>
+            <a:ext cx="7929586" cy="5356017"/>
           </a:xfrm>
           <a:prstGeom prst="rect">
             <a:avLst/>
@@ -10145,52 +10501,6 @@
           <a:effectLst/>
         </p:spPr>
       </p:pic>
-      <p:sp>
-        <p:nvSpPr>
-          <p:cNvPr id="5" name="TextBox 4"/>
-          <p:cNvSpPr txBox="1"/>
-          <p:nvPr/>
-        </p:nvSpPr>
-        <p:spPr>
-          <a:xfrm>
-            <a:off x="571472" y="1357298"/>
-            <a:ext cx="4161717" cy="369332"/>
-          </a:xfrm>
-          <a:prstGeom prst="rect">
-            <a:avLst/>
-          </a:prstGeom>
-          <a:noFill/>
-        </p:spPr>
-        <p:txBody>
-          <a:bodyPr wrap="none" rtlCol="0">
-            <a:spAutoFit/>
-          </a:bodyPr>
-          <a:lstStyle/>
-          <a:p>
-            <a:r>
-              <a:rPr lang="zh-CN" altLang="en-US" dirty="0" smtClean="0"/>
-              <a:t>修改</a:t>
-            </a:r>
-            <a:r>
-              <a:rPr lang="en-US" altLang="zh-CN" dirty="0" err="1" smtClean="0"/>
-              <a:t>configs.properties</a:t>
-            </a:r>
-            <a:r>
-              <a:rPr lang="zh-CN" altLang="en-US" dirty="0" smtClean="0"/>
-              <a:t>中的</a:t>
-            </a:r>
-            <a:r>
-              <a:rPr lang="en-US" altLang="zh-CN" dirty="0" err="1" smtClean="0"/>
-              <a:t>redis</a:t>
-            </a:r>
-            <a:r>
-              <a:rPr lang="zh-CN" altLang="en-US" dirty="0" smtClean="0"/>
-              <a:t>配置</a:t>
-            </a:r>
-            <a:endParaRPr lang="zh-CN" altLang="en-US" dirty="0"/>
-          </a:p>
-        </p:txBody>
-      </p:sp>
     </p:spTree>
   </p:cSld>
   <p:clrMapOvr>
@@ -10232,12 +10542,12 @@
           <a:lstStyle/>
           <a:p>
             <a:r>
-              <a:rPr lang="en-US" altLang="zh-CN" dirty="0" err="1" smtClean="0"/>
-              <a:t>Redis</a:t>
-            </a:r>
-            <a:r>
-              <a:rPr lang="zh-CN" altLang="en-US" dirty="0" smtClean="0"/>
-              <a:t>操作</a:t>
+              <a:rPr lang="en-US" altLang="zh-CN" dirty="0" smtClean="0"/>
+              <a:t>Groovy</a:t>
+            </a:r>
+            <a:r>
+              <a:rPr lang="zh-CN" altLang="en-US" dirty="0" smtClean="0"/>
+              <a:t>应用场景</a:t>
             </a:r>
             <a:endParaRPr lang="zh-CN" altLang="en-US" dirty="0"/>
           </a:p>
@@ -10245,7 +10555,7 @@
       </p:sp>
       <p:pic>
         <p:nvPicPr>
-          <p:cNvPr id="45058" name="Picture 2"/>
+          <p:cNvPr id="37892" name="Picture 4"/>
           <p:cNvPicPr>
             <a:picLocks noChangeAspect="1" noChangeArrowheads="1"/>
           </p:cNvPicPr>
@@ -10260,41 +10570,8 @@
         </p:blipFill>
         <p:spPr bwMode="auto">
           <a:xfrm>
-            <a:off x="285720" y="1214422"/>
-            <a:ext cx="4500594" cy="5500726"/>
-          </a:xfrm>
-          <a:prstGeom prst="rect">
-            <a:avLst/>
-          </a:prstGeom>
-          <a:noFill/>
-          <a:ln w="9525">
-            <a:noFill/>
-            <a:miter lim="800000"/>
-            <a:headEnd/>
-            <a:tailEnd/>
-          </a:ln>
-          <a:effectLst/>
-        </p:spPr>
-      </p:pic>
-      <p:pic>
-        <p:nvPicPr>
-          <p:cNvPr id="45059" name="Picture 3"/>
-          <p:cNvPicPr>
-            <a:picLocks noChangeAspect="1" noChangeArrowheads="1"/>
-          </p:cNvPicPr>
-          <p:nvPr/>
-        </p:nvPicPr>
-        <p:blipFill>
-          <a:blip r:embed="rId3"/>
-          <a:srcRect/>
-          <a:stretch>
-            <a:fillRect/>
-          </a:stretch>
-        </p:blipFill>
-        <p:spPr bwMode="auto">
-          <a:xfrm>
-            <a:off x="5000628" y="909661"/>
-            <a:ext cx="3929058" cy="5876925"/>
+            <a:off x="214282" y="1143000"/>
+            <a:ext cx="7408863" cy="5715000"/>
           </a:xfrm>
           <a:prstGeom prst="rect">
             <a:avLst/>
@@ -10336,12 +10613,12 @@
       </p:grpSpPr>
       <p:sp>
         <p:nvSpPr>
-          <p:cNvPr id="2" name="内容占位符 1"/>
-          <p:cNvSpPr>
-            <a:spLocks noGrp="1"/>
-          </p:cNvSpPr>
-          <p:nvPr>
-            <p:ph idx="1"/>
+          <p:cNvPr id="3" name="标题 2"/>
+          <p:cNvSpPr>
+            <a:spLocks noGrp="1"/>
+          </p:cNvSpPr>
+          <p:nvPr>
+            <p:ph type="title"/>
           </p:nvPr>
         </p:nvSpPr>
         <p:spPr/>
@@ -10350,47 +10627,123 @@
           <a:lstStyle/>
           <a:p>
             <a:r>
-              <a:rPr lang="en-US" altLang="zh-CN" dirty="0" err="1" smtClean="0"/>
-              <a:t>Redis</a:t>
-            </a:r>
-            <a:r>
-              <a:rPr lang="zh-CN" altLang="en-US" dirty="0" smtClean="0"/>
-              <a:t>实现类的所有方法名与参数列表与</a:t>
-            </a:r>
-            <a:r>
-              <a:rPr lang="en-US" altLang="zh-CN" dirty="0" err="1" smtClean="0"/>
-              <a:t>Redis</a:t>
-            </a:r>
-            <a:r>
-              <a:rPr lang="zh-CN" altLang="en-US" dirty="0" smtClean="0"/>
-              <a:t>命令行操作的命令完全一致</a:t>
+              <a:rPr lang="en-US" altLang="zh-CN" dirty="0" smtClean="0"/>
+              <a:t>Groovy</a:t>
+            </a:r>
+            <a:r>
+              <a:rPr lang="zh-CN" altLang="en-US" dirty="0" smtClean="0"/>
+              <a:t>应用场景</a:t>
             </a:r>
             <a:endParaRPr lang="zh-CN" altLang="en-US" dirty="0"/>
           </a:p>
         </p:txBody>
       </p:sp>
-      <p:sp>
-        <p:nvSpPr>
-          <p:cNvPr id="3" name="标题 2"/>
-          <p:cNvSpPr>
-            <a:spLocks noGrp="1"/>
-          </p:cNvSpPr>
-          <p:nvPr>
-            <p:ph type="title"/>
-          </p:nvPr>
-        </p:nvSpPr>
-        <p:spPr/>
-        <p:txBody>
-          <a:bodyPr/>
+      <p:pic>
+        <p:nvPicPr>
+          <p:cNvPr id="38914" name="Picture 2"/>
+          <p:cNvPicPr>
+            <a:picLocks noChangeAspect="1" noChangeArrowheads="1"/>
+          </p:cNvPicPr>
+          <p:nvPr/>
+        </p:nvPicPr>
+        <p:blipFill>
+          <a:blip r:embed="rId2"/>
+          <a:srcRect/>
+          <a:stretch>
+            <a:fillRect/>
+          </a:stretch>
+        </p:blipFill>
+        <p:spPr bwMode="auto">
+          <a:xfrm>
+            <a:off x="285720" y="1357298"/>
+            <a:ext cx="6980237" cy="1352550"/>
+          </a:xfrm>
+          <a:prstGeom prst="rect">
+            <a:avLst/>
+          </a:prstGeom>
+          <a:noFill/>
+          <a:ln w="9525">
+            <a:noFill/>
+            <a:miter lim="800000"/>
+            <a:headEnd/>
+            <a:tailEnd/>
+          </a:ln>
+          <a:effectLst/>
+        </p:spPr>
+      </p:pic>
+      <p:pic>
+        <p:nvPicPr>
+          <p:cNvPr id="38915" name="Picture 3"/>
+          <p:cNvPicPr>
+            <a:picLocks noChangeAspect="1" noChangeArrowheads="1"/>
+          </p:cNvPicPr>
+          <p:nvPr/>
+        </p:nvPicPr>
+        <p:blipFill>
+          <a:blip r:embed="rId3"/>
+          <a:srcRect/>
+          <a:stretch>
+            <a:fillRect/>
+          </a:stretch>
+        </p:blipFill>
+        <p:spPr bwMode="auto">
+          <a:xfrm>
+            <a:off x="285720" y="3000372"/>
+            <a:ext cx="7323137" cy="1181100"/>
+          </a:xfrm>
+          <a:prstGeom prst="rect">
+            <a:avLst/>
+          </a:prstGeom>
+          <a:noFill/>
+          <a:ln w="9525">
+            <a:noFill/>
+            <a:miter lim="800000"/>
+            <a:headEnd/>
+            <a:tailEnd/>
+          </a:ln>
+          <a:effectLst/>
+        </p:spPr>
+      </p:pic>
+      <p:sp>
+        <p:nvSpPr>
+          <p:cNvPr id="6" name="TextBox 5"/>
+          <p:cNvSpPr txBox="1"/>
+          <p:nvPr/>
+        </p:nvSpPr>
+        <p:spPr>
+          <a:xfrm>
+            <a:off x="214282" y="4572008"/>
+            <a:ext cx="7431843" cy="646331"/>
+          </a:xfrm>
+          <a:prstGeom prst="rect">
+            <a:avLst/>
+          </a:prstGeom>
+          <a:noFill/>
+        </p:spPr>
+        <p:txBody>
+          <a:bodyPr wrap="none" rtlCol="0">
+            <a:spAutoFit/>
+          </a:bodyPr>
           <a:lstStyle/>
           <a:p>
             <a:r>
-              <a:rPr lang="en-US" altLang="zh-CN" dirty="0" err="1" smtClean="0"/>
-              <a:t>Redis</a:t>
-            </a:r>
-            <a:r>
-              <a:rPr lang="zh-CN" altLang="en-US" dirty="0" smtClean="0"/>
-              <a:t>操作</a:t>
+              <a:rPr lang="zh-CN" altLang="en-US" dirty="0" smtClean="0"/>
+              <a:t>将</a:t>
+            </a:r>
+            <a:r>
+              <a:rPr lang="en-US" altLang="zh-CN" dirty="0" smtClean="0"/>
+              <a:t>Groovy</a:t>
+            </a:r>
+            <a:r>
+              <a:rPr lang="zh-CN" altLang="en-US" dirty="0" smtClean="0"/>
+              <a:t>脚本保存在数据库中，提供接口让外部调用，返回执行结果，</a:t>
+            </a:r>
+            <a:endParaRPr lang="en-US" altLang="zh-CN" dirty="0" smtClean="0"/>
+          </a:p>
+          <a:p>
+            <a:r>
+              <a:rPr lang="zh-CN" altLang="en-US" dirty="0" smtClean="0"/>
+              <a:t>可以实现代码的新增修改，不需要重启服务器</a:t>
             </a:r>
             <a:endParaRPr lang="zh-CN" altLang="en-US" dirty="0"/>
           </a:p>
@@ -10437,8 +10790,12 @@
           <a:lstStyle/>
           <a:p>
             <a:r>
-              <a:rPr lang="zh-CN" altLang="en-US" dirty="0" smtClean="0"/>
-              <a:t>数据库模型</a:t>
+              <a:rPr lang="en-US" altLang="zh-CN" dirty="0" err="1" smtClean="0"/>
+              <a:t>Redis</a:t>
+            </a:r>
+            <a:r>
+              <a:rPr lang="zh-CN" altLang="en-US" dirty="0" smtClean="0"/>
+              <a:t>操作</a:t>
             </a:r>
             <a:endParaRPr lang="zh-CN" altLang="en-US" dirty="0"/>
           </a:p>
@@ -10446,7 +10803,7 @@
       </p:sp>
       <p:pic>
         <p:nvPicPr>
-          <p:cNvPr id="39938" name="Picture 2"/>
+          <p:cNvPr id="44034" name="Picture 2"/>
           <p:cNvPicPr>
             <a:picLocks noChangeAspect="1" noChangeArrowheads="1"/>
           </p:cNvPicPr>
@@ -10461,8 +10818,8 @@
         </p:blipFill>
         <p:spPr bwMode="auto">
           <a:xfrm>
-            <a:off x="357158" y="1142984"/>
-            <a:ext cx="6818313" cy="5643601"/>
+            <a:off x="642910" y="2000240"/>
+            <a:ext cx="2505075" cy="838200"/>
           </a:xfrm>
           <a:prstGeom prst="rect">
             <a:avLst/>
@@ -10477,6 +10834,52 @@
           <a:effectLst/>
         </p:spPr>
       </p:pic>
+      <p:sp>
+        <p:nvSpPr>
+          <p:cNvPr id="5" name="TextBox 4"/>
+          <p:cNvSpPr txBox="1"/>
+          <p:nvPr/>
+        </p:nvSpPr>
+        <p:spPr>
+          <a:xfrm>
+            <a:off x="571472" y="1357298"/>
+            <a:ext cx="4161717" cy="369332"/>
+          </a:xfrm>
+          <a:prstGeom prst="rect">
+            <a:avLst/>
+          </a:prstGeom>
+          <a:noFill/>
+        </p:spPr>
+        <p:txBody>
+          <a:bodyPr wrap="none" rtlCol="0">
+            <a:spAutoFit/>
+          </a:bodyPr>
+          <a:lstStyle/>
+          <a:p>
+            <a:r>
+              <a:rPr lang="zh-CN" altLang="en-US" dirty="0" smtClean="0"/>
+              <a:t>修改</a:t>
+            </a:r>
+            <a:r>
+              <a:rPr lang="en-US" altLang="zh-CN" dirty="0" err="1" smtClean="0"/>
+              <a:t>configs.properties</a:t>
+            </a:r>
+            <a:r>
+              <a:rPr lang="zh-CN" altLang="en-US" dirty="0" smtClean="0"/>
+              <a:t>中的</a:t>
+            </a:r>
+            <a:r>
+              <a:rPr lang="en-US" altLang="zh-CN" dirty="0" err="1" smtClean="0"/>
+              <a:t>redis</a:t>
+            </a:r>
+            <a:r>
+              <a:rPr lang="zh-CN" altLang="en-US" dirty="0" smtClean="0"/>
+              <a:t>配置</a:t>
+            </a:r>
+            <a:endParaRPr lang="zh-CN" altLang="en-US" dirty="0"/>
+          </a:p>
+        </p:txBody>
+      </p:sp>
     </p:spTree>
   </p:cSld>
   <p:clrMapOvr>
@@ -10518,8 +10921,12 @@
           <a:lstStyle/>
           <a:p>
             <a:r>
-              <a:rPr lang="zh-CN" altLang="en-US" dirty="0" smtClean="0"/>
-              <a:t>统一权限管理</a:t>
+              <a:rPr lang="en-US" altLang="zh-CN" dirty="0" err="1" smtClean="0"/>
+              <a:t>Redis</a:t>
+            </a:r>
+            <a:r>
+              <a:rPr lang="zh-CN" altLang="en-US" dirty="0" smtClean="0"/>
+              <a:t>操作</a:t>
             </a:r>
             <a:endParaRPr lang="zh-CN" altLang="en-US" dirty="0"/>
           </a:p>
@@ -10527,7 +10934,7 @@
       </p:sp>
       <p:pic>
         <p:nvPicPr>
-          <p:cNvPr id="40962" name="Picture 2"/>
+          <p:cNvPr id="45058" name="Picture 2"/>
           <p:cNvPicPr>
             <a:picLocks noChangeAspect="1" noChangeArrowheads="1"/>
           </p:cNvPicPr>
@@ -10542,8 +10949,8 @@
         </p:blipFill>
         <p:spPr bwMode="auto">
           <a:xfrm>
-            <a:off x="357158" y="1928802"/>
-            <a:ext cx="7056437" cy="1543050"/>
+            <a:off x="285720" y="1214422"/>
+            <a:ext cx="4500594" cy="5500726"/>
           </a:xfrm>
           <a:prstGeom prst="rect">
             <a:avLst/>
@@ -10560,7 +10967,7 @@
       </p:pic>
       <p:pic>
         <p:nvPicPr>
-          <p:cNvPr id="40963" name="Picture 3"/>
+          <p:cNvPr id="45059" name="Picture 3"/>
           <p:cNvPicPr>
             <a:picLocks noChangeAspect="1" noChangeArrowheads="1"/>
           </p:cNvPicPr>
@@ -10575,8 +10982,8 @@
         </p:blipFill>
         <p:spPr bwMode="auto">
           <a:xfrm>
-            <a:off x="357158" y="3571876"/>
-            <a:ext cx="7799387" cy="1333500"/>
+            <a:off x="5000628" y="909661"/>
+            <a:ext cx="3929058" cy="5876925"/>
           </a:xfrm>
           <a:prstGeom prst="rect">
             <a:avLst/>
@@ -10591,79 +10998,6 @@
           <a:effectLst/>
         </p:spPr>
       </p:pic>
-      <p:pic>
-        <p:nvPicPr>
-          <p:cNvPr id="40964" name="Picture 4"/>
-          <p:cNvPicPr>
-            <a:picLocks noGrp="1" noChangeAspect="1" noChangeArrowheads="1"/>
-          </p:cNvPicPr>
-          <p:nvPr>
-            <p:ph idx="1"/>
-          </p:nvPr>
-        </p:nvPicPr>
-        <p:blipFill>
-          <a:blip r:embed="rId4"/>
-          <a:srcRect/>
-          <a:stretch>
-            <a:fillRect/>
-          </a:stretch>
-        </p:blipFill>
-        <p:spPr bwMode="auto">
-          <a:xfrm>
-            <a:off x="285720" y="5072074"/>
-            <a:ext cx="7504762" cy="1409524"/>
-          </a:xfrm>
-          <a:prstGeom prst="rect">
-            <a:avLst/>
-          </a:prstGeom>
-          <a:noFill/>
-          <a:ln w="9525">
-            <a:noFill/>
-            <a:miter lim="800000"/>
-            <a:headEnd/>
-            <a:tailEnd/>
-          </a:ln>
-          <a:effectLst/>
-        </p:spPr>
-      </p:pic>
-      <p:sp>
-        <p:nvSpPr>
-          <p:cNvPr id="7" name="TextBox 6"/>
-          <p:cNvSpPr txBox="1"/>
-          <p:nvPr/>
-        </p:nvSpPr>
-        <p:spPr>
-          <a:xfrm>
-            <a:off x="428596" y="1428736"/>
-            <a:ext cx="4769254" cy="369332"/>
-          </a:xfrm>
-          <a:prstGeom prst="rect">
-            <a:avLst/>
-          </a:prstGeom>
-          <a:noFill/>
-        </p:spPr>
-        <p:txBody>
-          <a:bodyPr wrap="none" rtlCol="0">
-            <a:spAutoFit/>
-          </a:bodyPr>
-          <a:lstStyle/>
-          <a:p>
-            <a:r>
-              <a:rPr lang="zh-CN" altLang="en-US" dirty="0" smtClean="0"/>
-              <a:t>实现了一个基于</a:t>
-            </a:r>
-            <a:r>
-              <a:rPr lang="en-US" altLang="zh-CN" dirty="0" smtClean="0"/>
-              <a:t>URL</a:t>
-            </a:r>
-            <a:r>
-              <a:rPr lang="zh-CN" altLang="en-US" dirty="0" smtClean="0"/>
-              <a:t>过滤的最简单的权限管理</a:t>
-            </a:r>
-            <a:endParaRPr lang="zh-CN" altLang="en-US" dirty="0"/>
-          </a:p>
-        </p:txBody>
-      </p:sp>
     </p:spTree>
   </p:cSld>
   <p:clrMapOvr>
@@ -10705,16 +11039,20 @@
           <a:lstStyle/>
           <a:p>
             <a:r>
-              <a:rPr lang="zh-CN" altLang="en-US" dirty="0" smtClean="0"/>
-              <a:t>需要将</a:t>
-            </a:r>
-            <a:r>
-              <a:rPr lang="en-US" altLang="zh-CN" dirty="0" smtClean="0"/>
-              <a:t>SpringMVC.xml</a:t>
-            </a:r>
-            <a:r>
-              <a:rPr lang="zh-CN" altLang="en-US" dirty="0" smtClean="0"/>
-              <a:t>文件中的登陆和权限拦截器打开</a:t>
+              <a:rPr lang="en-US" altLang="zh-CN" dirty="0" err="1" smtClean="0"/>
+              <a:t>Redis</a:t>
+            </a:r>
+            <a:r>
+              <a:rPr lang="zh-CN" altLang="en-US" dirty="0" smtClean="0"/>
+              <a:t>实现类的所有方法名与参数列表与</a:t>
+            </a:r>
+            <a:r>
+              <a:rPr lang="en-US" altLang="zh-CN" dirty="0" err="1" smtClean="0"/>
+              <a:t>Redis</a:t>
+            </a:r>
+            <a:r>
+              <a:rPr lang="zh-CN" altLang="en-US" dirty="0" smtClean="0"/>
+              <a:t>命令行操作的命令完全一致</a:t>
             </a:r>
             <a:endParaRPr lang="zh-CN" altLang="en-US" dirty="0"/>
           </a:p>
@@ -10736,46 +11074,17 @@
           <a:lstStyle/>
           <a:p>
             <a:r>
-              <a:rPr lang="zh-CN" altLang="en-US" dirty="0" smtClean="0"/>
-              <a:t>统一权限管理</a:t>
+              <a:rPr lang="en-US" altLang="zh-CN" dirty="0" err="1" smtClean="0"/>
+              <a:t>Redis</a:t>
+            </a:r>
+            <a:r>
+              <a:rPr lang="zh-CN" altLang="en-US" dirty="0" smtClean="0"/>
+              <a:t>操作</a:t>
             </a:r>
             <a:endParaRPr lang="zh-CN" altLang="en-US" dirty="0"/>
           </a:p>
         </p:txBody>
       </p:sp>
-      <p:pic>
-        <p:nvPicPr>
-          <p:cNvPr id="41986" name="Picture 2"/>
-          <p:cNvPicPr>
-            <a:picLocks noChangeAspect="1" noChangeArrowheads="1"/>
-          </p:cNvPicPr>
-          <p:nvPr/>
-        </p:nvPicPr>
-        <p:blipFill>
-          <a:blip r:embed="rId2"/>
-          <a:srcRect/>
-          <a:stretch>
-            <a:fillRect/>
-          </a:stretch>
-        </p:blipFill>
-        <p:spPr bwMode="auto">
-          <a:xfrm>
-            <a:off x="142845" y="2285993"/>
-            <a:ext cx="8429683" cy="4470866"/>
-          </a:xfrm>
-          <a:prstGeom prst="rect">
-            <a:avLst/>
-          </a:prstGeom>
-          <a:noFill/>
-          <a:ln w="9525">
-            <a:noFill/>
-            <a:miter lim="800000"/>
-            <a:headEnd/>
-            <a:tailEnd/>
-          </a:ln>
-          <a:effectLst/>
-        </p:spPr>
-      </p:pic>
     </p:spTree>
   </p:cSld>
   <p:clrMapOvr>
@@ -10818,7 +11127,7 @@
           <a:p>
             <a:r>
               <a:rPr lang="zh-CN" altLang="en-US" dirty="0" smtClean="0"/>
-              <a:t>菜单管理</a:t>
+              <a:t>数据库模型</a:t>
             </a:r>
             <a:endParaRPr lang="zh-CN" altLang="en-US" dirty="0"/>
           </a:p>
@@ -10826,7 +11135,7 @@
       </p:sp>
       <p:pic>
         <p:nvPicPr>
-          <p:cNvPr id="43010" name="Picture 2"/>
+          <p:cNvPr id="39938" name="Picture 2"/>
           <p:cNvPicPr>
             <a:picLocks noChangeAspect="1" noChangeArrowheads="1"/>
           </p:cNvPicPr>
@@ -10841,8 +11150,8 @@
         </p:blipFill>
         <p:spPr bwMode="auto">
           <a:xfrm>
-            <a:off x="214283" y="1571612"/>
-            <a:ext cx="8929718" cy="2638425"/>
+            <a:off x="357158" y="1142984"/>
+            <a:ext cx="6818313" cy="5643601"/>
           </a:xfrm>
           <a:prstGeom prst="rect">
             <a:avLst/>
@@ -10899,6 +11208,471 @@
           <a:p>
             <a:r>
               <a:rPr lang="zh-CN" altLang="en-US" dirty="0" smtClean="0"/>
+              <a:t>统一权限管理</a:t>
+            </a:r>
+            <a:endParaRPr lang="zh-CN" altLang="en-US" dirty="0"/>
+          </a:p>
+        </p:txBody>
+      </p:sp>
+      <p:pic>
+        <p:nvPicPr>
+          <p:cNvPr id="40962" name="Picture 2"/>
+          <p:cNvPicPr>
+            <a:picLocks noChangeAspect="1" noChangeArrowheads="1"/>
+          </p:cNvPicPr>
+          <p:nvPr/>
+        </p:nvPicPr>
+        <p:blipFill>
+          <a:blip r:embed="rId2"/>
+          <a:srcRect/>
+          <a:stretch>
+            <a:fillRect/>
+          </a:stretch>
+        </p:blipFill>
+        <p:spPr bwMode="auto">
+          <a:xfrm>
+            <a:off x="357158" y="1928802"/>
+            <a:ext cx="7056437" cy="1543050"/>
+          </a:xfrm>
+          <a:prstGeom prst="rect">
+            <a:avLst/>
+          </a:prstGeom>
+          <a:noFill/>
+          <a:ln w="9525">
+            <a:noFill/>
+            <a:miter lim="800000"/>
+            <a:headEnd/>
+            <a:tailEnd/>
+          </a:ln>
+          <a:effectLst/>
+        </p:spPr>
+      </p:pic>
+      <p:pic>
+        <p:nvPicPr>
+          <p:cNvPr id="40963" name="Picture 3"/>
+          <p:cNvPicPr>
+            <a:picLocks noChangeAspect="1" noChangeArrowheads="1"/>
+          </p:cNvPicPr>
+          <p:nvPr/>
+        </p:nvPicPr>
+        <p:blipFill>
+          <a:blip r:embed="rId3"/>
+          <a:srcRect/>
+          <a:stretch>
+            <a:fillRect/>
+          </a:stretch>
+        </p:blipFill>
+        <p:spPr bwMode="auto">
+          <a:xfrm>
+            <a:off x="357158" y="3571876"/>
+            <a:ext cx="7799387" cy="1333500"/>
+          </a:xfrm>
+          <a:prstGeom prst="rect">
+            <a:avLst/>
+          </a:prstGeom>
+          <a:noFill/>
+          <a:ln w="9525">
+            <a:noFill/>
+            <a:miter lim="800000"/>
+            <a:headEnd/>
+            <a:tailEnd/>
+          </a:ln>
+          <a:effectLst/>
+        </p:spPr>
+      </p:pic>
+      <p:pic>
+        <p:nvPicPr>
+          <p:cNvPr id="40964" name="Picture 4"/>
+          <p:cNvPicPr>
+            <a:picLocks noGrp="1" noChangeAspect="1" noChangeArrowheads="1"/>
+          </p:cNvPicPr>
+          <p:nvPr>
+            <p:ph idx="1"/>
+          </p:nvPr>
+        </p:nvPicPr>
+        <p:blipFill>
+          <a:blip r:embed="rId4"/>
+          <a:srcRect/>
+          <a:stretch>
+            <a:fillRect/>
+          </a:stretch>
+        </p:blipFill>
+        <p:spPr bwMode="auto">
+          <a:xfrm>
+            <a:off x="285720" y="5072074"/>
+            <a:ext cx="7504762" cy="1409524"/>
+          </a:xfrm>
+          <a:prstGeom prst="rect">
+            <a:avLst/>
+          </a:prstGeom>
+          <a:noFill/>
+          <a:ln w="9525">
+            <a:noFill/>
+            <a:miter lim="800000"/>
+            <a:headEnd/>
+            <a:tailEnd/>
+          </a:ln>
+          <a:effectLst/>
+        </p:spPr>
+      </p:pic>
+      <p:sp>
+        <p:nvSpPr>
+          <p:cNvPr id="7" name="TextBox 6"/>
+          <p:cNvSpPr txBox="1"/>
+          <p:nvPr/>
+        </p:nvSpPr>
+        <p:spPr>
+          <a:xfrm>
+            <a:off x="428596" y="1428736"/>
+            <a:ext cx="4769254" cy="369332"/>
+          </a:xfrm>
+          <a:prstGeom prst="rect">
+            <a:avLst/>
+          </a:prstGeom>
+          <a:noFill/>
+        </p:spPr>
+        <p:txBody>
+          <a:bodyPr wrap="none" rtlCol="0">
+            <a:spAutoFit/>
+          </a:bodyPr>
+          <a:lstStyle/>
+          <a:p>
+            <a:r>
+              <a:rPr lang="zh-CN" altLang="en-US" dirty="0" smtClean="0"/>
+              <a:t>实现了一个基于</a:t>
+            </a:r>
+            <a:r>
+              <a:rPr lang="en-US" altLang="zh-CN" dirty="0" smtClean="0"/>
+              <a:t>URL</a:t>
+            </a:r>
+            <a:r>
+              <a:rPr lang="zh-CN" altLang="en-US" dirty="0" smtClean="0"/>
+              <a:t>过滤的最简单的权限管理</a:t>
+            </a:r>
+            <a:endParaRPr lang="zh-CN" altLang="en-US" dirty="0"/>
+          </a:p>
+        </p:txBody>
+      </p:sp>
+    </p:spTree>
+  </p:cSld>
+  <p:clrMapOvr>
+    <a:masterClrMapping/>
+  </p:clrMapOvr>
+</p:sld>
+</file>
+
+<file path=ppt/slides/slide58.xml><?xml version="1.0" encoding="utf-8"?>
+<p:sld xmlns:a="http://schemas.openxmlformats.org/drawingml/2006/main" xmlns:r="http://schemas.openxmlformats.org/officeDocument/2006/relationships" xmlns:p="http://schemas.openxmlformats.org/presentationml/2006/main">
+  <p:cSld>
+    <p:spTree>
+      <p:nvGrpSpPr>
+        <p:cNvPr id="1" name=""/>
+        <p:cNvGrpSpPr/>
+        <p:nvPr/>
+      </p:nvGrpSpPr>
+      <p:grpSpPr>
+        <a:xfrm>
+          <a:off x="0" y="0"/>
+          <a:ext cx="0" cy="0"/>
+          <a:chOff x="0" y="0"/>
+          <a:chExt cx="0" cy="0"/>
+        </a:xfrm>
+      </p:grpSpPr>
+      <p:sp>
+        <p:nvSpPr>
+          <p:cNvPr id="2" name="内容占位符 1"/>
+          <p:cNvSpPr>
+            <a:spLocks noGrp="1"/>
+          </p:cNvSpPr>
+          <p:nvPr>
+            <p:ph idx="1"/>
+          </p:nvPr>
+        </p:nvSpPr>
+        <p:spPr/>
+        <p:txBody>
+          <a:bodyPr/>
+          <a:lstStyle/>
+          <a:p>
+            <a:r>
+              <a:rPr lang="zh-CN" altLang="en-US" dirty="0" smtClean="0"/>
+              <a:t>需要将</a:t>
+            </a:r>
+            <a:r>
+              <a:rPr lang="en-US" altLang="zh-CN" dirty="0" smtClean="0"/>
+              <a:t>SpringMVC.xml</a:t>
+            </a:r>
+            <a:r>
+              <a:rPr lang="zh-CN" altLang="en-US" dirty="0" smtClean="0"/>
+              <a:t>文件中的登陆和权限拦截器打开</a:t>
+            </a:r>
+            <a:endParaRPr lang="zh-CN" altLang="en-US" dirty="0"/>
+          </a:p>
+        </p:txBody>
+      </p:sp>
+      <p:sp>
+        <p:nvSpPr>
+          <p:cNvPr id="3" name="标题 2"/>
+          <p:cNvSpPr>
+            <a:spLocks noGrp="1"/>
+          </p:cNvSpPr>
+          <p:nvPr>
+            <p:ph type="title"/>
+          </p:nvPr>
+        </p:nvSpPr>
+        <p:spPr/>
+        <p:txBody>
+          <a:bodyPr/>
+          <a:lstStyle/>
+          <a:p>
+            <a:r>
+              <a:rPr lang="zh-CN" altLang="en-US" dirty="0" smtClean="0"/>
+              <a:t>统一权限管理</a:t>
+            </a:r>
+            <a:endParaRPr lang="zh-CN" altLang="en-US" dirty="0"/>
+          </a:p>
+        </p:txBody>
+      </p:sp>
+      <p:pic>
+        <p:nvPicPr>
+          <p:cNvPr id="41986" name="Picture 2"/>
+          <p:cNvPicPr>
+            <a:picLocks noChangeAspect="1" noChangeArrowheads="1"/>
+          </p:cNvPicPr>
+          <p:nvPr/>
+        </p:nvPicPr>
+        <p:blipFill>
+          <a:blip r:embed="rId2"/>
+          <a:srcRect/>
+          <a:stretch>
+            <a:fillRect/>
+          </a:stretch>
+        </p:blipFill>
+        <p:spPr bwMode="auto">
+          <a:xfrm>
+            <a:off x="142845" y="2285993"/>
+            <a:ext cx="8429683" cy="4470866"/>
+          </a:xfrm>
+          <a:prstGeom prst="rect">
+            <a:avLst/>
+          </a:prstGeom>
+          <a:noFill/>
+          <a:ln w="9525">
+            <a:noFill/>
+            <a:miter lim="800000"/>
+            <a:headEnd/>
+            <a:tailEnd/>
+          </a:ln>
+          <a:effectLst/>
+        </p:spPr>
+      </p:pic>
+    </p:spTree>
+  </p:cSld>
+  <p:clrMapOvr>
+    <a:masterClrMapping/>
+  </p:clrMapOvr>
+</p:sld>
+</file>
+
+<file path=ppt/slides/slide59.xml><?xml version="1.0" encoding="utf-8"?>
+<p:sld xmlns:a="http://schemas.openxmlformats.org/drawingml/2006/main" xmlns:r="http://schemas.openxmlformats.org/officeDocument/2006/relationships" xmlns:p="http://schemas.openxmlformats.org/presentationml/2006/main">
+  <p:cSld>
+    <p:spTree>
+      <p:nvGrpSpPr>
+        <p:cNvPr id="1" name=""/>
+        <p:cNvGrpSpPr/>
+        <p:nvPr/>
+      </p:nvGrpSpPr>
+      <p:grpSpPr>
+        <a:xfrm>
+          <a:off x="0" y="0"/>
+          <a:ext cx="0" cy="0"/>
+          <a:chOff x="0" y="0"/>
+          <a:chExt cx="0" cy="0"/>
+        </a:xfrm>
+      </p:grpSpPr>
+      <p:sp>
+        <p:nvSpPr>
+          <p:cNvPr id="3" name="标题 2"/>
+          <p:cNvSpPr>
+            <a:spLocks noGrp="1"/>
+          </p:cNvSpPr>
+          <p:nvPr>
+            <p:ph type="title"/>
+          </p:nvPr>
+        </p:nvSpPr>
+        <p:spPr/>
+        <p:txBody>
+          <a:bodyPr/>
+          <a:lstStyle/>
+          <a:p>
+            <a:r>
+              <a:rPr lang="zh-CN" altLang="en-US" dirty="0" smtClean="0"/>
+              <a:t>菜单管理</a:t>
+            </a:r>
+            <a:endParaRPr lang="zh-CN" altLang="en-US" dirty="0"/>
+          </a:p>
+        </p:txBody>
+      </p:sp>
+      <p:pic>
+        <p:nvPicPr>
+          <p:cNvPr id="43010" name="Picture 2"/>
+          <p:cNvPicPr>
+            <a:picLocks noChangeAspect="1" noChangeArrowheads="1"/>
+          </p:cNvPicPr>
+          <p:nvPr/>
+        </p:nvPicPr>
+        <p:blipFill>
+          <a:blip r:embed="rId2"/>
+          <a:srcRect/>
+          <a:stretch>
+            <a:fillRect/>
+          </a:stretch>
+        </p:blipFill>
+        <p:spPr bwMode="auto">
+          <a:xfrm>
+            <a:off x="214283" y="1571612"/>
+            <a:ext cx="8929718" cy="2638425"/>
+          </a:xfrm>
+          <a:prstGeom prst="rect">
+            <a:avLst/>
+          </a:prstGeom>
+          <a:noFill/>
+          <a:ln w="9525">
+            <a:noFill/>
+            <a:miter lim="800000"/>
+            <a:headEnd/>
+            <a:tailEnd/>
+          </a:ln>
+          <a:effectLst/>
+        </p:spPr>
+      </p:pic>
+    </p:spTree>
+  </p:cSld>
+  <p:clrMapOvr>
+    <a:masterClrMapping/>
+  </p:clrMapOvr>
+</p:sld>
+</file>
+
+<file path=ppt/slides/slide6.xml><?xml version="1.0" encoding="utf-8"?>
+<p:sld xmlns:a="http://schemas.openxmlformats.org/drawingml/2006/main" xmlns:r="http://schemas.openxmlformats.org/officeDocument/2006/relationships" xmlns:p="http://schemas.openxmlformats.org/presentationml/2006/main">
+  <p:cSld>
+    <p:spTree>
+      <p:nvGrpSpPr>
+        <p:cNvPr id="1" name=""/>
+        <p:cNvGrpSpPr/>
+        <p:nvPr/>
+      </p:nvGrpSpPr>
+      <p:grpSpPr>
+        <a:xfrm>
+          <a:off x="0" y="0"/>
+          <a:ext cx="0" cy="0"/>
+          <a:chOff x="0" y="0"/>
+          <a:chExt cx="0" cy="0"/>
+        </a:xfrm>
+      </p:grpSpPr>
+      <p:sp>
+        <p:nvSpPr>
+          <p:cNvPr id="3" name="标题 2"/>
+          <p:cNvSpPr>
+            <a:spLocks noGrp="1"/>
+          </p:cNvSpPr>
+          <p:nvPr>
+            <p:ph type="title"/>
+          </p:nvPr>
+        </p:nvSpPr>
+        <p:spPr/>
+        <p:txBody>
+          <a:bodyPr/>
+          <a:lstStyle/>
+          <a:p>
+            <a:r>
+              <a:rPr lang="en-US" altLang="zh-CN" dirty="0" smtClean="0"/>
+              <a:t>Dao</a:t>
+            </a:r>
+            <a:r>
+              <a:rPr lang="zh-CN" altLang="en-US" dirty="0" smtClean="0"/>
+              <a:t>层实现类</a:t>
+            </a:r>
+            <a:endParaRPr lang="zh-CN" altLang="en-US" dirty="0"/>
+          </a:p>
+        </p:txBody>
+      </p:sp>
+      <p:pic>
+        <p:nvPicPr>
+          <p:cNvPr id="5123" name="Picture 3"/>
+          <p:cNvPicPr>
+            <a:picLocks noChangeAspect="1" noChangeArrowheads="1"/>
+          </p:cNvPicPr>
+          <p:nvPr/>
+        </p:nvPicPr>
+        <p:blipFill>
+          <a:blip r:embed="rId2"/>
+          <a:srcRect/>
+          <a:stretch>
+            <a:fillRect/>
+          </a:stretch>
+        </p:blipFill>
+        <p:spPr bwMode="auto">
+          <a:xfrm>
+            <a:off x="571472" y="1357298"/>
+            <a:ext cx="7323137" cy="4391025"/>
+          </a:xfrm>
+          <a:prstGeom prst="rect">
+            <a:avLst/>
+          </a:prstGeom>
+          <a:noFill/>
+          <a:ln w="9525">
+            <a:noFill/>
+            <a:miter lim="800000"/>
+            <a:headEnd/>
+            <a:tailEnd/>
+          </a:ln>
+          <a:effectLst/>
+        </p:spPr>
+      </p:pic>
+    </p:spTree>
+  </p:cSld>
+  <p:clrMapOvr>
+    <a:masterClrMapping/>
+  </p:clrMapOvr>
+</p:sld>
+</file>
+
+<file path=ppt/slides/slide60.xml><?xml version="1.0" encoding="utf-8"?>
+<p:sld xmlns:a="http://schemas.openxmlformats.org/drawingml/2006/main" xmlns:r="http://schemas.openxmlformats.org/officeDocument/2006/relationships" xmlns:p="http://schemas.openxmlformats.org/presentationml/2006/main">
+  <p:cSld>
+    <p:spTree>
+      <p:nvGrpSpPr>
+        <p:cNvPr id="1" name=""/>
+        <p:cNvGrpSpPr/>
+        <p:nvPr/>
+      </p:nvGrpSpPr>
+      <p:grpSpPr>
+        <a:xfrm>
+          <a:off x="0" y="0"/>
+          <a:ext cx="0" cy="0"/>
+          <a:chOff x="0" y="0"/>
+          <a:chExt cx="0" cy="0"/>
+        </a:xfrm>
+      </p:grpSpPr>
+      <p:sp>
+        <p:nvSpPr>
+          <p:cNvPr id="3" name="标题 2"/>
+          <p:cNvSpPr>
+            <a:spLocks noGrp="1"/>
+          </p:cNvSpPr>
+          <p:nvPr>
+            <p:ph type="title"/>
+          </p:nvPr>
+        </p:nvSpPr>
+        <p:spPr/>
+        <p:txBody>
+          <a:bodyPr/>
+          <a:lstStyle/>
+          <a:p>
+            <a:r>
+              <a:rPr lang="zh-CN" altLang="en-US" dirty="0" smtClean="0"/>
               <a:t>地址联动</a:t>
             </a:r>
             <a:endParaRPr lang="zh-CN" altLang="en-US" dirty="0"/>
@@ -10980,7 +11754,7 @@
 </p:sld>
 </file>
 
-<file path=ppt/slides/slide58.xml><?xml version="1.0" encoding="utf-8"?>
+<file path=ppt/slides/slide61.xml><?xml version="1.0" encoding="utf-8"?>
 <p:sld xmlns:a="http://schemas.openxmlformats.org/drawingml/2006/main" xmlns:r="http://schemas.openxmlformats.org/officeDocument/2006/relationships" xmlns:p="http://schemas.openxmlformats.org/presentationml/2006/main">
   <p:cSld>
     <p:spTree>
@@ -11110,7 +11884,7 @@
     <a:masterClrMapping/>
   </p:clrMapOvr>
   <mc:AlternateContent xmlns:mc="http://schemas.openxmlformats.org/markup-compatibility/2006">
-    <mc:Choice xmlns="" xmlns:p14="http://schemas.microsoft.com/office/powerpoint/2010/main" Requires="p14">
+    <mc:Choice xmlns:p14="http://schemas.microsoft.com/office/powerpoint/2010/main" xmlns="" Requires="p14">
       <p:transition p14:dur="0"/>
     </mc:Choice>
     <mc:Fallback>
@@ -11124,91 +11898,6 @@
       </p:par>
     </p:tnLst>
   </p:timing>
-</p:sld>
-</file>
-
-<file path=ppt/slides/slide6.xml><?xml version="1.0" encoding="utf-8"?>
-<p:sld xmlns:a="http://schemas.openxmlformats.org/drawingml/2006/main" xmlns:r="http://schemas.openxmlformats.org/officeDocument/2006/relationships" xmlns:p="http://schemas.openxmlformats.org/presentationml/2006/main">
-  <p:cSld>
-    <p:spTree>
-      <p:nvGrpSpPr>
-        <p:cNvPr id="1" name=""/>
-        <p:cNvGrpSpPr/>
-        <p:nvPr/>
-      </p:nvGrpSpPr>
-      <p:grpSpPr>
-        <a:xfrm>
-          <a:off x="0" y="0"/>
-          <a:ext cx="0" cy="0"/>
-          <a:chOff x="0" y="0"/>
-          <a:chExt cx="0" cy="0"/>
-        </a:xfrm>
-      </p:grpSpPr>
-      <p:sp>
-        <p:nvSpPr>
-          <p:cNvPr id="3" name="标题 2"/>
-          <p:cNvSpPr>
-            <a:spLocks noGrp="1"/>
-          </p:cNvSpPr>
-          <p:nvPr>
-            <p:ph type="title"/>
-          </p:nvPr>
-        </p:nvSpPr>
-        <p:spPr/>
-        <p:txBody>
-          <a:bodyPr/>
-          <a:lstStyle/>
-          <a:p>
-            <a:r>
-              <a:rPr lang="en-US" altLang="zh-CN" dirty="0" smtClean="0"/>
-              <a:t>Dao</a:t>
-            </a:r>
-            <a:r>
-              <a:rPr lang="zh-CN" altLang="en-US" dirty="0" smtClean="0"/>
-              <a:t>层实现类</a:t>
-            </a:r>
-            <a:endParaRPr lang="zh-CN" altLang="en-US" dirty="0"/>
-          </a:p>
-        </p:txBody>
-      </p:sp>
-      <p:pic>
-        <p:nvPicPr>
-          <p:cNvPr id="5123" name="Picture 3"/>
-          <p:cNvPicPr>
-            <a:picLocks noChangeAspect="1" noChangeArrowheads="1"/>
-          </p:cNvPicPr>
-          <p:nvPr/>
-        </p:nvPicPr>
-        <p:blipFill>
-          <a:blip r:embed="rId2"/>
-          <a:srcRect/>
-          <a:stretch>
-            <a:fillRect/>
-          </a:stretch>
-        </p:blipFill>
-        <p:spPr bwMode="auto">
-          <a:xfrm>
-            <a:off x="571472" y="1357298"/>
-            <a:ext cx="7323137" cy="4391025"/>
-          </a:xfrm>
-          <a:prstGeom prst="rect">
-            <a:avLst/>
-          </a:prstGeom>
-          <a:noFill/>
-          <a:ln w="9525">
-            <a:noFill/>
-            <a:miter lim="800000"/>
-            <a:headEnd/>
-            <a:tailEnd/>
-          </a:ln>
-          <a:effectLst/>
-        </p:spPr>
-      </p:pic>
-    </p:spTree>
-  </p:cSld>
-  <p:clrMapOvr>
-    <a:masterClrMapping/>
-  </p:clrMapOvr>
 </p:sld>
 </file>
 

--- a/doc/框架使用说明_1.1.15.pptx
+++ b/doc/框架使用说明_1.1.15.pptx
@@ -17,55 +17,75 @@
     <p:sldId id="265" r:id="rId11"/>
     <p:sldId id="266" r:id="rId12"/>
     <p:sldId id="315" r:id="rId13"/>
-    <p:sldId id="316" r:id="rId14"/>
-    <p:sldId id="314" r:id="rId15"/>
-    <p:sldId id="267" r:id="rId16"/>
-    <p:sldId id="268" r:id="rId17"/>
-    <p:sldId id="269" r:id="rId18"/>
-    <p:sldId id="270" r:id="rId19"/>
-    <p:sldId id="271" r:id="rId20"/>
-    <p:sldId id="272" r:id="rId21"/>
-    <p:sldId id="273" r:id="rId22"/>
-    <p:sldId id="274" r:id="rId23"/>
-    <p:sldId id="275" r:id="rId24"/>
-    <p:sldId id="276" r:id="rId25"/>
-    <p:sldId id="277" r:id="rId26"/>
-    <p:sldId id="278" r:id="rId27"/>
-    <p:sldId id="279" r:id="rId28"/>
-    <p:sldId id="280" r:id="rId29"/>
-    <p:sldId id="281" r:id="rId30"/>
-    <p:sldId id="282" r:id="rId31"/>
-    <p:sldId id="283" r:id="rId32"/>
-    <p:sldId id="284" r:id="rId33"/>
-    <p:sldId id="285" r:id="rId34"/>
-    <p:sldId id="286" r:id="rId35"/>
-    <p:sldId id="287" r:id="rId36"/>
-    <p:sldId id="288" r:id="rId37"/>
-    <p:sldId id="289" r:id="rId38"/>
-    <p:sldId id="290" r:id="rId39"/>
-    <p:sldId id="291" r:id="rId40"/>
-    <p:sldId id="292" r:id="rId41"/>
-    <p:sldId id="293" r:id="rId42"/>
-    <p:sldId id="294" r:id="rId43"/>
-    <p:sldId id="295" r:id="rId44"/>
-    <p:sldId id="296" r:id="rId45"/>
-    <p:sldId id="297" r:id="rId46"/>
-    <p:sldId id="298" r:id="rId47"/>
-    <p:sldId id="299" r:id="rId48"/>
-    <p:sldId id="300" r:id="rId49"/>
-    <p:sldId id="302" r:id="rId50"/>
-    <p:sldId id="301" r:id="rId51"/>
-    <p:sldId id="303" r:id="rId52"/>
-    <p:sldId id="304" r:id="rId53"/>
-    <p:sldId id="309" r:id="rId54"/>
-    <p:sldId id="310" r:id="rId55"/>
-    <p:sldId id="311" r:id="rId56"/>
-    <p:sldId id="305" r:id="rId57"/>
-    <p:sldId id="306" r:id="rId58"/>
-    <p:sldId id="307" r:id="rId59"/>
-    <p:sldId id="308" r:id="rId60"/>
-    <p:sldId id="312" r:id="rId61"/>
-    <p:sldId id="313" r:id="rId62"/>
+    <p:sldId id="317" r:id="rId14"/>
+    <p:sldId id="316" r:id="rId15"/>
+    <p:sldId id="318" r:id="rId16"/>
+    <p:sldId id="269" r:id="rId17"/>
+    <p:sldId id="271" r:id="rId18"/>
+    <p:sldId id="272" r:id="rId19"/>
+    <p:sldId id="273" r:id="rId20"/>
+    <p:sldId id="274" r:id="rId21"/>
+    <p:sldId id="275" r:id="rId22"/>
+    <p:sldId id="276" r:id="rId23"/>
+    <p:sldId id="277" r:id="rId24"/>
+    <p:sldId id="278" r:id="rId25"/>
+    <p:sldId id="279" r:id="rId26"/>
+    <p:sldId id="280" r:id="rId27"/>
+    <p:sldId id="281" r:id="rId28"/>
+    <p:sldId id="282" r:id="rId29"/>
+    <p:sldId id="283" r:id="rId30"/>
+    <p:sldId id="284" r:id="rId31"/>
+    <p:sldId id="285" r:id="rId32"/>
+    <p:sldId id="286" r:id="rId33"/>
+    <p:sldId id="287" r:id="rId34"/>
+    <p:sldId id="288" r:id="rId35"/>
+    <p:sldId id="289" r:id="rId36"/>
+    <p:sldId id="290" r:id="rId37"/>
+    <p:sldId id="291" r:id="rId38"/>
+    <p:sldId id="292" r:id="rId39"/>
+    <p:sldId id="293" r:id="rId40"/>
+    <p:sldId id="294" r:id="rId41"/>
+    <p:sldId id="295" r:id="rId42"/>
+    <p:sldId id="296" r:id="rId43"/>
+    <p:sldId id="297" r:id="rId44"/>
+    <p:sldId id="298" r:id="rId45"/>
+    <p:sldId id="299" r:id="rId46"/>
+    <p:sldId id="300" r:id="rId47"/>
+    <p:sldId id="302" r:id="rId48"/>
+    <p:sldId id="301" r:id="rId49"/>
+    <p:sldId id="303" r:id="rId50"/>
+    <p:sldId id="304" r:id="rId51"/>
+    <p:sldId id="309" r:id="rId52"/>
+    <p:sldId id="310" r:id="rId53"/>
+    <p:sldId id="311" r:id="rId54"/>
+    <p:sldId id="305" r:id="rId55"/>
+    <p:sldId id="306" r:id="rId56"/>
+    <p:sldId id="307" r:id="rId57"/>
+    <p:sldId id="330" r:id="rId58"/>
+    <p:sldId id="331" r:id="rId59"/>
+    <p:sldId id="332" r:id="rId60"/>
+    <p:sldId id="319" r:id="rId61"/>
+    <p:sldId id="329" r:id="rId62"/>
+    <p:sldId id="334" r:id="rId63"/>
+    <p:sldId id="333" r:id="rId64"/>
+    <p:sldId id="328" r:id="rId65"/>
+    <p:sldId id="327" r:id="rId66"/>
+    <p:sldId id="326" r:id="rId67"/>
+    <p:sldId id="335" r:id="rId68"/>
+    <p:sldId id="325" r:id="rId69"/>
+    <p:sldId id="324" r:id="rId70"/>
+    <p:sldId id="323" r:id="rId71"/>
+    <p:sldId id="322" r:id="rId72"/>
+    <p:sldId id="321" r:id="rId73"/>
+    <p:sldId id="320" r:id="rId74"/>
+    <p:sldId id="312" r:id="rId75"/>
+    <p:sldId id="336" r:id="rId76"/>
+    <p:sldId id="337" r:id="rId77"/>
+    <p:sldId id="338" r:id="rId78"/>
+    <p:sldId id="339" r:id="rId79"/>
+    <p:sldId id="340" r:id="rId80"/>
+    <p:sldId id="341" r:id="rId81"/>
+    <p:sldId id="313" r:id="rId82"/>
   </p:sldIdLst>
   <p:sldSz cx="9144000" cy="6858000" type="screen4x3"/>
   <p:notesSz cx="6858000" cy="9144000"/>
@@ -793,7 +813,7 @@
             <a:fld id="{530820CF-B880-4189-942D-D702A7CBA730}" type="datetimeFigureOut">
               <a:rPr lang="zh-CN" altLang="en-US" smtClean="0"/>
               <a:pPr/>
-              <a:t>2016-06-20  Monday</a:t>
+              <a:t>2016-06-21  Tuesday</a:t>
             </a:fld>
             <a:endParaRPr lang="zh-CN" altLang="en-US"/>
           </a:p>
@@ -991,7 +1011,7 @@
             <a:fld id="{530820CF-B880-4189-942D-D702A7CBA730}" type="datetimeFigureOut">
               <a:rPr lang="zh-CN" altLang="en-US" smtClean="0"/>
               <a:pPr/>
-              <a:t>2016-06-20  Monday</a:t>
+              <a:t>2016-06-21  Tuesday</a:t>
             </a:fld>
             <a:endParaRPr lang="zh-CN" altLang="en-US"/>
           </a:p>
@@ -1178,7 +1198,7 @@
             <a:fld id="{530820CF-B880-4189-942D-D702A7CBA730}" type="datetimeFigureOut">
               <a:rPr lang="zh-CN" altLang="en-US" smtClean="0"/>
               <a:pPr/>
-              <a:t>2016-06-20  Monday</a:t>
+              <a:t>2016-06-21  Tuesday</a:t>
             </a:fld>
             <a:endParaRPr lang="zh-CN" altLang="en-US"/>
           </a:p>
@@ -1330,7 +1350,7 @@
             <a:fld id="{530820CF-B880-4189-942D-D702A7CBA730}" type="datetimeFigureOut">
               <a:rPr lang="zh-CN" altLang="en-US" smtClean="0"/>
               <a:pPr/>
-              <a:t>2016-06-20  Monday</a:t>
+              <a:t>2016-06-21  Tuesday</a:t>
             </a:fld>
             <a:endParaRPr lang="zh-CN" altLang="en-US"/>
           </a:p>
@@ -1587,7 +1607,7 @@
             <a:fld id="{530820CF-B880-4189-942D-D702A7CBA730}" type="datetimeFigureOut">
               <a:rPr lang="zh-CN" altLang="en-US" smtClean="0"/>
               <a:pPr/>
-              <a:t>2016-06-20  Monday</a:t>
+              <a:t>2016-06-21  Tuesday</a:t>
             </a:fld>
             <a:endParaRPr lang="zh-CN" altLang="en-US"/>
           </a:p>
@@ -1998,7 +2018,7 @@
             <a:fld id="{530820CF-B880-4189-942D-D702A7CBA730}" type="datetimeFigureOut">
               <a:rPr lang="zh-CN" altLang="en-US" smtClean="0"/>
               <a:pPr/>
-              <a:t>2016-06-20  Monday</a:t>
+              <a:t>2016-06-21  Tuesday</a:t>
             </a:fld>
             <a:endParaRPr lang="zh-CN" altLang="en-US"/>
           </a:p>
@@ -2446,7 +2466,7 @@
             <a:fld id="{530820CF-B880-4189-942D-D702A7CBA730}" type="datetimeFigureOut">
               <a:rPr lang="zh-CN" altLang="en-US" smtClean="0"/>
               <a:pPr/>
-              <a:t>2016-06-20  Monday</a:t>
+              <a:t>2016-06-21  Tuesday</a:t>
             </a:fld>
             <a:endParaRPr lang="zh-CN" altLang="en-US"/>
           </a:p>
@@ -2549,7 +2569,7 @@
             <a:fld id="{530820CF-B880-4189-942D-D702A7CBA730}" type="datetimeFigureOut">
               <a:rPr lang="zh-CN" altLang="en-US" smtClean="0"/>
               <a:pPr/>
-              <a:t>2016-06-20  Monday</a:t>
+              <a:t>2016-06-21  Tuesday</a:t>
             </a:fld>
             <a:endParaRPr lang="zh-CN" altLang="en-US"/>
           </a:p>
@@ -2672,7 +2692,7 @@
             <a:fld id="{530820CF-B880-4189-942D-D702A7CBA730}" type="datetimeFigureOut">
               <a:rPr lang="zh-CN" altLang="en-US" smtClean="0"/>
               <a:pPr/>
-              <a:t>2016-06-20  Monday</a:t>
+              <a:t>2016-06-21  Tuesday</a:t>
             </a:fld>
             <a:endParaRPr lang="zh-CN" altLang="en-US"/>
           </a:p>
@@ -2948,7 +2968,7 @@
             <a:fld id="{530820CF-B880-4189-942D-D702A7CBA730}" type="datetimeFigureOut">
               <a:rPr lang="zh-CN" altLang="en-US" smtClean="0"/>
               <a:pPr/>
-              <a:t>2016-06-20  Monday</a:t>
+              <a:t>2016-06-21  Tuesday</a:t>
             </a:fld>
             <a:endParaRPr lang="zh-CN" altLang="en-US"/>
           </a:p>
@@ -3155,7 +3175,7 @@
             <a:fld id="{530820CF-B880-4189-942D-D702A7CBA730}" type="datetimeFigureOut">
               <a:rPr lang="zh-CN" altLang="en-US" smtClean="0"/>
               <a:pPr/>
-              <a:t>2016-06-20  Monday</a:t>
+              <a:t>2016-06-21  Tuesday</a:t>
             </a:fld>
             <a:endParaRPr lang="zh-CN" altLang="en-US"/>
           </a:p>
@@ -4266,7 +4286,7 @@
             <a:fld id="{530820CF-B880-4189-942D-D702A7CBA730}" type="datetimeFigureOut">
               <a:rPr lang="zh-CN" altLang="en-US" smtClean="0"/>
               <a:pPr/>
-              <a:t>2016-06-20  Monday</a:t>
+              <a:t>2016-06-21  Tuesday</a:t>
             </a:fld>
             <a:endParaRPr lang="zh-CN" altLang="en-US"/>
           </a:p>
@@ -4957,15 +4977,7 @@
                   <a:srgbClr val="FF0000"/>
                 </a:solidFill>
               </a:rPr>
-              <a:t>数据库可使用</a:t>
-            </a:r>
-            <a:r>
-              <a:rPr lang="zh-CN" altLang="en-US" dirty="0" smtClean="0">
-                <a:solidFill>
-                  <a:srgbClr val="FF0000"/>
-                </a:solidFill>
-              </a:rPr>
-              <a:t>序列</a:t>
+              <a:t>数据库可使用序列</a:t>
             </a:r>
             <a:endParaRPr lang="en-US" altLang="zh-CN" dirty="0" smtClean="0">
               <a:solidFill>
@@ -5326,7 +5338,11 @@
           <a:bodyPr/>
           <a:lstStyle/>
           <a:p>
-            <a:endParaRPr lang="zh-CN" altLang="en-US"/>
+            <a:r>
+              <a:rPr lang="zh-CN" altLang="en-US" dirty="0" smtClean="0"/>
+              <a:t>左树右表</a:t>
+            </a:r>
+            <a:endParaRPr lang="zh-CN" altLang="en-US" dirty="0"/>
           </a:p>
         </p:txBody>
       </p:sp>
@@ -5396,6 +5412,44 @@
           <a:effectLst/>
         </p:spPr>
       </p:pic>
+      <p:sp>
+        <p:nvSpPr>
+          <p:cNvPr id="5" name="TextBox 4"/>
+          <p:cNvSpPr txBox="1"/>
+          <p:nvPr/>
+        </p:nvSpPr>
+        <p:spPr>
+          <a:xfrm>
+            <a:off x="785786" y="5572140"/>
+            <a:ext cx="1338828" cy="369332"/>
+          </a:xfrm>
+          <a:prstGeom prst="rect">
+            <a:avLst/>
+          </a:prstGeom>
+          <a:noFill/>
+        </p:spPr>
+        <p:txBody>
+          <a:bodyPr wrap="none" rtlCol="0">
+            <a:spAutoFit/>
+          </a:bodyPr>
+          <a:lstStyle/>
+          <a:p>
+            <a:r>
+              <a:rPr lang="zh-CN" altLang="en-US" dirty="0" smtClean="0">
+                <a:solidFill>
+                  <a:srgbClr val="FF0000"/>
+                </a:solidFill>
+              </a:rPr>
+              <a:t>表格不分页</a:t>
+            </a:r>
+            <a:endParaRPr lang="zh-CN" altLang="en-US" dirty="0">
+              <a:solidFill>
+                <a:srgbClr val="FF0000"/>
+              </a:solidFill>
+            </a:endParaRPr>
+          </a:p>
+        </p:txBody>
+      </p:sp>
     </p:spTree>
   </p:cSld>
   <p:clrMapOvr>
@@ -5436,13 +5490,17 @@
           <a:bodyPr/>
           <a:lstStyle/>
           <a:p>
-            <a:endParaRPr lang="zh-CN" altLang="en-US"/>
+            <a:r>
+              <a:rPr lang="zh-CN" altLang="en-US" dirty="0" smtClean="0"/>
+              <a:t>左树右表</a:t>
+            </a:r>
+            <a:endParaRPr lang="zh-CN" altLang="en-US" dirty="0"/>
           </a:p>
         </p:txBody>
       </p:sp>
       <p:pic>
         <p:nvPicPr>
-          <p:cNvPr id="7171" name="Picture 3"/>
+          <p:cNvPr id="1026" name="Picture 2"/>
           <p:cNvPicPr>
             <a:picLocks noChangeAspect="1" noChangeArrowheads="1"/>
           </p:cNvPicPr>
@@ -5457,8 +5515,8 @@
         </p:blipFill>
         <p:spPr bwMode="auto">
           <a:xfrm>
-            <a:off x="500034" y="1928802"/>
-            <a:ext cx="5781675" cy="1323975"/>
+            <a:off x="357158" y="1357298"/>
+            <a:ext cx="4057650" cy="2800350"/>
           </a:xfrm>
           <a:prstGeom prst="rect">
             <a:avLst/>
@@ -5473,39 +5531,125 @@
           <a:effectLst/>
         </p:spPr>
       </p:pic>
-      <p:pic>
-        <p:nvPicPr>
-          <p:cNvPr id="7172" name="Picture 4"/>
-          <p:cNvPicPr>
-            <a:picLocks noChangeAspect="1" noChangeArrowheads="1"/>
-          </p:cNvPicPr>
+      <p:sp>
+        <p:nvSpPr>
+          <p:cNvPr id="6" name="TextBox 5"/>
+          <p:cNvSpPr txBox="1"/>
           <p:nvPr/>
-        </p:nvPicPr>
-        <p:blipFill>
-          <a:blip r:embed="rId3"/>
-          <a:srcRect/>
-          <a:stretch>
-            <a:fillRect/>
-          </a:stretch>
-        </p:blipFill>
-        <p:spPr bwMode="auto">
-          <a:xfrm>
-            <a:off x="571472" y="3500438"/>
-            <a:ext cx="4333875" cy="1333500"/>
+        </p:nvSpPr>
+        <p:spPr>
+          <a:xfrm>
+            <a:off x="4572000" y="1714488"/>
+            <a:ext cx="4572000" cy="1754326"/>
           </a:xfrm>
           <a:prstGeom prst="rect">
             <a:avLst/>
           </a:prstGeom>
           <a:noFill/>
-          <a:ln w="9525">
-            <a:noFill/>
-            <a:miter lim="800000"/>
-            <a:headEnd/>
-            <a:tailEnd/>
-          </a:ln>
-          <a:effectLst/>
-        </p:spPr>
-      </p:pic>
+        </p:spPr>
+        <p:txBody>
+          <a:bodyPr wrap="square" rtlCol="0">
+            <a:spAutoFit/>
+          </a:bodyPr>
+          <a:lstStyle/>
+          <a:p>
+            <a:r>
+              <a:rPr lang="zh-CN" altLang="en-US" dirty="0" smtClean="0"/>
+              <a:t>用于生成左树右表结构页面的</a:t>
+            </a:r>
+            <a:r>
+              <a:rPr lang="en-US" altLang="zh-CN" dirty="0" smtClean="0"/>
+              <a:t>model</a:t>
+            </a:r>
+            <a:r>
+              <a:rPr lang="zh-CN" altLang="en-US" dirty="0" smtClean="0"/>
+              <a:t>类必须包含</a:t>
+            </a:r>
+            <a:r>
+              <a:rPr lang="en-US" altLang="zh-CN" dirty="0" smtClean="0"/>
+              <a:t>4</a:t>
+            </a:r>
+            <a:r>
+              <a:rPr lang="zh-CN" altLang="en-US" dirty="0" smtClean="0"/>
+              <a:t>个字段</a:t>
+            </a:r>
+            <a:endParaRPr lang="en-US" altLang="zh-CN" dirty="0" smtClean="0"/>
+          </a:p>
+          <a:p>
+            <a:r>
+              <a:rPr lang="en-US" altLang="zh-CN" dirty="0" err="1" smtClean="0">
+                <a:solidFill>
+                  <a:srgbClr val="FF0000"/>
+                </a:solidFill>
+              </a:rPr>
+              <a:t>i</a:t>
+            </a:r>
+            <a:r>
+              <a:rPr lang="en-US" altLang="zh-CN" dirty="0" err="1" smtClean="0">
+                <a:solidFill>
+                  <a:srgbClr val="FF0000"/>
+                </a:solidFill>
+              </a:rPr>
+              <a:t>d,text,parentID,state</a:t>
+            </a:r>
+            <a:r>
+              <a:rPr lang="zh-CN" altLang="en-US" dirty="0" smtClean="0"/>
+              <a:t>，</a:t>
+            </a:r>
+            <a:endParaRPr lang="en-US" altLang="zh-CN" dirty="0" smtClean="0"/>
+          </a:p>
+          <a:p>
+            <a:r>
+              <a:rPr lang="zh-CN" altLang="en-US" dirty="0" smtClean="0"/>
+              <a:t>其中</a:t>
+            </a:r>
+            <a:r>
+              <a:rPr lang="en-US" altLang="zh-CN" dirty="0" smtClean="0"/>
+              <a:t>id</a:t>
+            </a:r>
+            <a:r>
+              <a:rPr lang="zh-CN" altLang="en-US" dirty="0" smtClean="0"/>
+              <a:t>，</a:t>
+            </a:r>
+            <a:r>
+              <a:rPr lang="en-US" altLang="zh-CN" dirty="0" smtClean="0"/>
+              <a:t>text</a:t>
+            </a:r>
+            <a:r>
+              <a:rPr lang="zh-CN" altLang="en-US" dirty="0" smtClean="0"/>
+              <a:t>，</a:t>
+            </a:r>
+            <a:r>
+              <a:rPr lang="en-US" altLang="zh-CN" dirty="0" err="1" smtClean="0"/>
+              <a:t>parentID</a:t>
+            </a:r>
+            <a:r>
+              <a:rPr lang="zh-CN" altLang="en-US" dirty="0" smtClean="0"/>
+              <a:t>存于数据库中</a:t>
+            </a:r>
+            <a:endParaRPr lang="en-US" altLang="zh-CN" dirty="0" smtClean="0"/>
+          </a:p>
+          <a:p>
+            <a:r>
+              <a:rPr lang="en-US" altLang="zh-CN" dirty="0" smtClean="0"/>
+              <a:t>state</a:t>
+            </a:r>
+            <a:r>
+              <a:rPr lang="zh-CN" altLang="en-US" dirty="0" smtClean="0"/>
+              <a:t>只是</a:t>
+            </a:r>
+            <a:r>
+              <a:rPr lang="en-US" altLang="zh-CN" dirty="0" err="1" smtClean="0"/>
+              <a:t>EasyUI</a:t>
+            </a:r>
+            <a:r>
+              <a:rPr lang="zh-CN" altLang="en-US" dirty="0" smtClean="0"/>
+              <a:t>的页面显示需要，不保存到数据库中</a:t>
+            </a:r>
+            <a:endParaRPr lang="zh-CN" altLang="en-US" dirty="0"/>
+          </a:p>
+        </p:txBody>
+      </p:sp>
     </p:spTree>
   </p:cSld>
   <p:clrMapOvr>
@@ -5533,25 +5677,6 @@
       </p:grpSpPr>
       <p:sp>
         <p:nvSpPr>
-          <p:cNvPr id="2" name="内容占位符 1"/>
-          <p:cNvSpPr>
-            <a:spLocks noGrp="1"/>
-          </p:cNvSpPr>
-          <p:nvPr>
-            <p:ph idx="1"/>
-          </p:nvPr>
-        </p:nvSpPr>
-        <p:spPr/>
-        <p:txBody>
-          <a:bodyPr/>
-          <a:lstStyle/>
-          <a:p>
-            <a:endParaRPr lang="zh-CN" altLang="en-US"/>
-          </a:p>
-        </p:txBody>
-      </p:sp>
-      <p:sp>
-        <p:nvSpPr>
           <p:cNvPr id="3" name="标题 2"/>
           <p:cNvSpPr>
             <a:spLocks noGrp="1"/>
@@ -5565,10 +5690,92 @@
           <a:bodyPr/>
           <a:lstStyle/>
           <a:p>
-            <a:endParaRPr lang="zh-CN" altLang="en-US"/>
-          </a:p>
-        </p:txBody>
-      </p:sp>
+            <a:r>
+              <a:rPr lang="zh-CN" altLang="en-US" dirty="0" smtClean="0"/>
+              <a:t>表格（</a:t>
+            </a:r>
+            <a:r>
+              <a:rPr lang="zh-CN" altLang="en-US" dirty="0" smtClean="0">
+                <a:solidFill>
+                  <a:srgbClr val="FF0000"/>
+                </a:solidFill>
+              </a:rPr>
+              <a:t>分页</a:t>
+            </a:r>
+            <a:r>
+              <a:rPr lang="zh-CN" altLang="en-US" dirty="0" smtClean="0"/>
+              <a:t>）</a:t>
+            </a:r>
+            <a:endParaRPr lang="zh-CN" altLang="en-US" dirty="0"/>
+          </a:p>
+        </p:txBody>
+      </p:sp>
+      <p:pic>
+        <p:nvPicPr>
+          <p:cNvPr id="7171" name="Picture 3"/>
+          <p:cNvPicPr>
+            <a:picLocks noChangeAspect="1" noChangeArrowheads="1"/>
+          </p:cNvPicPr>
+          <p:nvPr/>
+        </p:nvPicPr>
+        <p:blipFill>
+          <a:blip r:embed="rId2"/>
+          <a:srcRect/>
+          <a:stretch>
+            <a:fillRect/>
+          </a:stretch>
+        </p:blipFill>
+        <p:spPr bwMode="auto">
+          <a:xfrm>
+            <a:off x="500034" y="1928802"/>
+            <a:ext cx="5781675" cy="1323975"/>
+          </a:xfrm>
+          <a:prstGeom prst="rect">
+            <a:avLst/>
+          </a:prstGeom>
+          <a:noFill/>
+          <a:ln w="9525">
+            <a:noFill/>
+            <a:miter lim="800000"/>
+            <a:headEnd/>
+            <a:tailEnd/>
+          </a:ln>
+          <a:effectLst/>
+        </p:spPr>
+      </p:pic>
+      <p:pic>
+        <p:nvPicPr>
+          <p:cNvPr id="7172" name="Picture 4"/>
+          <p:cNvPicPr>
+            <a:picLocks noChangeAspect="1" noChangeArrowheads="1"/>
+          </p:cNvPicPr>
+          <p:nvPr/>
+        </p:nvPicPr>
+        <p:blipFill>
+          <a:blip r:embed="rId3"/>
+          <a:srcRect/>
+          <a:stretch>
+            <a:fillRect/>
+          </a:stretch>
+        </p:blipFill>
+        <p:spPr bwMode="auto">
+          <a:xfrm>
+            <a:off x="571472" y="3500438"/>
+            <a:ext cx="4333875" cy="1333500"/>
+          </a:xfrm>
+          <a:prstGeom prst="rect">
+            <a:avLst/>
+          </a:prstGeom>
+          <a:noFill/>
+          <a:ln w="9525">
+            <a:noFill/>
+            <a:miter lim="800000"/>
+            <a:headEnd/>
+            <a:tailEnd/>
+          </a:ln>
+          <a:effectLst/>
+        </p:spPr>
+      </p:pic>
     </p:spTree>
   </p:cSld>
   <p:clrMapOvr>
@@ -5611,7 +5818,19 @@
           <a:p>
             <a:r>
               <a:rPr lang="zh-CN" altLang="en-US" dirty="0" smtClean="0"/>
-              <a:t>代码生成器</a:t>
+              <a:t>表格（</a:t>
+            </a:r>
+            <a:r>
+              <a:rPr lang="zh-CN" altLang="en-US" dirty="0" smtClean="0">
+                <a:solidFill>
+                  <a:srgbClr val="FF0000"/>
+                </a:solidFill>
+              </a:rPr>
+              <a:t>分页</a:t>
+            </a:r>
+            <a:r>
+              <a:rPr lang="zh-CN" altLang="en-US" dirty="0" smtClean="0"/>
+              <a:t>）</a:t>
             </a:r>
             <a:endParaRPr lang="zh-CN" altLang="en-US" dirty="0"/>
           </a:p>
@@ -5619,7 +5838,7 @@
       </p:sp>
       <p:pic>
         <p:nvPicPr>
-          <p:cNvPr id="5122" name="Picture 2"/>
+          <p:cNvPr id="2050" name="Picture 2"/>
           <p:cNvPicPr>
             <a:picLocks noChangeAspect="1" noChangeArrowheads="1"/>
           </p:cNvPicPr>
@@ -5634,8 +5853,8 @@
         </p:blipFill>
         <p:spPr bwMode="auto">
           <a:xfrm>
-            <a:off x="571472" y="1214422"/>
-            <a:ext cx="3133725" cy="3810000"/>
+            <a:off x="428596" y="1428736"/>
+            <a:ext cx="4429125" cy="4838700"/>
           </a:xfrm>
           <a:prstGeom prst="rect">
             <a:avLst/>
@@ -5650,6 +5869,76 @@
           <a:effectLst/>
         </p:spPr>
       </p:pic>
+      <p:sp>
+        <p:nvSpPr>
+          <p:cNvPr id="7" name="TextBox 6"/>
+          <p:cNvSpPr txBox="1"/>
+          <p:nvPr/>
+        </p:nvSpPr>
+        <p:spPr>
+          <a:xfrm>
+            <a:off x="5000628" y="2143116"/>
+            <a:ext cx="2771913" cy="369332"/>
+          </a:xfrm>
+          <a:prstGeom prst="rect">
+            <a:avLst/>
+          </a:prstGeom>
+          <a:noFill/>
+        </p:spPr>
+        <p:txBody>
+          <a:bodyPr wrap="none" rtlCol="0">
+            <a:spAutoFit/>
+          </a:bodyPr>
+          <a:lstStyle/>
+          <a:p>
+            <a:r>
+              <a:rPr lang="zh-CN" altLang="en-US" dirty="0" smtClean="0">
+                <a:solidFill>
+                  <a:srgbClr val="FF0000"/>
+                </a:solidFill>
+              </a:rPr>
+              <a:t>只需要有</a:t>
+            </a:r>
+            <a:r>
+              <a:rPr lang="en-US" altLang="zh-CN" dirty="0" err="1" smtClean="0">
+                <a:solidFill>
+                  <a:srgbClr val="FF0000"/>
+                </a:solidFill>
+              </a:rPr>
+              <a:t>int</a:t>
+            </a:r>
+            <a:r>
+              <a:rPr lang="zh-CN" altLang="en-US" dirty="0" smtClean="0">
+                <a:solidFill>
+                  <a:srgbClr val="FF0000"/>
+                </a:solidFill>
+              </a:rPr>
+              <a:t>类型的</a:t>
+            </a:r>
+            <a:r>
+              <a:rPr lang="en-US" altLang="zh-CN" dirty="0" smtClean="0">
+                <a:solidFill>
+                  <a:srgbClr val="FF0000"/>
+                </a:solidFill>
+              </a:rPr>
+              <a:t>id</a:t>
+            </a:r>
+            <a:r>
+              <a:rPr lang="zh-CN" altLang="en-US" dirty="0" smtClean="0">
+                <a:solidFill>
+                  <a:srgbClr val="FF0000"/>
+                </a:solidFill>
+              </a:rPr>
+              <a:t>即可</a:t>
+            </a:r>
+            <a:endParaRPr lang="zh-CN" altLang="en-US" dirty="0">
+              <a:solidFill>
+                <a:srgbClr val="FF0000"/>
+              </a:solidFill>
+            </a:endParaRPr>
+          </a:p>
+        </p:txBody>
+      </p:sp>
     </p:spTree>
   </p:cSld>
   <p:clrMapOvr>
@@ -5687,7 +5976,9 @@
         </p:nvSpPr>
         <p:spPr/>
         <p:txBody>
-          <a:bodyPr/>
+          <a:bodyPr>
+            <a:normAutofit/>
+          </a:bodyPr>
           <a:lstStyle/>
           <a:p>
             <a:r>
@@ -5698,39 +5989,120 @@
           </a:p>
         </p:txBody>
       </p:sp>
-      <p:pic>
-        <p:nvPicPr>
-          <p:cNvPr id="6146" name="Picture 2"/>
-          <p:cNvPicPr>
-            <a:picLocks noChangeAspect="1" noChangeArrowheads="1"/>
-          </p:cNvPicPr>
+      <p:sp>
+        <p:nvSpPr>
+          <p:cNvPr id="5" name="TextBox 4"/>
+          <p:cNvSpPr txBox="1"/>
           <p:nvPr/>
-        </p:nvPicPr>
-        <p:blipFill>
-          <a:blip r:embed="rId2"/>
-          <a:srcRect/>
-          <a:stretch>
-            <a:fillRect/>
-          </a:stretch>
-        </p:blipFill>
-        <p:spPr bwMode="auto">
-          <a:xfrm>
-            <a:off x="214282" y="1724025"/>
-            <a:ext cx="8929717" cy="5133975"/>
+        </p:nvSpPr>
+        <p:spPr>
+          <a:xfrm>
+            <a:off x="428596" y="1357298"/>
+            <a:ext cx="8323112" cy="369332"/>
           </a:xfrm>
           <a:prstGeom prst="rect">
             <a:avLst/>
           </a:prstGeom>
           <a:noFill/>
-          <a:ln w="9525">
-            <a:noFill/>
-            <a:miter lim="800000"/>
-            <a:headEnd/>
-            <a:tailEnd/>
-          </a:ln>
-          <a:effectLst/>
-        </p:spPr>
-      </p:pic>
+        </p:spPr>
+        <p:txBody>
+          <a:bodyPr wrap="none" rtlCol="0">
+            <a:spAutoFit/>
+          </a:bodyPr>
+          <a:lstStyle/>
+          <a:p>
+            <a:r>
+              <a:rPr lang="zh-CN" altLang="en-US" dirty="0" smtClean="0"/>
+              <a:t>无页面的代码生成与表格的后台代码完全一致，只是没有生成前台页面的</a:t>
+            </a:r>
+            <a:r>
+              <a:rPr lang="en-US" altLang="zh-CN" dirty="0" err="1" smtClean="0"/>
+              <a:t>js</a:t>
+            </a:r>
+            <a:r>
+              <a:rPr lang="zh-CN" altLang="en-US" dirty="0" smtClean="0"/>
+              <a:t>及</a:t>
+            </a:r>
+            <a:r>
+              <a:rPr lang="en-US" altLang="zh-CN" dirty="0" err="1" smtClean="0"/>
+              <a:t>jsp</a:t>
+            </a:r>
+            <a:endParaRPr lang="zh-CN" altLang="en-US" dirty="0"/>
+          </a:p>
+        </p:txBody>
+      </p:sp>
+      <p:sp>
+        <p:nvSpPr>
+          <p:cNvPr id="6" name="TextBox 5"/>
+          <p:cNvSpPr txBox="1"/>
+          <p:nvPr/>
+        </p:nvSpPr>
+        <p:spPr>
+          <a:xfrm>
+            <a:off x="500034" y="2071678"/>
+            <a:ext cx="5091458" cy="369332"/>
+          </a:xfrm>
+          <a:prstGeom prst="rect">
+            <a:avLst/>
+          </a:prstGeom>
+          <a:noFill/>
+        </p:spPr>
+        <p:txBody>
+          <a:bodyPr wrap="none" rtlCol="0">
+            <a:spAutoFit/>
+          </a:bodyPr>
+          <a:lstStyle/>
+          <a:p>
+            <a:r>
+              <a:rPr lang="zh-CN" altLang="en-US" dirty="0" smtClean="0"/>
+              <a:t>左树右</a:t>
+            </a:r>
+            <a:r>
+              <a:rPr lang="zh-CN" altLang="en-US" dirty="0" smtClean="0"/>
+              <a:t>表的代码生成结构可以参考</a:t>
+            </a:r>
+            <a:r>
+              <a:rPr lang="en-US" altLang="zh-CN" dirty="0" err="1" smtClean="0"/>
+              <a:t>RegistryType</a:t>
+            </a:r>
+            <a:endParaRPr lang="zh-CN" altLang="en-US" dirty="0"/>
+          </a:p>
+        </p:txBody>
+      </p:sp>
+      <p:sp>
+        <p:nvSpPr>
+          <p:cNvPr id="7" name="TextBox 6"/>
+          <p:cNvSpPr txBox="1"/>
+          <p:nvPr/>
+        </p:nvSpPr>
+        <p:spPr>
+          <a:xfrm>
+            <a:off x="571472" y="2857496"/>
+            <a:ext cx="4503156" cy="369332"/>
+          </a:xfrm>
+          <a:prstGeom prst="rect">
+            <a:avLst/>
+          </a:prstGeom>
+          <a:noFill/>
+        </p:spPr>
+        <p:txBody>
+          <a:bodyPr wrap="none" rtlCol="0">
+            <a:spAutoFit/>
+          </a:bodyPr>
+          <a:lstStyle/>
+          <a:p>
+            <a:r>
+              <a:rPr lang="zh-CN" altLang="en-US" dirty="0" smtClean="0"/>
+              <a:t>表格的代码生成结构可以参考</a:t>
+            </a:r>
+            <a:r>
+              <a:rPr lang="en-US" altLang="zh-CN" dirty="0" err="1" smtClean="0"/>
+              <a:t>DemoGener</a:t>
+            </a:r>
+            <a:endParaRPr lang="zh-CN" altLang="en-US" dirty="0"/>
+          </a:p>
+        </p:txBody>
+      </p:sp>
     </p:spTree>
   </p:cSld>
   <p:clrMapOvr>
@@ -5758,6 +6130,63 @@
       </p:grpSpPr>
       <p:sp>
         <p:nvSpPr>
+          <p:cNvPr id="2" name="内容占位符 1"/>
+          <p:cNvSpPr>
+            <a:spLocks noGrp="1"/>
+          </p:cNvSpPr>
+          <p:nvPr>
+            <p:ph idx="1"/>
+          </p:nvPr>
+        </p:nvSpPr>
+        <p:spPr/>
+        <p:txBody>
+          <a:bodyPr/>
+          <a:lstStyle/>
+          <a:p>
+            <a:r>
+              <a:rPr lang="en-US" altLang="zh-CN" dirty="0" smtClean="0"/>
+              <a:t>model</a:t>
+            </a:r>
+            <a:r>
+              <a:rPr lang="zh-CN" altLang="en-US" dirty="0" smtClean="0"/>
+              <a:t>类必须有一个</a:t>
+            </a:r>
+            <a:r>
+              <a:rPr lang="en-US" altLang="zh-CN" dirty="0" err="1" smtClean="0"/>
+              <a:t>int</a:t>
+            </a:r>
+            <a:r>
+              <a:rPr lang="zh-CN" altLang="en-US" dirty="0" smtClean="0"/>
+              <a:t>类型的</a:t>
+            </a:r>
+            <a:r>
+              <a:rPr lang="en-US" altLang="zh-CN" dirty="0" smtClean="0"/>
+              <a:t>id</a:t>
+            </a:r>
+            <a:r>
+              <a:rPr lang="zh-CN" altLang="en-US" dirty="0" smtClean="0"/>
+              <a:t>字段</a:t>
+            </a:r>
+            <a:endParaRPr lang="en-US" altLang="zh-CN" dirty="0" smtClean="0"/>
+          </a:p>
+          <a:p>
+            <a:r>
+              <a:rPr lang="zh-CN" altLang="en-US" dirty="0" smtClean="0"/>
+              <a:t>数据库的表名是类名首字母小写</a:t>
+            </a:r>
+            <a:endParaRPr lang="en-US" altLang="zh-CN" dirty="0" smtClean="0"/>
+          </a:p>
+          <a:p>
+            <a:r>
+              <a:rPr lang="zh-CN" altLang="en-US" dirty="0" smtClean="0"/>
+              <a:t>表中列名对应类中的属性名</a:t>
+            </a:r>
+            <a:endParaRPr lang="zh-CN" altLang="en-US" dirty="0"/>
+          </a:p>
+        </p:txBody>
+      </p:sp>
+      <p:sp>
+        <p:nvSpPr>
           <p:cNvPr id="3" name="标题 2"/>
           <p:cNvSpPr>
             <a:spLocks noGrp="1"/>
@@ -5768,85 +6197,17 @@
         </p:nvSpPr>
         <p:spPr/>
         <p:txBody>
-          <a:bodyPr>
-            <a:normAutofit/>
-          </a:bodyPr>
+          <a:bodyPr/>
           <a:lstStyle/>
           <a:p>
             <a:r>
               <a:rPr lang="zh-CN" altLang="en-US" dirty="0" smtClean="0"/>
-              <a:t>代码生成器</a:t>
+              <a:t>代码生成器的约定</a:t>
             </a:r>
             <a:endParaRPr lang="zh-CN" altLang="en-US" dirty="0"/>
           </a:p>
         </p:txBody>
       </p:sp>
-      <p:pic>
-        <p:nvPicPr>
-          <p:cNvPr id="7170" name="Picture 2"/>
-          <p:cNvPicPr>
-            <a:picLocks noChangeAspect="1" noChangeArrowheads="1"/>
-          </p:cNvPicPr>
-          <p:nvPr/>
-        </p:nvPicPr>
-        <p:blipFill>
-          <a:blip r:embed="rId2"/>
-          <a:srcRect/>
-          <a:stretch>
-            <a:fillRect/>
-          </a:stretch>
-        </p:blipFill>
-        <p:spPr bwMode="auto">
-          <a:xfrm>
-            <a:off x="142844" y="1285860"/>
-            <a:ext cx="3667125" cy="2895600"/>
-          </a:xfrm>
-          <a:prstGeom prst="rect">
-            <a:avLst/>
-          </a:prstGeom>
-          <a:noFill/>
-          <a:ln w="9525">
-            <a:noFill/>
-            <a:miter lim="800000"/>
-            <a:headEnd/>
-            <a:tailEnd/>
-          </a:ln>
-          <a:effectLst/>
-        </p:spPr>
-      </p:pic>
-      <p:pic>
-        <p:nvPicPr>
-          <p:cNvPr id="7171" name="Picture 3"/>
-          <p:cNvPicPr>
-            <a:picLocks noChangeAspect="1" noChangeArrowheads="1"/>
-          </p:cNvPicPr>
-          <p:nvPr/>
-        </p:nvPicPr>
-        <p:blipFill>
-          <a:blip r:embed="rId3"/>
-          <a:srcRect/>
-          <a:stretch>
-            <a:fillRect/>
-          </a:stretch>
-        </p:blipFill>
-        <p:spPr bwMode="auto">
-          <a:xfrm>
-            <a:off x="3714744" y="933450"/>
-            <a:ext cx="5286375" cy="5924550"/>
-          </a:xfrm>
-          <a:prstGeom prst="rect">
-            <a:avLst/>
-          </a:prstGeom>
-          <a:noFill/>
-          <a:ln w="9525">
-            <a:noFill/>
-            <a:miter lim="800000"/>
-            <a:headEnd/>
-            <a:tailEnd/>
-          </a:ln>
-          <a:effectLst/>
-        </p:spPr>
-      </p:pic>
     </p:spTree>
   </p:cSld>
   <p:clrMapOvr>
@@ -5895,9 +6256,66 @@
           </a:p>
         </p:txBody>
       </p:sp>
+      <p:sp>
+        <p:nvSpPr>
+          <p:cNvPr id="5" name="TextBox 4"/>
+          <p:cNvSpPr txBox="1"/>
+          <p:nvPr/>
+        </p:nvSpPr>
+        <p:spPr>
+          <a:xfrm>
+            <a:off x="4071934" y="1500174"/>
+            <a:ext cx="4490332" cy="646331"/>
+          </a:xfrm>
+          <a:prstGeom prst="rect">
+            <a:avLst/>
+          </a:prstGeom>
+          <a:noFill/>
+        </p:spPr>
+        <p:txBody>
+          <a:bodyPr wrap="none" rtlCol="0">
+            <a:spAutoFit/>
+          </a:bodyPr>
+          <a:lstStyle/>
+          <a:p>
+            <a:r>
+              <a:rPr lang="zh-CN" altLang="en-US" dirty="0" smtClean="0"/>
+              <a:t>代码生成器的模板在</a:t>
+            </a:r>
+            <a:r>
+              <a:rPr lang="en-US" altLang="zh-CN" dirty="0" smtClean="0"/>
+              <a:t>/</a:t>
+            </a:r>
+            <a:r>
+              <a:rPr lang="en-US" altLang="zh-CN" dirty="0" err="1" smtClean="0"/>
+              <a:t>ftl</a:t>
+            </a:r>
+            <a:r>
+              <a:rPr lang="en-US" altLang="zh-CN" dirty="0" smtClean="0"/>
+              <a:t>/</a:t>
+            </a:r>
+            <a:r>
+              <a:rPr lang="en-US" altLang="zh-CN" dirty="0" err="1" smtClean="0"/>
+              <a:t>codegenerate</a:t>
+            </a:r>
+            <a:r>
+              <a:rPr lang="zh-CN" altLang="en-US" dirty="0" smtClean="0"/>
+              <a:t>下</a:t>
+            </a:r>
+            <a:endParaRPr lang="en-US" altLang="zh-CN" dirty="0" smtClean="0"/>
+          </a:p>
+          <a:p>
+            <a:r>
+              <a:rPr lang="zh-CN" altLang="en-US" dirty="0" smtClean="0"/>
+              <a:t>如有需要可自行修改模板</a:t>
+            </a:r>
+            <a:endParaRPr lang="zh-CN" altLang="en-US" dirty="0"/>
+          </a:p>
+        </p:txBody>
+      </p:sp>
       <p:pic>
         <p:nvPicPr>
-          <p:cNvPr id="8194" name="Picture 2"/>
+          <p:cNvPr id="3074" name="Picture 2"/>
           <p:cNvPicPr>
             <a:picLocks noChangeAspect="1" noChangeArrowheads="1"/>
           </p:cNvPicPr>
@@ -5912,8 +6330,8 @@
         </p:blipFill>
         <p:spPr bwMode="auto">
           <a:xfrm>
-            <a:off x="642910" y="1190625"/>
-            <a:ext cx="7342187" cy="5667375"/>
+            <a:off x="714348" y="1571612"/>
+            <a:ext cx="2457450" cy="3638550"/>
           </a:xfrm>
           <a:prstGeom prst="rect">
             <a:avLst/>
@@ -5955,63 +6373,6 @@
       </p:grpSpPr>
       <p:sp>
         <p:nvSpPr>
-          <p:cNvPr id="2" name="内容占位符 1"/>
-          <p:cNvSpPr>
-            <a:spLocks noGrp="1"/>
-          </p:cNvSpPr>
-          <p:nvPr>
-            <p:ph idx="1"/>
-          </p:nvPr>
-        </p:nvSpPr>
-        <p:spPr/>
-        <p:txBody>
-          <a:bodyPr/>
-          <a:lstStyle/>
-          <a:p>
-            <a:r>
-              <a:rPr lang="en-US" altLang="zh-CN" dirty="0" smtClean="0"/>
-              <a:t>model</a:t>
-            </a:r>
-            <a:r>
-              <a:rPr lang="zh-CN" altLang="en-US" dirty="0" smtClean="0"/>
-              <a:t>类必须有一个</a:t>
-            </a:r>
-            <a:r>
-              <a:rPr lang="en-US" altLang="zh-CN" dirty="0" err="1" smtClean="0"/>
-              <a:t>int</a:t>
-            </a:r>
-            <a:r>
-              <a:rPr lang="zh-CN" altLang="en-US" dirty="0" smtClean="0"/>
-              <a:t>类型的</a:t>
-            </a:r>
-            <a:r>
-              <a:rPr lang="en-US" altLang="zh-CN" dirty="0" smtClean="0"/>
-              <a:t>id</a:t>
-            </a:r>
-            <a:r>
-              <a:rPr lang="zh-CN" altLang="en-US" dirty="0" smtClean="0"/>
-              <a:t>字段</a:t>
-            </a:r>
-            <a:endParaRPr lang="en-US" altLang="zh-CN" dirty="0" smtClean="0"/>
-          </a:p>
-          <a:p>
-            <a:r>
-              <a:rPr lang="zh-CN" altLang="en-US" dirty="0" smtClean="0"/>
-              <a:t>数据库的表名是类名首字母小写</a:t>
-            </a:r>
-            <a:endParaRPr lang="en-US" altLang="zh-CN" dirty="0" smtClean="0"/>
-          </a:p>
-          <a:p>
-            <a:r>
-              <a:rPr lang="zh-CN" altLang="en-US" dirty="0" smtClean="0"/>
-              <a:t>表中列名对应类中的属性名</a:t>
-            </a:r>
-            <a:endParaRPr lang="zh-CN" altLang="en-US" dirty="0"/>
-          </a:p>
-        </p:txBody>
-      </p:sp>
-      <p:sp>
-        <p:nvSpPr>
           <p:cNvPr id="3" name="标题 2"/>
           <p:cNvSpPr>
             <a:spLocks noGrp="1"/>
@@ -6027,7 +6388,88 @@
           <a:p>
             <a:r>
               <a:rPr lang="zh-CN" altLang="en-US" dirty="0" smtClean="0"/>
-              <a:t>代码生成器的约定</a:t>
+              <a:t>代码生成器</a:t>
+            </a:r>
+            <a:endParaRPr lang="zh-CN" altLang="en-US" dirty="0"/>
+          </a:p>
+        </p:txBody>
+      </p:sp>
+      <p:pic>
+        <p:nvPicPr>
+          <p:cNvPr id="10242" name="Picture 2"/>
+          <p:cNvPicPr>
+            <a:picLocks noChangeAspect="1" noChangeArrowheads="1"/>
+          </p:cNvPicPr>
+          <p:nvPr/>
+        </p:nvPicPr>
+        <p:blipFill>
+          <a:blip r:embed="rId2"/>
+          <a:srcRect/>
+          <a:stretch>
+            <a:fillRect/>
+          </a:stretch>
+        </p:blipFill>
+        <p:spPr bwMode="auto">
+          <a:xfrm>
+            <a:off x="428596" y="1214422"/>
+            <a:ext cx="4914900" cy="4295775"/>
+          </a:xfrm>
+          <a:prstGeom prst="rect">
+            <a:avLst/>
+          </a:prstGeom>
+          <a:noFill/>
+          <a:ln w="9525">
+            <a:noFill/>
+            <a:miter lim="800000"/>
+            <a:headEnd/>
+            <a:tailEnd/>
+          </a:ln>
+          <a:effectLst/>
+        </p:spPr>
+      </p:pic>
+      <p:sp>
+        <p:nvSpPr>
+          <p:cNvPr id="5" name="TextBox 4"/>
+          <p:cNvSpPr txBox="1"/>
+          <p:nvPr/>
+        </p:nvSpPr>
+        <p:spPr>
+          <a:xfrm>
+            <a:off x="5500694" y="1643050"/>
+            <a:ext cx="3608680" cy="923330"/>
+          </a:xfrm>
+          <a:prstGeom prst="rect">
+            <a:avLst/>
+          </a:prstGeom>
+          <a:noFill/>
+        </p:spPr>
+        <p:txBody>
+          <a:bodyPr wrap="none" rtlCol="0">
+            <a:spAutoFit/>
+          </a:bodyPr>
+          <a:lstStyle/>
+          <a:p>
+            <a:r>
+              <a:rPr lang="zh-CN" altLang="en-US" dirty="0" smtClean="0"/>
+              <a:t>如果生成的代码包名需要修改</a:t>
+            </a:r>
+            <a:endParaRPr lang="en-US" altLang="zh-CN" dirty="0" smtClean="0"/>
+          </a:p>
+          <a:p>
+            <a:r>
+              <a:rPr lang="zh-CN" altLang="en-US" dirty="0" smtClean="0"/>
+              <a:t>可以直接修改</a:t>
+            </a:r>
+            <a:r>
+              <a:rPr lang="en-US" altLang="zh-CN" dirty="0" err="1" smtClean="0"/>
+              <a:t>configs.properties</a:t>
+            </a:r>
+            <a:endParaRPr lang="en-US" altLang="zh-CN" dirty="0" smtClean="0"/>
+          </a:p>
+          <a:p>
+            <a:r>
+              <a:rPr lang="zh-CN" altLang="en-US" dirty="0" smtClean="0"/>
+              <a:t>文件中的配置</a:t>
             </a:r>
             <a:endParaRPr lang="zh-CN" altLang="en-US" dirty="0"/>
           </a:p>
@@ -6411,7 +6853,11 @@
           <a:p>
             <a:r>
               <a:rPr lang="zh-CN" altLang="en-US" dirty="0" smtClean="0"/>
-              <a:t>代码生成器</a:t>
+              <a:t>分布式</a:t>
+            </a:r>
+            <a:r>
+              <a:rPr lang="en-US" altLang="zh-CN" dirty="0" smtClean="0"/>
+              <a:t>session</a:t>
             </a:r>
             <a:endParaRPr lang="zh-CN" altLang="en-US" dirty="0"/>
           </a:p>
@@ -6419,7 +6865,7 @@
       </p:sp>
       <p:pic>
         <p:nvPicPr>
-          <p:cNvPr id="9218" name="Picture 2"/>
+          <p:cNvPr id="11266" name="Picture 2"/>
           <p:cNvPicPr>
             <a:picLocks noChangeAspect="1" noChangeArrowheads="1"/>
           </p:cNvPicPr>
@@ -6434,8 +6880,8 @@
         </p:blipFill>
         <p:spPr bwMode="auto">
           <a:xfrm>
-            <a:off x="571472" y="1285860"/>
-            <a:ext cx="2895600" cy="2905125"/>
+            <a:off x="357158" y="1357298"/>
+            <a:ext cx="4724400" cy="4010025"/>
           </a:xfrm>
           <a:prstGeom prst="rect">
             <a:avLst/>
@@ -6458,8 +6904,8 @@
         </p:nvSpPr>
         <p:spPr>
           <a:xfrm>
-            <a:off x="4071934" y="1500174"/>
-            <a:ext cx="4586512" cy="646331"/>
+            <a:off x="5350974" y="1571612"/>
+            <a:ext cx="3793026" cy="646331"/>
           </a:xfrm>
           <a:prstGeom prst="rect">
             <a:avLst/>
@@ -6474,35 +6920,76 @@
           <a:p>
             <a:r>
               <a:rPr lang="zh-CN" altLang="en-US" dirty="0" smtClean="0"/>
-              <a:t>代码生成器的模板在</a:t>
+              <a:t>分布式</a:t>
             </a:r>
             <a:r>
               <a:rPr lang="en-US" altLang="zh-CN" dirty="0" smtClean="0"/>
-              <a:t>/</a:t>
-            </a:r>
-            <a:r>
-              <a:rPr lang="en-US" altLang="zh-CN" dirty="0" err="1" smtClean="0"/>
-              <a:t>vm</a:t>
+              <a:t>Session</a:t>
+            </a:r>
+            <a:r>
+              <a:rPr lang="zh-CN" altLang="en-US" dirty="0" smtClean="0"/>
+              <a:t>主要是利用第三方</a:t>
+            </a:r>
+            <a:endParaRPr lang="en-US" altLang="zh-CN" dirty="0" smtClean="0"/>
+          </a:p>
+          <a:p>
+            <a:r>
+              <a:rPr lang="zh-CN" altLang="en-US" dirty="0" smtClean="0"/>
+              <a:t>组件来保存公共的</a:t>
             </a:r>
             <a:r>
               <a:rPr lang="en-US" altLang="zh-CN" dirty="0" smtClean="0"/>
-              <a:t>/</a:t>
-            </a:r>
-            <a:r>
-              <a:rPr lang="en-US" altLang="zh-CN" dirty="0" err="1" smtClean="0"/>
-              <a:t>codegenerate</a:t>
-            </a:r>
-            <a:r>
-              <a:rPr lang="zh-CN" altLang="en-US" dirty="0" smtClean="0"/>
-              <a:t>下</a:t>
+              <a:t>Session</a:t>
+            </a:r>
+            <a:r>
+              <a:rPr lang="zh-CN" altLang="en-US" dirty="0" smtClean="0"/>
+              <a:t>中的数据</a:t>
+            </a:r>
+            <a:endParaRPr lang="zh-CN" altLang="en-US" dirty="0"/>
+          </a:p>
+        </p:txBody>
+      </p:sp>
+      <p:sp>
+        <p:nvSpPr>
+          <p:cNvPr id="6" name="TextBox 5"/>
+          <p:cNvSpPr txBox="1"/>
+          <p:nvPr/>
+        </p:nvSpPr>
+        <p:spPr>
+          <a:xfrm>
+            <a:off x="5572132" y="2786058"/>
+            <a:ext cx="1579278" cy="1200329"/>
+          </a:xfrm>
+          <a:prstGeom prst="rect">
+            <a:avLst/>
+          </a:prstGeom>
+          <a:noFill/>
+        </p:spPr>
+        <p:txBody>
+          <a:bodyPr wrap="none" rtlCol="0">
+            <a:spAutoFit/>
+          </a:bodyPr>
+          <a:lstStyle/>
+          <a:p>
+            <a:r>
+              <a:rPr lang="zh-CN" altLang="en-US" dirty="0" smtClean="0"/>
+              <a:t>提供两种方式</a:t>
             </a:r>
             <a:endParaRPr lang="en-US" altLang="zh-CN" dirty="0" smtClean="0"/>
           </a:p>
           <a:p>
             <a:r>
-              <a:rPr lang="zh-CN" altLang="en-US" dirty="0" smtClean="0"/>
-              <a:t>如有需要可自行修改模板</a:t>
-            </a:r>
+              <a:rPr lang="en-US" altLang="zh-CN" dirty="0" smtClean="0"/>
+              <a:t>1.Redis</a:t>
+            </a:r>
+          </a:p>
+          <a:p>
+            <a:r>
+              <a:rPr lang="en-US" altLang="zh-CN" dirty="0" smtClean="0"/>
+              <a:t>2.Zookeeper</a:t>
+            </a:r>
+          </a:p>
+          <a:p>
             <a:endParaRPr lang="zh-CN" altLang="en-US" dirty="0"/>
           </a:p>
         </p:txBody>
@@ -6548,8 +7035,12 @@
           <a:lstStyle/>
           <a:p>
             <a:r>
-              <a:rPr lang="zh-CN" altLang="en-US" dirty="0" smtClean="0"/>
-              <a:t>代码生成器</a:t>
+              <a:rPr lang="en-US" altLang="zh-CN" dirty="0" err="1" smtClean="0"/>
+              <a:t>BeanName</a:t>
+            </a:r>
+            <a:r>
+              <a:rPr lang="zh-CN" altLang="en-US" dirty="0" smtClean="0"/>
+              <a:t>生成策略</a:t>
             </a:r>
             <a:endParaRPr lang="zh-CN" altLang="en-US" dirty="0"/>
           </a:p>
@@ -6557,7 +7048,7 @@
       </p:sp>
       <p:pic>
         <p:nvPicPr>
-          <p:cNvPr id="10242" name="Picture 2"/>
+          <p:cNvPr id="12290" name="Picture 2"/>
           <p:cNvPicPr>
             <a:picLocks noChangeAspect="1" noChangeArrowheads="1"/>
           </p:cNvPicPr>
@@ -6572,8 +7063,8 @@
         </p:blipFill>
         <p:spPr bwMode="auto">
           <a:xfrm>
-            <a:off x="428596" y="1214422"/>
-            <a:ext cx="4914900" cy="4295775"/>
+            <a:off x="0" y="1628775"/>
+            <a:ext cx="9144000" cy="3600450"/>
           </a:xfrm>
           <a:prstGeom prst="rect">
             <a:avLst/>
@@ -6596,8 +7087,8 @@
         </p:nvSpPr>
         <p:spPr>
           <a:xfrm>
-            <a:off x="5500694" y="1643050"/>
-            <a:ext cx="3608680" cy="923330"/>
+            <a:off x="571472" y="4572008"/>
+            <a:ext cx="8315097" cy="369332"/>
           </a:xfrm>
           <a:prstGeom prst="rect">
             <a:avLst/>
@@ -6612,25 +7103,19 @@
           <a:p>
             <a:r>
               <a:rPr lang="zh-CN" altLang="en-US" dirty="0" smtClean="0"/>
-              <a:t>如果生成的代码包名需要修改</a:t>
-            </a:r>
-            <a:endParaRPr lang="en-US" altLang="zh-CN" dirty="0" smtClean="0"/>
-          </a:p>
-          <a:p>
-            <a:r>
-              <a:rPr lang="zh-CN" altLang="en-US" dirty="0" smtClean="0"/>
-              <a:t>可以直接修改</a:t>
+              <a:t>在包扫描组件后增加红框内的内容，则自动生成的</a:t>
             </a:r>
             <a:r>
               <a:rPr lang="en-US" altLang="zh-CN" dirty="0" err="1" smtClean="0"/>
-              <a:t>configs.properties</a:t>
-            </a:r>
-            <a:endParaRPr lang="en-US" altLang="zh-CN" dirty="0" smtClean="0"/>
-          </a:p>
-          <a:p>
-            <a:r>
-              <a:rPr lang="zh-CN" altLang="en-US" dirty="0" smtClean="0"/>
-              <a:t>文件中的配置</a:t>
+              <a:t>BeanName</a:t>
+            </a:r>
+            <a:r>
+              <a:rPr lang="zh-CN" altLang="en-US" dirty="0" smtClean="0"/>
+              <a:t>会自动去掉</a:t>
+            </a:r>
+            <a:r>
+              <a:rPr lang="en-US" altLang="zh-CN" dirty="0" err="1" smtClean="0"/>
+              <a:t>Impl</a:t>
             </a:r>
             <a:endParaRPr lang="zh-CN" altLang="en-US" dirty="0"/>
           </a:p>
@@ -6677,12 +7162,12 @@
           <a:lstStyle/>
           <a:p>
             <a:r>
-              <a:rPr lang="zh-CN" altLang="en-US" dirty="0" smtClean="0"/>
-              <a:t>分布式</a:t>
-            </a:r>
-            <a:r>
-              <a:rPr lang="en-US" altLang="zh-CN" dirty="0" smtClean="0"/>
-              <a:t>session</a:t>
+              <a:rPr lang="en-US" altLang="zh-CN" dirty="0" err="1" smtClean="0"/>
+              <a:t>BeanName</a:t>
+            </a:r>
+            <a:r>
+              <a:rPr lang="zh-CN" altLang="en-US" dirty="0" smtClean="0"/>
+              <a:t>生成策略</a:t>
             </a:r>
             <a:endParaRPr lang="zh-CN" altLang="en-US" dirty="0"/>
           </a:p>
@@ -6690,7 +7175,7 @@
       </p:sp>
       <p:pic>
         <p:nvPicPr>
-          <p:cNvPr id="11266" name="Picture 2"/>
+          <p:cNvPr id="13314" name="Picture 2"/>
           <p:cNvPicPr>
             <a:picLocks noChangeAspect="1" noChangeArrowheads="1"/>
           </p:cNvPicPr>
@@ -6705,8 +7190,8 @@
         </p:blipFill>
         <p:spPr bwMode="auto">
           <a:xfrm>
-            <a:off x="357158" y="1357298"/>
-            <a:ext cx="4724400" cy="4010025"/>
+            <a:off x="500034" y="1500174"/>
+            <a:ext cx="4876800" cy="2257425"/>
           </a:xfrm>
           <a:prstGeom prst="rect">
             <a:avLst/>
@@ -6721,104 +7206,6 @@
           <a:effectLst/>
         </p:spPr>
       </p:pic>
-      <p:sp>
-        <p:nvSpPr>
-          <p:cNvPr id="5" name="TextBox 4"/>
-          <p:cNvSpPr txBox="1"/>
-          <p:nvPr/>
-        </p:nvSpPr>
-        <p:spPr>
-          <a:xfrm>
-            <a:off x="5350974" y="1571612"/>
-            <a:ext cx="3793026" cy="646331"/>
-          </a:xfrm>
-          <a:prstGeom prst="rect">
-            <a:avLst/>
-          </a:prstGeom>
-          <a:noFill/>
-        </p:spPr>
-        <p:txBody>
-          <a:bodyPr wrap="none" rtlCol="0">
-            <a:spAutoFit/>
-          </a:bodyPr>
-          <a:lstStyle/>
-          <a:p>
-            <a:r>
-              <a:rPr lang="zh-CN" altLang="en-US" dirty="0" smtClean="0"/>
-              <a:t>分布式</a:t>
-            </a:r>
-            <a:r>
-              <a:rPr lang="en-US" altLang="zh-CN" dirty="0" smtClean="0"/>
-              <a:t>Session</a:t>
-            </a:r>
-            <a:r>
-              <a:rPr lang="zh-CN" altLang="en-US" dirty="0" smtClean="0"/>
-              <a:t>主要是利用第三方</a:t>
-            </a:r>
-            <a:endParaRPr lang="en-US" altLang="zh-CN" dirty="0" smtClean="0"/>
-          </a:p>
-          <a:p>
-            <a:r>
-              <a:rPr lang="zh-CN" altLang="en-US" dirty="0" smtClean="0"/>
-              <a:t>组件来保存公共的</a:t>
-            </a:r>
-            <a:r>
-              <a:rPr lang="en-US" altLang="zh-CN" dirty="0" smtClean="0"/>
-              <a:t>Session</a:t>
-            </a:r>
-            <a:r>
-              <a:rPr lang="zh-CN" altLang="en-US" dirty="0" smtClean="0"/>
-              <a:t>中的数据</a:t>
-            </a:r>
-            <a:endParaRPr lang="zh-CN" altLang="en-US" dirty="0"/>
-          </a:p>
-        </p:txBody>
-      </p:sp>
-      <p:sp>
-        <p:nvSpPr>
-          <p:cNvPr id="6" name="TextBox 5"/>
-          <p:cNvSpPr txBox="1"/>
-          <p:nvPr/>
-        </p:nvSpPr>
-        <p:spPr>
-          <a:xfrm>
-            <a:off x="5572132" y="2786058"/>
-            <a:ext cx="1579278" cy="1200329"/>
-          </a:xfrm>
-          <a:prstGeom prst="rect">
-            <a:avLst/>
-          </a:prstGeom>
-          <a:noFill/>
-        </p:spPr>
-        <p:txBody>
-          <a:bodyPr wrap="none" rtlCol="0">
-            <a:spAutoFit/>
-          </a:bodyPr>
-          <a:lstStyle/>
-          <a:p>
-            <a:r>
-              <a:rPr lang="zh-CN" altLang="en-US" dirty="0" smtClean="0"/>
-              <a:t>提供两种方式</a:t>
-            </a:r>
-            <a:endParaRPr lang="en-US" altLang="zh-CN" dirty="0" smtClean="0"/>
-          </a:p>
-          <a:p>
-            <a:r>
-              <a:rPr lang="en-US" altLang="zh-CN" dirty="0" smtClean="0"/>
-              <a:t>1.Redis</a:t>
-            </a:r>
-          </a:p>
-          <a:p>
-            <a:r>
-              <a:rPr lang="en-US" altLang="zh-CN" dirty="0" smtClean="0"/>
-              <a:t>2.Zookeeper</a:t>
-            </a:r>
-          </a:p>
-          <a:p>
-            <a:endParaRPr lang="zh-CN" altLang="en-US" dirty="0"/>
-          </a:p>
-        </p:txBody>
-      </p:sp>
     </p:spTree>
   </p:cSld>
   <p:clrMapOvr>
@@ -6860,12 +7247,12 @@
           <a:lstStyle/>
           <a:p>
             <a:r>
+              <a:rPr lang="zh-CN" altLang="en-US" dirty="0" smtClean="0"/>
+              <a:t>默认</a:t>
+            </a:r>
+            <a:r>
               <a:rPr lang="en-US" altLang="zh-CN" dirty="0" err="1" smtClean="0"/>
-              <a:t>BeanName</a:t>
-            </a:r>
-            <a:r>
-              <a:rPr lang="zh-CN" altLang="en-US" dirty="0" smtClean="0"/>
-              <a:t>生成策略</a:t>
+              <a:t>RequestMapping</a:t>
             </a:r>
             <a:endParaRPr lang="zh-CN" altLang="en-US" dirty="0"/>
           </a:p>
@@ -6873,7 +7260,7 @@
       </p:sp>
       <p:pic>
         <p:nvPicPr>
-          <p:cNvPr id="12290" name="Picture 2"/>
+          <p:cNvPr id="14338" name="Picture 2"/>
           <p:cNvPicPr>
             <a:picLocks noChangeAspect="1" noChangeArrowheads="1"/>
           </p:cNvPicPr>
@@ -6888,8 +7275,8 @@
         </p:blipFill>
         <p:spPr bwMode="auto">
           <a:xfrm>
-            <a:off x="0" y="1628775"/>
-            <a:ext cx="9144000" cy="3600450"/>
+            <a:off x="500034" y="1214422"/>
+            <a:ext cx="7885113" cy="4552950"/>
           </a:xfrm>
           <a:prstGeom prst="rect">
             <a:avLst/>
@@ -6912,8 +7299,8 @@
         </p:nvSpPr>
         <p:spPr>
           <a:xfrm>
-            <a:off x="571472" y="4572008"/>
-            <a:ext cx="8315097" cy="369332"/>
+            <a:off x="2214546" y="5857892"/>
+            <a:ext cx="6362639" cy="369332"/>
           </a:xfrm>
           <a:prstGeom prst="rect">
             <a:avLst/>
@@ -6928,19 +7315,27 @@
           <a:p>
             <a:r>
               <a:rPr lang="zh-CN" altLang="en-US" dirty="0" smtClean="0"/>
-              <a:t>在包扫描组件后增加红框内的内容，则自动生成的</a:t>
+              <a:t>如果</a:t>
             </a:r>
             <a:r>
               <a:rPr lang="en-US" altLang="zh-CN" dirty="0" err="1" smtClean="0"/>
-              <a:t>BeanName</a:t>
-            </a:r>
-            <a:r>
-              <a:rPr lang="zh-CN" altLang="en-US" dirty="0" smtClean="0"/>
-              <a:t>会自动去掉</a:t>
+              <a:t>RequestMapping</a:t>
+            </a:r>
+            <a:r>
+              <a:rPr lang="zh-CN" altLang="en-US" dirty="0" smtClean="0"/>
+              <a:t>后面没有配置</a:t>
             </a:r>
             <a:r>
               <a:rPr lang="en-US" altLang="zh-CN" dirty="0" err="1" smtClean="0"/>
-              <a:t>Impl</a:t>
+              <a:t>url</a:t>
+            </a:r>
+            <a:r>
+              <a:rPr lang="zh-CN" altLang="en-US" dirty="0" smtClean="0"/>
+              <a:t>，默认为方法名</a:t>
+            </a:r>
+            <a:r>
+              <a:rPr lang="en-US" altLang="zh-CN" dirty="0" smtClean="0"/>
+              <a:t>+.do</a:t>
             </a:r>
             <a:endParaRPr lang="zh-CN" altLang="en-US" dirty="0"/>
           </a:p>
@@ -6987,12 +7382,8 @@
           <a:lstStyle/>
           <a:p>
             <a:r>
-              <a:rPr lang="en-US" altLang="zh-CN" dirty="0" err="1" smtClean="0"/>
-              <a:t>BeanName</a:t>
-            </a:r>
-            <a:r>
-              <a:rPr lang="zh-CN" altLang="en-US" dirty="0" smtClean="0"/>
-              <a:t>生成策略</a:t>
+              <a:rPr lang="zh-CN" altLang="en-US" dirty="0" smtClean="0"/>
+              <a:t>自定义注解</a:t>
             </a:r>
             <a:endParaRPr lang="zh-CN" altLang="en-US" dirty="0"/>
           </a:p>
@@ -7000,7 +7391,7 @@
       </p:sp>
       <p:pic>
         <p:nvPicPr>
-          <p:cNvPr id="13314" name="Picture 2"/>
+          <p:cNvPr id="15362" name="Picture 2"/>
           <p:cNvPicPr>
             <a:picLocks noChangeAspect="1" noChangeArrowheads="1"/>
           </p:cNvPicPr>
@@ -7015,8 +7406,8 @@
         </p:blipFill>
         <p:spPr bwMode="auto">
           <a:xfrm>
-            <a:off x="500034" y="1500174"/>
-            <a:ext cx="4876800" cy="2257425"/>
+            <a:off x="214282" y="1214422"/>
+            <a:ext cx="3714750" cy="3124200"/>
           </a:xfrm>
           <a:prstGeom prst="rect">
             <a:avLst/>
@@ -7068,16 +7459,14 @@
         </p:nvSpPr>
         <p:spPr/>
         <p:txBody>
-          <a:bodyPr/>
+          <a:bodyPr>
+            <a:normAutofit/>
+          </a:bodyPr>
           <a:lstStyle/>
           <a:p>
             <a:r>
               <a:rPr lang="zh-CN" altLang="en-US" dirty="0" smtClean="0"/>
-              <a:t>默认</a:t>
-            </a:r>
-            <a:r>
-              <a:rPr lang="en-US" altLang="zh-CN" dirty="0" err="1" smtClean="0"/>
-              <a:t>RequestMapping</a:t>
+              <a:t>自定义注解</a:t>
             </a:r>
             <a:endParaRPr lang="zh-CN" altLang="en-US" dirty="0"/>
           </a:p>
@@ -7085,7 +7474,7 @@
       </p:sp>
       <p:pic>
         <p:nvPicPr>
-          <p:cNvPr id="14338" name="Picture 2"/>
+          <p:cNvPr id="16386" name="Picture 2"/>
           <p:cNvPicPr>
             <a:picLocks noChangeAspect="1" noChangeArrowheads="1"/>
           </p:cNvPicPr>
@@ -7100,8 +7489,8 @@
         </p:blipFill>
         <p:spPr bwMode="auto">
           <a:xfrm>
-            <a:off x="500034" y="1214422"/>
-            <a:ext cx="7885113" cy="4552950"/>
+            <a:off x="500034" y="1714488"/>
+            <a:ext cx="7285037" cy="4152900"/>
           </a:xfrm>
           <a:prstGeom prst="rect">
             <a:avLst/>
@@ -7116,56 +7505,6 @@
           <a:effectLst/>
         </p:spPr>
       </p:pic>
-      <p:sp>
-        <p:nvSpPr>
-          <p:cNvPr id="5" name="TextBox 4"/>
-          <p:cNvSpPr txBox="1"/>
-          <p:nvPr/>
-        </p:nvSpPr>
-        <p:spPr>
-          <a:xfrm>
-            <a:off x="2214546" y="5857892"/>
-            <a:ext cx="6362639" cy="369332"/>
-          </a:xfrm>
-          <a:prstGeom prst="rect">
-            <a:avLst/>
-          </a:prstGeom>
-          <a:noFill/>
-        </p:spPr>
-        <p:txBody>
-          <a:bodyPr wrap="none" rtlCol="0">
-            <a:spAutoFit/>
-          </a:bodyPr>
-          <a:lstStyle/>
-          <a:p>
-            <a:r>
-              <a:rPr lang="zh-CN" altLang="en-US" dirty="0" smtClean="0"/>
-              <a:t>如果</a:t>
-            </a:r>
-            <a:r>
-              <a:rPr lang="en-US" altLang="zh-CN" dirty="0" err="1" smtClean="0"/>
-              <a:t>RequestMapping</a:t>
-            </a:r>
-            <a:r>
-              <a:rPr lang="zh-CN" altLang="en-US" dirty="0" smtClean="0"/>
-              <a:t>后面没有配置</a:t>
-            </a:r>
-            <a:r>
-              <a:rPr lang="en-US" altLang="zh-CN" dirty="0" err="1" smtClean="0"/>
-              <a:t>url</a:t>
-            </a:r>
-            <a:r>
-              <a:rPr lang="zh-CN" altLang="en-US" dirty="0" smtClean="0"/>
-              <a:t>，默认为方法名</a:t>
-            </a:r>
-            <a:r>
-              <a:rPr lang="en-US" altLang="zh-CN" dirty="0" smtClean="0"/>
-              <a:t>+.do</a:t>
-            </a:r>
-            <a:endParaRPr lang="zh-CN" altLang="en-US" dirty="0"/>
-          </a:p>
-        </p:txBody>
-      </p:sp>
     </p:spTree>
   </p:cSld>
   <p:clrMapOvr>
@@ -7216,7 +7555,7 @@
       </p:sp>
       <p:pic>
         <p:nvPicPr>
-          <p:cNvPr id="15362" name="Picture 2"/>
+          <p:cNvPr id="17410" name="Picture 2"/>
           <p:cNvPicPr>
             <a:picLocks noChangeAspect="1" noChangeArrowheads="1"/>
           </p:cNvPicPr>
@@ -7231,8 +7570,8 @@
         </p:blipFill>
         <p:spPr bwMode="auto">
           <a:xfrm>
-            <a:off x="214282" y="1214422"/>
-            <a:ext cx="3714750" cy="3124200"/>
+            <a:off x="428596" y="1285860"/>
+            <a:ext cx="6067425" cy="1276350"/>
           </a:xfrm>
           <a:prstGeom prst="rect">
             <a:avLst/>
@@ -7247,6 +7586,106 @@
           <a:effectLst/>
         </p:spPr>
       </p:pic>
+      <p:pic>
+        <p:nvPicPr>
+          <p:cNvPr id="17411" name="Picture 3"/>
+          <p:cNvPicPr>
+            <a:picLocks noChangeAspect="1" noChangeArrowheads="1"/>
+          </p:cNvPicPr>
+          <p:nvPr/>
+        </p:nvPicPr>
+        <p:blipFill>
+          <a:blip r:embed="rId3"/>
+          <a:srcRect/>
+          <a:stretch>
+            <a:fillRect/>
+          </a:stretch>
+        </p:blipFill>
+        <p:spPr bwMode="auto">
+          <a:xfrm>
+            <a:off x="0" y="2714620"/>
+            <a:ext cx="9072594" cy="247650"/>
+          </a:xfrm>
+          <a:prstGeom prst="rect">
+            <a:avLst/>
+          </a:prstGeom>
+          <a:noFill/>
+          <a:ln w="9525">
+            <a:noFill/>
+            <a:miter lim="800000"/>
+            <a:headEnd/>
+            <a:tailEnd/>
+          </a:ln>
+          <a:effectLst/>
+        </p:spPr>
+      </p:pic>
+      <p:sp>
+        <p:nvSpPr>
+          <p:cNvPr id="6" name="TextBox 5"/>
+          <p:cNvSpPr txBox="1"/>
+          <p:nvPr/>
+        </p:nvSpPr>
+        <p:spPr>
+          <a:xfrm>
+            <a:off x="0" y="3286124"/>
+            <a:ext cx="6878806" cy="646331"/>
+          </a:xfrm>
+          <a:prstGeom prst="rect">
+            <a:avLst/>
+          </a:prstGeom>
+          <a:noFill/>
+        </p:spPr>
+        <p:txBody>
+          <a:bodyPr wrap="none" rtlCol="0">
+            <a:spAutoFit/>
+          </a:bodyPr>
+          <a:lstStyle/>
+          <a:p>
+            <a:r>
+              <a:rPr lang="zh-CN" altLang="en-US" dirty="0" smtClean="0"/>
+              <a:t>只需要在方法上加上红框内的注解，就会在执行这个方法的时候，</a:t>
+            </a:r>
+            <a:endParaRPr lang="en-US" altLang="zh-CN" dirty="0" smtClean="0"/>
+          </a:p>
+          <a:p>
+            <a:r>
+              <a:rPr lang="zh-CN" altLang="en-US" dirty="0" smtClean="0"/>
+              <a:t>打印出方法执行消耗的时间</a:t>
+            </a:r>
+            <a:endParaRPr lang="zh-CN" altLang="en-US" dirty="0"/>
+          </a:p>
+        </p:txBody>
+      </p:sp>
+      <p:sp>
+        <p:nvSpPr>
+          <p:cNvPr id="7" name="TextBox 6"/>
+          <p:cNvSpPr txBox="1"/>
+          <p:nvPr/>
+        </p:nvSpPr>
+        <p:spPr>
+          <a:xfrm>
+            <a:off x="142844" y="4286256"/>
+            <a:ext cx="4108817" cy="369332"/>
+          </a:xfrm>
+          <a:prstGeom prst="rect">
+            <a:avLst/>
+          </a:prstGeom>
+          <a:noFill/>
+        </p:spPr>
+        <p:txBody>
+          <a:bodyPr wrap="none" rtlCol="0">
+            <a:spAutoFit/>
+          </a:bodyPr>
+          <a:lstStyle/>
+          <a:p>
+            <a:r>
+              <a:rPr lang="zh-CN" altLang="en-US" dirty="0" smtClean="0"/>
+              <a:t>可以参照这个例子编写自己的功能注解</a:t>
+            </a:r>
+            <a:endParaRPr lang="zh-CN" altLang="en-US" dirty="0"/>
+          </a:p>
+        </p:txBody>
+      </p:sp>
     </p:spTree>
   </p:cSld>
   <p:clrMapOvr>
@@ -7291,7 +7730,7 @@
           <a:p>
             <a:r>
               <a:rPr lang="zh-CN" altLang="en-US" dirty="0" smtClean="0"/>
-              <a:t>自定义注解</a:t>
+              <a:t>配置文件内容获取</a:t>
             </a:r>
             <a:endParaRPr lang="zh-CN" altLang="en-US" dirty="0"/>
           </a:p>
@@ -7299,7 +7738,7 @@
       </p:sp>
       <p:pic>
         <p:nvPicPr>
-          <p:cNvPr id="16386" name="Picture 2"/>
+          <p:cNvPr id="18434" name="Picture 2"/>
           <p:cNvPicPr>
             <a:picLocks noChangeAspect="1" noChangeArrowheads="1"/>
           </p:cNvPicPr>
@@ -7314,8 +7753,8 @@
         </p:blipFill>
         <p:spPr bwMode="auto">
           <a:xfrm>
-            <a:off x="500034" y="1714488"/>
-            <a:ext cx="7285037" cy="4152900"/>
+            <a:off x="357158" y="1214422"/>
+            <a:ext cx="6124575" cy="4333875"/>
           </a:xfrm>
           <a:prstGeom prst="rect">
             <a:avLst/>
@@ -7372,7 +7811,7 @@
           <a:p>
             <a:r>
               <a:rPr lang="zh-CN" altLang="en-US" dirty="0" smtClean="0"/>
-              <a:t>自定义注解</a:t>
+              <a:t>配置文件内容获取</a:t>
             </a:r>
             <a:endParaRPr lang="zh-CN" altLang="en-US" dirty="0"/>
           </a:p>
@@ -7380,7 +7819,7 @@
       </p:sp>
       <p:pic>
         <p:nvPicPr>
-          <p:cNvPr id="17410" name="Picture 2"/>
+          <p:cNvPr id="19458" name="Picture 2"/>
           <p:cNvPicPr>
             <a:picLocks noChangeAspect="1" noChangeArrowheads="1"/>
           </p:cNvPicPr>
@@ -7395,8 +7834,8 @@
         </p:blipFill>
         <p:spPr bwMode="auto">
           <a:xfrm>
-            <a:off x="428596" y="1285860"/>
-            <a:ext cx="6067425" cy="1276350"/>
+            <a:off x="500034" y="1500174"/>
+            <a:ext cx="4581525" cy="3105150"/>
           </a:xfrm>
           <a:prstGeom prst="rect">
             <a:avLst/>
@@ -7411,9 +7850,90 @@
           <a:effectLst/>
         </p:spPr>
       </p:pic>
+      <p:sp>
+        <p:nvSpPr>
+          <p:cNvPr id="5" name="TextBox 4"/>
+          <p:cNvSpPr txBox="1"/>
+          <p:nvPr/>
+        </p:nvSpPr>
+        <p:spPr>
+          <a:xfrm>
+            <a:off x="716693" y="5572140"/>
+            <a:ext cx="8427307" cy="646331"/>
+          </a:xfrm>
+          <a:prstGeom prst="rect">
+            <a:avLst/>
+          </a:prstGeom>
+          <a:noFill/>
+        </p:spPr>
+        <p:txBody>
+          <a:bodyPr wrap="none" rtlCol="0">
+            <a:spAutoFit/>
+          </a:bodyPr>
+          <a:lstStyle/>
+          <a:p>
+            <a:r>
+              <a:rPr lang="en-US" altLang="zh-CN" dirty="0" smtClean="0"/>
+              <a:t>1.</a:t>
+            </a:r>
+            <a:r>
+              <a:rPr lang="zh-CN" altLang="en-US" dirty="0" smtClean="0"/>
+              <a:t>在</a:t>
+            </a:r>
+            <a:r>
+              <a:rPr lang="en-US" altLang="zh-CN" dirty="0" smtClean="0"/>
+              <a:t>Spring</a:t>
+            </a:r>
+            <a:r>
+              <a:rPr lang="zh-CN" altLang="en-US" dirty="0" smtClean="0"/>
+              <a:t>的</a:t>
+            </a:r>
+            <a:r>
+              <a:rPr lang="en-US" altLang="zh-CN" dirty="0" smtClean="0"/>
+              <a:t>Bean</a:t>
+            </a:r>
+            <a:r>
+              <a:rPr lang="zh-CN" altLang="en-US" dirty="0" smtClean="0"/>
+              <a:t>中使用</a:t>
+            </a:r>
+            <a:r>
+              <a:rPr lang="en-US" altLang="zh-CN" dirty="0" smtClean="0"/>
+              <a:t>@Value</a:t>
+            </a:r>
+            <a:r>
+              <a:rPr lang="zh-CN" altLang="en-US" dirty="0" smtClean="0"/>
+              <a:t>注解</a:t>
+            </a:r>
+            <a:endParaRPr lang="en-US" altLang="zh-CN" dirty="0" smtClean="0"/>
+          </a:p>
+          <a:p>
+            <a:r>
+              <a:rPr lang="en-US" altLang="zh-CN" dirty="0" smtClean="0"/>
+              <a:t>2.</a:t>
+            </a:r>
+            <a:r>
+              <a:rPr lang="zh-CN" altLang="en-US" dirty="0" smtClean="0"/>
+              <a:t>使用</a:t>
+            </a:r>
+            <a:r>
+              <a:rPr lang="en-US" altLang="zh-CN" dirty="0" err="1" smtClean="0"/>
+              <a:t>CustomizedPropertyPlaceholderConfigurer.</a:t>
+            </a:r>
+            <a:r>
+              <a:rPr lang="en-US" altLang="zh-CN" i="1" dirty="0" err="1" smtClean="0"/>
+              <a:t>getContextProperty</a:t>
+            </a:r>
+            <a:r>
+              <a:rPr lang="zh-CN" altLang="en-US" i="1" dirty="0" smtClean="0"/>
+              <a:t>方法</a:t>
+            </a:r>
+            <a:endParaRPr lang="zh-CN" altLang="en-US" dirty="0"/>
+          </a:p>
+        </p:txBody>
+      </p:sp>
       <p:pic>
         <p:nvPicPr>
-          <p:cNvPr id="17411" name="Picture 3"/>
+          <p:cNvPr id="19459" name="Picture 3"/>
           <p:cNvPicPr>
             <a:picLocks noChangeAspect="1" noChangeArrowheads="1"/>
           </p:cNvPicPr>
@@ -7428,8 +7948,8 @@
         </p:blipFill>
         <p:spPr bwMode="auto">
           <a:xfrm>
-            <a:off x="0" y="2714620"/>
-            <a:ext cx="9072594" cy="247650"/>
+            <a:off x="0" y="3929066"/>
+            <a:ext cx="9144000" cy="1609725"/>
           </a:xfrm>
           <a:prstGeom prst="rect">
             <a:avLst/>
@@ -7444,73 +7964,6 @@
           <a:effectLst/>
         </p:spPr>
       </p:pic>
-      <p:sp>
-        <p:nvSpPr>
-          <p:cNvPr id="6" name="TextBox 5"/>
-          <p:cNvSpPr txBox="1"/>
-          <p:nvPr/>
-        </p:nvSpPr>
-        <p:spPr>
-          <a:xfrm>
-            <a:off x="0" y="3286124"/>
-            <a:ext cx="6878806" cy="646331"/>
-          </a:xfrm>
-          <a:prstGeom prst="rect">
-            <a:avLst/>
-          </a:prstGeom>
-          <a:noFill/>
-        </p:spPr>
-        <p:txBody>
-          <a:bodyPr wrap="none" rtlCol="0">
-            <a:spAutoFit/>
-          </a:bodyPr>
-          <a:lstStyle/>
-          <a:p>
-            <a:r>
-              <a:rPr lang="zh-CN" altLang="en-US" dirty="0" smtClean="0"/>
-              <a:t>只需要在方法上加上红框内的注解，就会在执行这个方法的时候，</a:t>
-            </a:r>
-            <a:endParaRPr lang="en-US" altLang="zh-CN" dirty="0" smtClean="0"/>
-          </a:p>
-          <a:p>
-            <a:r>
-              <a:rPr lang="zh-CN" altLang="en-US" dirty="0" smtClean="0"/>
-              <a:t>打印出方法执行消耗的时间</a:t>
-            </a:r>
-            <a:endParaRPr lang="zh-CN" altLang="en-US" dirty="0"/>
-          </a:p>
-        </p:txBody>
-      </p:sp>
-      <p:sp>
-        <p:nvSpPr>
-          <p:cNvPr id="7" name="TextBox 6"/>
-          <p:cNvSpPr txBox="1"/>
-          <p:nvPr/>
-        </p:nvSpPr>
-        <p:spPr>
-          <a:xfrm>
-            <a:off x="142844" y="4286256"/>
-            <a:ext cx="4108817" cy="369332"/>
-          </a:xfrm>
-          <a:prstGeom prst="rect">
-            <a:avLst/>
-          </a:prstGeom>
-          <a:noFill/>
-        </p:spPr>
-        <p:txBody>
-          <a:bodyPr wrap="none" rtlCol="0">
-            <a:spAutoFit/>
-          </a:bodyPr>
-          <a:lstStyle/>
-          <a:p>
-            <a:r>
-              <a:rPr lang="zh-CN" altLang="en-US" dirty="0" smtClean="0"/>
-              <a:t>可以参照这个例子编写自己的功能注解</a:t>
-            </a:r>
-            <a:endParaRPr lang="zh-CN" altLang="en-US" dirty="0"/>
-          </a:p>
-        </p:txBody>
-      </p:sp>
     </p:spTree>
   </p:cSld>
   <p:clrMapOvr>
@@ -7548,14 +8001,28 @@
         </p:nvSpPr>
         <p:spPr/>
         <p:txBody>
-          <a:bodyPr>
-            <a:normAutofit/>
-          </a:bodyPr>
+          <a:bodyPr/>
           <a:lstStyle/>
           <a:p>
             <a:r>
-              <a:rPr lang="zh-CN" altLang="en-US" dirty="0" smtClean="0"/>
-              <a:t>配置文件内容获取</a:t>
+              <a:rPr lang="en-US" altLang="zh-CN" dirty="0" smtClean="0"/>
+              <a:t>Spring </a:t>
+            </a:r>
+            <a:r>
+              <a:rPr lang="en-US" altLang="zh-CN" dirty="0" err="1" smtClean="0"/>
+              <a:t>websocket</a:t>
+            </a:r>
+            <a:r>
+              <a:rPr lang="en-US" altLang="zh-CN" dirty="0" smtClean="0"/>
+              <a:t> </a:t>
+            </a:r>
+            <a:r>
+              <a:rPr lang="zh-CN" altLang="en-US" dirty="0" smtClean="0"/>
+              <a:t>使用</a:t>
+            </a:r>
+            <a:r>
+              <a:rPr lang="en-US" altLang="zh-CN" dirty="0" smtClean="0"/>
+              <a:t>Demo</a:t>
             </a:r>
             <a:endParaRPr lang="zh-CN" altLang="en-US" dirty="0"/>
           </a:p>
@@ -7563,7 +8030,7 @@
       </p:sp>
       <p:pic>
         <p:nvPicPr>
-          <p:cNvPr id="18434" name="Picture 2"/>
+          <p:cNvPr id="20482" name="Picture 2"/>
           <p:cNvPicPr>
             <a:picLocks noChangeAspect="1" noChangeArrowheads="1"/>
           </p:cNvPicPr>
@@ -7578,8 +8045,8 @@
         </p:blipFill>
         <p:spPr bwMode="auto">
           <a:xfrm>
-            <a:off x="357158" y="1214422"/>
-            <a:ext cx="6124575" cy="4333875"/>
+            <a:off x="0" y="1085850"/>
+            <a:ext cx="9143999" cy="4686300"/>
           </a:xfrm>
           <a:prstGeom prst="rect">
             <a:avLst/>
@@ -7769,6 +8236,44 @@
       </p:grpSpPr>
       <p:sp>
         <p:nvSpPr>
+          <p:cNvPr id="2" name="内容占位符 1"/>
+          <p:cNvSpPr>
+            <a:spLocks noGrp="1"/>
+          </p:cNvSpPr>
+          <p:nvPr>
+            <p:ph idx="1"/>
+          </p:nvPr>
+        </p:nvSpPr>
+        <p:spPr/>
+        <p:txBody>
+          <a:bodyPr/>
+          <a:lstStyle/>
+          <a:p>
+            <a:r>
+              <a:rPr lang="zh-CN" altLang="en-US" dirty="0" smtClean="0"/>
+              <a:t>实现用户之间的在线聊天</a:t>
+            </a:r>
+            <a:endParaRPr lang="en-US" altLang="zh-CN" dirty="0" smtClean="0"/>
+          </a:p>
+          <a:p>
+            <a:r>
+              <a:rPr lang="zh-CN" altLang="en-US" dirty="0" smtClean="0"/>
+              <a:t>实现服务端到浏览器的信息推送，代替原来的旧方案（使用浏览器定时</a:t>
+            </a:r>
+            <a:r>
+              <a:rPr lang="en-US" altLang="zh-CN" dirty="0" err="1" smtClean="0"/>
+              <a:t>ajax</a:t>
+            </a:r>
+            <a:r>
+              <a:rPr lang="zh-CN" altLang="en-US" dirty="0" smtClean="0"/>
+              <a:t>刷新）</a:t>
+            </a:r>
+            <a:endParaRPr lang="zh-CN" altLang="en-US" dirty="0"/>
+          </a:p>
+        </p:txBody>
+      </p:sp>
+      <p:sp>
+        <p:nvSpPr>
           <p:cNvPr id="3" name="标题 2"/>
           <p:cNvSpPr>
             <a:spLocks noGrp="1"/>
@@ -7779,65 +8284,42 @@
         </p:nvSpPr>
         <p:spPr/>
         <p:txBody>
-          <a:bodyPr/>
+          <a:bodyPr>
+            <a:normAutofit/>
+          </a:bodyPr>
           <a:lstStyle/>
           <a:p>
             <a:r>
-              <a:rPr lang="zh-CN" altLang="en-US" dirty="0" smtClean="0"/>
-              <a:t>配置文件内容获取</a:t>
+              <a:rPr lang="en-US" altLang="zh-CN" dirty="0" smtClean="0"/>
+              <a:t>Spring </a:t>
+            </a:r>
+            <a:r>
+              <a:rPr lang="en-US" altLang="zh-CN" dirty="0" err="1" smtClean="0"/>
+              <a:t>websocket</a:t>
+            </a:r>
+            <a:r>
+              <a:rPr lang="zh-CN" altLang="en-US" dirty="0" smtClean="0"/>
+              <a:t>应用场景</a:t>
             </a:r>
             <a:endParaRPr lang="zh-CN" altLang="en-US" dirty="0"/>
           </a:p>
         </p:txBody>
       </p:sp>
-      <p:pic>
-        <p:nvPicPr>
-          <p:cNvPr id="19458" name="Picture 2"/>
-          <p:cNvPicPr>
-            <a:picLocks noChangeAspect="1" noChangeArrowheads="1"/>
-          </p:cNvPicPr>
+      <p:sp>
+        <p:nvSpPr>
+          <p:cNvPr id="4" name="TextBox 3"/>
+          <p:cNvSpPr txBox="1"/>
           <p:nvPr/>
-        </p:nvPicPr>
-        <p:blipFill>
-          <a:blip r:embed="rId2"/>
-          <a:srcRect/>
-          <a:stretch>
-            <a:fillRect/>
-          </a:stretch>
-        </p:blipFill>
-        <p:spPr bwMode="auto">
-          <a:xfrm>
-            <a:off x="500034" y="1500174"/>
-            <a:ext cx="4581525" cy="3105150"/>
+        </p:nvSpPr>
+        <p:spPr>
+          <a:xfrm>
+            <a:off x="857224" y="3786190"/>
+            <a:ext cx="4278735" cy="369332"/>
           </a:xfrm>
           <a:prstGeom prst="rect">
             <a:avLst/>
           </a:prstGeom>
           <a:noFill/>
-          <a:ln w="9525">
-            <a:noFill/>
-            <a:miter lim="800000"/>
-            <a:headEnd/>
-            <a:tailEnd/>
-          </a:ln>
-          <a:effectLst/>
-        </p:spPr>
-      </p:pic>
-      <p:sp>
-        <p:nvSpPr>
-          <p:cNvPr id="5" name="TextBox 4"/>
-          <p:cNvSpPr txBox="1"/>
-          <p:nvPr/>
-        </p:nvSpPr>
-        <p:spPr>
-          <a:xfrm>
-            <a:off x="716693" y="5572140"/>
-            <a:ext cx="8427307" cy="646331"/>
-          </a:xfrm>
-          <a:prstGeom prst="rect">
-            <a:avLst/>
-          </a:prstGeom>
-          <a:noFill/>
         </p:spPr>
         <p:txBody>
           <a:bodyPr wrap="none" rtlCol="0">
@@ -7846,97 +8328,37 @@
           <a:lstStyle/>
           <a:p>
             <a:r>
+              <a:rPr lang="zh-CN" altLang="en-US" dirty="0" smtClean="0"/>
+              <a:t>支持</a:t>
+            </a:r>
+            <a:r>
               <a:rPr lang="en-US" altLang="zh-CN" dirty="0" smtClean="0"/>
-              <a:t>1.</a:t>
-            </a:r>
-            <a:r>
-              <a:rPr lang="zh-CN" altLang="en-US" dirty="0" smtClean="0"/>
-              <a:t>在</a:t>
+              <a:t>IE10+</a:t>
+            </a:r>
+            <a:r>
+              <a:rPr lang="zh-CN" altLang="en-US" dirty="0" smtClean="0"/>
+              <a:t>，</a:t>
+            </a:r>
+            <a:r>
+              <a:rPr lang="en-US" altLang="zh-CN" dirty="0" err="1" smtClean="0"/>
+              <a:t>firefox</a:t>
+            </a:r>
+            <a:r>
+              <a:rPr lang="zh-CN" altLang="en-US" dirty="0" smtClean="0"/>
+              <a:t>，</a:t>
             </a:r>
             <a:r>
               <a:rPr lang="en-US" altLang="zh-CN" dirty="0" smtClean="0"/>
-              <a:t>Spring</a:t>
-            </a:r>
-            <a:r>
-              <a:rPr lang="zh-CN" altLang="en-US" dirty="0" smtClean="0"/>
-              <a:t>的</a:t>
-            </a:r>
-            <a:r>
-              <a:rPr lang="en-US" altLang="zh-CN" dirty="0" smtClean="0"/>
-              <a:t>Bean</a:t>
-            </a:r>
-            <a:r>
-              <a:rPr lang="zh-CN" altLang="en-US" dirty="0" smtClean="0"/>
-              <a:t>中使用</a:t>
-            </a:r>
-            <a:r>
-              <a:rPr lang="en-US" altLang="zh-CN" dirty="0" smtClean="0"/>
-              <a:t>@Value</a:t>
-            </a:r>
-            <a:r>
-              <a:rPr lang="zh-CN" altLang="en-US" dirty="0" smtClean="0"/>
-              <a:t>注解</a:t>
-            </a:r>
-            <a:endParaRPr lang="en-US" altLang="zh-CN" dirty="0" smtClean="0"/>
-          </a:p>
-          <a:p>
-            <a:r>
-              <a:rPr lang="en-US" altLang="zh-CN" dirty="0" smtClean="0"/>
-              <a:t>2.</a:t>
-            </a:r>
-            <a:r>
-              <a:rPr lang="zh-CN" altLang="en-US" dirty="0" smtClean="0"/>
-              <a:t>使用</a:t>
-            </a:r>
-            <a:r>
-              <a:rPr lang="en-US" altLang="zh-CN" dirty="0" err="1" smtClean="0"/>
-              <a:t>CustomizedPropertyPlaceholderConfigurer.</a:t>
-            </a:r>
-            <a:r>
-              <a:rPr lang="en-US" altLang="zh-CN" i="1" dirty="0" err="1" smtClean="0"/>
-              <a:t>getContextProperty</a:t>
-            </a:r>
-            <a:r>
-              <a:rPr lang="zh-CN" altLang="en-US" i="1" dirty="0" smtClean="0"/>
-              <a:t>方法</a:t>
+              <a:t>chrome</a:t>
+            </a:r>
+            <a:r>
+              <a:rPr lang="zh-CN" altLang="en-US" dirty="0" smtClean="0"/>
+              <a:t>等浏览器</a:t>
             </a:r>
             <a:endParaRPr lang="zh-CN" altLang="en-US" dirty="0"/>
           </a:p>
         </p:txBody>
       </p:sp>
-      <p:pic>
-        <p:nvPicPr>
-          <p:cNvPr id="19459" name="Picture 3"/>
-          <p:cNvPicPr>
-            <a:picLocks noChangeAspect="1" noChangeArrowheads="1"/>
-          </p:cNvPicPr>
-          <p:nvPr/>
-        </p:nvPicPr>
-        <p:blipFill>
-          <a:blip r:embed="rId3"/>
-          <a:srcRect/>
-          <a:stretch>
-            <a:fillRect/>
-          </a:stretch>
-        </p:blipFill>
-        <p:spPr bwMode="auto">
-          <a:xfrm>
-            <a:off x="0" y="3929066"/>
-            <a:ext cx="9144000" cy="1609725"/>
-          </a:xfrm>
-          <a:prstGeom prst="rect">
-            <a:avLst/>
-          </a:prstGeom>
-          <a:noFill/>
-          <a:ln w="9525">
-            <a:noFill/>
-            <a:miter lim="800000"/>
-            <a:headEnd/>
-            <a:tailEnd/>
-          </a:ln>
-          <a:effectLst/>
-        </p:spPr>
-      </p:pic>
     </p:spTree>
   </p:cSld>
   <p:clrMapOvr>
@@ -7986,16 +8408,8 @@
               <a:t>websocket</a:t>
             </a:r>
             <a:r>
-              <a:rPr lang="en-US" altLang="zh-CN" dirty="0" smtClean="0"/>
-              <a:t> </a:t>
-            </a:r>
-            <a:r>
-              <a:rPr lang="zh-CN" altLang="en-US" dirty="0" smtClean="0"/>
-              <a:t>使用</a:t>
-            </a:r>
-            <a:r>
-              <a:rPr lang="en-US" altLang="zh-CN" dirty="0" smtClean="0"/>
-              <a:t>Demo</a:t>
+              <a:rPr lang="zh-CN" altLang="en-US" dirty="0" smtClean="0"/>
+              <a:t>使用说明</a:t>
             </a:r>
             <a:endParaRPr lang="zh-CN" altLang="en-US" dirty="0"/>
           </a:p>
@@ -8003,7 +8417,7 @@
       </p:sp>
       <p:pic>
         <p:nvPicPr>
-          <p:cNvPr id="20482" name="Picture 2"/>
+          <p:cNvPr id="21506" name="Picture 2"/>
           <p:cNvPicPr>
             <a:picLocks noChangeAspect="1" noChangeArrowheads="1"/>
           </p:cNvPicPr>
@@ -8018,8 +8432,8 @@
         </p:blipFill>
         <p:spPr bwMode="auto">
           <a:xfrm>
-            <a:off x="0" y="1085850"/>
-            <a:ext cx="9143999" cy="4686300"/>
+            <a:off x="214282" y="2500306"/>
+            <a:ext cx="8780463" cy="2162175"/>
           </a:xfrm>
           <a:prstGeom prst="rect">
             <a:avLst/>
@@ -8034,6 +8448,85 @@
           <a:effectLst/>
         </p:spPr>
       </p:pic>
+      <p:pic>
+        <p:nvPicPr>
+          <p:cNvPr id="21507" name="Picture 3"/>
+          <p:cNvPicPr>
+            <a:picLocks noChangeAspect="1" noChangeArrowheads="1"/>
+          </p:cNvPicPr>
+          <p:nvPr/>
+        </p:nvPicPr>
+        <p:blipFill>
+          <a:blip r:embed="rId3"/>
+          <a:srcRect/>
+          <a:stretch>
+            <a:fillRect/>
+          </a:stretch>
+        </p:blipFill>
+        <p:spPr bwMode="auto">
+          <a:xfrm>
+            <a:off x="357158" y="1142984"/>
+            <a:ext cx="5029200" cy="1400175"/>
+          </a:xfrm>
+          <a:prstGeom prst="rect">
+            <a:avLst/>
+          </a:prstGeom>
+          <a:noFill/>
+          <a:ln w="9525">
+            <a:noFill/>
+            <a:miter lim="800000"/>
+            <a:headEnd/>
+            <a:tailEnd/>
+          </a:ln>
+          <a:effectLst/>
+        </p:spPr>
+      </p:pic>
+      <p:sp>
+        <p:nvSpPr>
+          <p:cNvPr id="6" name="TextBox 5"/>
+          <p:cNvSpPr txBox="1"/>
+          <p:nvPr/>
+        </p:nvSpPr>
+        <p:spPr>
+          <a:xfrm>
+            <a:off x="357158" y="5000636"/>
+            <a:ext cx="7856638" cy="369332"/>
+          </a:xfrm>
+          <a:prstGeom prst="rect">
+            <a:avLst/>
+          </a:prstGeom>
+          <a:noFill/>
+        </p:spPr>
+        <p:txBody>
+          <a:bodyPr wrap="none" rtlCol="0">
+            <a:spAutoFit/>
+          </a:bodyPr>
+          <a:lstStyle/>
+          <a:p>
+            <a:r>
+              <a:rPr lang="zh-CN" altLang="en-US" dirty="0" smtClean="0"/>
+              <a:t>编写自己的</a:t>
+            </a:r>
+            <a:r>
+              <a:rPr lang="en-US" altLang="zh-CN" dirty="0" smtClean="0"/>
+              <a:t>Handler</a:t>
+            </a:r>
+            <a:r>
+              <a:rPr lang="zh-CN" altLang="en-US" dirty="0" smtClean="0"/>
+              <a:t>类，发送消息时的业务逻辑写在</a:t>
+            </a:r>
+            <a:r>
+              <a:rPr lang="en-US" altLang="zh-CN" dirty="0" err="1" smtClean="0"/>
+              <a:t>handleMessage</a:t>
+            </a:r>
+            <a:r>
+              <a:rPr lang="zh-CN" altLang="en-US" dirty="0" smtClean="0"/>
+              <a:t>方法中</a:t>
+            </a:r>
+            <a:endParaRPr lang="zh-CN" altLang="en-US" dirty="0"/>
+          </a:p>
+        </p:txBody>
+      </p:sp>
     </p:spTree>
   </p:cSld>
   <p:clrMapOvr>
@@ -8061,44 +8554,6 @@
       </p:grpSpPr>
       <p:sp>
         <p:nvSpPr>
-          <p:cNvPr id="2" name="内容占位符 1"/>
-          <p:cNvSpPr>
-            <a:spLocks noGrp="1"/>
-          </p:cNvSpPr>
-          <p:nvPr>
-            <p:ph idx="1"/>
-          </p:nvPr>
-        </p:nvSpPr>
-        <p:spPr/>
-        <p:txBody>
-          <a:bodyPr/>
-          <a:lstStyle/>
-          <a:p>
-            <a:r>
-              <a:rPr lang="zh-CN" altLang="en-US" dirty="0" smtClean="0"/>
-              <a:t>实现用户之间的在线聊天</a:t>
-            </a:r>
-            <a:endParaRPr lang="en-US" altLang="zh-CN" dirty="0" smtClean="0"/>
-          </a:p>
-          <a:p>
-            <a:r>
-              <a:rPr lang="zh-CN" altLang="en-US" dirty="0" smtClean="0"/>
-              <a:t>实现服务端到浏览器的信息推送，代替原来的旧方案（使用浏览器定时</a:t>
-            </a:r>
-            <a:r>
-              <a:rPr lang="en-US" altLang="zh-CN" dirty="0" err="1" smtClean="0"/>
-              <a:t>ajax</a:t>
-            </a:r>
-            <a:r>
-              <a:rPr lang="zh-CN" altLang="en-US" dirty="0" smtClean="0"/>
-              <a:t>刷新）</a:t>
-            </a:r>
-            <a:endParaRPr lang="zh-CN" altLang="en-US" dirty="0"/>
-          </a:p>
-        </p:txBody>
-      </p:sp>
-      <p:sp>
-        <p:nvSpPr>
           <p:cNvPr id="3" name="标题 2"/>
           <p:cNvSpPr>
             <a:spLocks noGrp="1"/>
@@ -8109,9 +8564,7 @@
         </p:nvSpPr>
         <p:spPr/>
         <p:txBody>
-          <a:bodyPr>
-            <a:normAutofit/>
-          </a:bodyPr>
+          <a:bodyPr/>
           <a:lstStyle/>
           <a:p>
             <a:r>
@@ -8124,66 +8577,45 @@
             </a:r>
             <a:r>
               <a:rPr lang="zh-CN" altLang="en-US" dirty="0" smtClean="0"/>
-              <a:t>应用场景</a:t>
+              <a:t>使用说明</a:t>
             </a:r>
             <a:endParaRPr lang="zh-CN" altLang="en-US" dirty="0"/>
           </a:p>
         </p:txBody>
       </p:sp>
-      <p:sp>
-        <p:nvSpPr>
-          <p:cNvPr id="4" name="TextBox 3"/>
-          <p:cNvSpPr txBox="1"/>
+      <p:pic>
+        <p:nvPicPr>
+          <p:cNvPr id="22530" name="Picture 2"/>
+          <p:cNvPicPr>
+            <a:picLocks noChangeAspect="1" noChangeArrowheads="1"/>
+          </p:cNvPicPr>
           <p:nvPr/>
-        </p:nvSpPr>
-        <p:spPr>
-          <a:xfrm>
-            <a:off x="857224" y="3786190"/>
-            <a:ext cx="4278735" cy="369332"/>
+        </p:nvPicPr>
+        <p:blipFill>
+          <a:blip r:embed="rId2"/>
+          <a:srcRect/>
+          <a:stretch>
+            <a:fillRect/>
+          </a:stretch>
+        </p:blipFill>
+        <p:spPr bwMode="auto">
+          <a:xfrm>
+            <a:off x="1" y="1347788"/>
+            <a:ext cx="9144000" cy="4162425"/>
           </a:xfrm>
           <a:prstGeom prst="rect">
             <a:avLst/>
           </a:prstGeom>
           <a:noFill/>
-        </p:spPr>
-        <p:txBody>
-          <a:bodyPr wrap="none" rtlCol="0">
-            <a:spAutoFit/>
-          </a:bodyPr>
-          <a:lstStyle/>
-          <a:p>
-            <a:r>
-              <a:rPr lang="zh-CN" altLang="en-US" dirty="0" smtClean="0"/>
-              <a:t>支持</a:t>
-            </a:r>
-            <a:r>
-              <a:rPr lang="en-US" altLang="zh-CN" dirty="0" smtClean="0"/>
-              <a:t>IE10+</a:t>
-            </a:r>
-            <a:r>
-              <a:rPr lang="zh-CN" altLang="en-US" dirty="0" smtClean="0"/>
-              <a:t>，</a:t>
-            </a:r>
-            <a:r>
-              <a:rPr lang="en-US" altLang="zh-CN" dirty="0" err="1" smtClean="0"/>
-              <a:t>firefox</a:t>
-            </a:r>
-            <a:r>
-              <a:rPr lang="zh-CN" altLang="en-US" dirty="0" smtClean="0"/>
-              <a:t>，</a:t>
-            </a:r>
-            <a:r>
-              <a:rPr lang="en-US" altLang="zh-CN" dirty="0" smtClean="0"/>
-              <a:t>chrome</a:t>
-            </a:r>
-            <a:r>
-              <a:rPr lang="zh-CN" altLang="en-US" dirty="0" smtClean="0"/>
-              <a:t>等浏览器</a:t>
-            </a:r>
-            <a:endParaRPr lang="zh-CN" altLang="en-US" dirty="0"/>
-          </a:p>
-        </p:txBody>
-      </p:sp>
+          <a:ln w="9525">
+            <a:noFill/>
+            <a:miter lim="800000"/>
+            <a:headEnd/>
+            <a:tailEnd/>
+          </a:ln>
+          <a:effectLst/>
+        </p:spPr>
+      </p:pic>
     </p:spTree>
   </p:cSld>
   <p:clrMapOvr>
@@ -8242,7 +8674,7 @@
       </p:sp>
       <p:pic>
         <p:nvPicPr>
-          <p:cNvPr id="21506" name="Picture 2"/>
+          <p:cNvPr id="23554" name="Picture 2"/>
           <p:cNvPicPr>
             <a:picLocks noChangeAspect="1" noChangeArrowheads="1"/>
           </p:cNvPicPr>
@@ -8257,8 +8689,8 @@
         </p:blipFill>
         <p:spPr bwMode="auto">
           <a:xfrm>
-            <a:off x="214282" y="2500306"/>
-            <a:ext cx="8780463" cy="2162175"/>
+            <a:off x="0" y="1214422"/>
+            <a:ext cx="9144000" cy="3067050"/>
           </a:xfrm>
           <a:prstGeom prst="rect">
             <a:avLst/>
@@ -8273,54 +8705,21 @@
           <a:effectLst/>
         </p:spPr>
       </p:pic>
-      <p:pic>
-        <p:nvPicPr>
-          <p:cNvPr id="21507" name="Picture 3"/>
-          <p:cNvPicPr>
-            <a:picLocks noChangeAspect="1" noChangeArrowheads="1"/>
-          </p:cNvPicPr>
+      <p:sp>
+        <p:nvSpPr>
+          <p:cNvPr id="4" name="TextBox 3"/>
+          <p:cNvSpPr txBox="1"/>
           <p:nvPr/>
-        </p:nvPicPr>
-        <p:blipFill>
-          <a:blip r:embed="rId3"/>
-          <a:srcRect/>
-          <a:stretch>
-            <a:fillRect/>
-          </a:stretch>
-        </p:blipFill>
-        <p:spPr bwMode="auto">
-          <a:xfrm>
-            <a:off x="357158" y="1142984"/>
-            <a:ext cx="5029200" cy="1400175"/>
+        </p:nvSpPr>
+        <p:spPr>
+          <a:xfrm>
+            <a:off x="142844" y="4857760"/>
+            <a:ext cx="8725466" cy="369332"/>
           </a:xfrm>
           <a:prstGeom prst="rect">
             <a:avLst/>
           </a:prstGeom>
           <a:noFill/>
-          <a:ln w="9525">
-            <a:noFill/>
-            <a:miter lim="800000"/>
-            <a:headEnd/>
-            <a:tailEnd/>
-          </a:ln>
-          <a:effectLst/>
-        </p:spPr>
-      </p:pic>
-      <p:sp>
-        <p:nvSpPr>
-          <p:cNvPr id="6" name="TextBox 5"/>
-          <p:cNvSpPr txBox="1"/>
-          <p:nvPr/>
-        </p:nvSpPr>
-        <p:spPr>
-          <a:xfrm>
-            <a:off x="357158" y="5000636"/>
-            <a:ext cx="7856638" cy="369332"/>
-          </a:xfrm>
-          <a:prstGeom prst="rect">
-            <a:avLst/>
-          </a:prstGeom>
-          <a:noFill/>
         </p:spPr>
         <p:txBody>
           <a:bodyPr wrap="none" rtlCol="0">
@@ -8330,23 +8729,7 @@
           <a:p>
             <a:r>
               <a:rPr lang="zh-CN" altLang="en-US" dirty="0" smtClean="0"/>
-              <a:t>编写自己的</a:t>
-            </a:r>
-            <a:r>
-              <a:rPr lang="en-US" altLang="zh-CN" dirty="0" smtClean="0"/>
-              <a:t>Handler</a:t>
-            </a:r>
-            <a:r>
-              <a:rPr lang="zh-CN" altLang="en-US" dirty="0" smtClean="0"/>
-              <a:t>类，发送消息时的业务逻辑写在</a:t>
-            </a:r>
-            <a:r>
-              <a:rPr lang="en-US" altLang="zh-CN" dirty="0" err="1" smtClean="0"/>
-              <a:t>handleMessage</a:t>
-            </a:r>
-            <a:r>
-              <a:rPr lang="zh-CN" altLang="en-US" dirty="0" smtClean="0"/>
-              <a:t>方法中</a:t>
+              <a:t>如果需要对发送的消息进行过滤处理，如脏话、影响社会和谐的，可以加到拦截器中</a:t>
             </a:r>
             <a:endParaRPr lang="zh-CN" altLang="en-US" dirty="0"/>
           </a:p>
@@ -8410,7 +8793,7 @@
       </p:sp>
       <p:pic>
         <p:nvPicPr>
-          <p:cNvPr id="22530" name="Picture 2"/>
+          <p:cNvPr id="24578" name="Picture 2"/>
           <p:cNvPicPr>
             <a:picLocks noChangeAspect="1" noChangeArrowheads="1"/>
           </p:cNvPicPr>
@@ -8425,8 +8808,8 @@
         </p:blipFill>
         <p:spPr bwMode="auto">
           <a:xfrm>
-            <a:off x="1" y="1347788"/>
-            <a:ext cx="9144000" cy="4162425"/>
+            <a:off x="0" y="1142984"/>
+            <a:ext cx="7227887" cy="5294325"/>
           </a:xfrm>
           <a:prstGeom prst="rect">
             <a:avLst/>
@@ -8499,7 +8882,7 @@
       </p:sp>
       <p:pic>
         <p:nvPicPr>
-          <p:cNvPr id="23554" name="Picture 2"/>
+          <p:cNvPr id="25602" name="Picture 2"/>
           <p:cNvPicPr>
             <a:picLocks noChangeAspect="1" noChangeArrowheads="1"/>
           </p:cNvPicPr>
@@ -8514,8 +8897,8 @@
         </p:blipFill>
         <p:spPr bwMode="auto">
           <a:xfrm>
-            <a:off x="0" y="1214422"/>
-            <a:ext cx="9144000" cy="3067050"/>
+            <a:off x="0" y="1285860"/>
+            <a:ext cx="9144000" cy="5572139"/>
           </a:xfrm>
           <a:prstGeom prst="rect">
             <a:avLst/>
@@ -8530,36 +8913,6 @@
           <a:effectLst/>
         </p:spPr>
       </p:pic>
-      <p:sp>
-        <p:nvSpPr>
-          <p:cNvPr id="4" name="TextBox 3"/>
-          <p:cNvSpPr txBox="1"/>
-          <p:nvPr/>
-        </p:nvSpPr>
-        <p:spPr>
-          <a:xfrm>
-            <a:off x="142844" y="4857760"/>
-            <a:ext cx="8725466" cy="369332"/>
-          </a:xfrm>
-          <a:prstGeom prst="rect">
-            <a:avLst/>
-          </a:prstGeom>
-          <a:noFill/>
-        </p:spPr>
-        <p:txBody>
-          <a:bodyPr wrap="none" rtlCol="0">
-            <a:spAutoFit/>
-          </a:bodyPr>
-          <a:lstStyle/>
-          <a:p>
-            <a:r>
-              <a:rPr lang="zh-CN" altLang="en-US" dirty="0" smtClean="0"/>
-              <a:t>如果需要对发送的消息进行过滤处理，如脏话、影响社会和谐的，可以加到拦截器中</a:t>
-            </a:r>
-            <a:endParaRPr lang="zh-CN" altLang="en-US" dirty="0"/>
-          </a:p>
-        </p:txBody>
-      </p:sp>
     </p:spTree>
   </p:cSld>
   <p:clrMapOvr>
@@ -8616,39 +8969,48 @@
           </a:p>
         </p:txBody>
       </p:sp>
-      <p:pic>
-        <p:nvPicPr>
-          <p:cNvPr id="24578" name="Picture 2"/>
-          <p:cNvPicPr>
-            <a:picLocks noChangeAspect="1" noChangeArrowheads="1"/>
-          </p:cNvPicPr>
+      <p:sp>
+        <p:nvSpPr>
+          <p:cNvPr id="4" name="TextBox 3"/>
+          <p:cNvSpPr txBox="1"/>
           <p:nvPr/>
-        </p:nvPicPr>
-        <p:blipFill>
-          <a:blip r:embed="rId2"/>
-          <a:srcRect/>
-          <a:stretch>
-            <a:fillRect/>
-          </a:stretch>
-        </p:blipFill>
-        <p:spPr bwMode="auto">
-          <a:xfrm>
-            <a:off x="0" y="1142984"/>
-            <a:ext cx="7227887" cy="5294325"/>
+        </p:nvSpPr>
+        <p:spPr>
+          <a:xfrm>
+            <a:off x="642910" y="1500174"/>
+            <a:ext cx="6000361" cy="369332"/>
           </a:xfrm>
           <a:prstGeom prst="rect">
             <a:avLst/>
           </a:prstGeom>
           <a:noFill/>
-          <a:ln w="9525">
-            <a:noFill/>
-            <a:miter lim="800000"/>
-            <a:headEnd/>
-            <a:tailEnd/>
-          </a:ln>
-          <a:effectLst/>
-        </p:spPr>
-      </p:pic>
+        </p:spPr>
+        <p:txBody>
+          <a:bodyPr wrap="none" rtlCol="0">
+            <a:spAutoFit/>
+          </a:bodyPr>
+          <a:lstStyle/>
+          <a:p>
+            <a:r>
+              <a:rPr lang="zh-CN" altLang="en-US" dirty="0" smtClean="0"/>
+              <a:t>前端使用样例，可以具体参照框架中的</a:t>
+            </a:r>
+            <a:r>
+              <a:rPr lang="en-US" altLang="zh-CN" dirty="0" smtClean="0"/>
+              <a:t>chat.js</a:t>
+            </a:r>
+            <a:r>
+              <a:rPr lang="zh-CN" altLang="en-US" dirty="0" smtClean="0"/>
+              <a:t>和</a:t>
+            </a:r>
+            <a:r>
+              <a:rPr lang="en-US" altLang="zh-CN" dirty="0" smtClean="0"/>
+              <a:t>both.jsp</a:t>
+            </a:r>
+            <a:endParaRPr lang="zh-CN" altLang="en-US" dirty="0"/>
+          </a:p>
+        </p:txBody>
+      </p:sp>
     </p:spTree>
   </p:cSld>
   <p:clrMapOvr>
@@ -8690,16 +9052,16 @@
           <a:lstStyle/>
           <a:p>
             <a:r>
-              <a:rPr lang="en-US" altLang="zh-CN" dirty="0" smtClean="0"/>
-              <a:t>Spring </a:t>
+              <a:rPr lang="zh-CN" altLang="en-US" dirty="0" smtClean="0"/>
+              <a:t>集成</a:t>
             </a:r>
             <a:r>
               <a:rPr lang="en-US" altLang="zh-CN" dirty="0" err="1" smtClean="0"/>
-              <a:t>websocket</a:t>
-            </a:r>
-            <a:r>
-              <a:rPr lang="zh-CN" altLang="en-US" dirty="0" smtClean="0"/>
-              <a:t>使用说明</a:t>
+              <a:t>Ueditor</a:t>
+            </a:r>
+            <a:r>
+              <a:rPr lang="zh-CN" altLang="en-US" dirty="0" smtClean="0"/>
+              <a:t>在线编辑器</a:t>
             </a:r>
             <a:endParaRPr lang="zh-CN" altLang="en-US" dirty="0"/>
           </a:p>
@@ -8707,7 +9069,7 @@
       </p:sp>
       <p:pic>
         <p:nvPicPr>
-          <p:cNvPr id="25602" name="Picture 2"/>
+          <p:cNvPr id="26626" name="Picture 2"/>
           <p:cNvPicPr>
             <a:picLocks noChangeAspect="1" noChangeArrowheads="1"/>
           </p:cNvPicPr>
@@ -8722,8 +9084,8 @@
         </p:blipFill>
         <p:spPr bwMode="auto">
           <a:xfrm>
-            <a:off x="0" y="1285860"/>
-            <a:ext cx="9144000" cy="5572139"/>
+            <a:off x="1" y="1071547"/>
+            <a:ext cx="9144000" cy="5214973"/>
           </a:xfrm>
           <a:prstGeom prst="rect">
             <a:avLst/>
@@ -8738,6 +9100,68 @@
           <a:effectLst/>
         </p:spPr>
       </p:pic>
+      <p:sp>
+        <p:nvSpPr>
+          <p:cNvPr id="5" name="TextBox 4"/>
+          <p:cNvSpPr txBox="1"/>
+          <p:nvPr/>
+        </p:nvSpPr>
+        <p:spPr>
+          <a:xfrm>
+            <a:off x="4429124" y="6286520"/>
+            <a:ext cx="4063933" cy="369332"/>
+          </a:xfrm>
+          <a:prstGeom prst="rect">
+            <a:avLst/>
+          </a:prstGeom>
+          <a:noFill/>
+        </p:spPr>
+        <p:txBody>
+          <a:bodyPr wrap="none" rtlCol="0">
+            <a:spAutoFit/>
+          </a:bodyPr>
+          <a:lstStyle/>
+          <a:p>
+            <a:r>
+              <a:rPr lang="zh-CN" altLang="en-US" dirty="0" smtClean="0">
+                <a:solidFill>
+                  <a:srgbClr val="FF0000"/>
+                </a:solidFill>
+              </a:rPr>
+              <a:t>具体使用参照页面</a:t>
+            </a:r>
+            <a:r>
+              <a:rPr lang="en-US" altLang="zh-CN" dirty="0" smtClean="0">
+                <a:solidFill>
+                  <a:srgbClr val="FF0000"/>
+                </a:solidFill>
+              </a:rPr>
+              <a:t>/</a:t>
+            </a:r>
+            <a:r>
+              <a:rPr lang="en-US" altLang="zh-CN" dirty="0" err="1" smtClean="0">
+                <a:solidFill>
+                  <a:srgbClr val="FF0000"/>
+                </a:solidFill>
+              </a:rPr>
+              <a:t>ueditor</a:t>
+            </a:r>
+            <a:r>
+              <a:rPr lang="en-US" altLang="zh-CN" dirty="0" smtClean="0">
+                <a:solidFill>
+                  <a:srgbClr val="FF0000"/>
+                </a:solidFill>
+              </a:rPr>
+              <a:t>/show.jsp</a:t>
+            </a:r>
+            <a:endParaRPr lang="zh-CN" altLang="en-US" dirty="0">
+              <a:solidFill>
+                <a:srgbClr val="FF0000"/>
+              </a:solidFill>
+            </a:endParaRPr>
+          </a:p>
+        </p:txBody>
+      </p:sp>
     </p:spTree>
   </p:cSld>
   <p:clrMapOvr>
@@ -8779,63 +9203,46 @@
           <a:lstStyle/>
           <a:p>
             <a:r>
-              <a:rPr lang="en-US" altLang="zh-CN" dirty="0" smtClean="0"/>
-              <a:t>Spring </a:t>
-            </a:r>
-            <a:r>
-              <a:rPr lang="en-US" altLang="zh-CN" dirty="0" err="1" smtClean="0"/>
-              <a:t>websocket</a:t>
-            </a:r>
-            <a:r>
-              <a:rPr lang="zh-CN" altLang="en-US" dirty="0" smtClean="0"/>
-              <a:t>使用说明</a:t>
+              <a:rPr lang="zh-CN" altLang="en-US" dirty="0" smtClean="0"/>
+              <a:t>框架工具类</a:t>
             </a:r>
             <a:endParaRPr lang="zh-CN" altLang="en-US" dirty="0"/>
           </a:p>
         </p:txBody>
       </p:sp>
-      <p:sp>
-        <p:nvSpPr>
-          <p:cNvPr id="4" name="TextBox 3"/>
-          <p:cNvSpPr txBox="1"/>
+      <p:pic>
+        <p:nvPicPr>
+          <p:cNvPr id="27651" name="Picture 3"/>
+          <p:cNvPicPr>
+            <a:picLocks noChangeAspect="1" noChangeArrowheads="1"/>
+          </p:cNvPicPr>
           <p:nvPr/>
-        </p:nvSpPr>
-        <p:spPr>
-          <a:xfrm>
-            <a:off x="642910" y="1500174"/>
-            <a:ext cx="6000361" cy="369332"/>
+        </p:nvPicPr>
+        <p:blipFill>
+          <a:blip r:embed="rId2"/>
+          <a:srcRect/>
+          <a:stretch>
+            <a:fillRect/>
+          </a:stretch>
+        </p:blipFill>
+        <p:spPr bwMode="auto">
+          <a:xfrm>
+            <a:off x="357158" y="1142984"/>
+            <a:ext cx="6570663" cy="5162550"/>
           </a:xfrm>
           <a:prstGeom prst="rect">
             <a:avLst/>
           </a:prstGeom>
           <a:noFill/>
-        </p:spPr>
-        <p:txBody>
-          <a:bodyPr wrap="none" rtlCol="0">
-            <a:spAutoFit/>
-          </a:bodyPr>
-          <a:lstStyle/>
-          <a:p>
-            <a:r>
-              <a:rPr lang="zh-CN" altLang="en-US" dirty="0" smtClean="0"/>
-              <a:t>前端使用样例，可以具体参照框架中的</a:t>
-            </a:r>
-            <a:r>
-              <a:rPr lang="en-US" altLang="zh-CN" dirty="0" smtClean="0"/>
-              <a:t>chat.js</a:t>
-            </a:r>
-            <a:r>
-              <a:rPr lang="zh-CN" altLang="en-US" dirty="0" smtClean="0"/>
-              <a:t>和</a:t>
-            </a:r>
-            <a:r>
-              <a:rPr lang="en-US" altLang="zh-CN" dirty="0" smtClean="0"/>
-              <a:t>both.jsp</a:t>
-            </a:r>
-            <a:endParaRPr lang="zh-CN" altLang="en-US" dirty="0"/>
-          </a:p>
-        </p:txBody>
-      </p:sp>
+          <a:ln w="9525">
+            <a:noFill/>
+            <a:miter lim="800000"/>
+            <a:headEnd/>
+            <a:tailEnd/>
+          </a:ln>
+          <a:effectLst/>
+        </p:spPr>
+      </p:pic>
     </p:spTree>
   </p:cSld>
   <p:clrMapOvr>
@@ -8878,15 +9285,76 @@
           <a:p>
             <a:r>
               <a:rPr lang="zh-CN" altLang="en-US" dirty="0" smtClean="0"/>
-              <a:t>集成</a:t>
+              <a:t>快递查询</a:t>
+            </a:r>
+            <a:endParaRPr lang="zh-CN" altLang="en-US" dirty="0"/>
+          </a:p>
+        </p:txBody>
+      </p:sp>
+      <p:sp>
+        <p:nvSpPr>
+          <p:cNvPr id="4" name="TextBox 3"/>
+          <p:cNvSpPr txBox="1"/>
+          <p:nvPr/>
+        </p:nvSpPr>
+        <p:spPr>
+          <a:xfrm>
+            <a:off x="571472" y="1500174"/>
+            <a:ext cx="6535764" cy="646331"/>
+          </a:xfrm>
+          <a:prstGeom prst="rect">
+            <a:avLst/>
+          </a:prstGeom>
+          <a:noFill/>
+        </p:spPr>
+        <p:txBody>
+          <a:bodyPr wrap="none" rtlCol="0">
+            <a:spAutoFit/>
+          </a:bodyPr>
+          <a:lstStyle/>
+          <a:p>
+            <a:r>
+              <a:rPr lang="zh-CN" altLang="en-US" dirty="0" smtClean="0"/>
+              <a:t>使用快递</a:t>
+            </a:r>
+            <a:r>
+              <a:rPr lang="en-US" altLang="zh-CN" dirty="0" smtClean="0"/>
+              <a:t>100</a:t>
+            </a:r>
+            <a:r>
+              <a:rPr lang="zh-CN" altLang="en-US" dirty="0" smtClean="0"/>
+              <a:t>接口实现，使用时需要在快递</a:t>
+            </a:r>
+            <a:r>
+              <a:rPr lang="en-US" altLang="zh-CN" dirty="0" smtClean="0"/>
+              <a:t>100</a:t>
+            </a:r>
+            <a:r>
+              <a:rPr lang="zh-CN" altLang="en-US" dirty="0" smtClean="0"/>
+              <a:t>官网申请，</a:t>
+            </a:r>
+            <a:endParaRPr lang="en-US" altLang="zh-CN" dirty="0" smtClean="0"/>
+          </a:p>
+          <a:p>
+            <a:r>
+              <a:rPr lang="zh-CN" altLang="en-US" dirty="0" smtClean="0"/>
+              <a:t>将分配的快递接口</a:t>
+            </a:r>
+            <a:r>
+              <a:rPr lang="en-US" altLang="zh-CN" dirty="0" smtClean="0"/>
+              <a:t>id</a:t>
+            </a:r>
+            <a:r>
+              <a:rPr lang="zh-CN" altLang="en-US" dirty="0" smtClean="0"/>
+              <a:t>填入配置文件</a:t>
             </a:r>
             <a:r>
               <a:rPr lang="en-US" altLang="zh-CN" dirty="0" err="1" smtClean="0"/>
-              <a:t>Ueditor</a:t>
-            </a:r>
-            <a:r>
-              <a:rPr lang="zh-CN" altLang="en-US" dirty="0" smtClean="0"/>
-              <a:t>在线编辑器</a:t>
+              <a:t>configs.properties</a:t>
+            </a:r>
+            <a:r>
+              <a:rPr lang="zh-CN" altLang="en-US" dirty="0" smtClean="0"/>
+              <a:t>文件中</a:t>
             </a:r>
             <a:endParaRPr lang="zh-CN" altLang="en-US" dirty="0"/>
           </a:p>
@@ -8894,7 +9362,7 @@
       </p:sp>
       <p:pic>
         <p:nvPicPr>
-          <p:cNvPr id="26626" name="Picture 2"/>
+          <p:cNvPr id="28675" name="Picture 3"/>
           <p:cNvPicPr>
             <a:picLocks noChangeAspect="1" noChangeArrowheads="1"/>
           </p:cNvPicPr>
@@ -8909,8 +9377,8 @@
         </p:blipFill>
         <p:spPr bwMode="auto">
           <a:xfrm>
-            <a:off x="1" y="1071547"/>
-            <a:ext cx="9144000" cy="5214973"/>
+            <a:off x="2876550" y="3500438"/>
+            <a:ext cx="6267450" cy="3086100"/>
           </a:xfrm>
           <a:prstGeom prst="rect">
             <a:avLst/>
@@ -8927,14 +9395,14 @@
       </p:pic>
       <p:sp>
         <p:nvSpPr>
-          <p:cNvPr id="5" name="TextBox 4"/>
+          <p:cNvPr id="7" name="TextBox 6"/>
           <p:cNvSpPr txBox="1"/>
           <p:nvPr/>
         </p:nvSpPr>
         <p:spPr>
           <a:xfrm>
-            <a:off x="4429124" y="6286520"/>
-            <a:ext cx="4063933" cy="369332"/>
+            <a:off x="642910" y="3143248"/>
+            <a:ext cx="6452407" cy="369332"/>
           </a:xfrm>
           <a:prstGeom prst="rect">
             <a:avLst/>
@@ -8948,45 +9416,54 @@
           <a:lstStyle/>
           <a:p>
             <a:r>
-              <a:rPr lang="zh-CN" altLang="en-US" dirty="0" smtClean="0">
-                <a:solidFill>
-                  <a:srgbClr val="FF0000"/>
-                </a:solidFill>
-              </a:rPr>
-              <a:t>具体使用参照页面</a:t>
-            </a:r>
-            <a:r>
-              <a:rPr lang="en-US" altLang="zh-CN" dirty="0" smtClean="0">
-                <a:solidFill>
-                  <a:srgbClr val="FF0000"/>
-                </a:solidFill>
-              </a:rPr>
-              <a:t>/</a:t>
-            </a:r>
-            <a:r>
-              <a:rPr lang="en-US" altLang="zh-CN" dirty="0" err="1" smtClean="0">
-                <a:solidFill>
-                  <a:srgbClr val="FF0000"/>
-                </a:solidFill>
-              </a:rPr>
-              <a:t>ueditor</a:t>
-            </a:r>
-            <a:r>
-              <a:rPr lang="en-US" altLang="zh-CN" dirty="0" smtClean="0">
-                <a:solidFill>
-                  <a:srgbClr val="FF0000"/>
-                </a:solidFill>
-              </a:rPr>
-              <a:t>/show.jsp</a:t>
-            </a:r>
-            <a:endParaRPr lang="zh-CN" altLang="en-US" dirty="0">
-              <a:solidFill>
-                <a:srgbClr val="FF0000"/>
-              </a:solidFill>
-            </a:endParaRPr>
-          </a:p>
-        </p:txBody>
-      </p:sp>
+              <a:rPr lang="zh-CN" altLang="en-US" dirty="0" smtClean="0"/>
+              <a:t>调用工具类</a:t>
+            </a:r>
+            <a:r>
+              <a:rPr lang="en-US" altLang="zh-CN" dirty="0" err="1" smtClean="0"/>
+              <a:t>ExpressageUtil</a:t>
+            </a:r>
+            <a:r>
+              <a:rPr lang="zh-CN" altLang="en-US" dirty="0" smtClean="0"/>
+              <a:t>，传递参数就可以查询出快递信息</a:t>
+            </a:r>
+            <a:endParaRPr lang="zh-CN" altLang="en-US" dirty="0"/>
+          </a:p>
+        </p:txBody>
+      </p:sp>
+      <p:pic>
+        <p:nvPicPr>
+          <p:cNvPr id="28677" name="Picture 5"/>
+          <p:cNvPicPr>
+            <a:picLocks noChangeAspect="1" noChangeArrowheads="1"/>
+          </p:cNvPicPr>
+          <p:nvPr/>
+        </p:nvPicPr>
+        <p:blipFill>
+          <a:blip r:embed="rId3"/>
+          <a:srcRect/>
+          <a:stretch>
+            <a:fillRect/>
+          </a:stretch>
+        </p:blipFill>
+        <p:spPr bwMode="auto">
+          <a:xfrm>
+            <a:off x="714348" y="2285992"/>
+            <a:ext cx="5295900" cy="638175"/>
+          </a:xfrm>
+          <a:prstGeom prst="rect">
+            <a:avLst/>
+          </a:prstGeom>
+          <a:noFill/>
+          <a:ln w="9525">
+            <a:noFill/>
+            <a:miter lim="800000"/>
+            <a:headEnd/>
+            <a:tailEnd/>
+          </a:ln>
+          <a:effectLst/>
+        </p:spPr>
+      </p:pic>
     </p:spTree>
   </p:cSld>
   <p:clrMapOvr>
@@ -9114,7 +9591,7 @@
           <a:p>
             <a:r>
               <a:rPr lang="zh-CN" altLang="en-US" dirty="0" smtClean="0"/>
-              <a:t>框架工具类</a:t>
+              <a:t>模板解析工具类</a:t>
             </a:r>
             <a:endParaRPr lang="zh-CN" altLang="en-US" dirty="0"/>
           </a:p>
@@ -9122,7 +9599,7 @@
       </p:sp>
       <p:pic>
         <p:nvPicPr>
-          <p:cNvPr id="27651" name="Picture 3"/>
+          <p:cNvPr id="29699" name="Picture 3"/>
           <p:cNvPicPr>
             <a:picLocks noChangeAspect="1" noChangeArrowheads="1"/>
           </p:cNvPicPr>
@@ -9137,8 +9614,8 @@
         </p:blipFill>
         <p:spPr bwMode="auto">
           <a:xfrm>
-            <a:off x="357158" y="1142984"/>
-            <a:ext cx="6570663" cy="5162550"/>
+            <a:off x="285720" y="1428736"/>
+            <a:ext cx="2590800" cy="4171950"/>
           </a:xfrm>
           <a:prstGeom prst="rect">
             <a:avLst/>
@@ -9153,6 +9630,66 @@
           <a:effectLst/>
         </p:spPr>
       </p:pic>
+      <p:sp>
+        <p:nvSpPr>
+          <p:cNvPr id="6" name="TextBox 5"/>
+          <p:cNvSpPr txBox="1"/>
+          <p:nvPr/>
+        </p:nvSpPr>
+        <p:spPr>
+          <a:xfrm>
+            <a:off x="3071802" y="1428736"/>
+            <a:ext cx="5262979" cy="923330"/>
+          </a:xfrm>
+          <a:prstGeom prst="rect">
+            <a:avLst/>
+          </a:prstGeom>
+          <a:noFill/>
+        </p:spPr>
+        <p:txBody>
+          <a:bodyPr wrap="none" rtlCol="0">
+            <a:spAutoFit/>
+          </a:bodyPr>
+          <a:lstStyle/>
+          <a:p>
+            <a:r>
+              <a:rPr lang="zh-CN" altLang="en-US" dirty="0" smtClean="0"/>
+              <a:t>模板语言</a:t>
+            </a:r>
+            <a:r>
+              <a:rPr lang="en-US" altLang="zh-CN" dirty="0" err="1" smtClean="0"/>
+              <a:t>Freemarker</a:t>
+            </a:r>
+            <a:r>
+              <a:rPr lang="zh-CN" altLang="en-US" dirty="0" smtClean="0"/>
+              <a:t>和</a:t>
+            </a:r>
+            <a:r>
+              <a:rPr lang="en-US" altLang="zh-CN" dirty="0" smtClean="0"/>
+              <a:t>Velocity</a:t>
+            </a:r>
+            <a:r>
+              <a:rPr lang="zh-CN" altLang="en-US" dirty="0" smtClean="0"/>
+              <a:t>的解析工具类</a:t>
+            </a:r>
+            <a:endParaRPr lang="en-US" altLang="zh-CN" dirty="0" smtClean="0"/>
+          </a:p>
+          <a:p>
+            <a:r>
+              <a:rPr lang="zh-CN" altLang="en-US" dirty="0" smtClean="0"/>
+              <a:t>传递模板文件地址及参数对象，返回解析模板后的</a:t>
+            </a:r>
+            <a:endParaRPr lang="en-US" altLang="zh-CN" dirty="0" smtClean="0"/>
+          </a:p>
+          <a:p>
+            <a:r>
+              <a:rPr lang="zh-CN" altLang="en-US" dirty="0" smtClean="0"/>
+              <a:t>字符串</a:t>
+            </a:r>
+            <a:endParaRPr lang="zh-CN" altLang="en-US" dirty="0"/>
+          </a:p>
+        </p:txBody>
+      </p:sp>
     </p:spTree>
   </p:cSld>
   <p:clrMapOvr>
@@ -9194,77 +9731,12 @@
           <a:lstStyle/>
           <a:p>
             <a:r>
-              <a:rPr lang="zh-CN" altLang="en-US" dirty="0" smtClean="0"/>
-              <a:t>快递查询</a:t>
-            </a:r>
-            <a:endParaRPr lang="zh-CN" altLang="en-US" dirty="0"/>
-          </a:p>
-        </p:txBody>
-      </p:sp>
-      <p:sp>
-        <p:nvSpPr>
-          <p:cNvPr id="4" name="TextBox 3"/>
-          <p:cNvSpPr txBox="1"/>
-          <p:nvPr/>
-        </p:nvSpPr>
-        <p:spPr>
-          <a:xfrm>
-            <a:off x="571472" y="1500174"/>
-            <a:ext cx="6535764" cy="646331"/>
-          </a:xfrm>
-          <a:prstGeom prst="rect">
-            <a:avLst/>
-          </a:prstGeom>
-          <a:noFill/>
-        </p:spPr>
-        <p:txBody>
-          <a:bodyPr wrap="none" rtlCol="0">
-            <a:spAutoFit/>
-          </a:bodyPr>
-          <a:lstStyle/>
-          <a:p>
-            <a:r>
-              <a:rPr lang="zh-CN" altLang="en-US" dirty="0" smtClean="0"/>
-              <a:t>使用快递</a:t>
-            </a:r>
-            <a:r>
               <a:rPr lang="en-US" altLang="zh-CN" dirty="0" smtClean="0"/>
-              <a:t>100</a:t>
-            </a:r>
-            <a:r>
-              <a:rPr lang="zh-CN" altLang="en-US" dirty="0" smtClean="0"/>
-              <a:t>接口实现，使用时需要在快递</a:t>
-            </a:r>
-            <a:r>
-              <a:rPr lang="en-US" altLang="zh-CN" dirty="0" smtClean="0"/>
-              <a:t>100</a:t>
-            </a:r>
-            <a:r>
-              <a:rPr lang="zh-CN" altLang="en-US" dirty="0" smtClean="0"/>
-              <a:t>官网申请，</a:t>
-            </a:r>
-            <a:endParaRPr lang="en-US" altLang="zh-CN" dirty="0" smtClean="0"/>
-          </a:p>
-          <a:p>
-            <a:r>
-              <a:rPr lang="zh-CN" altLang="en-US" dirty="0" smtClean="0"/>
-              <a:t>将分配的快递接口</a:t>
-            </a:r>
-            <a:r>
-              <a:rPr lang="en-US" altLang="zh-CN" dirty="0" smtClean="0"/>
-              <a:t>id</a:t>
-            </a:r>
-            <a:r>
-              <a:rPr lang="zh-CN" altLang="en-US" dirty="0" smtClean="0"/>
-              <a:t>填入配置文件</a:t>
-            </a:r>
-            <a:r>
-              <a:rPr lang="en-US" altLang="zh-CN" dirty="0" err="1" smtClean="0"/>
-              <a:t>configs.properties</a:t>
-            </a:r>
-            <a:r>
-              <a:rPr lang="zh-CN" altLang="en-US" dirty="0" smtClean="0"/>
-              <a:t>文件中</a:t>
+              <a:t>Velocity</a:t>
+            </a:r>
+            <a:r>
+              <a:rPr lang="zh-CN" altLang="en-US" dirty="0" smtClean="0"/>
+              <a:t>工具类</a:t>
             </a:r>
             <a:endParaRPr lang="zh-CN" altLang="en-US" dirty="0"/>
           </a:p>
@@ -9272,7 +9744,7 @@
       </p:sp>
       <p:pic>
         <p:nvPicPr>
-          <p:cNvPr id="28675" name="Picture 3"/>
+          <p:cNvPr id="30723" name="Picture 3"/>
           <p:cNvPicPr>
             <a:picLocks noChangeAspect="1" noChangeArrowheads="1"/>
           </p:cNvPicPr>
@@ -9287,79 +9759,8 @@
         </p:blipFill>
         <p:spPr bwMode="auto">
           <a:xfrm>
-            <a:off x="2876550" y="3500438"/>
-            <a:ext cx="6267450" cy="3086100"/>
-          </a:xfrm>
-          <a:prstGeom prst="rect">
-            <a:avLst/>
-          </a:prstGeom>
-          <a:noFill/>
-          <a:ln w="9525">
-            <a:noFill/>
-            <a:miter lim="800000"/>
-            <a:headEnd/>
-            <a:tailEnd/>
-          </a:ln>
-          <a:effectLst/>
-        </p:spPr>
-      </p:pic>
-      <p:sp>
-        <p:nvSpPr>
-          <p:cNvPr id="7" name="TextBox 6"/>
-          <p:cNvSpPr txBox="1"/>
-          <p:nvPr/>
-        </p:nvSpPr>
-        <p:spPr>
-          <a:xfrm>
-            <a:off x="642910" y="3143248"/>
-            <a:ext cx="6452407" cy="369332"/>
-          </a:xfrm>
-          <a:prstGeom prst="rect">
-            <a:avLst/>
-          </a:prstGeom>
-          <a:noFill/>
-        </p:spPr>
-        <p:txBody>
-          <a:bodyPr wrap="none" rtlCol="0">
-            <a:spAutoFit/>
-          </a:bodyPr>
-          <a:lstStyle/>
-          <a:p>
-            <a:r>
-              <a:rPr lang="zh-CN" altLang="en-US" dirty="0" smtClean="0"/>
-              <a:t>调用工具类</a:t>
-            </a:r>
-            <a:r>
-              <a:rPr lang="en-US" altLang="zh-CN" dirty="0" err="1" smtClean="0"/>
-              <a:t>ExpressageUtil</a:t>
-            </a:r>
-            <a:r>
-              <a:rPr lang="zh-CN" altLang="en-US" dirty="0" smtClean="0"/>
-              <a:t>，传递参数就可以查询出快递信息</a:t>
-            </a:r>
-            <a:endParaRPr lang="zh-CN" altLang="en-US" dirty="0"/>
-          </a:p>
-        </p:txBody>
-      </p:sp>
-      <p:pic>
-        <p:nvPicPr>
-          <p:cNvPr id="28677" name="Picture 5"/>
-          <p:cNvPicPr>
-            <a:picLocks noChangeAspect="1" noChangeArrowheads="1"/>
-          </p:cNvPicPr>
-          <p:nvPr/>
-        </p:nvPicPr>
-        <p:blipFill>
-          <a:blip r:embed="rId3"/>
-          <a:srcRect/>
-          <a:stretch>
-            <a:fillRect/>
-          </a:stretch>
-        </p:blipFill>
-        <p:spPr bwMode="auto">
-          <a:xfrm>
-            <a:off x="714348" y="2285992"/>
-            <a:ext cx="5295900" cy="638175"/>
+            <a:off x="357158" y="1285860"/>
+            <a:ext cx="8485187" cy="4686300"/>
           </a:xfrm>
           <a:prstGeom prst="rect">
             <a:avLst/>
@@ -9415,8 +9816,12 @@
           <a:lstStyle/>
           <a:p>
             <a:r>
-              <a:rPr lang="zh-CN" altLang="en-US" dirty="0" smtClean="0"/>
-              <a:t>模板解析工具类</a:t>
+              <a:rPr lang="en-US" altLang="zh-CN" dirty="0" err="1" smtClean="0"/>
+              <a:t>Freemarker</a:t>
+            </a:r>
+            <a:r>
+              <a:rPr lang="zh-CN" altLang="en-US" dirty="0" smtClean="0"/>
+              <a:t>工具类</a:t>
             </a:r>
             <a:endParaRPr lang="zh-CN" altLang="en-US" dirty="0"/>
           </a:p>
@@ -9424,7 +9829,7 @@
       </p:sp>
       <p:pic>
         <p:nvPicPr>
-          <p:cNvPr id="29699" name="Picture 3"/>
+          <p:cNvPr id="31746" name="Picture 2"/>
           <p:cNvPicPr>
             <a:picLocks noChangeAspect="1" noChangeArrowheads="1"/>
           </p:cNvPicPr>
@@ -9439,8 +9844,8 @@
         </p:blipFill>
         <p:spPr bwMode="auto">
           <a:xfrm>
-            <a:off x="285720" y="1428736"/>
-            <a:ext cx="2590800" cy="4171950"/>
+            <a:off x="571472" y="1071546"/>
+            <a:ext cx="5772150" cy="5657850"/>
           </a:xfrm>
           <a:prstGeom prst="rect">
             <a:avLst/>
@@ -9455,66 +9860,6 @@
           <a:effectLst/>
         </p:spPr>
       </p:pic>
-      <p:sp>
-        <p:nvSpPr>
-          <p:cNvPr id="6" name="TextBox 5"/>
-          <p:cNvSpPr txBox="1"/>
-          <p:nvPr/>
-        </p:nvSpPr>
-        <p:spPr>
-          <a:xfrm>
-            <a:off x="3071802" y="1428736"/>
-            <a:ext cx="5262979" cy="923330"/>
-          </a:xfrm>
-          <a:prstGeom prst="rect">
-            <a:avLst/>
-          </a:prstGeom>
-          <a:noFill/>
-        </p:spPr>
-        <p:txBody>
-          <a:bodyPr wrap="none" rtlCol="0">
-            <a:spAutoFit/>
-          </a:bodyPr>
-          <a:lstStyle/>
-          <a:p>
-            <a:r>
-              <a:rPr lang="zh-CN" altLang="en-US" dirty="0" smtClean="0"/>
-              <a:t>模板语言</a:t>
-            </a:r>
-            <a:r>
-              <a:rPr lang="en-US" altLang="zh-CN" dirty="0" err="1" smtClean="0"/>
-              <a:t>Freemarker</a:t>
-            </a:r>
-            <a:r>
-              <a:rPr lang="zh-CN" altLang="en-US" dirty="0" smtClean="0"/>
-              <a:t>和</a:t>
-            </a:r>
-            <a:r>
-              <a:rPr lang="en-US" altLang="zh-CN" dirty="0" smtClean="0"/>
-              <a:t>Velocity</a:t>
-            </a:r>
-            <a:r>
-              <a:rPr lang="zh-CN" altLang="en-US" dirty="0" smtClean="0"/>
-              <a:t>的解析工具类</a:t>
-            </a:r>
-            <a:endParaRPr lang="en-US" altLang="zh-CN" dirty="0" smtClean="0"/>
-          </a:p>
-          <a:p>
-            <a:r>
-              <a:rPr lang="zh-CN" altLang="en-US" dirty="0" smtClean="0"/>
-              <a:t>传递模板文件地址及参数对象，返回解析模板后的</a:t>
-            </a:r>
-            <a:endParaRPr lang="en-US" altLang="zh-CN" dirty="0" smtClean="0"/>
-          </a:p>
-          <a:p>
-            <a:r>
-              <a:rPr lang="zh-CN" altLang="en-US" dirty="0" smtClean="0"/>
-              <a:t>字符串</a:t>
-            </a:r>
-            <a:endParaRPr lang="zh-CN" altLang="en-US" dirty="0"/>
-          </a:p>
-        </p:txBody>
-      </p:sp>
     </p:spTree>
   </p:cSld>
   <p:clrMapOvr>
@@ -9557,7 +9902,7 @@
           <a:p>
             <a:r>
               <a:rPr lang="en-US" altLang="zh-CN" dirty="0" smtClean="0"/>
-              <a:t>Velocity</a:t>
+              <a:t>Ftp</a:t>
             </a:r>
             <a:r>
               <a:rPr lang="zh-CN" altLang="en-US" dirty="0" smtClean="0"/>
@@ -9569,7 +9914,7 @@
       </p:sp>
       <p:pic>
         <p:nvPicPr>
-          <p:cNvPr id="30723" name="Picture 3"/>
+          <p:cNvPr id="32770" name="Picture 2"/>
           <p:cNvPicPr>
             <a:picLocks noChangeAspect="1" noChangeArrowheads="1"/>
           </p:cNvPicPr>
@@ -9584,8 +9929,108 @@
         </p:blipFill>
         <p:spPr bwMode="auto">
           <a:xfrm>
-            <a:off x="357158" y="1285860"/>
-            <a:ext cx="8485187" cy="4686300"/>
+            <a:off x="214282" y="1428736"/>
+            <a:ext cx="2362200" cy="1371600"/>
+          </a:xfrm>
+          <a:prstGeom prst="rect">
+            <a:avLst/>
+          </a:prstGeom>
+          <a:noFill/>
+          <a:ln w="9525">
+            <a:noFill/>
+            <a:miter lim="800000"/>
+            <a:headEnd/>
+            <a:tailEnd/>
+          </a:ln>
+          <a:effectLst/>
+        </p:spPr>
+      </p:pic>
+      <p:sp>
+        <p:nvSpPr>
+          <p:cNvPr id="5" name="TextBox 4"/>
+          <p:cNvSpPr txBox="1"/>
+          <p:nvPr/>
+        </p:nvSpPr>
+        <p:spPr>
+          <a:xfrm>
+            <a:off x="2714612" y="1500174"/>
+            <a:ext cx="5907386" cy="923330"/>
+          </a:xfrm>
+          <a:prstGeom prst="rect">
+            <a:avLst/>
+          </a:prstGeom>
+          <a:noFill/>
+        </p:spPr>
+        <p:txBody>
+          <a:bodyPr wrap="none" rtlCol="0">
+            <a:spAutoFit/>
+          </a:bodyPr>
+          <a:lstStyle/>
+          <a:p>
+            <a:r>
+              <a:rPr lang="en-US" altLang="zh-CN" dirty="0" err="1" smtClean="0"/>
+              <a:t>FtpServerUtil</a:t>
+            </a:r>
+            <a:r>
+              <a:rPr lang="zh-CN" altLang="en-US" dirty="0" smtClean="0"/>
+              <a:t>使用</a:t>
+            </a:r>
+            <a:r>
+              <a:rPr lang="en-US" altLang="zh-CN" dirty="0" smtClean="0"/>
+              <a:t>apache</a:t>
+            </a:r>
+            <a:r>
+              <a:rPr lang="zh-CN" altLang="en-US" dirty="0" smtClean="0"/>
+              <a:t>的</a:t>
+            </a:r>
+            <a:r>
+              <a:rPr lang="en-US" altLang="zh-CN" dirty="0" smtClean="0"/>
+              <a:t>ftp server</a:t>
+            </a:r>
+            <a:r>
+              <a:rPr lang="zh-CN" altLang="en-US" dirty="0" smtClean="0"/>
+              <a:t>实现</a:t>
+            </a:r>
+            <a:endParaRPr lang="en-US" altLang="zh-CN" dirty="0" smtClean="0"/>
+          </a:p>
+          <a:p>
+            <a:r>
+              <a:rPr lang="en-US" altLang="zh-CN" dirty="0" err="1" smtClean="0"/>
+              <a:t>user.properties</a:t>
+            </a:r>
+            <a:r>
+              <a:rPr lang="zh-CN" altLang="en-US" dirty="0" smtClean="0"/>
+              <a:t>的配置方式可以查询</a:t>
+            </a:r>
+            <a:r>
+              <a:rPr lang="en-US" altLang="zh-CN" dirty="0" smtClean="0"/>
+              <a:t>apache ftp server</a:t>
+            </a:r>
+          </a:p>
+          <a:p>
+            <a:endParaRPr lang="en-US" altLang="zh-CN" dirty="0" smtClean="0"/>
+          </a:p>
+        </p:txBody>
+      </p:sp>
+      <p:pic>
+        <p:nvPicPr>
+          <p:cNvPr id="32771" name="Picture 3"/>
+          <p:cNvPicPr>
+            <a:picLocks noChangeAspect="1" noChangeArrowheads="1"/>
+          </p:cNvPicPr>
+          <p:nvPr/>
+        </p:nvPicPr>
+        <p:blipFill>
+          <a:blip r:embed="rId3"/>
+          <a:srcRect/>
+          <a:stretch>
+            <a:fillRect/>
+          </a:stretch>
+        </p:blipFill>
+        <p:spPr bwMode="auto">
+          <a:xfrm>
+            <a:off x="285720" y="3143248"/>
+            <a:ext cx="8618537" cy="3371850"/>
           </a:xfrm>
           <a:prstGeom prst="rect">
             <a:avLst/>
@@ -9641,12 +10086,8 @@
           <a:lstStyle/>
           <a:p>
             <a:r>
-              <a:rPr lang="en-US" altLang="zh-CN" dirty="0" err="1" smtClean="0"/>
-              <a:t>Freemarker</a:t>
-            </a:r>
-            <a:r>
-              <a:rPr lang="zh-CN" altLang="en-US" dirty="0" smtClean="0"/>
-              <a:t>工具类</a:t>
+              <a:rPr lang="zh-CN" altLang="en-US" dirty="0" smtClean="0"/>
+              <a:t>常用工具类</a:t>
             </a:r>
             <a:endParaRPr lang="zh-CN" altLang="en-US" dirty="0"/>
           </a:p>
@@ -9654,7 +10095,7 @@
       </p:sp>
       <p:pic>
         <p:nvPicPr>
-          <p:cNvPr id="31746" name="Picture 2"/>
+          <p:cNvPr id="33794" name="Picture 2"/>
           <p:cNvPicPr>
             <a:picLocks noChangeAspect="1" noChangeArrowheads="1"/>
           </p:cNvPicPr>
@@ -9669,8 +10110,8 @@
         </p:blipFill>
         <p:spPr bwMode="auto">
           <a:xfrm>
-            <a:off x="571472" y="1071546"/>
-            <a:ext cx="5772150" cy="5657850"/>
+            <a:off x="428596" y="1714488"/>
+            <a:ext cx="7789863" cy="4257675"/>
           </a:xfrm>
           <a:prstGeom prst="rect">
             <a:avLst/>
@@ -9726,12 +10167,8 @@
           <a:lstStyle/>
           <a:p>
             <a:r>
-              <a:rPr lang="en-US" altLang="zh-CN" dirty="0" smtClean="0"/>
-              <a:t>Ftp</a:t>
-            </a:r>
-            <a:r>
-              <a:rPr lang="zh-CN" altLang="en-US" dirty="0" smtClean="0"/>
-              <a:t>工具类</a:t>
+              <a:rPr lang="zh-CN" altLang="en-US" dirty="0" smtClean="0"/>
+              <a:t>常用工具类</a:t>
             </a:r>
             <a:endParaRPr lang="zh-CN" altLang="en-US" dirty="0"/>
           </a:p>
@@ -9739,7 +10176,7 @@
       </p:sp>
       <p:pic>
         <p:nvPicPr>
-          <p:cNvPr id="32770" name="Picture 2"/>
+          <p:cNvPr id="34818" name="Picture 2"/>
           <p:cNvPicPr>
             <a:picLocks noChangeAspect="1" noChangeArrowheads="1"/>
           </p:cNvPicPr>
@@ -9754,108 +10191,8 @@
         </p:blipFill>
         <p:spPr bwMode="auto">
           <a:xfrm>
-            <a:off x="214282" y="1428736"/>
-            <a:ext cx="2362200" cy="1371600"/>
-          </a:xfrm>
-          <a:prstGeom prst="rect">
-            <a:avLst/>
-          </a:prstGeom>
-          <a:noFill/>
-          <a:ln w="9525">
-            <a:noFill/>
-            <a:miter lim="800000"/>
-            <a:headEnd/>
-            <a:tailEnd/>
-          </a:ln>
-          <a:effectLst/>
-        </p:spPr>
-      </p:pic>
-      <p:sp>
-        <p:nvSpPr>
-          <p:cNvPr id="5" name="TextBox 4"/>
-          <p:cNvSpPr txBox="1"/>
-          <p:nvPr/>
-        </p:nvSpPr>
-        <p:spPr>
-          <a:xfrm>
-            <a:off x="2714612" y="1500174"/>
-            <a:ext cx="5907386" cy="923330"/>
-          </a:xfrm>
-          <a:prstGeom prst="rect">
-            <a:avLst/>
-          </a:prstGeom>
-          <a:noFill/>
-        </p:spPr>
-        <p:txBody>
-          <a:bodyPr wrap="none" rtlCol="0">
-            <a:spAutoFit/>
-          </a:bodyPr>
-          <a:lstStyle/>
-          <a:p>
-            <a:r>
-              <a:rPr lang="en-US" altLang="zh-CN" dirty="0" err="1" smtClean="0"/>
-              <a:t>FtpServerUtil</a:t>
-            </a:r>
-            <a:r>
-              <a:rPr lang="zh-CN" altLang="en-US" dirty="0" smtClean="0"/>
-              <a:t>使用</a:t>
-            </a:r>
-            <a:r>
-              <a:rPr lang="en-US" altLang="zh-CN" dirty="0" smtClean="0"/>
-              <a:t>apache</a:t>
-            </a:r>
-            <a:r>
-              <a:rPr lang="zh-CN" altLang="en-US" dirty="0" smtClean="0"/>
-              <a:t>的</a:t>
-            </a:r>
-            <a:r>
-              <a:rPr lang="en-US" altLang="zh-CN" dirty="0" smtClean="0"/>
-              <a:t>ftp server</a:t>
-            </a:r>
-            <a:r>
-              <a:rPr lang="zh-CN" altLang="en-US" dirty="0" smtClean="0"/>
-              <a:t>实现</a:t>
-            </a:r>
-            <a:endParaRPr lang="en-US" altLang="zh-CN" dirty="0" smtClean="0"/>
-          </a:p>
-          <a:p>
-            <a:r>
-              <a:rPr lang="en-US" altLang="zh-CN" dirty="0" err="1" smtClean="0"/>
-              <a:t>user.properties</a:t>
-            </a:r>
-            <a:r>
-              <a:rPr lang="zh-CN" altLang="en-US" dirty="0" smtClean="0"/>
-              <a:t>的配置方式可以查询</a:t>
-            </a:r>
-            <a:r>
-              <a:rPr lang="en-US" altLang="zh-CN" dirty="0" smtClean="0"/>
-              <a:t>apache ftp server</a:t>
-            </a:r>
-          </a:p>
-          <a:p>
-            <a:endParaRPr lang="en-US" altLang="zh-CN" dirty="0" smtClean="0"/>
-          </a:p>
-        </p:txBody>
-      </p:sp>
-      <p:pic>
-        <p:nvPicPr>
-          <p:cNvPr id="32771" name="Picture 3"/>
-          <p:cNvPicPr>
-            <a:picLocks noChangeAspect="1" noChangeArrowheads="1"/>
-          </p:cNvPicPr>
-          <p:nvPr/>
-        </p:nvPicPr>
-        <p:blipFill>
-          <a:blip r:embed="rId3"/>
-          <a:srcRect/>
-          <a:stretch>
-            <a:fillRect/>
-          </a:stretch>
-        </p:blipFill>
-        <p:spPr bwMode="auto">
-          <a:xfrm>
-            <a:off x="285720" y="3143248"/>
-            <a:ext cx="8618537" cy="3371850"/>
+            <a:off x="1" y="1571612"/>
+            <a:ext cx="9144000" cy="2733675"/>
           </a:xfrm>
           <a:prstGeom prst="rect">
             <a:avLst/>
@@ -9911,8 +10248,8 @@
           <a:lstStyle/>
           <a:p>
             <a:r>
-              <a:rPr lang="zh-CN" altLang="en-US" dirty="0" smtClean="0"/>
-              <a:t>常用工具类</a:t>
+              <a:rPr lang="en-US" altLang="zh-CN" dirty="0" smtClean="0"/>
+              <a:t>Groovy</a:t>
             </a:r>
             <a:endParaRPr lang="zh-CN" altLang="en-US" dirty="0"/>
           </a:p>
@@ -9920,7 +10257,7 @@
       </p:sp>
       <p:pic>
         <p:nvPicPr>
-          <p:cNvPr id="33794" name="Picture 2"/>
+          <p:cNvPr id="35842" name="Picture 2"/>
           <p:cNvPicPr>
             <a:picLocks noChangeAspect="1" noChangeArrowheads="1"/>
           </p:cNvPicPr>
@@ -9935,8 +10272,8 @@
         </p:blipFill>
         <p:spPr bwMode="auto">
           <a:xfrm>
-            <a:off x="428596" y="1714488"/>
-            <a:ext cx="7789863" cy="4257675"/>
+            <a:off x="0" y="1357298"/>
+            <a:ext cx="2428875" cy="676275"/>
           </a:xfrm>
           <a:prstGeom prst="rect">
             <a:avLst/>
@@ -9951,6 +10288,121 @@
           <a:effectLst/>
         </p:spPr>
       </p:pic>
+      <p:sp>
+        <p:nvSpPr>
+          <p:cNvPr id="5" name="TextBox 4"/>
+          <p:cNvSpPr txBox="1"/>
+          <p:nvPr/>
+        </p:nvSpPr>
+        <p:spPr>
+          <a:xfrm>
+            <a:off x="2714612" y="1357298"/>
+            <a:ext cx="5352747" cy="1200329"/>
+          </a:xfrm>
+          <a:prstGeom prst="rect">
+            <a:avLst/>
+          </a:prstGeom>
+          <a:noFill/>
+        </p:spPr>
+        <p:txBody>
+          <a:bodyPr wrap="none" rtlCol="0">
+            <a:spAutoFit/>
+          </a:bodyPr>
+          <a:lstStyle/>
+          <a:p>
+            <a:r>
+              <a:rPr lang="en-US" altLang="zh-CN" dirty="0" smtClean="0"/>
+              <a:t>Groovy</a:t>
+            </a:r>
+            <a:r>
+              <a:rPr lang="zh-CN" altLang="en-US" dirty="0" smtClean="0"/>
+              <a:t>是一种动态脚本语言，底层使用</a:t>
+            </a:r>
+            <a:r>
+              <a:rPr lang="en-US" altLang="zh-CN" dirty="0" smtClean="0"/>
+              <a:t>Java</a:t>
+            </a:r>
+            <a:r>
+              <a:rPr lang="zh-CN" altLang="en-US" dirty="0" smtClean="0"/>
+              <a:t>实现，</a:t>
+            </a:r>
+            <a:endParaRPr lang="en-US" altLang="zh-CN" dirty="0" smtClean="0"/>
+          </a:p>
+          <a:p>
+            <a:r>
+              <a:rPr lang="zh-CN" altLang="en-US" dirty="0" smtClean="0"/>
+              <a:t>所以</a:t>
+            </a:r>
+            <a:r>
+              <a:rPr lang="en-US" altLang="zh-CN" dirty="0" smtClean="0"/>
+              <a:t>95%</a:t>
+            </a:r>
+            <a:r>
+              <a:rPr lang="zh-CN" altLang="en-US" dirty="0" smtClean="0"/>
+              <a:t>的</a:t>
+            </a:r>
+            <a:r>
+              <a:rPr lang="en-US" altLang="zh-CN" dirty="0" smtClean="0"/>
+              <a:t>java</a:t>
+            </a:r>
+            <a:r>
+              <a:rPr lang="zh-CN" altLang="en-US" dirty="0" smtClean="0"/>
+              <a:t>代码可以直接在</a:t>
+            </a:r>
+            <a:r>
+              <a:rPr lang="en-US" altLang="zh-CN" dirty="0" smtClean="0"/>
+              <a:t>Groovy</a:t>
+            </a:r>
+            <a:r>
+              <a:rPr lang="zh-CN" altLang="en-US" dirty="0" smtClean="0"/>
+              <a:t>中运行，</a:t>
+            </a:r>
+            <a:endParaRPr lang="en-US" altLang="zh-CN" dirty="0" smtClean="0"/>
+          </a:p>
+          <a:p>
+            <a:r>
+              <a:rPr lang="en-US" altLang="zh-CN" dirty="0" err="1" smtClean="0"/>
+              <a:t>GroovyUtil</a:t>
+            </a:r>
+            <a:r>
+              <a:rPr lang="zh-CN" altLang="en-US" dirty="0" smtClean="0"/>
+              <a:t>就是一个在</a:t>
+            </a:r>
+            <a:r>
+              <a:rPr lang="en-US" altLang="zh-CN" dirty="0" smtClean="0"/>
+              <a:t>Java</a:t>
+            </a:r>
+            <a:r>
+              <a:rPr lang="zh-CN" altLang="en-US" dirty="0" smtClean="0"/>
+              <a:t>中调用</a:t>
+            </a:r>
+            <a:r>
+              <a:rPr lang="en-US" altLang="zh-CN" dirty="0" smtClean="0"/>
+              <a:t>Groovy</a:t>
+            </a:r>
+            <a:r>
+              <a:rPr lang="zh-CN" altLang="en-US" dirty="0" smtClean="0"/>
+              <a:t>的工具类</a:t>
+            </a:r>
+            <a:endParaRPr lang="en-US" altLang="zh-CN" dirty="0" smtClean="0"/>
+          </a:p>
+          <a:p>
+            <a:r>
+              <a:rPr lang="en-US" altLang="zh-CN" dirty="0" smtClean="0"/>
+              <a:t>Groovy</a:t>
+            </a:r>
+            <a:r>
+              <a:rPr lang="zh-CN" altLang="en-US" dirty="0" smtClean="0"/>
+              <a:t>可以在代码中直接调用</a:t>
+            </a:r>
+            <a:r>
+              <a:rPr lang="en-US" altLang="zh-CN" dirty="0" smtClean="0"/>
+              <a:t>Java</a:t>
+            </a:r>
+            <a:endParaRPr lang="zh-CN" altLang="en-US" dirty="0"/>
+          </a:p>
+        </p:txBody>
+      </p:sp>
     </p:spTree>
   </p:cSld>
   <p:clrMapOvr>
@@ -9978,6 +10430,57 @@
       </p:grpSpPr>
       <p:sp>
         <p:nvSpPr>
+          <p:cNvPr id="2" name="内容占位符 1"/>
+          <p:cNvSpPr>
+            <a:spLocks noGrp="1"/>
+          </p:cNvSpPr>
+          <p:nvPr>
+            <p:ph idx="1"/>
+          </p:nvPr>
+        </p:nvSpPr>
+        <p:spPr/>
+        <p:txBody>
+          <a:bodyPr/>
+          <a:lstStyle/>
+          <a:p>
+            <a:r>
+              <a:rPr lang="zh-CN" altLang="en-US" dirty="0" smtClean="0"/>
+              <a:t>系统中部分业务代码需要在服务运行期间新增修改，而不用重启服务</a:t>
+            </a:r>
+            <a:endParaRPr lang="en-US" altLang="zh-CN" dirty="0" smtClean="0"/>
+          </a:p>
+          <a:p>
+            <a:r>
+              <a:rPr lang="zh-CN" altLang="en-US" dirty="0" smtClean="0"/>
+              <a:t>可以直接在系统后台执行某些代码，完成运行时的操作</a:t>
+            </a:r>
+            <a:endParaRPr lang="en-US" altLang="zh-CN" dirty="0" smtClean="0"/>
+          </a:p>
+          <a:p>
+            <a:r>
+              <a:rPr lang="zh-CN" altLang="en-US" dirty="0" smtClean="0"/>
+              <a:t>某些代码在开发阶段无法确定，需要在运行时才能确定</a:t>
+            </a:r>
+            <a:endParaRPr lang="en-US" altLang="zh-CN" dirty="0" smtClean="0"/>
+          </a:p>
+          <a:p>
+            <a:r>
+              <a:rPr lang="en-US" altLang="zh-CN" dirty="0" smtClean="0"/>
+              <a:t>Groovy</a:t>
+            </a:r>
+            <a:r>
+              <a:rPr lang="zh-CN" altLang="en-US" dirty="0" smtClean="0"/>
+              <a:t>代码可以保存在数据库中，也可以保存在配置文件中</a:t>
+            </a:r>
+            <a:endParaRPr lang="en-US" altLang="zh-CN" dirty="0" smtClean="0"/>
+          </a:p>
+          <a:p>
+            <a:endParaRPr lang="en-US" altLang="zh-CN" dirty="0" smtClean="0"/>
+          </a:p>
+        </p:txBody>
+      </p:sp>
+      <p:sp>
+        <p:nvSpPr>
           <p:cNvPr id="3" name="标题 2"/>
           <p:cNvSpPr>
             <a:spLocks noGrp="1"/>
@@ -9992,46 +10495,17 @@
           <a:lstStyle/>
           <a:p>
             <a:r>
-              <a:rPr lang="zh-CN" altLang="en-US" dirty="0" smtClean="0"/>
-              <a:t>常用工具类</a:t>
+              <a:rPr lang="en-US" altLang="zh-CN" dirty="0" smtClean="0"/>
+              <a:t>Groovy</a:t>
+            </a:r>
+            <a:r>
+              <a:rPr lang="zh-CN" altLang="en-US" dirty="0" smtClean="0"/>
+              <a:t>应用场景</a:t>
             </a:r>
             <a:endParaRPr lang="zh-CN" altLang="en-US" dirty="0"/>
           </a:p>
         </p:txBody>
       </p:sp>
-      <p:pic>
-        <p:nvPicPr>
-          <p:cNvPr id="34818" name="Picture 2"/>
-          <p:cNvPicPr>
-            <a:picLocks noChangeAspect="1" noChangeArrowheads="1"/>
-          </p:cNvPicPr>
-          <p:nvPr/>
-        </p:nvPicPr>
-        <p:blipFill>
-          <a:blip r:embed="rId2"/>
-          <a:srcRect/>
-          <a:stretch>
-            <a:fillRect/>
-          </a:stretch>
-        </p:blipFill>
-        <p:spPr bwMode="auto">
-          <a:xfrm>
-            <a:off x="1" y="1571612"/>
-            <a:ext cx="9144000" cy="2733675"/>
-          </a:xfrm>
-          <a:prstGeom prst="rect">
-            <a:avLst/>
-          </a:prstGeom>
-          <a:noFill/>
-          <a:ln w="9525">
-            <a:noFill/>
-            <a:miter lim="800000"/>
-            <a:headEnd/>
-            <a:tailEnd/>
-          </a:ln>
-          <a:effectLst/>
-        </p:spPr>
-      </p:pic>
     </p:spTree>
   </p:cSld>
   <p:clrMapOvr>
@@ -10076,13 +10550,17 @@
               <a:rPr lang="en-US" altLang="zh-CN" dirty="0" smtClean="0"/>
               <a:t>Groovy</a:t>
             </a:r>
+            <a:r>
+              <a:rPr lang="zh-CN" altLang="en-US" dirty="0" smtClean="0"/>
+              <a:t>应用场景</a:t>
+            </a:r>
             <a:endParaRPr lang="zh-CN" altLang="en-US" dirty="0"/>
           </a:p>
         </p:txBody>
       </p:sp>
       <p:pic>
         <p:nvPicPr>
-          <p:cNvPr id="35842" name="Picture 2"/>
+          <p:cNvPr id="36866" name="Picture 2"/>
           <p:cNvPicPr>
             <a:picLocks noChangeAspect="1" noChangeArrowheads="1"/>
           </p:cNvPicPr>
@@ -10097,8 +10575,8 @@
         </p:blipFill>
         <p:spPr bwMode="auto">
           <a:xfrm>
-            <a:off x="0" y="1357298"/>
-            <a:ext cx="2428875" cy="676275"/>
+            <a:off x="142844" y="1287693"/>
+            <a:ext cx="7929586" cy="5356017"/>
           </a:xfrm>
           <a:prstGeom prst="rect">
             <a:avLst/>
@@ -10113,121 +10591,6 @@
           <a:effectLst/>
         </p:spPr>
       </p:pic>
-      <p:sp>
-        <p:nvSpPr>
-          <p:cNvPr id="5" name="TextBox 4"/>
-          <p:cNvSpPr txBox="1"/>
-          <p:nvPr/>
-        </p:nvSpPr>
-        <p:spPr>
-          <a:xfrm>
-            <a:off x="2714612" y="1357298"/>
-            <a:ext cx="5352747" cy="1200329"/>
-          </a:xfrm>
-          <a:prstGeom prst="rect">
-            <a:avLst/>
-          </a:prstGeom>
-          <a:noFill/>
-        </p:spPr>
-        <p:txBody>
-          <a:bodyPr wrap="none" rtlCol="0">
-            <a:spAutoFit/>
-          </a:bodyPr>
-          <a:lstStyle/>
-          <a:p>
-            <a:r>
-              <a:rPr lang="en-US" altLang="zh-CN" dirty="0" smtClean="0"/>
-              <a:t>Groovy</a:t>
-            </a:r>
-            <a:r>
-              <a:rPr lang="zh-CN" altLang="en-US" dirty="0" smtClean="0"/>
-              <a:t>是一种动态脚本语言，底层使用</a:t>
-            </a:r>
-            <a:r>
-              <a:rPr lang="en-US" altLang="zh-CN" dirty="0" smtClean="0"/>
-              <a:t>Java</a:t>
-            </a:r>
-            <a:r>
-              <a:rPr lang="zh-CN" altLang="en-US" dirty="0" smtClean="0"/>
-              <a:t>实现，</a:t>
-            </a:r>
-            <a:endParaRPr lang="en-US" altLang="zh-CN" dirty="0" smtClean="0"/>
-          </a:p>
-          <a:p>
-            <a:r>
-              <a:rPr lang="zh-CN" altLang="en-US" dirty="0" smtClean="0"/>
-              <a:t>所以</a:t>
-            </a:r>
-            <a:r>
-              <a:rPr lang="en-US" altLang="zh-CN" dirty="0" smtClean="0"/>
-              <a:t>95%</a:t>
-            </a:r>
-            <a:r>
-              <a:rPr lang="zh-CN" altLang="en-US" dirty="0" smtClean="0"/>
-              <a:t>的</a:t>
-            </a:r>
-            <a:r>
-              <a:rPr lang="en-US" altLang="zh-CN" dirty="0" smtClean="0"/>
-              <a:t>java</a:t>
-            </a:r>
-            <a:r>
-              <a:rPr lang="zh-CN" altLang="en-US" dirty="0" smtClean="0"/>
-              <a:t>代码可以直接在</a:t>
-            </a:r>
-            <a:r>
-              <a:rPr lang="en-US" altLang="zh-CN" dirty="0" smtClean="0"/>
-              <a:t>Groovy</a:t>
-            </a:r>
-            <a:r>
-              <a:rPr lang="zh-CN" altLang="en-US" dirty="0" smtClean="0"/>
-              <a:t>中运行，</a:t>
-            </a:r>
-            <a:endParaRPr lang="en-US" altLang="zh-CN" dirty="0" smtClean="0"/>
-          </a:p>
-          <a:p>
-            <a:r>
-              <a:rPr lang="en-US" altLang="zh-CN" dirty="0" err="1" smtClean="0"/>
-              <a:t>GroovyUtil</a:t>
-            </a:r>
-            <a:r>
-              <a:rPr lang="zh-CN" altLang="en-US" dirty="0" smtClean="0"/>
-              <a:t>就是一个在</a:t>
-            </a:r>
-            <a:r>
-              <a:rPr lang="en-US" altLang="zh-CN" dirty="0" smtClean="0"/>
-              <a:t>Java</a:t>
-            </a:r>
-            <a:r>
-              <a:rPr lang="zh-CN" altLang="en-US" dirty="0" smtClean="0"/>
-              <a:t>中调用</a:t>
-            </a:r>
-            <a:r>
-              <a:rPr lang="en-US" altLang="zh-CN" dirty="0" smtClean="0"/>
-              <a:t>Groovy</a:t>
-            </a:r>
-            <a:r>
-              <a:rPr lang="zh-CN" altLang="en-US" dirty="0" smtClean="0"/>
-              <a:t>的工具类</a:t>
-            </a:r>
-            <a:endParaRPr lang="en-US" altLang="zh-CN" dirty="0" smtClean="0"/>
-          </a:p>
-          <a:p>
-            <a:r>
-              <a:rPr lang="en-US" altLang="zh-CN" dirty="0" smtClean="0"/>
-              <a:t>Groovy</a:t>
-            </a:r>
-            <a:r>
-              <a:rPr lang="zh-CN" altLang="en-US" dirty="0" smtClean="0"/>
-              <a:t>可以在代码中直接调用</a:t>
-            </a:r>
-            <a:r>
-              <a:rPr lang="en-US" altLang="zh-CN" dirty="0" smtClean="0"/>
-              <a:t>Java</a:t>
-            </a:r>
-            <a:endParaRPr lang="zh-CN" altLang="en-US" dirty="0"/>
-          </a:p>
-        </p:txBody>
-      </p:sp>
     </p:spTree>
   </p:cSld>
   <p:clrMapOvr>
@@ -10255,57 +10618,6 @@
       </p:grpSpPr>
       <p:sp>
         <p:nvSpPr>
-          <p:cNvPr id="2" name="内容占位符 1"/>
-          <p:cNvSpPr>
-            <a:spLocks noGrp="1"/>
-          </p:cNvSpPr>
-          <p:nvPr>
-            <p:ph idx="1"/>
-          </p:nvPr>
-        </p:nvSpPr>
-        <p:spPr/>
-        <p:txBody>
-          <a:bodyPr/>
-          <a:lstStyle/>
-          <a:p>
-            <a:r>
-              <a:rPr lang="zh-CN" altLang="en-US" dirty="0" smtClean="0"/>
-              <a:t>系统中部分业务代码需要在服务运行期间新增修改，而不用重启服务</a:t>
-            </a:r>
-            <a:endParaRPr lang="en-US" altLang="zh-CN" dirty="0" smtClean="0"/>
-          </a:p>
-          <a:p>
-            <a:r>
-              <a:rPr lang="zh-CN" altLang="en-US" dirty="0" smtClean="0"/>
-              <a:t>可以直接在系统后台执行某些代码，完成运行时的操作</a:t>
-            </a:r>
-            <a:endParaRPr lang="en-US" altLang="zh-CN" dirty="0" smtClean="0"/>
-          </a:p>
-          <a:p>
-            <a:r>
-              <a:rPr lang="zh-CN" altLang="en-US" dirty="0" smtClean="0"/>
-              <a:t>某些代码在开发阶段无法确定，需要在运行时才能确定</a:t>
-            </a:r>
-            <a:endParaRPr lang="en-US" altLang="zh-CN" dirty="0" smtClean="0"/>
-          </a:p>
-          <a:p>
-            <a:r>
-              <a:rPr lang="en-US" altLang="zh-CN" dirty="0" smtClean="0"/>
-              <a:t>Groovy</a:t>
-            </a:r>
-            <a:r>
-              <a:rPr lang="zh-CN" altLang="en-US" dirty="0" smtClean="0"/>
-              <a:t>代码可以保存在数据库中，也可以保存在配置文件中</a:t>
-            </a:r>
-            <a:endParaRPr lang="en-US" altLang="zh-CN" dirty="0" smtClean="0"/>
-          </a:p>
-          <a:p>
-            <a:endParaRPr lang="en-US" altLang="zh-CN" dirty="0" smtClean="0"/>
-          </a:p>
-        </p:txBody>
-      </p:sp>
-      <p:sp>
-        <p:nvSpPr>
           <p:cNvPr id="3" name="标题 2"/>
           <p:cNvSpPr>
             <a:spLocks noGrp="1"/>
@@ -10331,6 +10643,39 @@
           </a:p>
         </p:txBody>
       </p:sp>
+      <p:pic>
+        <p:nvPicPr>
+          <p:cNvPr id="37892" name="Picture 4"/>
+          <p:cNvPicPr>
+            <a:picLocks noChangeAspect="1" noChangeArrowheads="1"/>
+          </p:cNvPicPr>
+          <p:nvPr/>
+        </p:nvPicPr>
+        <p:blipFill>
+          <a:blip r:embed="rId2"/>
+          <a:srcRect/>
+          <a:stretch>
+            <a:fillRect/>
+          </a:stretch>
+        </p:blipFill>
+        <p:spPr bwMode="auto">
+          <a:xfrm>
+            <a:off x="214282" y="1143000"/>
+            <a:ext cx="7408863" cy="5715000"/>
+          </a:xfrm>
+          <a:prstGeom prst="rect">
+            <a:avLst/>
+          </a:prstGeom>
+          <a:noFill/>
+          <a:ln w="9525">
+            <a:noFill/>
+            <a:miter lim="800000"/>
+            <a:headEnd/>
+            <a:tailEnd/>
+          </a:ln>
+          <a:effectLst/>
+        </p:spPr>
+      </p:pic>
     </p:spTree>
   </p:cSld>
   <p:clrMapOvr>
@@ -10470,7 +10815,7 @@
       </p:sp>
       <p:pic>
         <p:nvPicPr>
-          <p:cNvPr id="36866" name="Picture 2"/>
+          <p:cNvPr id="38914" name="Picture 2"/>
           <p:cNvPicPr>
             <a:picLocks noChangeAspect="1" noChangeArrowheads="1"/>
           </p:cNvPicPr>
@@ -10485,8 +10830,8 @@
         </p:blipFill>
         <p:spPr bwMode="auto">
           <a:xfrm>
-            <a:off x="142844" y="1287693"/>
-            <a:ext cx="7929586" cy="5356017"/>
+            <a:off x="285720" y="1357298"/>
+            <a:ext cx="6980237" cy="1352550"/>
           </a:xfrm>
           <a:prstGeom prst="rect">
             <a:avLst/>
@@ -10501,6 +10846,84 @@
           <a:effectLst/>
         </p:spPr>
       </p:pic>
+      <p:pic>
+        <p:nvPicPr>
+          <p:cNvPr id="38915" name="Picture 3"/>
+          <p:cNvPicPr>
+            <a:picLocks noChangeAspect="1" noChangeArrowheads="1"/>
+          </p:cNvPicPr>
+          <p:nvPr/>
+        </p:nvPicPr>
+        <p:blipFill>
+          <a:blip r:embed="rId3"/>
+          <a:srcRect/>
+          <a:stretch>
+            <a:fillRect/>
+          </a:stretch>
+        </p:blipFill>
+        <p:spPr bwMode="auto">
+          <a:xfrm>
+            <a:off x="285720" y="3000372"/>
+            <a:ext cx="7323137" cy="1181100"/>
+          </a:xfrm>
+          <a:prstGeom prst="rect">
+            <a:avLst/>
+          </a:prstGeom>
+          <a:noFill/>
+          <a:ln w="9525">
+            <a:noFill/>
+            <a:miter lim="800000"/>
+            <a:headEnd/>
+            <a:tailEnd/>
+          </a:ln>
+          <a:effectLst/>
+        </p:spPr>
+      </p:pic>
+      <p:sp>
+        <p:nvSpPr>
+          <p:cNvPr id="6" name="TextBox 5"/>
+          <p:cNvSpPr txBox="1"/>
+          <p:nvPr/>
+        </p:nvSpPr>
+        <p:spPr>
+          <a:xfrm>
+            <a:off x="214282" y="4572008"/>
+            <a:ext cx="7431843" cy="646331"/>
+          </a:xfrm>
+          <a:prstGeom prst="rect">
+            <a:avLst/>
+          </a:prstGeom>
+          <a:noFill/>
+        </p:spPr>
+        <p:txBody>
+          <a:bodyPr wrap="none" rtlCol="0">
+            <a:spAutoFit/>
+          </a:bodyPr>
+          <a:lstStyle/>
+          <a:p>
+            <a:r>
+              <a:rPr lang="zh-CN" altLang="en-US" dirty="0" smtClean="0"/>
+              <a:t>将</a:t>
+            </a:r>
+            <a:r>
+              <a:rPr lang="en-US" altLang="zh-CN" dirty="0" smtClean="0"/>
+              <a:t>Groovy</a:t>
+            </a:r>
+            <a:r>
+              <a:rPr lang="zh-CN" altLang="en-US" dirty="0" smtClean="0"/>
+              <a:t>脚本保存在数据库中，提供接口让外部调用，返回执行结果，</a:t>
+            </a:r>
+            <a:endParaRPr lang="en-US" altLang="zh-CN" dirty="0" smtClean="0"/>
+          </a:p>
+          <a:p>
+            <a:r>
+              <a:rPr lang="zh-CN" altLang="en-US" dirty="0" smtClean="0"/>
+              <a:t>可以实现代码的新增修改，不需要重启服务器</a:t>
+            </a:r>
+            <a:endParaRPr lang="zh-CN" altLang="en-US" dirty="0"/>
+          </a:p>
+        </p:txBody>
+      </p:sp>
     </p:spTree>
   </p:cSld>
   <p:clrMapOvr>
@@ -10542,12 +10965,12 @@
           <a:lstStyle/>
           <a:p>
             <a:r>
-              <a:rPr lang="en-US" altLang="zh-CN" dirty="0" smtClean="0"/>
-              <a:t>Groovy</a:t>
-            </a:r>
-            <a:r>
-              <a:rPr lang="zh-CN" altLang="en-US" dirty="0" smtClean="0"/>
-              <a:t>应用场景</a:t>
+              <a:rPr lang="en-US" altLang="zh-CN" dirty="0" err="1" smtClean="0"/>
+              <a:t>Redis</a:t>
+            </a:r>
+            <a:r>
+              <a:rPr lang="zh-CN" altLang="en-US" dirty="0" smtClean="0"/>
+              <a:t>操作</a:t>
             </a:r>
             <a:endParaRPr lang="zh-CN" altLang="en-US" dirty="0"/>
           </a:p>
@@ -10555,7 +10978,7 @@
       </p:sp>
       <p:pic>
         <p:nvPicPr>
-          <p:cNvPr id="37892" name="Picture 4"/>
+          <p:cNvPr id="44034" name="Picture 2"/>
           <p:cNvPicPr>
             <a:picLocks noChangeAspect="1" noChangeArrowheads="1"/>
           </p:cNvPicPr>
@@ -10570,8 +10993,8 @@
         </p:blipFill>
         <p:spPr bwMode="auto">
           <a:xfrm>
-            <a:off x="214282" y="1143000"/>
-            <a:ext cx="7408863" cy="5715000"/>
+            <a:off x="642910" y="2000240"/>
+            <a:ext cx="2505075" cy="838200"/>
           </a:xfrm>
           <a:prstGeom prst="rect">
             <a:avLst/>
@@ -10586,6 +11009,52 @@
           <a:effectLst/>
         </p:spPr>
       </p:pic>
+      <p:sp>
+        <p:nvSpPr>
+          <p:cNvPr id="5" name="TextBox 4"/>
+          <p:cNvSpPr txBox="1"/>
+          <p:nvPr/>
+        </p:nvSpPr>
+        <p:spPr>
+          <a:xfrm>
+            <a:off x="571472" y="1357298"/>
+            <a:ext cx="4161717" cy="369332"/>
+          </a:xfrm>
+          <a:prstGeom prst="rect">
+            <a:avLst/>
+          </a:prstGeom>
+          <a:noFill/>
+        </p:spPr>
+        <p:txBody>
+          <a:bodyPr wrap="none" rtlCol="0">
+            <a:spAutoFit/>
+          </a:bodyPr>
+          <a:lstStyle/>
+          <a:p>
+            <a:r>
+              <a:rPr lang="zh-CN" altLang="en-US" dirty="0" smtClean="0"/>
+              <a:t>修改</a:t>
+            </a:r>
+            <a:r>
+              <a:rPr lang="en-US" altLang="zh-CN" dirty="0" err="1" smtClean="0"/>
+              <a:t>configs.properties</a:t>
+            </a:r>
+            <a:r>
+              <a:rPr lang="zh-CN" altLang="en-US" dirty="0" smtClean="0"/>
+              <a:t>中的</a:t>
+            </a:r>
+            <a:r>
+              <a:rPr lang="en-US" altLang="zh-CN" dirty="0" err="1" smtClean="0"/>
+              <a:t>redis</a:t>
+            </a:r>
+            <a:r>
+              <a:rPr lang="zh-CN" altLang="en-US" dirty="0" smtClean="0"/>
+              <a:t>配置</a:t>
+            </a:r>
+            <a:endParaRPr lang="zh-CN" altLang="en-US" dirty="0"/>
+          </a:p>
+        </p:txBody>
+      </p:sp>
     </p:spTree>
   </p:cSld>
   <p:clrMapOvr>
@@ -10627,12 +11096,12 @@
           <a:lstStyle/>
           <a:p>
             <a:r>
-              <a:rPr lang="en-US" altLang="zh-CN" dirty="0" smtClean="0"/>
-              <a:t>Groovy</a:t>
-            </a:r>
-            <a:r>
-              <a:rPr lang="zh-CN" altLang="en-US" dirty="0" smtClean="0"/>
-              <a:t>应用场景</a:t>
+              <a:rPr lang="en-US" altLang="zh-CN" dirty="0" err="1" smtClean="0"/>
+              <a:t>Redis</a:t>
+            </a:r>
+            <a:r>
+              <a:rPr lang="zh-CN" altLang="en-US" dirty="0" smtClean="0"/>
+              <a:t>操作</a:t>
             </a:r>
             <a:endParaRPr lang="zh-CN" altLang="en-US" dirty="0"/>
           </a:p>
@@ -10640,7 +11109,7 @@
       </p:sp>
       <p:pic>
         <p:nvPicPr>
-          <p:cNvPr id="38914" name="Picture 2"/>
+          <p:cNvPr id="45058" name="Picture 2"/>
           <p:cNvPicPr>
             <a:picLocks noChangeAspect="1" noChangeArrowheads="1"/>
           </p:cNvPicPr>
@@ -10655,8 +11124,8 @@
         </p:blipFill>
         <p:spPr bwMode="auto">
           <a:xfrm>
-            <a:off x="285720" y="1357298"/>
-            <a:ext cx="6980237" cy="1352550"/>
+            <a:off x="285720" y="1214422"/>
+            <a:ext cx="4500594" cy="5500726"/>
           </a:xfrm>
           <a:prstGeom prst="rect">
             <a:avLst/>
@@ -10673,7 +11142,7 @@
       </p:pic>
       <p:pic>
         <p:nvPicPr>
-          <p:cNvPr id="38915" name="Picture 3"/>
+          <p:cNvPr id="45059" name="Picture 3"/>
           <p:cNvPicPr>
             <a:picLocks noChangeAspect="1" noChangeArrowheads="1"/>
           </p:cNvPicPr>
@@ -10688,8 +11157,8 @@
         </p:blipFill>
         <p:spPr bwMode="auto">
           <a:xfrm>
-            <a:off x="285720" y="3000372"/>
-            <a:ext cx="7323137" cy="1181100"/>
+            <a:off x="5000628" y="909661"/>
+            <a:ext cx="3929058" cy="5876925"/>
           </a:xfrm>
           <a:prstGeom prst="rect">
             <a:avLst/>
@@ -10704,51 +11173,6 @@
           <a:effectLst/>
         </p:spPr>
       </p:pic>
-      <p:sp>
-        <p:nvSpPr>
-          <p:cNvPr id="6" name="TextBox 5"/>
-          <p:cNvSpPr txBox="1"/>
-          <p:nvPr/>
-        </p:nvSpPr>
-        <p:spPr>
-          <a:xfrm>
-            <a:off x="214282" y="4572008"/>
-            <a:ext cx="7431843" cy="646331"/>
-          </a:xfrm>
-          <a:prstGeom prst="rect">
-            <a:avLst/>
-          </a:prstGeom>
-          <a:noFill/>
-        </p:spPr>
-        <p:txBody>
-          <a:bodyPr wrap="none" rtlCol="0">
-            <a:spAutoFit/>
-          </a:bodyPr>
-          <a:lstStyle/>
-          <a:p>
-            <a:r>
-              <a:rPr lang="zh-CN" altLang="en-US" dirty="0" smtClean="0"/>
-              <a:t>将</a:t>
-            </a:r>
-            <a:r>
-              <a:rPr lang="en-US" altLang="zh-CN" dirty="0" smtClean="0"/>
-              <a:t>Groovy</a:t>
-            </a:r>
-            <a:r>
-              <a:rPr lang="zh-CN" altLang="en-US" dirty="0" smtClean="0"/>
-              <a:t>脚本保存在数据库中，提供接口让外部调用，返回执行结果，</a:t>
-            </a:r>
-            <a:endParaRPr lang="en-US" altLang="zh-CN" dirty="0" smtClean="0"/>
-          </a:p>
-          <a:p>
-            <a:r>
-              <a:rPr lang="zh-CN" altLang="en-US" dirty="0" smtClean="0"/>
-              <a:t>可以实现代码的新增修改，不需要重启服务器</a:t>
-            </a:r>
-            <a:endParaRPr lang="zh-CN" altLang="en-US" dirty="0"/>
-          </a:p>
-        </p:txBody>
-      </p:sp>
     </p:spTree>
   </p:cSld>
   <p:clrMapOvr>
@@ -10776,6 +11200,41 @@
       </p:grpSpPr>
       <p:sp>
         <p:nvSpPr>
+          <p:cNvPr id="2" name="内容占位符 1"/>
+          <p:cNvSpPr>
+            <a:spLocks noGrp="1"/>
+          </p:cNvSpPr>
+          <p:nvPr>
+            <p:ph idx="1"/>
+          </p:nvPr>
+        </p:nvSpPr>
+        <p:spPr/>
+        <p:txBody>
+          <a:bodyPr/>
+          <a:lstStyle/>
+          <a:p>
+            <a:r>
+              <a:rPr lang="en-US" altLang="zh-CN" dirty="0" err="1" smtClean="0"/>
+              <a:t>Redis</a:t>
+            </a:r>
+            <a:r>
+              <a:rPr lang="zh-CN" altLang="en-US" dirty="0" smtClean="0"/>
+              <a:t>实现类的所有方法名与参数列表与</a:t>
+            </a:r>
+            <a:r>
+              <a:rPr lang="en-US" altLang="zh-CN" dirty="0" err="1" smtClean="0"/>
+              <a:t>Redis</a:t>
+            </a:r>
+            <a:r>
+              <a:rPr lang="zh-CN" altLang="en-US" dirty="0" smtClean="0"/>
+              <a:t>命令行操作的命令完全一致</a:t>
+            </a:r>
+            <a:endParaRPr lang="zh-CN" altLang="en-US" dirty="0"/>
+          </a:p>
+        </p:txBody>
+      </p:sp>
+      <p:sp>
+        <p:nvSpPr>
           <p:cNvPr id="3" name="标题 2"/>
           <p:cNvSpPr>
             <a:spLocks noGrp="1"/>
@@ -10796,85 +11255,6 @@
             <a:r>
               <a:rPr lang="zh-CN" altLang="en-US" dirty="0" smtClean="0"/>
               <a:t>操作</a:t>
-            </a:r>
-            <a:endParaRPr lang="zh-CN" altLang="en-US" dirty="0"/>
-          </a:p>
-        </p:txBody>
-      </p:sp>
-      <p:pic>
-        <p:nvPicPr>
-          <p:cNvPr id="44034" name="Picture 2"/>
-          <p:cNvPicPr>
-            <a:picLocks noChangeAspect="1" noChangeArrowheads="1"/>
-          </p:cNvPicPr>
-          <p:nvPr/>
-        </p:nvPicPr>
-        <p:blipFill>
-          <a:blip r:embed="rId2"/>
-          <a:srcRect/>
-          <a:stretch>
-            <a:fillRect/>
-          </a:stretch>
-        </p:blipFill>
-        <p:spPr bwMode="auto">
-          <a:xfrm>
-            <a:off x="642910" y="2000240"/>
-            <a:ext cx="2505075" cy="838200"/>
-          </a:xfrm>
-          <a:prstGeom prst="rect">
-            <a:avLst/>
-          </a:prstGeom>
-          <a:noFill/>
-          <a:ln w="9525">
-            <a:noFill/>
-            <a:miter lim="800000"/>
-            <a:headEnd/>
-            <a:tailEnd/>
-          </a:ln>
-          <a:effectLst/>
-        </p:spPr>
-      </p:pic>
-      <p:sp>
-        <p:nvSpPr>
-          <p:cNvPr id="5" name="TextBox 4"/>
-          <p:cNvSpPr txBox="1"/>
-          <p:nvPr/>
-        </p:nvSpPr>
-        <p:spPr>
-          <a:xfrm>
-            <a:off x="571472" y="1357298"/>
-            <a:ext cx="4161717" cy="369332"/>
-          </a:xfrm>
-          <a:prstGeom prst="rect">
-            <a:avLst/>
-          </a:prstGeom>
-          <a:noFill/>
-        </p:spPr>
-        <p:txBody>
-          <a:bodyPr wrap="none" rtlCol="0">
-            <a:spAutoFit/>
-          </a:bodyPr>
-          <a:lstStyle/>
-          <a:p>
-            <a:r>
-              <a:rPr lang="zh-CN" altLang="en-US" dirty="0" smtClean="0"/>
-              <a:t>修改</a:t>
-            </a:r>
-            <a:r>
-              <a:rPr lang="en-US" altLang="zh-CN" dirty="0" err="1" smtClean="0"/>
-              <a:t>configs.properties</a:t>
-            </a:r>
-            <a:r>
-              <a:rPr lang="zh-CN" altLang="en-US" dirty="0" smtClean="0"/>
-              <a:t>中的</a:t>
-            </a:r>
-            <a:r>
-              <a:rPr lang="en-US" altLang="zh-CN" dirty="0" err="1" smtClean="0"/>
-              <a:t>redis</a:t>
-            </a:r>
-            <a:r>
-              <a:rPr lang="zh-CN" altLang="en-US" dirty="0" smtClean="0"/>
-              <a:t>配置</a:t>
             </a:r>
             <a:endParaRPr lang="zh-CN" altLang="en-US" dirty="0"/>
           </a:p>
@@ -10921,83 +11301,67 @@
           <a:lstStyle/>
           <a:p>
             <a:r>
-              <a:rPr lang="en-US" altLang="zh-CN" dirty="0" err="1" smtClean="0"/>
-              <a:t>Redis</a:t>
-            </a:r>
-            <a:r>
-              <a:rPr lang="zh-CN" altLang="en-US" dirty="0" smtClean="0"/>
-              <a:t>操作</a:t>
+              <a:rPr lang="zh-CN" altLang="en-US" dirty="0" smtClean="0"/>
+              <a:t>数据库模型</a:t>
             </a:r>
             <a:endParaRPr lang="zh-CN" altLang="en-US" dirty="0"/>
           </a:p>
         </p:txBody>
       </p:sp>
-      <p:pic>
-        <p:nvPicPr>
-          <p:cNvPr id="45058" name="Picture 2"/>
-          <p:cNvPicPr>
-            <a:picLocks noChangeAspect="1" noChangeArrowheads="1"/>
-          </p:cNvPicPr>
+      <p:sp>
+        <p:nvSpPr>
+          <p:cNvPr id="4" name="TextBox 3"/>
+          <p:cNvSpPr txBox="1"/>
           <p:nvPr/>
-        </p:nvPicPr>
-        <p:blipFill>
-          <a:blip r:embed="rId2"/>
-          <a:srcRect/>
-          <a:stretch>
-            <a:fillRect/>
-          </a:stretch>
-        </p:blipFill>
-        <p:spPr bwMode="auto">
-          <a:xfrm>
-            <a:off x="285720" y="1214422"/>
-            <a:ext cx="4500594" cy="5500726"/>
+        </p:nvSpPr>
+        <p:spPr>
+          <a:xfrm>
+            <a:off x="642910" y="1571612"/>
+            <a:ext cx="6676828" cy="369332"/>
           </a:xfrm>
           <a:prstGeom prst="rect">
             <a:avLst/>
           </a:prstGeom>
           <a:noFill/>
-          <a:ln w="9525">
-            <a:noFill/>
-            <a:miter lim="800000"/>
-            <a:headEnd/>
-            <a:tailEnd/>
-          </a:ln>
-          <a:effectLst/>
-        </p:spPr>
-      </p:pic>
-      <p:pic>
-        <p:nvPicPr>
-          <p:cNvPr id="45059" name="Picture 3"/>
-          <p:cNvPicPr>
-            <a:picLocks noChangeAspect="1" noChangeArrowheads="1"/>
-          </p:cNvPicPr>
-          <p:nvPr/>
-        </p:nvPicPr>
-        <p:blipFill>
-          <a:blip r:embed="rId3"/>
-          <a:srcRect/>
-          <a:stretch>
-            <a:fillRect/>
-          </a:stretch>
-        </p:blipFill>
-        <p:spPr bwMode="auto">
-          <a:xfrm>
-            <a:off x="5000628" y="909661"/>
-            <a:ext cx="3929058" cy="5876925"/>
-          </a:xfrm>
-          <a:prstGeom prst="rect">
-            <a:avLst/>
-          </a:prstGeom>
-          <a:noFill/>
-          <a:ln w="9525">
-            <a:noFill/>
-            <a:miter lim="800000"/>
-            <a:headEnd/>
-            <a:tailEnd/>
-          </a:ln>
-          <a:effectLst/>
-        </p:spPr>
-      </p:pic>
+        </p:spPr>
+        <p:txBody>
+          <a:bodyPr wrap="none" rtlCol="0">
+            <a:spAutoFit/>
+          </a:bodyPr>
+          <a:lstStyle/>
+          <a:p>
+            <a:r>
+              <a:rPr lang="zh-CN" altLang="en-US" dirty="0" smtClean="0"/>
+              <a:t>安装</a:t>
+            </a:r>
+            <a:r>
+              <a:rPr lang="en-US" altLang="zh-CN" dirty="0" err="1" smtClean="0"/>
+              <a:t>powerdesigner</a:t>
+            </a:r>
+            <a:r>
+              <a:rPr lang="zh-CN" altLang="en-US" dirty="0" smtClean="0"/>
+              <a:t>之后，打开</a:t>
+            </a:r>
+            <a:r>
+              <a:rPr lang="en-US" altLang="zh-CN" dirty="0" smtClean="0"/>
+              <a:t>doc</a:t>
+            </a:r>
+            <a:r>
+              <a:rPr lang="zh-CN" altLang="en-US" dirty="0" smtClean="0"/>
+              <a:t>目录中的</a:t>
+            </a:r>
+            <a:r>
+              <a:rPr lang="en-US" altLang="zh-CN" dirty="0" err="1" smtClean="0"/>
+              <a:t>pdm</a:t>
+            </a:r>
+            <a:r>
+              <a:rPr lang="zh-CN" altLang="en-US" dirty="0" smtClean="0"/>
+              <a:t>文件即可看到</a:t>
+            </a:r>
+            <a:endParaRPr lang="zh-CN" altLang="en-US" dirty="0"/>
+          </a:p>
+        </p:txBody>
+      </p:sp>
     </p:spTree>
   </p:cSld>
   <p:clrMapOvr>
@@ -11025,41 +11389,6 @@
       </p:grpSpPr>
       <p:sp>
         <p:nvSpPr>
-          <p:cNvPr id="2" name="内容占位符 1"/>
-          <p:cNvSpPr>
-            <a:spLocks noGrp="1"/>
-          </p:cNvSpPr>
-          <p:nvPr>
-            <p:ph idx="1"/>
-          </p:nvPr>
-        </p:nvSpPr>
-        <p:spPr/>
-        <p:txBody>
-          <a:bodyPr/>
-          <a:lstStyle/>
-          <a:p>
-            <a:r>
-              <a:rPr lang="en-US" altLang="zh-CN" dirty="0" err="1" smtClean="0"/>
-              <a:t>Redis</a:t>
-            </a:r>
-            <a:r>
-              <a:rPr lang="zh-CN" altLang="en-US" dirty="0" smtClean="0"/>
-              <a:t>实现类的所有方法名与参数列表与</a:t>
-            </a:r>
-            <a:r>
-              <a:rPr lang="en-US" altLang="zh-CN" dirty="0" err="1" smtClean="0"/>
-              <a:t>Redis</a:t>
-            </a:r>
-            <a:r>
-              <a:rPr lang="zh-CN" altLang="en-US" dirty="0" smtClean="0"/>
-              <a:t>命令行操作的命令完全一致</a:t>
-            </a:r>
-            <a:endParaRPr lang="zh-CN" altLang="en-US" dirty="0"/>
-          </a:p>
-        </p:txBody>
-      </p:sp>
-      <p:sp>
-        <p:nvSpPr>
           <p:cNvPr id="3" name="标题 2"/>
           <p:cNvSpPr>
             <a:spLocks noGrp="1"/>
@@ -11074,12 +11403,92 @@
           <a:lstStyle/>
           <a:p>
             <a:r>
-              <a:rPr lang="en-US" altLang="zh-CN" dirty="0" err="1" smtClean="0"/>
-              <a:t>Redis</a:t>
-            </a:r>
-            <a:r>
-              <a:rPr lang="zh-CN" altLang="en-US" dirty="0" smtClean="0"/>
-              <a:t>操作</a:t>
+              <a:rPr lang="zh-CN" altLang="en-US" dirty="0" smtClean="0"/>
+              <a:t>统一权限管理</a:t>
+            </a:r>
+            <a:endParaRPr lang="zh-CN" altLang="en-US" dirty="0"/>
+          </a:p>
+        </p:txBody>
+      </p:sp>
+      <p:sp>
+        <p:nvSpPr>
+          <p:cNvPr id="7" name="TextBox 6"/>
+          <p:cNvSpPr txBox="1"/>
+          <p:nvPr/>
+        </p:nvSpPr>
+        <p:spPr>
+          <a:xfrm>
+            <a:off x="428596" y="1428736"/>
+            <a:ext cx="8892178" cy="369332"/>
+          </a:xfrm>
+          <a:prstGeom prst="rect">
+            <a:avLst/>
+          </a:prstGeom>
+          <a:noFill/>
+        </p:spPr>
+        <p:txBody>
+          <a:bodyPr wrap="none" rtlCol="0">
+            <a:spAutoFit/>
+          </a:bodyPr>
+          <a:lstStyle/>
+          <a:p>
+            <a:r>
+              <a:rPr lang="zh-CN" altLang="en-US" dirty="0" smtClean="0"/>
+              <a:t>实现了一个基于</a:t>
+            </a:r>
+            <a:r>
+              <a:rPr lang="en-US" altLang="zh-CN" dirty="0" smtClean="0"/>
+              <a:t>URL</a:t>
+            </a:r>
+            <a:r>
+              <a:rPr lang="zh-CN" altLang="en-US" dirty="0" smtClean="0"/>
+              <a:t>过滤的最简单的权限</a:t>
+            </a:r>
+            <a:r>
+              <a:rPr lang="zh-CN" altLang="en-US" dirty="0" smtClean="0"/>
+              <a:t>管理</a:t>
+            </a:r>
+            <a:r>
+              <a:rPr lang="zh-CN" altLang="en-US" dirty="0" smtClean="0"/>
+              <a:t>（也可以使用标志代替</a:t>
+            </a:r>
+            <a:r>
+              <a:rPr lang="en-US" altLang="zh-CN" dirty="0" smtClean="0"/>
+              <a:t>URL</a:t>
+            </a:r>
+            <a:r>
+              <a:rPr lang="zh-CN" altLang="en-US" dirty="0" smtClean="0"/>
+              <a:t>，手动验证）</a:t>
+            </a:r>
+            <a:endParaRPr lang="zh-CN" altLang="en-US" dirty="0"/>
+          </a:p>
+        </p:txBody>
+      </p:sp>
+      <p:sp>
+        <p:nvSpPr>
+          <p:cNvPr id="9" name="TextBox 8"/>
+          <p:cNvSpPr txBox="1"/>
+          <p:nvPr/>
+        </p:nvSpPr>
+        <p:spPr>
+          <a:xfrm>
+            <a:off x="500034" y="2285992"/>
+            <a:ext cx="5032147" cy="369332"/>
+          </a:xfrm>
+          <a:prstGeom prst="rect">
+            <a:avLst/>
+          </a:prstGeom>
+          <a:noFill/>
+        </p:spPr>
+        <p:txBody>
+          <a:bodyPr wrap="none" rtlCol="0">
+            <a:spAutoFit/>
+          </a:bodyPr>
+          <a:lstStyle/>
+          <a:p>
+            <a:r>
+              <a:rPr lang="zh-CN" altLang="en-US" dirty="0" smtClean="0"/>
+              <a:t>包括机构管理、用户管理、角色管理、权限管理</a:t>
             </a:r>
             <a:endParaRPr lang="zh-CN" altLang="en-US" dirty="0"/>
           </a:p>
@@ -11112,6 +11521,37 @@
       </p:grpSpPr>
       <p:sp>
         <p:nvSpPr>
+          <p:cNvPr id="2" name="内容占位符 1"/>
+          <p:cNvSpPr>
+            <a:spLocks noGrp="1"/>
+          </p:cNvSpPr>
+          <p:nvPr>
+            <p:ph idx="1"/>
+          </p:nvPr>
+        </p:nvSpPr>
+        <p:spPr/>
+        <p:txBody>
+          <a:bodyPr/>
+          <a:lstStyle/>
+          <a:p>
+            <a:r>
+              <a:rPr lang="zh-CN" altLang="en-US" dirty="0" smtClean="0"/>
+              <a:t>需要将</a:t>
+            </a:r>
+            <a:r>
+              <a:rPr lang="en-US" altLang="zh-CN" dirty="0" smtClean="0"/>
+              <a:t>SpringMVC.xml</a:t>
+            </a:r>
+            <a:r>
+              <a:rPr lang="zh-CN" altLang="en-US" dirty="0" smtClean="0"/>
+              <a:t>文件中的登陆和权限拦截器打开</a:t>
+            </a:r>
+            <a:endParaRPr lang="zh-CN" altLang="en-US" dirty="0"/>
+          </a:p>
+        </p:txBody>
+      </p:sp>
+      <p:sp>
+        <p:nvSpPr>
           <p:cNvPr id="3" name="标题 2"/>
           <p:cNvSpPr>
             <a:spLocks noGrp="1"/>
@@ -11127,7 +11567,7 @@
           <a:p>
             <a:r>
               <a:rPr lang="zh-CN" altLang="en-US" dirty="0" smtClean="0"/>
-              <a:t>数据库模型</a:t>
+              <a:t>统一权限管理</a:t>
             </a:r>
             <a:endParaRPr lang="zh-CN" altLang="en-US" dirty="0"/>
           </a:p>
@@ -11135,7 +11575,7 @@
       </p:sp>
       <p:pic>
         <p:nvPicPr>
-          <p:cNvPr id="39938" name="Picture 2"/>
+          <p:cNvPr id="41986" name="Picture 2"/>
           <p:cNvPicPr>
             <a:picLocks noChangeAspect="1" noChangeArrowheads="1"/>
           </p:cNvPicPr>
@@ -11150,8 +11590,8 @@
         </p:blipFill>
         <p:spPr bwMode="auto">
           <a:xfrm>
-            <a:off x="357158" y="1142984"/>
-            <a:ext cx="6818313" cy="5643601"/>
+            <a:off x="142845" y="2285993"/>
+            <a:ext cx="8429683" cy="4470866"/>
           </a:xfrm>
           <a:prstGeom prst="rect">
             <a:avLst/>
@@ -11208,128 +11648,126 @@
           <a:p>
             <a:r>
               <a:rPr lang="zh-CN" altLang="en-US" dirty="0" smtClean="0"/>
-              <a:t>统一权限管理</a:t>
+              <a:t>登录入口</a:t>
             </a:r>
             <a:endParaRPr lang="zh-CN" altLang="en-US" dirty="0"/>
           </a:p>
         </p:txBody>
       </p:sp>
-      <p:pic>
-        <p:nvPicPr>
-          <p:cNvPr id="40962" name="Picture 2"/>
-          <p:cNvPicPr>
-            <a:picLocks noChangeAspect="1" noChangeArrowheads="1"/>
-          </p:cNvPicPr>
+      <p:sp>
+        <p:nvSpPr>
+          <p:cNvPr id="4" name="TextBox 3"/>
+          <p:cNvSpPr txBox="1"/>
           <p:nvPr/>
-        </p:nvPicPr>
-        <p:blipFill>
-          <a:blip r:embed="rId2"/>
-          <a:srcRect/>
-          <a:stretch>
-            <a:fillRect/>
-          </a:stretch>
-        </p:blipFill>
-        <p:spPr bwMode="auto">
-          <a:xfrm>
-            <a:off x="357158" y="1928802"/>
-            <a:ext cx="7056437" cy="1543050"/>
+        </p:nvSpPr>
+        <p:spPr>
+          <a:xfrm>
+            <a:off x="785786" y="1500174"/>
+            <a:ext cx="5396029" cy="1754326"/>
           </a:xfrm>
           <a:prstGeom prst="rect">
             <a:avLst/>
           </a:prstGeom>
           <a:noFill/>
-          <a:ln w="9525">
-            <a:noFill/>
-            <a:miter lim="800000"/>
-            <a:headEnd/>
-            <a:tailEnd/>
-          </a:ln>
-          <a:effectLst/>
-        </p:spPr>
-      </p:pic>
-      <p:pic>
-        <p:nvPicPr>
-          <p:cNvPr id="40963" name="Picture 3"/>
-          <p:cNvPicPr>
-            <a:picLocks noChangeAspect="1" noChangeArrowheads="1"/>
-          </p:cNvPicPr>
+        </p:spPr>
+        <p:txBody>
+          <a:bodyPr wrap="none" rtlCol="0">
+            <a:spAutoFit/>
+          </a:bodyPr>
+          <a:lstStyle/>
+          <a:p>
+            <a:r>
+              <a:rPr lang="en-US" altLang="zh-CN" dirty="0" smtClean="0">
+                <a:hlinkClick r:id="rId2"/>
+              </a:rPr>
+              <a:t>http://localhost:8080/demo</a:t>
+            </a:r>
+            <a:endParaRPr lang="en-US" altLang="zh-CN" dirty="0" smtClean="0"/>
+          </a:p>
+          <a:p>
+            <a:endParaRPr lang="en-US" altLang="zh-CN" dirty="0" smtClean="0"/>
+          </a:p>
+          <a:p>
+            <a:r>
+              <a:rPr lang="zh-CN" altLang="en-US" dirty="0" smtClean="0"/>
+              <a:t>或者</a:t>
+            </a:r>
+            <a:endParaRPr lang="en-US" altLang="zh-CN" dirty="0" smtClean="0"/>
+          </a:p>
+          <a:p>
+            <a:endParaRPr lang="en-US" altLang="zh-CN" dirty="0" smtClean="0"/>
+          </a:p>
+          <a:p>
+            <a:r>
+              <a:rPr lang="en-US" altLang="zh-CN" dirty="0" smtClean="0"/>
+              <a:t>http://localhost:8080/demo/login/toLogin.do</a:t>
+            </a:r>
+            <a:endParaRPr lang="en-US" altLang="zh-CN" dirty="0" smtClean="0"/>
+          </a:p>
+          <a:p>
+            <a:endParaRPr lang="zh-CN" altLang="en-US" dirty="0"/>
+          </a:p>
+        </p:txBody>
+      </p:sp>
+      <p:sp>
+        <p:nvSpPr>
+          <p:cNvPr id="5" name="TextBox 4"/>
+          <p:cNvSpPr txBox="1"/>
           <p:nvPr/>
-        </p:nvPicPr>
-        <p:blipFill>
-          <a:blip r:embed="rId3"/>
-          <a:srcRect/>
-          <a:stretch>
-            <a:fillRect/>
-          </a:stretch>
-        </p:blipFill>
-        <p:spPr bwMode="auto">
-          <a:xfrm>
-            <a:off x="357158" y="3571876"/>
-            <a:ext cx="7799387" cy="1333500"/>
+        </p:nvSpPr>
+        <p:spPr>
+          <a:xfrm>
+            <a:off x="857224" y="3357562"/>
+            <a:ext cx="2013693" cy="646331"/>
           </a:xfrm>
           <a:prstGeom prst="rect">
             <a:avLst/>
           </a:prstGeom>
           <a:noFill/>
-          <a:ln w="9525">
-            <a:noFill/>
-            <a:miter lim="800000"/>
-            <a:headEnd/>
-            <a:tailEnd/>
-          </a:ln>
-          <a:effectLst/>
-        </p:spPr>
-      </p:pic>
-      <p:pic>
-        <p:nvPicPr>
-          <p:cNvPr id="40964" name="Picture 4"/>
-          <p:cNvPicPr>
-            <a:picLocks noGrp="1" noChangeAspect="1" noChangeArrowheads="1"/>
-          </p:cNvPicPr>
-          <p:nvPr>
-            <p:ph idx="1"/>
-          </p:nvPr>
-        </p:nvPicPr>
-        <p:blipFill>
-          <a:blip r:embed="rId4"/>
-          <a:srcRect/>
-          <a:stretch>
-            <a:fillRect/>
-          </a:stretch>
-        </p:blipFill>
-        <p:spPr bwMode="auto">
-          <a:xfrm>
-            <a:off x="285720" y="5072074"/>
-            <a:ext cx="7504762" cy="1409524"/>
+        </p:spPr>
+        <p:txBody>
+          <a:bodyPr wrap="none" rtlCol="0">
+            <a:spAutoFit/>
+          </a:bodyPr>
+          <a:lstStyle/>
+          <a:p>
+            <a:r>
+              <a:rPr lang="zh-CN" altLang="en-US" dirty="0" smtClean="0"/>
+              <a:t>账号为</a:t>
+            </a:r>
+            <a:r>
+              <a:rPr lang="en-US" altLang="zh-CN" dirty="0" smtClean="0"/>
+              <a:t>admin</a:t>
+            </a:r>
+          </a:p>
+          <a:p>
+            <a:r>
+              <a:rPr lang="zh-CN" altLang="en-US" dirty="0" smtClean="0"/>
+              <a:t>密码为</a:t>
+            </a:r>
+            <a:r>
+              <a:rPr lang="en-US" altLang="zh-CN" dirty="0" smtClean="0"/>
+              <a:t>admin123</a:t>
+            </a:r>
+            <a:endParaRPr lang="zh-CN" altLang="en-US" dirty="0"/>
+          </a:p>
+        </p:txBody>
+      </p:sp>
+      <p:sp>
+        <p:nvSpPr>
+          <p:cNvPr id="6" name="TextBox 5"/>
+          <p:cNvSpPr txBox="1"/>
+          <p:nvPr/>
+        </p:nvSpPr>
+        <p:spPr>
+          <a:xfrm>
+            <a:off x="928662" y="4500570"/>
+            <a:ext cx="4915128" cy="369332"/>
           </a:xfrm>
           <a:prstGeom prst="rect">
             <a:avLst/>
           </a:prstGeom>
           <a:noFill/>
-          <a:ln w="9525">
-            <a:noFill/>
-            <a:miter lim="800000"/>
-            <a:headEnd/>
-            <a:tailEnd/>
-          </a:ln>
-          <a:effectLst/>
-        </p:spPr>
-      </p:pic>
-      <p:sp>
-        <p:nvSpPr>
-          <p:cNvPr id="7" name="TextBox 6"/>
-          <p:cNvSpPr txBox="1"/>
-          <p:nvPr/>
-        </p:nvSpPr>
-        <p:spPr>
-          <a:xfrm>
-            <a:off x="428596" y="1428736"/>
-            <a:ext cx="4769254" cy="369332"/>
-          </a:xfrm>
-          <a:prstGeom prst="rect">
-            <a:avLst/>
-          </a:prstGeom>
-          <a:noFill/>
         </p:spPr>
         <p:txBody>
           <a:bodyPr wrap="none" rtlCol="0">
@@ -11339,15 +11777,31 @@
           <a:p>
             <a:r>
               <a:rPr lang="zh-CN" altLang="en-US" dirty="0" smtClean="0"/>
-              <a:t>实现了一个基于</a:t>
+              <a:t>直接执行</a:t>
             </a:r>
             <a:r>
               <a:rPr lang="en-US" altLang="zh-CN" dirty="0" smtClean="0"/>
-              <a:t>URL</a:t>
-            </a:r>
-            <a:r>
-              <a:rPr lang="zh-CN" altLang="en-US" dirty="0" smtClean="0"/>
-              <a:t>过滤的最简单的权限管理</a:t>
+              <a:t>Jetty</a:t>
+            </a:r>
+            <a:r>
+              <a:rPr lang="zh-CN" altLang="en-US" dirty="0" smtClean="0"/>
+              <a:t>类的</a:t>
+            </a:r>
+            <a:r>
+              <a:rPr lang="en-US" altLang="zh-CN" dirty="0" smtClean="0"/>
+              <a:t>main</a:t>
+            </a:r>
+            <a:r>
+              <a:rPr lang="zh-CN" altLang="en-US" dirty="0" smtClean="0"/>
+              <a:t>方法即可启动</a:t>
+            </a:r>
+            <a:r>
+              <a:rPr lang="en-US" altLang="zh-CN" dirty="0" smtClean="0"/>
+              <a:t>web</a:t>
+            </a:r>
+            <a:r>
+              <a:rPr lang="zh-CN" altLang="en-US" dirty="0" smtClean="0"/>
+              <a:t>服务</a:t>
             </a:r>
             <a:endParaRPr lang="zh-CN" altLang="en-US" dirty="0"/>
           </a:p>
@@ -11380,37 +11834,6 @@
       </p:grpSpPr>
       <p:sp>
         <p:nvSpPr>
-          <p:cNvPr id="2" name="内容占位符 1"/>
-          <p:cNvSpPr>
-            <a:spLocks noGrp="1"/>
-          </p:cNvSpPr>
-          <p:nvPr>
-            <p:ph idx="1"/>
-          </p:nvPr>
-        </p:nvSpPr>
-        <p:spPr/>
-        <p:txBody>
-          <a:bodyPr/>
-          <a:lstStyle/>
-          <a:p>
-            <a:r>
-              <a:rPr lang="zh-CN" altLang="en-US" dirty="0" smtClean="0"/>
-              <a:t>需要将</a:t>
-            </a:r>
-            <a:r>
-              <a:rPr lang="en-US" altLang="zh-CN" dirty="0" smtClean="0"/>
-              <a:t>SpringMVC.xml</a:t>
-            </a:r>
-            <a:r>
-              <a:rPr lang="zh-CN" altLang="en-US" dirty="0" smtClean="0"/>
-              <a:t>文件中的登陆和权限拦截器打开</a:t>
-            </a:r>
-            <a:endParaRPr lang="zh-CN" altLang="en-US" dirty="0"/>
-          </a:p>
-        </p:txBody>
-      </p:sp>
-      <p:sp>
-        <p:nvSpPr>
           <p:cNvPr id="3" name="标题 2"/>
           <p:cNvSpPr>
             <a:spLocks noGrp="1"/>
@@ -11426,7 +11849,7 @@
           <a:p>
             <a:r>
               <a:rPr lang="zh-CN" altLang="en-US" dirty="0" smtClean="0"/>
-              <a:t>统一权限管理</a:t>
+              <a:t>登录入口</a:t>
             </a:r>
             <a:endParaRPr lang="zh-CN" altLang="en-US" dirty="0"/>
           </a:p>
@@ -11434,7 +11857,7 @@
       </p:sp>
       <p:pic>
         <p:nvPicPr>
-          <p:cNvPr id="41986" name="Picture 2"/>
+          <p:cNvPr id="4098" name="Picture 2"/>
           <p:cNvPicPr>
             <a:picLocks noChangeAspect="1" noChangeArrowheads="1"/>
           </p:cNvPicPr>
@@ -11449,8 +11872,8 @@
         </p:blipFill>
         <p:spPr bwMode="auto">
           <a:xfrm>
-            <a:off x="142845" y="2285993"/>
-            <a:ext cx="8429683" cy="4470866"/>
+            <a:off x="0" y="1114425"/>
+            <a:ext cx="9143999" cy="5743575"/>
           </a:xfrm>
           <a:prstGeom prst="rect">
             <a:avLst/>
@@ -11507,7 +11930,7 @@
           <a:p>
             <a:r>
               <a:rPr lang="zh-CN" altLang="en-US" dirty="0" smtClean="0"/>
-              <a:t>菜单管理</a:t>
+              <a:t>首页</a:t>
             </a:r>
             <a:endParaRPr lang="zh-CN" altLang="en-US" dirty="0"/>
           </a:p>
@@ -11515,7 +11938,7 @@
       </p:sp>
       <p:pic>
         <p:nvPicPr>
-          <p:cNvPr id="43010" name="Picture 2"/>
+          <p:cNvPr id="5122" name="Picture 2"/>
           <p:cNvPicPr>
             <a:picLocks noChangeAspect="1" noChangeArrowheads="1"/>
           </p:cNvPicPr>
@@ -11530,8 +11953,8 @@
         </p:blipFill>
         <p:spPr bwMode="auto">
           <a:xfrm>
-            <a:off x="214283" y="1571612"/>
-            <a:ext cx="8929718" cy="2638425"/>
+            <a:off x="428596" y="1285860"/>
+            <a:ext cx="6980237" cy="3848100"/>
           </a:xfrm>
           <a:prstGeom prst="rect">
             <a:avLst/>
@@ -11546,6 +11969,36 @@
           <a:effectLst/>
         </p:spPr>
       </p:pic>
+      <p:sp>
+        <p:nvSpPr>
+          <p:cNvPr id="5" name="TextBox 4"/>
+          <p:cNvSpPr txBox="1"/>
+          <p:nvPr/>
+        </p:nvSpPr>
+        <p:spPr>
+          <a:xfrm>
+            <a:off x="428596" y="5214950"/>
+            <a:ext cx="5724644" cy="369332"/>
+          </a:xfrm>
+          <a:prstGeom prst="rect">
+            <a:avLst/>
+          </a:prstGeom>
+          <a:noFill/>
+        </p:spPr>
+        <p:txBody>
+          <a:bodyPr wrap="none" rtlCol="0">
+            <a:spAutoFit/>
+          </a:bodyPr>
+          <a:lstStyle/>
+          <a:p>
+            <a:r>
+              <a:rPr lang="zh-CN" altLang="en-US" dirty="0" smtClean="0"/>
+              <a:t>可以根据自己的需求，更换登录页面和首页的图片背景</a:t>
+            </a:r>
+            <a:endParaRPr lang="zh-CN" altLang="en-US" dirty="0"/>
+          </a:p>
+        </p:txBody>
+      </p:sp>
     </p:spTree>
   </p:cSld>
   <p:clrMapOvr>
@@ -11673,6 +12126,2426 @@
           <a:p>
             <a:r>
               <a:rPr lang="zh-CN" altLang="en-US" dirty="0" smtClean="0"/>
+              <a:t>机构管理</a:t>
+            </a:r>
+            <a:endParaRPr lang="zh-CN" altLang="en-US" dirty="0"/>
+          </a:p>
+        </p:txBody>
+      </p:sp>
+      <p:pic>
+        <p:nvPicPr>
+          <p:cNvPr id="6146" name="Picture 2"/>
+          <p:cNvPicPr>
+            <a:picLocks noChangeAspect="1" noChangeArrowheads="1"/>
+          </p:cNvPicPr>
+          <p:nvPr/>
+        </p:nvPicPr>
+        <p:blipFill>
+          <a:blip r:embed="rId2"/>
+          <a:srcRect/>
+          <a:stretch>
+            <a:fillRect/>
+          </a:stretch>
+        </p:blipFill>
+        <p:spPr bwMode="auto">
+          <a:xfrm>
+            <a:off x="214282" y="1428736"/>
+            <a:ext cx="8723313" cy="2295525"/>
+          </a:xfrm>
+          <a:prstGeom prst="rect">
+            <a:avLst/>
+          </a:prstGeom>
+          <a:noFill/>
+          <a:ln w="9525">
+            <a:noFill/>
+            <a:miter lim="800000"/>
+            <a:headEnd/>
+            <a:tailEnd/>
+          </a:ln>
+          <a:effectLst/>
+        </p:spPr>
+      </p:pic>
+      <p:pic>
+        <p:nvPicPr>
+          <p:cNvPr id="6147" name="Picture 3"/>
+          <p:cNvPicPr>
+            <a:picLocks noChangeAspect="1" noChangeArrowheads="1"/>
+          </p:cNvPicPr>
+          <p:nvPr/>
+        </p:nvPicPr>
+        <p:blipFill>
+          <a:blip r:embed="rId3"/>
+          <a:srcRect/>
+          <a:stretch>
+            <a:fillRect/>
+          </a:stretch>
+        </p:blipFill>
+        <p:spPr bwMode="auto">
+          <a:xfrm>
+            <a:off x="214282" y="4067175"/>
+            <a:ext cx="4838700" cy="2790825"/>
+          </a:xfrm>
+          <a:prstGeom prst="rect">
+            <a:avLst/>
+          </a:prstGeom>
+          <a:noFill/>
+          <a:ln w="9525">
+            <a:noFill/>
+            <a:miter lim="800000"/>
+            <a:headEnd/>
+            <a:tailEnd/>
+          </a:ln>
+          <a:effectLst/>
+        </p:spPr>
+      </p:pic>
+    </p:spTree>
+  </p:cSld>
+  <p:clrMapOvr>
+    <a:masterClrMapping/>
+  </p:clrMapOvr>
+</p:sld>
+</file>
+
+<file path=ppt/slides/slide61.xml><?xml version="1.0" encoding="utf-8"?>
+<p:sld xmlns:a="http://schemas.openxmlformats.org/drawingml/2006/main" xmlns:r="http://schemas.openxmlformats.org/officeDocument/2006/relationships" xmlns:p="http://schemas.openxmlformats.org/presentationml/2006/main">
+  <p:cSld>
+    <p:spTree>
+      <p:nvGrpSpPr>
+        <p:cNvPr id="1" name=""/>
+        <p:cNvGrpSpPr/>
+        <p:nvPr/>
+      </p:nvGrpSpPr>
+      <p:grpSpPr>
+        <a:xfrm>
+          <a:off x="0" y="0"/>
+          <a:ext cx="0" cy="0"/>
+          <a:chOff x="0" y="0"/>
+          <a:chExt cx="0" cy="0"/>
+        </a:xfrm>
+      </p:grpSpPr>
+      <p:sp>
+        <p:nvSpPr>
+          <p:cNvPr id="3" name="标题 2"/>
+          <p:cNvSpPr>
+            <a:spLocks noGrp="1"/>
+          </p:cNvSpPr>
+          <p:nvPr>
+            <p:ph type="title"/>
+          </p:nvPr>
+        </p:nvSpPr>
+        <p:spPr/>
+        <p:txBody>
+          <a:bodyPr/>
+          <a:lstStyle/>
+          <a:p>
+            <a:r>
+              <a:rPr lang="zh-CN" altLang="en-US" dirty="0" smtClean="0"/>
+              <a:t>机构管理</a:t>
+            </a:r>
+            <a:endParaRPr lang="zh-CN" altLang="en-US" dirty="0"/>
+          </a:p>
+        </p:txBody>
+      </p:sp>
+      <p:sp>
+        <p:nvSpPr>
+          <p:cNvPr id="4" name="TextBox 3"/>
+          <p:cNvSpPr txBox="1"/>
+          <p:nvPr/>
+        </p:nvSpPr>
+        <p:spPr>
+          <a:xfrm>
+            <a:off x="571472" y="1643050"/>
+            <a:ext cx="6495689" cy="369332"/>
+          </a:xfrm>
+          <a:prstGeom prst="rect">
+            <a:avLst/>
+          </a:prstGeom>
+          <a:noFill/>
+        </p:spPr>
+        <p:txBody>
+          <a:bodyPr wrap="none" rtlCol="0">
+            <a:spAutoFit/>
+          </a:bodyPr>
+          <a:lstStyle/>
+          <a:p>
+            <a:r>
+              <a:rPr lang="zh-CN" altLang="en-US" dirty="0" smtClean="0"/>
+              <a:t>通过配置文件</a:t>
+            </a:r>
+            <a:r>
+              <a:rPr lang="en-US" altLang="zh-CN" dirty="0" err="1" smtClean="0"/>
+              <a:t>configs.properties</a:t>
+            </a:r>
+            <a:r>
+              <a:rPr lang="zh-CN" altLang="en-US" dirty="0" smtClean="0"/>
+              <a:t>的</a:t>
+            </a:r>
+            <a:r>
+              <a:rPr lang="en-US" altLang="zh-CN" dirty="0" smtClean="0"/>
+              <a:t>org.ext</a:t>
+            </a:r>
+            <a:r>
+              <a:rPr lang="zh-CN" altLang="en-US" dirty="0" smtClean="0"/>
+              <a:t>动态扩展机构属性</a:t>
+            </a:r>
+            <a:endParaRPr lang="zh-CN" altLang="en-US" dirty="0"/>
+          </a:p>
+        </p:txBody>
+      </p:sp>
+      <p:pic>
+        <p:nvPicPr>
+          <p:cNvPr id="7170" name="Picture 2"/>
+          <p:cNvPicPr>
+            <a:picLocks noChangeAspect="1" noChangeArrowheads="1"/>
+          </p:cNvPicPr>
+          <p:nvPr/>
+        </p:nvPicPr>
+        <p:blipFill>
+          <a:blip r:embed="rId2"/>
+          <a:srcRect/>
+          <a:stretch>
+            <a:fillRect/>
+          </a:stretch>
+        </p:blipFill>
+        <p:spPr bwMode="auto">
+          <a:xfrm>
+            <a:off x="642910" y="2047880"/>
+            <a:ext cx="7275513" cy="2095500"/>
+          </a:xfrm>
+          <a:prstGeom prst="rect">
+            <a:avLst/>
+          </a:prstGeom>
+          <a:noFill/>
+          <a:ln w="9525">
+            <a:noFill/>
+            <a:miter lim="800000"/>
+            <a:headEnd/>
+            <a:tailEnd/>
+          </a:ln>
+          <a:effectLst/>
+        </p:spPr>
+      </p:pic>
+      <p:sp>
+        <p:nvSpPr>
+          <p:cNvPr id="6" name="TextBox 5"/>
+          <p:cNvSpPr txBox="1"/>
+          <p:nvPr/>
+        </p:nvSpPr>
+        <p:spPr>
+          <a:xfrm>
+            <a:off x="571472" y="4500570"/>
+            <a:ext cx="6186309" cy="1477328"/>
+          </a:xfrm>
+          <a:prstGeom prst="rect">
+            <a:avLst/>
+          </a:prstGeom>
+          <a:noFill/>
+        </p:spPr>
+        <p:txBody>
+          <a:bodyPr wrap="none" rtlCol="0">
+            <a:spAutoFit/>
+          </a:bodyPr>
+          <a:lstStyle/>
+          <a:p>
+            <a:r>
+              <a:rPr lang="zh-CN" altLang="en-US" dirty="0" smtClean="0"/>
+              <a:t>结构为</a:t>
+            </a:r>
+            <a:r>
+              <a:rPr lang="en-US" altLang="zh-CN" dirty="0" smtClean="0"/>
+              <a:t>key1:value1,key2:value2</a:t>
+            </a:r>
+          </a:p>
+          <a:p>
+            <a:r>
+              <a:rPr lang="en-US" altLang="zh-CN" dirty="0" smtClean="0"/>
+              <a:t>key</a:t>
+            </a:r>
+            <a:r>
+              <a:rPr lang="zh-CN" altLang="en-US" dirty="0" smtClean="0"/>
+              <a:t>为数据库的字段名</a:t>
+            </a:r>
+            <a:endParaRPr lang="en-US" altLang="zh-CN" dirty="0" smtClean="0"/>
+          </a:p>
+          <a:p>
+            <a:r>
+              <a:rPr lang="en-US" altLang="zh-CN" dirty="0" smtClean="0"/>
+              <a:t>value</a:t>
+            </a:r>
+            <a:r>
+              <a:rPr lang="zh-CN" altLang="en-US" dirty="0" smtClean="0"/>
+              <a:t>为页面显示的描述</a:t>
+            </a:r>
+            <a:endParaRPr lang="en-US" altLang="zh-CN" dirty="0" smtClean="0"/>
+          </a:p>
+          <a:p>
+            <a:r>
+              <a:rPr lang="en-US" altLang="zh-CN" dirty="0" smtClean="0"/>
+              <a:t>key</a:t>
+            </a:r>
+            <a:r>
+              <a:rPr lang="zh-CN" altLang="en-US" dirty="0" smtClean="0"/>
+              <a:t>如果以</a:t>
+            </a:r>
+            <a:r>
+              <a:rPr lang="en-US" altLang="zh-CN" dirty="0" smtClean="0"/>
+              <a:t>_r</a:t>
+            </a:r>
+            <a:r>
+              <a:rPr lang="zh-CN" altLang="en-US" dirty="0" smtClean="0"/>
+              <a:t>结尾，代表此字段必填</a:t>
+            </a:r>
+            <a:endParaRPr lang="en-US" altLang="zh-CN" dirty="0" smtClean="0"/>
+          </a:p>
+          <a:p>
+            <a:r>
+              <a:rPr lang="zh-CN" altLang="en-US" dirty="0" smtClean="0"/>
+              <a:t>如果数据库中没有此字段，会在服务启动的时候，自动新增</a:t>
+            </a:r>
+            <a:endParaRPr lang="zh-CN" altLang="en-US" dirty="0"/>
+          </a:p>
+        </p:txBody>
+      </p:sp>
+    </p:spTree>
+  </p:cSld>
+  <p:clrMapOvr>
+    <a:masterClrMapping/>
+  </p:clrMapOvr>
+</p:sld>
+</file>
+
+<file path=ppt/slides/slide62.xml><?xml version="1.0" encoding="utf-8"?>
+<p:sld xmlns:a="http://schemas.openxmlformats.org/drawingml/2006/main" xmlns:r="http://schemas.openxmlformats.org/officeDocument/2006/relationships" xmlns:p="http://schemas.openxmlformats.org/presentationml/2006/main">
+  <p:cSld>
+    <p:spTree>
+      <p:nvGrpSpPr>
+        <p:cNvPr id="1" name=""/>
+        <p:cNvGrpSpPr/>
+        <p:nvPr/>
+      </p:nvGrpSpPr>
+      <p:grpSpPr>
+        <a:xfrm>
+          <a:off x="0" y="0"/>
+          <a:ext cx="0" cy="0"/>
+          <a:chOff x="0" y="0"/>
+          <a:chExt cx="0" cy="0"/>
+        </a:xfrm>
+      </p:grpSpPr>
+      <p:sp>
+        <p:nvSpPr>
+          <p:cNvPr id="3" name="标题 2"/>
+          <p:cNvSpPr>
+            <a:spLocks noGrp="1"/>
+          </p:cNvSpPr>
+          <p:nvPr>
+            <p:ph type="title"/>
+          </p:nvPr>
+        </p:nvSpPr>
+        <p:spPr/>
+        <p:txBody>
+          <a:bodyPr/>
+          <a:lstStyle/>
+          <a:p>
+            <a:r>
+              <a:rPr lang="zh-CN" altLang="en-US" dirty="0" smtClean="0"/>
+              <a:t>用户管理</a:t>
+            </a:r>
+            <a:endParaRPr lang="zh-CN" altLang="en-US" dirty="0"/>
+          </a:p>
+        </p:txBody>
+      </p:sp>
+      <p:pic>
+        <p:nvPicPr>
+          <p:cNvPr id="9218" name="Picture 2"/>
+          <p:cNvPicPr>
+            <a:picLocks noChangeAspect="1" noChangeArrowheads="1"/>
+          </p:cNvPicPr>
+          <p:nvPr/>
+        </p:nvPicPr>
+        <p:blipFill>
+          <a:blip r:embed="rId2"/>
+          <a:srcRect/>
+          <a:stretch>
+            <a:fillRect/>
+          </a:stretch>
+        </p:blipFill>
+        <p:spPr bwMode="auto">
+          <a:xfrm>
+            <a:off x="468313" y="1285860"/>
+            <a:ext cx="8675687" cy="2314575"/>
+          </a:xfrm>
+          <a:prstGeom prst="rect">
+            <a:avLst/>
+          </a:prstGeom>
+          <a:noFill/>
+          <a:ln w="9525">
+            <a:noFill/>
+            <a:miter lim="800000"/>
+            <a:headEnd/>
+            <a:tailEnd/>
+          </a:ln>
+          <a:effectLst/>
+        </p:spPr>
+      </p:pic>
+      <p:pic>
+        <p:nvPicPr>
+          <p:cNvPr id="9219" name="Picture 3"/>
+          <p:cNvPicPr>
+            <a:picLocks noChangeAspect="1" noChangeArrowheads="1"/>
+          </p:cNvPicPr>
+          <p:nvPr/>
+        </p:nvPicPr>
+        <p:blipFill>
+          <a:blip r:embed="rId3"/>
+          <a:srcRect/>
+          <a:stretch>
+            <a:fillRect/>
+          </a:stretch>
+        </p:blipFill>
+        <p:spPr bwMode="auto">
+          <a:xfrm>
+            <a:off x="428596" y="3762375"/>
+            <a:ext cx="5000625" cy="3095625"/>
+          </a:xfrm>
+          <a:prstGeom prst="rect">
+            <a:avLst/>
+          </a:prstGeom>
+          <a:noFill/>
+          <a:ln w="9525">
+            <a:noFill/>
+            <a:miter lim="800000"/>
+            <a:headEnd/>
+            <a:tailEnd/>
+          </a:ln>
+          <a:effectLst/>
+        </p:spPr>
+      </p:pic>
+      <p:sp>
+        <p:nvSpPr>
+          <p:cNvPr id="6" name="TextBox 5"/>
+          <p:cNvSpPr txBox="1"/>
+          <p:nvPr/>
+        </p:nvSpPr>
+        <p:spPr>
+          <a:xfrm>
+            <a:off x="5643570" y="3857628"/>
+            <a:ext cx="2906565" cy="646331"/>
+          </a:xfrm>
+          <a:prstGeom prst="rect">
+            <a:avLst/>
+          </a:prstGeom>
+          <a:noFill/>
+        </p:spPr>
+        <p:txBody>
+          <a:bodyPr wrap="none" rtlCol="0">
+            <a:spAutoFit/>
+          </a:bodyPr>
+          <a:lstStyle/>
+          <a:p>
+            <a:r>
+              <a:rPr lang="zh-CN" altLang="en-US" dirty="0" smtClean="0"/>
+              <a:t>在机构下面创建用户，</a:t>
+            </a:r>
+            <a:endParaRPr lang="en-US" altLang="zh-CN" dirty="0" smtClean="0"/>
+          </a:p>
+          <a:p>
+            <a:r>
+              <a:rPr lang="zh-CN" altLang="en-US" dirty="0" smtClean="0"/>
+              <a:t>用户的默认密码为</a:t>
+            </a:r>
+            <a:r>
+              <a:rPr lang="en-US" altLang="zh-CN" dirty="0" smtClean="0"/>
+              <a:t>123456</a:t>
+            </a:r>
+            <a:endParaRPr lang="zh-CN" altLang="en-US" dirty="0"/>
+          </a:p>
+        </p:txBody>
+      </p:sp>
+    </p:spTree>
+  </p:cSld>
+  <p:clrMapOvr>
+    <a:masterClrMapping/>
+  </p:clrMapOvr>
+</p:sld>
+</file>
+
+<file path=ppt/slides/slide63.xml><?xml version="1.0" encoding="utf-8"?>
+<p:sld xmlns:a="http://schemas.openxmlformats.org/drawingml/2006/main" xmlns:r="http://schemas.openxmlformats.org/officeDocument/2006/relationships" xmlns:p="http://schemas.openxmlformats.org/presentationml/2006/main">
+  <p:cSld>
+    <p:spTree>
+      <p:nvGrpSpPr>
+        <p:cNvPr id="1" name=""/>
+        <p:cNvGrpSpPr/>
+        <p:nvPr/>
+      </p:nvGrpSpPr>
+      <p:grpSpPr>
+        <a:xfrm>
+          <a:off x="0" y="0"/>
+          <a:ext cx="0" cy="0"/>
+          <a:chOff x="0" y="0"/>
+          <a:chExt cx="0" cy="0"/>
+        </a:xfrm>
+      </p:grpSpPr>
+      <p:sp>
+        <p:nvSpPr>
+          <p:cNvPr id="3" name="标题 2"/>
+          <p:cNvSpPr>
+            <a:spLocks noGrp="1"/>
+          </p:cNvSpPr>
+          <p:nvPr>
+            <p:ph type="title"/>
+          </p:nvPr>
+        </p:nvSpPr>
+        <p:spPr/>
+        <p:txBody>
+          <a:bodyPr/>
+          <a:lstStyle/>
+          <a:p>
+            <a:r>
+              <a:rPr lang="zh-CN" altLang="en-US" dirty="0" smtClean="0"/>
+              <a:t>用户</a:t>
+            </a:r>
+            <a:r>
+              <a:rPr lang="zh-CN" altLang="en-US" dirty="0" smtClean="0"/>
+              <a:t>管理</a:t>
+            </a:r>
+            <a:endParaRPr lang="zh-CN" altLang="en-US" dirty="0"/>
+          </a:p>
+        </p:txBody>
+      </p:sp>
+      <p:sp>
+        <p:nvSpPr>
+          <p:cNvPr id="4" name="TextBox 3"/>
+          <p:cNvSpPr txBox="1"/>
+          <p:nvPr/>
+        </p:nvSpPr>
+        <p:spPr>
+          <a:xfrm>
+            <a:off x="571472" y="1643050"/>
+            <a:ext cx="6598281" cy="369332"/>
+          </a:xfrm>
+          <a:prstGeom prst="rect">
+            <a:avLst/>
+          </a:prstGeom>
+          <a:noFill/>
+        </p:spPr>
+        <p:txBody>
+          <a:bodyPr wrap="none" rtlCol="0">
+            <a:spAutoFit/>
+          </a:bodyPr>
+          <a:lstStyle/>
+          <a:p>
+            <a:r>
+              <a:rPr lang="zh-CN" altLang="en-US" dirty="0" smtClean="0"/>
+              <a:t>通过配置文件</a:t>
+            </a:r>
+            <a:r>
+              <a:rPr lang="en-US" altLang="zh-CN" dirty="0" err="1" smtClean="0"/>
+              <a:t>configs.properties</a:t>
+            </a:r>
+            <a:r>
+              <a:rPr lang="zh-CN" altLang="en-US" dirty="0" smtClean="0"/>
+              <a:t>的</a:t>
+            </a:r>
+            <a:r>
+              <a:rPr lang="en-US" altLang="zh-CN" dirty="0" smtClean="0"/>
+              <a:t>user</a:t>
+            </a:r>
+            <a:r>
+              <a:rPr lang="en-US" altLang="zh-CN" dirty="0" smtClean="0"/>
+              <a:t>.ext</a:t>
+            </a:r>
+            <a:r>
+              <a:rPr lang="zh-CN" altLang="en-US" dirty="0" smtClean="0"/>
+              <a:t>动态扩展用户属性</a:t>
+            </a:r>
+            <a:endParaRPr lang="zh-CN" altLang="en-US" dirty="0"/>
+          </a:p>
+        </p:txBody>
+      </p:sp>
+      <p:sp>
+        <p:nvSpPr>
+          <p:cNvPr id="6" name="TextBox 5"/>
+          <p:cNvSpPr txBox="1"/>
+          <p:nvPr/>
+        </p:nvSpPr>
+        <p:spPr>
+          <a:xfrm>
+            <a:off x="571472" y="4500570"/>
+            <a:ext cx="6186309" cy="1477328"/>
+          </a:xfrm>
+          <a:prstGeom prst="rect">
+            <a:avLst/>
+          </a:prstGeom>
+          <a:noFill/>
+        </p:spPr>
+        <p:txBody>
+          <a:bodyPr wrap="none" rtlCol="0">
+            <a:spAutoFit/>
+          </a:bodyPr>
+          <a:lstStyle/>
+          <a:p>
+            <a:r>
+              <a:rPr lang="zh-CN" altLang="en-US" dirty="0" smtClean="0"/>
+              <a:t>结构为</a:t>
+            </a:r>
+            <a:r>
+              <a:rPr lang="en-US" altLang="zh-CN" dirty="0" smtClean="0"/>
+              <a:t>key1:value1,key2:value2</a:t>
+            </a:r>
+          </a:p>
+          <a:p>
+            <a:r>
+              <a:rPr lang="en-US" altLang="zh-CN" dirty="0" smtClean="0"/>
+              <a:t>key</a:t>
+            </a:r>
+            <a:r>
+              <a:rPr lang="zh-CN" altLang="en-US" dirty="0" smtClean="0"/>
+              <a:t>为数据库的字段名</a:t>
+            </a:r>
+            <a:endParaRPr lang="en-US" altLang="zh-CN" dirty="0" smtClean="0"/>
+          </a:p>
+          <a:p>
+            <a:r>
+              <a:rPr lang="en-US" altLang="zh-CN" dirty="0" smtClean="0"/>
+              <a:t>value</a:t>
+            </a:r>
+            <a:r>
+              <a:rPr lang="zh-CN" altLang="en-US" dirty="0" smtClean="0"/>
+              <a:t>为页面显示的描述</a:t>
+            </a:r>
+            <a:endParaRPr lang="en-US" altLang="zh-CN" dirty="0" smtClean="0"/>
+          </a:p>
+          <a:p>
+            <a:r>
+              <a:rPr lang="en-US" altLang="zh-CN" dirty="0" smtClean="0"/>
+              <a:t>key</a:t>
+            </a:r>
+            <a:r>
+              <a:rPr lang="zh-CN" altLang="en-US" dirty="0" smtClean="0"/>
+              <a:t>如果以</a:t>
+            </a:r>
+            <a:r>
+              <a:rPr lang="en-US" altLang="zh-CN" dirty="0" smtClean="0"/>
+              <a:t>_r</a:t>
+            </a:r>
+            <a:r>
+              <a:rPr lang="zh-CN" altLang="en-US" dirty="0" smtClean="0"/>
+              <a:t>结尾，代表此字段必填</a:t>
+            </a:r>
+            <a:endParaRPr lang="en-US" altLang="zh-CN" dirty="0" smtClean="0"/>
+          </a:p>
+          <a:p>
+            <a:r>
+              <a:rPr lang="zh-CN" altLang="en-US" dirty="0" smtClean="0"/>
+              <a:t>如果数据库中没有此字段，会在服务启动的时候，自动新增</a:t>
+            </a:r>
+            <a:endParaRPr lang="zh-CN" altLang="en-US" dirty="0"/>
+          </a:p>
+        </p:txBody>
+      </p:sp>
+      <p:pic>
+        <p:nvPicPr>
+          <p:cNvPr id="8194" name="Picture 2"/>
+          <p:cNvPicPr>
+            <a:picLocks noChangeAspect="1" noChangeArrowheads="1"/>
+          </p:cNvPicPr>
+          <p:nvPr/>
+        </p:nvPicPr>
+        <p:blipFill>
+          <a:blip r:embed="rId2"/>
+          <a:srcRect/>
+          <a:stretch>
+            <a:fillRect/>
+          </a:stretch>
+        </p:blipFill>
+        <p:spPr bwMode="auto">
+          <a:xfrm>
+            <a:off x="500034" y="1928802"/>
+            <a:ext cx="7551737" cy="2085975"/>
+          </a:xfrm>
+          <a:prstGeom prst="rect">
+            <a:avLst/>
+          </a:prstGeom>
+          <a:noFill/>
+          <a:ln w="9525">
+            <a:noFill/>
+            <a:miter lim="800000"/>
+            <a:headEnd/>
+            <a:tailEnd/>
+          </a:ln>
+          <a:effectLst/>
+        </p:spPr>
+      </p:pic>
+    </p:spTree>
+  </p:cSld>
+  <p:clrMapOvr>
+    <a:masterClrMapping/>
+  </p:clrMapOvr>
+</p:sld>
+</file>
+
+<file path=ppt/slides/slide64.xml><?xml version="1.0" encoding="utf-8"?>
+<p:sld xmlns:a="http://schemas.openxmlformats.org/drawingml/2006/main" xmlns:r="http://schemas.openxmlformats.org/officeDocument/2006/relationships" xmlns:p="http://schemas.openxmlformats.org/presentationml/2006/main">
+  <p:cSld>
+    <p:spTree>
+      <p:nvGrpSpPr>
+        <p:cNvPr id="1" name=""/>
+        <p:cNvGrpSpPr/>
+        <p:nvPr/>
+      </p:nvGrpSpPr>
+      <p:grpSpPr>
+        <a:xfrm>
+          <a:off x="0" y="0"/>
+          <a:ext cx="0" cy="0"/>
+          <a:chOff x="0" y="0"/>
+          <a:chExt cx="0" cy="0"/>
+        </a:xfrm>
+      </p:grpSpPr>
+      <p:sp>
+        <p:nvSpPr>
+          <p:cNvPr id="3" name="标题 2"/>
+          <p:cNvSpPr>
+            <a:spLocks noGrp="1"/>
+          </p:cNvSpPr>
+          <p:nvPr>
+            <p:ph type="title"/>
+          </p:nvPr>
+        </p:nvSpPr>
+        <p:spPr/>
+        <p:txBody>
+          <a:bodyPr/>
+          <a:lstStyle/>
+          <a:p>
+            <a:r>
+              <a:rPr lang="zh-CN" altLang="en-US" dirty="0" smtClean="0"/>
+              <a:t>角色管理</a:t>
+            </a:r>
+            <a:endParaRPr lang="zh-CN" altLang="en-US" dirty="0"/>
+          </a:p>
+        </p:txBody>
+      </p:sp>
+      <p:pic>
+        <p:nvPicPr>
+          <p:cNvPr id="10242" name="Picture 2"/>
+          <p:cNvPicPr>
+            <a:picLocks noChangeAspect="1" noChangeArrowheads="1"/>
+          </p:cNvPicPr>
+          <p:nvPr/>
+        </p:nvPicPr>
+        <p:blipFill>
+          <a:blip r:embed="rId2"/>
+          <a:srcRect/>
+          <a:stretch>
+            <a:fillRect/>
+          </a:stretch>
+        </p:blipFill>
+        <p:spPr bwMode="auto">
+          <a:xfrm>
+            <a:off x="285720" y="1285860"/>
+            <a:ext cx="8551863" cy="2505075"/>
+          </a:xfrm>
+          <a:prstGeom prst="rect">
+            <a:avLst/>
+          </a:prstGeom>
+          <a:noFill/>
+          <a:ln w="9525">
+            <a:noFill/>
+            <a:miter lim="800000"/>
+            <a:headEnd/>
+            <a:tailEnd/>
+          </a:ln>
+          <a:effectLst/>
+        </p:spPr>
+      </p:pic>
+      <p:pic>
+        <p:nvPicPr>
+          <p:cNvPr id="10243" name="Picture 3"/>
+          <p:cNvPicPr>
+            <a:picLocks noChangeAspect="1" noChangeArrowheads="1"/>
+          </p:cNvPicPr>
+          <p:nvPr/>
+        </p:nvPicPr>
+        <p:blipFill>
+          <a:blip r:embed="rId3"/>
+          <a:srcRect/>
+          <a:stretch>
+            <a:fillRect/>
+          </a:stretch>
+        </p:blipFill>
+        <p:spPr bwMode="auto">
+          <a:xfrm>
+            <a:off x="357158" y="4214818"/>
+            <a:ext cx="4829175" cy="1924050"/>
+          </a:xfrm>
+          <a:prstGeom prst="rect">
+            <a:avLst/>
+          </a:prstGeom>
+          <a:noFill/>
+          <a:ln w="9525">
+            <a:noFill/>
+            <a:miter lim="800000"/>
+            <a:headEnd/>
+            <a:tailEnd/>
+          </a:ln>
+          <a:effectLst/>
+        </p:spPr>
+      </p:pic>
+    </p:spTree>
+  </p:cSld>
+  <p:clrMapOvr>
+    <a:masterClrMapping/>
+  </p:clrMapOvr>
+</p:sld>
+</file>
+
+<file path=ppt/slides/slide65.xml><?xml version="1.0" encoding="utf-8"?>
+<p:sld xmlns:a="http://schemas.openxmlformats.org/drawingml/2006/main" xmlns:r="http://schemas.openxmlformats.org/officeDocument/2006/relationships" xmlns:p="http://schemas.openxmlformats.org/presentationml/2006/main">
+  <p:cSld>
+    <p:spTree>
+      <p:nvGrpSpPr>
+        <p:cNvPr id="1" name=""/>
+        <p:cNvGrpSpPr/>
+        <p:nvPr/>
+      </p:nvGrpSpPr>
+      <p:grpSpPr>
+        <a:xfrm>
+          <a:off x="0" y="0"/>
+          <a:ext cx="0" cy="0"/>
+          <a:chOff x="0" y="0"/>
+          <a:chExt cx="0" cy="0"/>
+        </a:xfrm>
+      </p:grpSpPr>
+      <p:sp>
+        <p:nvSpPr>
+          <p:cNvPr id="3" name="标题 2"/>
+          <p:cNvSpPr>
+            <a:spLocks noGrp="1"/>
+          </p:cNvSpPr>
+          <p:nvPr>
+            <p:ph type="title"/>
+          </p:nvPr>
+        </p:nvSpPr>
+        <p:spPr/>
+        <p:txBody>
+          <a:bodyPr/>
+          <a:lstStyle/>
+          <a:p>
+            <a:r>
+              <a:rPr lang="zh-CN" altLang="en-US" dirty="0" smtClean="0"/>
+              <a:t>权限管理</a:t>
+            </a:r>
+            <a:endParaRPr lang="zh-CN" altLang="en-US" dirty="0"/>
+          </a:p>
+        </p:txBody>
+      </p:sp>
+      <p:pic>
+        <p:nvPicPr>
+          <p:cNvPr id="11266" name="Picture 2"/>
+          <p:cNvPicPr>
+            <a:picLocks noChangeAspect="1" noChangeArrowheads="1"/>
+          </p:cNvPicPr>
+          <p:nvPr/>
+        </p:nvPicPr>
+        <p:blipFill>
+          <a:blip r:embed="rId2"/>
+          <a:srcRect/>
+          <a:stretch>
+            <a:fillRect/>
+          </a:stretch>
+        </p:blipFill>
+        <p:spPr bwMode="auto">
+          <a:xfrm>
+            <a:off x="428596" y="1428736"/>
+            <a:ext cx="6210300" cy="1581150"/>
+          </a:xfrm>
+          <a:prstGeom prst="rect">
+            <a:avLst/>
+          </a:prstGeom>
+          <a:noFill/>
+          <a:ln w="9525">
+            <a:noFill/>
+            <a:miter lim="800000"/>
+            <a:headEnd/>
+            <a:tailEnd/>
+          </a:ln>
+          <a:effectLst/>
+        </p:spPr>
+      </p:pic>
+      <p:pic>
+        <p:nvPicPr>
+          <p:cNvPr id="11267" name="Picture 3"/>
+          <p:cNvPicPr>
+            <a:picLocks noChangeAspect="1" noChangeArrowheads="1"/>
+          </p:cNvPicPr>
+          <p:nvPr/>
+        </p:nvPicPr>
+        <p:blipFill>
+          <a:blip r:embed="rId3"/>
+          <a:srcRect/>
+          <a:stretch>
+            <a:fillRect/>
+          </a:stretch>
+        </p:blipFill>
+        <p:spPr bwMode="auto">
+          <a:xfrm>
+            <a:off x="428596" y="3286124"/>
+            <a:ext cx="6827837" cy="2095500"/>
+          </a:xfrm>
+          <a:prstGeom prst="rect">
+            <a:avLst/>
+          </a:prstGeom>
+          <a:noFill/>
+          <a:ln w="9525">
+            <a:noFill/>
+            <a:miter lim="800000"/>
+            <a:headEnd/>
+            <a:tailEnd/>
+          </a:ln>
+          <a:effectLst/>
+        </p:spPr>
+      </p:pic>
+    </p:spTree>
+  </p:cSld>
+  <p:clrMapOvr>
+    <a:masterClrMapping/>
+  </p:clrMapOvr>
+</p:sld>
+</file>
+
+<file path=ppt/slides/slide66.xml><?xml version="1.0" encoding="utf-8"?>
+<p:sld xmlns:a="http://schemas.openxmlformats.org/drawingml/2006/main" xmlns:r="http://schemas.openxmlformats.org/officeDocument/2006/relationships" xmlns:p="http://schemas.openxmlformats.org/presentationml/2006/main">
+  <p:cSld>
+    <p:spTree>
+      <p:nvGrpSpPr>
+        <p:cNvPr id="1" name=""/>
+        <p:cNvGrpSpPr/>
+        <p:nvPr/>
+      </p:nvGrpSpPr>
+      <p:grpSpPr>
+        <a:xfrm>
+          <a:off x="0" y="0"/>
+          <a:ext cx="0" cy="0"/>
+          <a:chOff x="0" y="0"/>
+          <a:chExt cx="0" cy="0"/>
+        </a:xfrm>
+      </p:grpSpPr>
+      <p:sp>
+        <p:nvSpPr>
+          <p:cNvPr id="3" name="标题 2"/>
+          <p:cNvSpPr>
+            <a:spLocks noGrp="1"/>
+          </p:cNvSpPr>
+          <p:nvPr>
+            <p:ph type="title"/>
+          </p:nvPr>
+        </p:nvSpPr>
+        <p:spPr/>
+        <p:txBody>
+          <a:bodyPr/>
+          <a:lstStyle/>
+          <a:p>
+            <a:r>
+              <a:rPr lang="zh-CN" altLang="en-US" dirty="0" smtClean="0"/>
+              <a:t>统一权限管理</a:t>
+            </a:r>
+            <a:endParaRPr lang="zh-CN" altLang="en-US" dirty="0"/>
+          </a:p>
+        </p:txBody>
+      </p:sp>
+      <p:sp>
+        <p:nvSpPr>
+          <p:cNvPr id="5" name="圆角矩形 4"/>
+          <p:cNvSpPr/>
+          <p:nvPr/>
+        </p:nvSpPr>
+        <p:spPr>
+          <a:xfrm>
+            <a:off x="714348" y="2214554"/>
+            <a:ext cx="1500198" cy="642942"/>
+          </a:xfrm>
+          <a:prstGeom prst="roundRect">
+            <a:avLst/>
+          </a:prstGeom>
+        </p:spPr>
+        <p:style>
+          <a:lnRef idx="2">
+            <a:schemeClr val="accent1">
+              <a:shade val="50000"/>
+            </a:schemeClr>
+          </a:lnRef>
+          <a:fillRef idx="1">
+            <a:schemeClr val="accent1"/>
+          </a:fillRef>
+          <a:effectRef idx="0">
+            <a:schemeClr val="accent1"/>
+          </a:effectRef>
+          <a:fontRef idx="minor">
+            <a:schemeClr val="lt1"/>
+          </a:fontRef>
+        </p:style>
+        <p:txBody>
+          <a:bodyPr rtlCol="0" anchor="ctr"/>
+          <a:lstStyle/>
+          <a:p>
+            <a:pPr algn="ctr"/>
+            <a:r>
+              <a:rPr lang="zh-CN" altLang="en-US" dirty="0" smtClean="0"/>
+              <a:t>机构</a:t>
+            </a:r>
+            <a:endParaRPr lang="zh-CN" altLang="en-US" dirty="0"/>
+          </a:p>
+        </p:txBody>
+      </p:sp>
+      <p:sp>
+        <p:nvSpPr>
+          <p:cNvPr id="6" name="圆角矩形 5"/>
+          <p:cNvSpPr/>
+          <p:nvPr/>
+        </p:nvSpPr>
+        <p:spPr>
+          <a:xfrm>
+            <a:off x="2857488" y="2214554"/>
+            <a:ext cx="1500198" cy="642942"/>
+          </a:xfrm>
+          <a:prstGeom prst="roundRect">
+            <a:avLst/>
+          </a:prstGeom>
+        </p:spPr>
+        <p:style>
+          <a:lnRef idx="2">
+            <a:schemeClr val="accent1">
+              <a:shade val="50000"/>
+            </a:schemeClr>
+          </a:lnRef>
+          <a:fillRef idx="1">
+            <a:schemeClr val="accent1"/>
+          </a:fillRef>
+          <a:effectRef idx="0">
+            <a:schemeClr val="accent1"/>
+          </a:effectRef>
+          <a:fontRef idx="minor">
+            <a:schemeClr val="lt1"/>
+          </a:fontRef>
+        </p:style>
+        <p:txBody>
+          <a:bodyPr rtlCol="0" anchor="ctr"/>
+          <a:lstStyle/>
+          <a:p>
+            <a:pPr algn="ctr"/>
+            <a:r>
+              <a:rPr lang="zh-CN" altLang="en-US" dirty="0" smtClean="0"/>
+              <a:t>用户</a:t>
+            </a:r>
+            <a:endParaRPr lang="zh-CN" altLang="en-US" dirty="0"/>
+          </a:p>
+        </p:txBody>
+      </p:sp>
+      <p:sp>
+        <p:nvSpPr>
+          <p:cNvPr id="7" name="圆角矩形 6"/>
+          <p:cNvSpPr/>
+          <p:nvPr/>
+        </p:nvSpPr>
+        <p:spPr>
+          <a:xfrm>
+            <a:off x="4929190" y="2214554"/>
+            <a:ext cx="1500198" cy="642942"/>
+          </a:xfrm>
+          <a:prstGeom prst="roundRect">
+            <a:avLst/>
+          </a:prstGeom>
+        </p:spPr>
+        <p:style>
+          <a:lnRef idx="2">
+            <a:schemeClr val="accent1">
+              <a:shade val="50000"/>
+            </a:schemeClr>
+          </a:lnRef>
+          <a:fillRef idx="1">
+            <a:schemeClr val="accent1"/>
+          </a:fillRef>
+          <a:effectRef idx="0">
+            <a:schemeClr val="accent1"/>
+          </a:effectRef>
+          <a:fontRef idx="minor">
+            <a:schemeClr val="lt1"/>
+          </a:fontRef>
+        </p:style>
+        <p:txBody>
+          <a:bodyPr rtlCol="0" anchor="ctr"/>
+          <a:lstStyle/>
+          <a:p>
+            <a:pPr algn="ctr"/>
+            <a:r>
+              <a:rPr lang="zh-CN" altLang="en-US" dirty="0" smtClean="0"/>
+              <a:t>角色</a:t>
+            </a:r>
+            <a:endParaRPr lang="zh-CN" altLang="en-US" dirty="0"/>
+          </a:p>
+        </p:txBody>
+      </p:sp>
+      <p:sp>
+        <p:nvSpPr>
+          <p:cNvPr id="8" name="圆角矩形 7"/>
+          <p:cNvSpPr/>
+          <p:nvPr/>
+        </p:nvSpPr>
+        <p:spPr>
+          <a:xfrm>
+            <a:off x="7072330" y="2214554"/>
+            <a:ext cx="1500198" cy="642942"/>
+          </a:xfrm>
+          <a:prstGeom prst="roundRect">
+            <a:avLst/>
+          </a:prstGeom>
+        </p:spPr>
+        <p:style>
+          <a:lnRef idx="2">
+            <a:schemeClr val="accent1">
+              <a:shade val="50000"/>
+            </a:schemeClr>
+          </a:lnRef>
+          <a:fillRef idx="1">
+            <a:schemeClr val="accent1"/>
+          </a:fillRef>
+          <a:effectRef idx="0">
+            <a:schemeClr val="accent1"/>
+          </a:effectRef>
+          <a:fontRef idx="minor">
+            <a:schemeClr val="lt1"/>
+          </a:fontRef>
+        </p:style>
+        <p:txBody>
+          <a:bodyPr rtlCol="0" anchor="ctr"/>
+          <a:lstStyle/>
+          <a:p>
+            <a:pPr algn="ctr"/>
+            <a:r>
+              <a:rPr lang="zh-CN" altLang="en-US" dirty="0" smtClean="0"/>
+              <a:t>权限</a:t>
+            </a:r>
+            <a:endParaRPr lang="zh-CN" altLang="en-US" dirty="0"/>
+          </a:p>
+        </p:txBody>
+      </p:sp>
+      <p:sp>
+        <p:nvSpPr>
+          <p:cNvPr id="9" name="TextBox 8"/>
+          <p:cNvSpPr txBox="1"/>
+          <p:nvPr/>
+        </p:nvSpPr>
+        <p:spPr>
+          <a:xfrm>
+            <a:off x="0" y="3571876"/>
+            <a:ext cx="2954655" cy="369332"/>
+          </a:xfrm>
+          <a:prstGeom prst="rect">
+            <a:avLst/>
+          </a:prstGeom>
+          <a:noFill/>
+        </p:spPr>
+        <p:txBody>
+          <a:bodyPr wrap="none" rtlCol="0">
+            <a:spAutoFit/>
+          </a:bodyPr>
+          <a:lstStyle/>
+          <a:p>
+            <a:r>
+              <a:rPr lang="zh-CN" altLang="en-US" dirty="0" smtClean="0"/>
+              <a:t>他们之间都是多对多的关系</a:t>
+            </a:r>
+            <a:endParaRPr lang="zh-CN" altLang="en-US" dirty="0"/>
+          </a:p>
+        </p:txBody>
+      </p:sp>
+      <p:cxnSp>
+        <p:nvCxnSpPr>
+          <p:cNvPr id="14" name="直接箭头连接符 13"/>
+          <p:cNvCxnSpPr>
+            <a:stCxn id="6" idx="3"/>
+            <a:endCxn id="7" idx="1"/>
+          </p:cNvCxnSpPr>
+          <p:nvPr/>
+        </p:nvCxnSpPr>
+        <p:spPr>
+          <a:xfrm>
+            <a:off x="4357686" y="2536025"/>
+            <a:ext cx="571504" cy="1588"/>
+          </a:xfrm>
+          <a:prstGeom prst="straightConnector1">
+            <a:avLst/>
+          </a:prstGeom>
+          <a:ln>
+            <a:headEnd type="arrow"/>
+            <a:tailEnd type="arrow"/>
+          </a:ln>
+        </p:spPr>
+        <p:style>
+          <a:lnRef idx="1">
+            <a:schemeClr val="accent1"/>
+          </a:lnRef>
+          <a:fillRef idx="0">
+            <a:schemeClr val="accent1"/>
+          </a:fillRef>
+          <a:effectRef idx="0">
+            <a:schemeClr val="accent1"/>
+          </a:effectRef>
+          <a:fontRef idx="minor">
+            <a:schemeClr val="tx1"/>
+          </a:fontRef>
+        </p:style>
+      </p:cxnSp>
+      <p:cxnSp>
+        <p:nvCxnSpPr>
+          <p:cNvPr id="16" name="直接箭头连接符 15"/>
+          <p:cNvCxnSpPr>
+            <a:stCxn id="8" idx="1"/>
+            <a:endCxn id="7" idx="3"/>
+          </p:cNvCxnSpPr>
+          <p:nvPr/>
+        </p:nvCxnSpPr>
+        <p:spPr>
+          <a:xfrm rot="10800000">
+            <a:off x="6429388" y="2536025"/>
+            <a:ext cx="642942" cy="1588"/>
+          </a:xfrm>
+          <a:prstGeom prst="straightConnector1">
+            <a:avLst/>
+          </a:prstGeom>
+          <a:ln>
+            <a:headEnd type="arrow"/>
+            <a:tailEnd type="arrow"/>
+          </a:ln>
+        </p:spPr>
+        <p:style>
+          <a:lnRef idx="1">
+            <a:schemeClr val="accent1"/>
+          </a:lnRef>
+          <a:fillRef idx="0">
+            <a:schemeClr val="accent1"/>
+          </a:fillRef>
+          <a:effectRef idx="0">
+            <a:schemeClr val="accent1"/>
+          </a:effectRef>
+          <a:fontRef idx="minor">
+            <a:schemeClr val="tx1"/>
+          </a:fontRef>
+        </p:style>
+      </p:cxnSp>
+      <p:cxnSp>
+        <p:nvCxnSpPr>
+          <p:cNvPr id="18" name="直接箭头连接符 17"/>
+          <p:cNvCxnSpPr>
+            <a:stCxn id="5" idx="3"/>
+            <a:endCxn id="6" idx="1"/>
+          </p:cNvCxnSpPr>
+          <p:nvPr/>
+        </p:nvCxnSpPr>
+        <p:spPr>
+          <a:xfrm>
+            <a:off x="2214546" y="2536025"/>
+            <a:ext cx="642942" cy="1588"/>
+          </a:xfrm>
+          <a:prstGeom prst="straightConnector1">
+            <a:avLst/>
+          </a:prstGeom>
+          <a:ln>
+            <a:headEnd type="arrow"/>
+            <a:tailEnd type="arrow"/>
+          </a:ln>
+        </p:spPr>
+        <p:style>
+          <a:lnRef idx="1">
+            <a:schemeClr val="accent1"/>
+          </a:lnRef>
+          <a:fillRef idx="0">
+            <a:schemeClr val="accent1"/>
+          </a:fillRef>
+          <a:effectRef idx="0">
+            <a:schemeClr val="accent1"/>
+          </a:effectRef>
+          <a:fontRef idx="minor">
+            <a:schemeClr val="tx1"/>
+          </a:fontRef>
+        </p:style>
+      </p:cxnSp>
+      <p:sp>
+        <p:nvSpPr>
+          <p:cNvPr id="21" name="TextBox 20"/>
+          <p:cNvSpPr txBox="1"/>
+          <p:nvPr/>
+        </p:nvSpPr>
+        <p:spPr>
+          <a:xfrm>
+            <a:off x="41828" y="4286256"/>
+            <a:ext cx="9102172" cy="646331"/>
+          </a:xfrm>
+          <a:prstGeom prst="rect">
+            <a:avLst/>
+          </a:prstGeom>
+          <a:noFill/>
+        </p:spPr>
+        <p:txBody>
+          <a:bodyPr wrap="none" rtlCol="0">
+            <a:spAutoFit/>
+          </a:bodyPr>
+          <a:lstStyle/>
+          <a:p>
+            <a:r>
+              <a:rPr lang="zh-CN" altLang="en-US" dirty="0" smtClean="0"/>
+              <a:t>用户登录系统的时候，会把用户的机构，用户信息，角色，权限，全部保存到</a:t>
+            </a:r>
+            <a:r>
+              <a:rPr lang="en-US" altLang="zh-CN" dirty="0" smtClean="0"/>
+              <a:t>Session</a:t>
+            </a:r>
+            <a:r>
+              <a:rPr lang="zh-CN" altLang="en-US" dirty="0" smtClean="0"/>
+              <a:t>中</a:t>
+            </a:r>
+            <a:endParaRPr lang="en-US" altLang="zh-CN" dirty="0" smtClean="0"/>
+          </a:p>
+          <a:p>
+            <a:endParaRPr lang="zh-CN" altLang="en-US" dirty="0"/>
+          </a:p>
+        </p:txBody>
+      </p:sp>
+      <p:sp>
+        <p:nvSpPr>
+          <p:cNvPr id="22" name="TextBox 21"/>
+          <p:cNvSpPr txBox="1"/>
+          <p:nvPr/>
+        </p:nvSpPr>
+        <p:spPr>
+          <a:xfrm>
+            <a:off x="71406" y="5143512"/>
+            <a:ext cx="5945858" cy="646331"/>
+          </a:xfrm>
+          <a:prstGeom prst="rect">
+            <a:avLst/>
+          </a:prstGeom>
+          <a:noFill/>
+        </p:spPr>
+        <p:txBody>
+          <a:bodyPr wrap="none" rtlCol="0">
+            <a:spAutoFit/>
+          </a:bodyPr>
+          <a:lstStyle/>
+          <a:p>
+            <a:r>
+              <a:rPr lang="zh-CN" altLang="en-US" dirty="0" smtClean="0"/>
+              <a:t>可以使用</a:t>
+            </a:r>
+            <a:r>
+              <a:rPr lang="en-US" altLang="zh-CN" dirty="0" err="1" smtClean="0"/>
+              <a:t>SessionUtil</a:t>
+            </a:r>
+            <a:r>
+              <a:rPr lang="zh-CN" altLang="en-US" dirty="0" smtClean="0"/>
+              <a:t>类获取</a:t>
+            </a:r>
+            <a:r>
+              <a:rPr lang="en-US" altLang="zh-CN" dirty="0" smtClean="0"/>
+              <a:t>session</a:t>
+            </a:r>
+            <a:r>
+              <a:rPr lang="zh-CN" altLang="en-US" dirty="0" smtClean="0"/>
+              <a:t>中的用户相关数据</a:t>
+            </a:r>
+            <a:endParaRPr lang="en-US" altLang="zh-CN" dirty="0" smtClean="0"/>
+          </a:p>
+          <a:p>
+            <a:r>
+              <a:rPr lang="zh-CN" altLang="en-US" dirty="0" smtClean="0"/>
+              <a:t>通过</a:t>
+            </a:r>
+            <a:r>
+              <a:rPr lang="en-US" altLang="zh-CN" dirty="0" err="1" smtClean="0"/>
+              <a:t>hasPermission</a:t>
+            </a:r>
+            <a:r>
+              <a:rPr lang="zh-CN" altLang="en-US" dirty="0" smtClean="0"/>
+              <a:t>方法可以判断用户是否拥有某个权限</a:t>
+            </a:r>
+            <a:endParaRPr lang="zh-CN" altLang="en-US" dirty="0"/>
+          </a:p>
+        </p:txBody>
+      </p:sp>
+    </p:spTree>
+  </p:cSld>
+  <p:clrMapOvr>
+    <a:masterClrMapping/>
+  </p:clrMapOvr>
+</p:sld>
+</file>
+
+<file path=ppt/slides/slide67.xml><?xml version="1.0" encoding="utf-8"?>
+<p:sld xmlns:a="http://schemas.openxmlformats.org/drawingml/2006/main" xmlns:r="http://schemas.openxmlformats.org/officeDocument/2006/relationships" xmlns:p="http://schemas.openxmlformats.org/presentationml/2006/main">
+  <p:cSld>
+    <p:spTree>
+      <p:nvGrpSpPr>
+        <p:cNvPr id="1" name=""/>
+        <p:cNvGrpSpPr/>
+        <p:nvPr/>
+      </p:nvGrpSpPr>
+      <p:grpSpPr>
+        <a:xfrm>
+          <a:off x="0" y="0"/>
+          <a:ext cx="0" cy="0"/>
+          <a:chOff x="0" y="0"/>
+          <a:chExt cx="0" cy="0"/>
+        </a:xfrm>
+      </p:grpSpPr>
+      <p:sp>
+        <p:nvSpPr>
+          <p:cNvPr id="3" name="标题 2"/>
+          <p:cNvSpPr>
+            <a:spLocks noGrp="1"/>
+          </p:cNvSpPr>
+          <p:nvPr>
+            <p:ph type="title"/>
+          </p:nvPr>
+        </p:nvSpPr>
+        <p:spPr/>
+        <p:txBody>
+          <a:bodyPr/>
+          <a:lstStyle/>
+          <a:p>
+            <a:r>
+              <a:rPr lang="zh-CN" altLang="en-US" dirty="0" smtClean="0"/>
+              <a:t>菜单管理</a:t>
+            </a:r>
+            <a:endParaRPr lang="zh-CN" altLang="en-US" dirty="0"/>
+          </a:p>
+        </p:txBody>
+      </p:sp>
+      <p:pic>
+        <p:nvPicPr>
+          <p:cNvPr id="43010" name="Picture 2"/>
+          <p:cNvPicPr>
+            <a:picLocks noChangeAspect="1" noChangeArrowheads="1"/>
+          </p:cNvPicPr>
+          <p:nvPr/>
+        </p:nvPicPr>
+        <p:blipFill>
+          <a:blip r:embed="rId2"/>
+          <a:srcRect/>
+          <a:stretch>
+            <a:fillRect/>
+          </a:stretch>
+        </p:blipFill>
+        <p:spPr bwMode="auto">
+          <a:xfrm>
+            <a:off x="214283" y="1571612"/>
+            <a:ext cx="8929718" cy="2638425"/>
+          </a:xfrm>
+          <a:prstGeom prst="rect">
+            <a:avLst/>
+          </a:prstGeom>
+          <a:noFill/>
+          <a:ln w="9525">
+            <a:noFill/>
+            <a:miter lim="800000"/>
+            <a:headEnd/>
+            <a:tailEnd/>
+          </a:ln>
+          <a:effectLst/>
+        </p:spPr>
+      </p:pic>
+    </p:spTree>
+  </p:cSld>
+  <p:clrMapOvr>
+    <a:masterClrMapping/>
+  </p:clrMapOvr>
+</p:sld>
+</file>
+
+<file path=ppt/slides/slide68.xml><?xml version="1.0" encoding="utf-8"?>
+<p:sld xmlns:a="http://schemas.openxmlformats.org/drawingml/2006/main" xmlns:r="http://schemas.openxmlformats.org/officeDocument/2006/relationships" xmlns:p="http://schemas.openxmlformats.org/presentationml/2006/main">
+  <p:cSld>
+    <p:spTree>
+      <p:nvGrpSpPr>
+        <p:cNvPr id="1" name=""/>
+        <p:cNvGrpSpPr/>
+        <p:nvPr/>
+      </p:nvGrpSpPr>
+      <p:grpSpPr>
+        <a:xfrm>
+          <a:off x="0" y="0"/>
+          <a:ext cx="0" cy="0"/>
+          <a:chOff x="0" y="0"/>
+          <a:chExt cx="0" cy="0"/>
+        </a:xfrm>
+      </p:grpSpPr>
+      <p:sp>
+        <p:nvSpPr>
+          <p:cNvPr id="3" name="标题 2"/>
+          <p:cNvSpPr>
+            <a:spLocks noGrp="1"/>
+          </p:cNvSpPr>
+          <p:nvPr>
+            <p:ph type="title"/>
+          </p:nvPr>
+        </p:nvSpPr>
+        <p:spPr/>
+        <p:txBody>
+          <a:bodyPr/>
+          <a:lstStyle/>
+          <a:p>
+            <a:r>
+              <a:rPr lang="zh-CN" altLang="en-US" dirty="0" smtClean="0"/>
+              <a:t>注册类型管理</a:t>
+            </a:r>
+            <a:endParaRPr lang="zh-CN" altLang="en-US" dirty="0"/>
+          </a:p>
+        </p:txBody>
+      </p:sp>
+      <p:pic>
+        <p:nvPicPr>
+          <p:cNvPr id="12290" name="Picture 2"/>
+          <p:cNvPicPr>
+            <a:picLocks noChangeAspect="1" noChangeArrowheads="1"/>
+          </p:cNvPicPr>
+          <p:nvPr/>
+        </p:nvPicPr>
+        <p:blipFill>
+          <a:blip r:embed="rId2"/>
+          <a:srcRect/>
+          <a:stretch>
+            <a:fillRect/>
+          </a:stretch>
+        </p:blipFill>
+        <p:spPr bwMode="auto">
+          <a:xfrm>
+            <a:off x="500034" y="1500174"/>
+            <a:ext cx="6019800" cy="2371725"/>
+          </a:xfrm>
+          <a:prstGeom prst="rect">
+            <a:avLst/>
+          </a:prstGeom>
+          <a:noFill/>
+          <a:ln w="9525">
+            <a:noFill/>
+            <a:miter lim="800000"/>
+            <a:headEnd/>
+            <a:tailEnd/>
+          </a:ln>
+          <a:effectLst/>
+        </p:spPr>
+      </p:pic>
+      <p:pic>
+        <p:nvPicPr>
+          <p:cNvPr id="12291" name="Picture 3"/>
+          <p:cNvPicPr>
+            <a:picLocks noChangeAspect="1" noChangeArrowheads="1"/>
+          </p:cNvPicPr>
+          <p:nvPr/>
+        </p:nvPicPr>
+        <p:blipFill>
+          <a:blip r:embed="rId3"/>
+          <a:srcRect/>
+          <a:stretch>
+            <a:fillRect/>
+          </a:stretch>
+        </p:blipFill>
+        <p:spPr bwMode="auto">
+          <a:xfrm>
+            <a:off x="500034" y="3857628"/>
+            <a:ext cx="4810125" cy="1657350"/>
+          </a:xfrm>
+          <a:prstGeom prst="rect">
+            <a:avLst/>
+          </a:prstGeom>
+          <a:noFill/>
+          <a:ln w="9525">
+            <a:noFill/>
+            <a:miter lim="800000"/>
+            <a:headEnd/>
+            <a:tailEnd/>
+          </a:ln>
+          <a:effectLst/>
+        </p:spPr>
+      </p:pic>
+    </p:spTree>
+  </p:cSld>
+  <p:clrMapOvr>
+    <a:masterClrMapping/>
+  </p:clrMapOvr>
+</p:sld>
+</file>
+
+<file path=ppt/slides/slide69.xml><?xml version="1.0" encoding="utf-8"?>
+<p:sld xmlns:a="http://schemas.openxmlformats.org/drawingml/2006/main" xmlns:r="http://schemas.openxmlformats.org/officeDocument/2006/relationships" xmlns:p="http://schemas.openxmlformats.org/presentationml/2006/main">
+  <p:cSld>
+    <p:spTree>
+      <p:nvGrpSpPr>
+        <p:cNvPr id="1" name=""/>
+        <p:cNvGrpSpPr/>
+        <p:nvPr/>
+      </p:nvGrpSpPr>
+      <p:grpSpPr>
+        <a:xfrm>
+          <a:off x="0" y="0"/>
+          <a:ext cx="0" cy="0"/>
+          <a:chOff x="0" y="0"/>
+          <a:chExt cx="0" cy="0"/>
+        </a:xfrm>
+      </p:grpSpPr>
+      <p:sp>
+        <p:nvSpPr>
+          <p:cNvPr id="3" name="标题 2"/>
+          <p:cNvSpPr>
+            <a:spLocks noGrp="1"/>
+          </p:cNvSpPr>
+          <p:nvPr>
+            <p:ph type="title"/>
+          </p:nvPr>
+        </p:nvSpPr>
+        <p:spPr/>
+        <p:txBody>
+          <a:bodyPr/>
+          <a:lstStyle/>
+          <a:p>
+            <a:r>
+              <a:rPr lang="zh-CN" altLang="en-US" dirty="0" smtClean="0"/>
+              <a:t>注册表管理</a:t>
+            </a:r>
+            <a:endParaRPr lang="zh-CN" altLang="en-US" dirty="0"/>
+          </a:p>
+        </p:txBody>
+      </p:sp>
+      <p:pic>
+        <p:nvPicPr>
+          <p:cNvPr id="13314" name="Picture 2"/>
+          <p:cNvPicPr>
+            <a:picLocks noChangeAspect="1" noChangeArrowheads="1"/>
+          </p:cNvPicPr>
+          <p:nvPr/>
+        </p:nvPicPr>
+        <p:blipFill>
+          <a:blip r:embed="rId2"/>
+          <a:srcRect/>
+          <a:stretch>
+            <a:fillRect/>
+          </a:stretch>
+        </p:blipFill>
+        <p:spPr bwMode="auto">
+          <a:xfrm>
+            <a:off x="500034" y="1357298"/>
+            <a:ext cx="7656513" cy="2047875"/>
+          </a:xfrm>
+          <a:prstGeom prst="rect">
+            <a:avLst/>
+          </a:prstGeom>
+          <a:noFill/>
+          <a:ln w="9525">
+            <a:noFill/>
+            <a:miter lim="800000"/>
+            <a:headEnd/>
+            <a:tailEnd/>
+          </a:ln>
+          <a:effectLst/>
+        </p:spPr>
+      </p:pic>
+      <p:pic>
+        <p:nvPicPr>
+          <p:cNvPr id="13315" name="Picture 3"/>
+          <p:cNvPicPr>
+            <a:picLocks noChangeAspect="1" noChangeArrowheads="1"/>
+          </p:cNvPicPr>
+          <p:nvPr/>
+        </p:nvPicPr>
+        <p:blipFill>
+          <a:blip r:embed="rId3"/>
+          <a:srcRect/>
+          <a:stretch>
+            <a:fillRect/>
+          </a:stretch>
+        </p:blipFill>
+        <p:spPr bwMode="auto">
+          <a:xfrm>
+            <a:off x="500034" y="3571876"/>
+            <a:ext cx="4324350" cy="1876425"/>
+          </a:xfrm>
+          <a:prstGeom prst="rect">
+            <a:avLst/>
+          </a:prstGeom>
+          <a:noFill/>
+          <a:ln w="9525">
+            <a:noFill/>
+            <a:miter lim="800000"/>
+            <a:headEnd/>
+            <a:tailEnd/>
+          </a:ln>
+          <a:effectLst/>
+        </p:spPr>
+      </p:pic>
+      <p:sp>
+        <p:nvSpPr>
+          <p:cNvPr id="6" name="TextBox 5"/>
+          <p:cNvSpPr txBox="1"/>
+          <p:nvPr/>
+        </p:nvSpPr>
+        <p:spPr>
+          <a:xfrm>
+            <a:off x="5072066" y="3643314"/>
+            <a:ext cx="3877985" cy="923330"/>
+          </a:xfrm>
+          <a:prstGeom prst="rect">
+            <a:avLst/>
+          </a:prstGeom>
+          <a:noFill/>
+        </p:spPr>
+        <p:txBody>
+          <a:bodyPr wrap="none" rtlCol="0">
+            <a:spAutoFit/>
+          </a:bodyPr>
+          <a:lstStyle/>
+          <a:p>
+            <a:r>
+              <a:rPr lang="zh-CN" altLang="en-US" dirty="0" smtClean="0"/>
+              <a:t>新建注册类型之后，</a:t>
+            </a:r>
+            <a:endParaRPr lang="en-US" altLang="zh-CN" dirty="0" smtClean="0"/>
+          </a:p>
+          <a:p>
+            <a:r>
+              <a:rPr lang="zh-CN" altLang="en-US" dirty="0" smtClean="0"/>
+              <a:t>就可以在注册类型下面新增注册表，</a:t>
+            </a:r>
+            <a:endParaRPr lang="en-US" altLang="zh-CN" dirty="0" smtClean="0"/>
+          </a:p>
+          <a:p>
+            <a:r>
+              <a:rPr lang="zh-CN" altLang="en-US" dirty="0" smtClean="0"/>
+              <a:t>注册表的编码必须全局唯一</a:t>
+            </a:r>
+            <a:endParaRPr lang="zh-CN" altLang="en-US" dirty="0"/>
+          </a:p>
+        </p:txBody>
+      </p:sp>
+    </p:spTree>
+  </p:cSld>
+  <p:clrMapOvr>
+    <a:masterClrMapping/>
+  </p:clrMapOvr>
+</p:sld>
+</file>
+
+<file path=ppt/slides/slide7.xml><?xml version="1.0" encoding="utf-8"?>
+<p:sld xmlns:a="http://schemas.openxmlformats.org/drawingml/2006/main" xmlns:r="http://schemas.openxmlformats.org/officeDocument/2006/relationships" xmlns:p="http://schemas.openxmlformats.org/presentationml/2006/main">
+  <p:cSld>
+    <p:spTree>
+      <p:nvGrpSpPr>
+        <p:cNvPr id="1" name=""/>
+        <p:cNvGrpSpPr/>
+        <p:nvPr/>
+      </p:nvGrpSpPr>
+      <p:grpSpPr>
+        <a:xfrm>
+          <a:off x="0" y="0"/>
+          <a:ext cx="0" cy="0"/>
+          <a:chOff x="0" y="0"/>
+          <a:chExt cx="0" cy="0"/>
+        </a:xfrm>
+      </p:grpSpPr>
+      <p:sp>
+        <p:nvSpPr>
+          <p:cNvPr id="3" name="标题 2"/>
+          <p:cNvSpPr>
+            <a:spLocks noGrp="1"/>
+          </p:cNvSpPr>
+          <p:nvPr>
+            <p:ph type="title"/>
+          </p:nvPr>
+        </p:nvSpPr>
+        <p:spPr/>
+        <p:txBody>
+          <a:bodyPr/>
+          <a:lstStyle/>
+          <a:p>
+            <a:r>
+              <a:rPr lang="en-US" altLang="zh-CN" dirty="0" err="1" smtClean="0"/>
+              <a:t>Jdbc</a:t>
+            </a:r>
+            <a:endParaRPr lang="zh-CN" altLang="en-US" dirty="0"/>
+          </a:p>
+        </p:txBody>
+      </p:sp>
+      <p:pic>
+        <p:nvPicPr>
+          <p:cNvPr id="6146" name="Picture 2"/>
+          <p:cNvPicPr>
+            <a:picLocks noChangeAspect="1" noChangeArrowheads="1"/>
+          </p:cNvPicPr>
+          <p:nvPr/>
+        </p:nvPicPr>
+        <p:blipFill>
+          <a:blip r:embed="rId2"/>
+          <a:srcRect/>
+          <a:stretch>
+            <a:fillRect/>
+          </a:stretch>
+        </p:blipFill>
+        <p:spPr bwMode="auto">
+          <a:xfrm>
+            <a:off x="142844" y="1142984"/>
+            <a:ext cx="8786874" cy="3848100"/>
+          </a:xfrm>
+          <a:prstGeom prst="rect">
+            <a:avLst/>
+          </a:prstGeom>
+          <a:noFill/>
+          <a:ln w="9525">
+            <a:noFill/>
+            <a:miter lim="800000"/>
+            <a:headEnd/>
+            <a:tailEnd/>
+          </a:ln>
+          <a:effectLst/>
+        </p:spPr>
+      </p:pic>
+      <p:sp>
+        <p:nvSpPr>
+          <p:cNvPr id="5" name="TextBox 4"/>
+          <p:cNvSpPr txBox="1"/>
+          <p:nvPr/>
+        </p:nvSpPr>
+        <p:spPr>
+          <a:xfrm>
+            <a:off x="357158" y="5214950"/>
+            <a:ext cx="7948010" cy="646331"/>
+          </a:xfrm>
+          <a:prstGeom prst="rect">
+            <a:avLst/>
+          </a:prstGeom>
+          <a:noFill/>
+        </p:spPr>
+        <p:txBody>
+          <a:bodyPr wrap="none" rtlCol="0">
+            <a:spAutoFit/>
+          </a:bodyPr>
+          <a:lstStyle/>
+          <a:p>
+            <a:r>
+              <a:rPr lang="zh-CN" altLang="en-US" dirty="0" smtClean="0"/>
+              <a:t>只需要修改</a:t>
+            </a:r>
+            <a:r>
+              <a:rPr lang="en-US" altLang="zh-CN" dirty="0" err="1" smtClean="0"/>
+              <a:t>configs.properties</a:t>
+            </a:r>
+            <a:r>
+              <a:rPr lang="zh-CN" altLang="en-US" dirty="0" smtClean="0"/>
+              <a:t>文件中的配置，就可以在</a:t>
+            </a:r>
+            <a:r>
+              <a:rPr lang="en-US" altLang="zh-CN" dirty="0" err="1" smtClean="0"/>
+              <a:t>dao</a:t>
+            </a:r>
+            <a:r>
+              <a:rPr lang="zh-CN" altLang="en-US" dirty="0" smtClean="0"/>
+              <a:t>层实现类中注入</a:t>
+            </a:r>
+            <a:endParaRPr lang="en-US" altLang="zh-CN" dirty="0" smtClean="0"/>
+          </a:p>
+          <a:p>
+            <a:r>
+              <a:rPr lang="en-US" altLang="zh-CN" dirty="0" err="1" smtClean="0"/>
+              <a:t>Jdbc</a:t>
+            </a:r>
+            <a:r>
+              <a:rPr lang="zh-CN" altLang="en-US" dirty="0" smtClean="0"/>
+              <a:t>对象操作数据库</a:t>
+            </a:r>
+            <a:endParaRPr lang="zh-CN" altLang="en-US" dirty="0"/>
+          </a:p>
+        </p:txBody>
+      </p:sp>
+    </p:spTree>
+  </p:cSld>
+  <p:clrMapOvr>
+    <a:masterClrMapping/>
+  </p:clrMapOvr>
+</p:sld>
+</file>
+
+<file path=ppt/slides/slide70.xml><?xml version="1.0" encoding="utf-8"?>
+<p:sld xmlns:a="http://schemas.openxmlformats.org/drawingml/2006/main" xmlns:r="http://schemas.openxmlformats.org/officeDocument/2006/relationships" xmlns:p="http://schemas.openxmlformats.org/presentationml/2006/main">
+  <p:cSld>
+    <p:spTree>
+      <p:nvGrpSpPr>
+        <p:cNvPr id="1" name=""/>
+        <p:cNvGrpSpPr/>
+        <p:nvPr/>
+      </p:nvGrpSpPr>
+      <p:grpSpPr>
+        <a:xfrm>
+          <a:off x="0" y="0"/>
+          <a:ext cx="0" cy="0"/>
+          <a:chOff x="0" y="0"/>
+          <a:chExt cx="0" cy="0"/>
+        </a:xfrm>
+      </p:grpSpPr>
+      <p:sp>
+        <p:nvSpPr>
+          <p:cNvPr id="2" name="内容占位符 1"/>
+          <p:cNvSpPr>
+            <a:spLocks noGrp="1"/>
+          </p:cNvSpPr>
+          <p:nvPr>
+            <p:ph idx="1"/>
+          </p:nvPr>
+        </p:nvSpPr>
+        <p:spPr/>
+        <p:txBody>
+          <a:bodyPr/>
+          <a:lstStyle/>
+          <a:p>
+            <a:r>
+              <a:rPr lang="zh-CN" altLang="en-US" dirty="0" smtClean="0"/>
+              <a:t>注册表用于一般的用户配置，希望可以在运行时修改的参数</a:t>
+            </a:r>
+            <a:endParaRPr lang="en-US" altLang="zh-CN" dirty="0" smtClean="0"/>
+          </a:p>
+          <a:p>
+            <a:r>
+              <a:rPr lang="zh-CN" altLang="en-US" dirty="0" smtClean="0"/>
+              <a:t>配置完注册表之后，可以在代码中调用获取设置的值</a:t>
+            </a:r>
+            <a:endParaRPr lang="en-US" altLang="zh-CN" dirty="0" smtClean="0"/>
+          </a:p>
+          <a:p>
+            <a:endParaRPr lang="en-US" altLang="zh-CN" dirty="0" smtClean="0"/>
+          </a:p>
+          <a:p>
+            <a:endParaRPr lang="zh-CN" altLang="en-US" dirty="0"/>
+          </a:p>
+        </p:txBody>
+      </p:sp>
+      <p:sp>
+        <p:nvSpPr>
+          <p:cNvPr id="3" name="标题 2"/>
+          <p:cNvSpPr>
+            <a:spLocks noGrp="1"/>
+          </p:cNvSpPr>
+          <p:nvPr>
+            <p:ph type="title"/>
+          </p:nvPr>
+        </p:nvSpPr>
+        <p:spPr/>
+        <p:txBody>
+          <a:bodyPr/>
+          <a:lstStyle/>
+          <a:p>
+            <a:r>
+              <a:rPr lang="zh-CN" altLang="en-US" dirty="0" smtClean="0"/>
+              <a:t>注册表管理</a:t>
+            </a:r>
+            <a:endParaRPr lang="zh-CN" altLang="en-US" dirty="0"/>
+          </a:p>
+        </p:txBody>
+      </p:sp>
+    </p:spTree>
+  </p:cSld>
+  <p:clrMapOvr>
+    <a:masterClrMapping/>
+  </p:clrMapOvr>
+</p:sld>
+</file>
+
+<file path=ppt/slides/slide71.xml><?xml version="1.0" encoding="utf-8"?>
+<p:sld xmlns:a="http://schemas.openxmlformats.org/drawingml/2006/main" xmlns:r="http://schemas.openxmlformats.org/officeDocument/2006/relationships" xmlns:p="http://schemas.openxmlformats.org/presentationml/2006/main">
+  <p:cSld>
+    <p:spTree>
+      <p:nvGrpSpPr>
+        <p:cNvPr id="1" name=""/>
+        <p:cNvGrpSpPr/>
+        <p:nvPr/>
+      </p:nvGrpSpPr>
+      <p:grpSpPr>
+        <a:xfrm>
+          <a:off x="0" y="0"/>
+          <a:ext cx="0" cy="0"/>
+          <a:chOff x="0" y="0"/>
+          <a:chExt cx="0" cy="0"/>
+        </a:xfrm>
+      </p:grpSpPr>
+      <p:sp>
+        <p:nvSpPr>
+          <p:cNvPr id="3" name="标题 2"/>
+          <p:cNvSpPr>
+            <a:spLocks noGrp="1"/>
+          </p:cNvSpPr>
+          <p:nvPr>
+            <p:ph type="title"/>
+          </p:nvPr>
+        </p:nvSpPr>
+        <p:spPr>
+          <a:xfrm>
+            <a:off x="142844" y="-24"/>
+            <a:ext cx="8229600" cy="1143000"/>
+          </a:xfrm>
+        </p:spPr>
+        <p:txBody>
+          <a:bodyPr/>
+          <a:lstStyle/>
+          <a:p>
+            <a:r>
+              <a:rPr lang="zh-CN" altLang="en-US" dirty="0" smtClean="0"/>
+              <a:t>注册表管理</a:t>
+            </a:r>
+            <a:endParaRPr lang="zh-CN" altLang="en-US" dirty="0"/>
+          </a:p>
+        </p:txBody>
+      </p:sp>
+      <p:pic>
+        <p:nvPicPr>
+          <p:cNvPr id="15362" name="Picture 2"/>
+          <p:cNvPicPr>
+            <a:picLocks noChangeAspect="1" noChangeArrowheads="1"/>
+          </p:cNvPicPr>
+          <p:nvPr/>
+        </p:nvPicPr>
+        <p:blipFill>
+          <a:blip r:embed="rId2"/>
+          <a:srcRect/>
+          <a:stretch>
+            <a:fillRect/>
+          </a:stretch>
+        </p:blipFill>
+        <p:spPr bwMode="auto">
+          <a:xfrm>
+            <a:off x="142844" y="985861"/>
+            <a:ext cx="6076950" cy="5800725"/>
+          </a:xfrm>
+          <a:prstGeom prst="rect">
+            <a:avLst/>
+          </a:prstGeom>
+          <a:noFill/>
+          <a:ln w="9525">
+            <a:noFill/>
+            <a:miter lim="800000"/>
+            <a:headEnd/>
+            <a:tailEnd/>
+          </a:ln>
+          <a:effectLst/>
+        </p:spPr>
+      </p:pic>
+      <p:sp>
+        <p:nvSpPr>
+          <p:cNvPr id="5" name="TextBox 4"/>
+          <p:cNvSpPr txBox="1"/>
+          <p:nvPr/>
+        </p:nvSpPr>
+        <p:spPr>
+          <a:xfrm>
+            <a:off x="4643438" y="4214818"/>
+            <a:ext cx="3544560" cy="369332"/>
+          </a:xfrm>
+          <a:prstGeom prst="rect">
+            <a:avLst/>
+          </a:prstGeom>
+          <a:noFill/>
+        </p:spPr>
+        <p:txBody>
+          <a:bodyPr wrap="none" rtlCol="0">
+            <a:spAutoFit/>
+          </a:bodyPr>
+          <a:lstStyle/>
+          <a:p>
+            <a:r>
+              <a:rPr lang="zh-CN" altLang="en-US" dirty="0" smtClean="0"/>
+              <a:t>调用</a:t>
+            </a:r>
+            <a:r>
+              <a:rPr lang="en-US" altLang="zh-CN" dirty="0" smtClean="0"/>
+              <a:t>get</a:t>
+            </a:r>
+            <a:r>
+              <a:rPr lang="zh-CN" altLang="en-US" dirty="0" smtClean="0"/>
+              <a:t>方法就可以获取对应的值</a:t>
+            </a:r>
+            <a:endParaRPr lang="zh-CN" altLang="en-US" dirty="0"/>
+          </a:p>
+        </p:txBody>
+      </p:sp>
+    </p:spTree>
+  </p:cSld>
+  <p:clrMapOvr>
+    <a:masterClrMapping/>
+  </p:clrMapOvr>
+</p:sld>
+</file>
+
+<file path=ppt/slides/slide72.xml><?xml version="1.0" encoding="utf-8"?>
+<p:sld xmlns:a="http://schemas.openxmlformats.org/drawingml/2006/main" xmlns:r="http://schemas.openxmlformats.org/officeDocument/2006/relationships" xmlns:p="http://schemas.openxmlformats.org/presentationml/2006/main">
+  <p:cSld>
+    <p:spTree>
+      <p:nvGrpSpPr>
+        <p:cNvPr id="1" name=""/>
+        <p:cNvGrpSpPr/>
+        <p:nvPr/>
+      </p:nvGrpSpPr>
+      <p:grpSpPr>
+        <a:xfrm>
+          <a:off x="0" y="0"/>
+          <a:ext cx="0" cy="0"/>
+          <a:chOff x="0" y="0"/>
+          <a:chExt cx="0" cy="0"/>
+        </a:xfrm>
+      </p:grpSpPr>
+      <p:sp>
+        <p:nvSpPr>
+          <p:cNvPr id="3" name="标题 2"/>
+          <p:cNvSpPr>
+            <a:spLocks noGrp="1"/>
+          </p:cNvSpPr>
+          <p:nvPr>
+            <p:ph type="title"/>
+          </p:nvPr>
+        </p:nvSpPr>
+        <p:spPr/>
+        <p:txBody>
+          <a:bodyPr/>
+          <a:lstStyle/>
+          <a:p>
+            <a:r>
+              <a:rPr lang="en-US" altLang="zh-CN" dirty="0" err="1" smtClean="0"/>
+              <a:t>Mybatis</a:t>
+            </a:r>
+            <a:r>
+              <a:rPr lang="zh-CN" altLang="en-US" dirty="0" smtClean="0"/>
+              <a:t>二级缓存</a:t>
+            </a:r>
+            <a:endParaRPr lang="zh-CN" altLang="en-US" dirty="0"/>
+          </a:p>
+        </p:txBody>
+      </p:sp>
+      <p:pic>
+        <p:nvPicPr>
+          <p:cNvPr id="16386" name="Picture 2"/>
+          <p:cNvPicPr>
+            <a:picLocks noChangeAspect="1" noChangeArrowheads="1"/>
+          </p:cNvPicPr>
+          <p:nvPr/>
+        </p:nvPicPr>
+        <p:blipFill>
+          <a:blip r:embed="rId2"/>
+          <a:srcRect/>
+          <a:stretch>
+            <a:fillRect/>
+          </a:stretch>
+        </p:blipFill>
+        <p:spPr bwMode="auto">
+          <a:xfrm>
+            <a:off x="500034" y="1285860"/>
+            <a:ext cx="6627813" cy="3238500"/>
+          </a:xfrm>
+          <a:prstGeom prst="rect">
+            <a:avLst/>
+          </a:prstGeom>
+          <a:noFill/>
+          <a:ln w="9525">
+            <a:noFill/>
+            <a:miter lim="800000"/>
+            <a:headEnd/>
+            <a:tailEnd/>
+          </a:ln>
+          <a:effectLst/>
+        </p:spPr>
+      </p:pic>
+      <p:sp>
+        <p:nvSpPr>
+          <p:cNvPr id="5" name="TextBox 4"/>
+          <p:cNvSpPr txBox="1"/>
+          <p:nvPr/>
+        </p:nvSpPr>
+        <p:spPr>
+          <a:xfrm>
+            <a:off x="500034" y="4786322"/>
+            <a:ext cx="7417415" cy="646331"/>
+          </a:xfrm>
+          <a:prstGeom prst="rect">
+            <a:avLst/>
+          </a:prstGeom>
+          <a:noFill/>
+        </p:spPr>
+        <p:txBody>
+          <a:bodyPr wrap="none" rtlCol="0">
+            <a:spAutoFit/>
+          </a:bodyPr>
+          <a:lstStyle/>
+          <a:p>
+            <a:r>
+              <a:rPr lang="zh-CN" altLang="en-US" dirty="0" smtClean="0"/>
+              <a:t>只需要在</a:t>
+            </a:r>
+            <a:r>
+              <a:rPr lang="en-US" altLang="zh-CN" dirty="0" err="1" smtClean="0"/>
+              <a:t>Mybatis</a:t>
+            </a:r>
+            <a:r>
+              <a:rPr lang="zh-CN" altLang="en-US" dirty="0" smtClean="0"/>
+              <a:t>的</a:t>
+            </a:r>
+            <a:r>
+              <a:rPr lang="en-US" altLang="zh-CN" dirty="0" smtClean="0"/>
+              <a:t>xml</a:t>
+            </a:r>
+            <a:r>
+              <a:rPr lang="zh-CN" altLang="en-US" dirty="0" smtClean="0"/>
+              <a:t>文件中增加</a:t>
+            </a:r>
+            <a:r>
+              <a:rPr lang="en-US" altLang="zh-CN" dirty="0" smtClean="0"/>
+              <a:t>cache</a:t>
+            </a:r>
+            <a:r>
+              <a:rPr lang="zh-CN" altLang="en-US" dirty="0" smtClean="0"/>
+              <a:t>标签，就可以使用二级缓存，</a:t>
+            </a:r>
+            <a:endParaRPr lang="en-US" altLang="zh-CN" dirty="0" smtClean="0"/>
+          </a:p>
+          <a:p>
+            <a:r>
+              <a:rPr lang="zh-CN" altLang="en-US" dirty="0" smtClean="0"/>
+              <a:t>目前支持本地默认缓存和</a:t>
+            </a:r>
+            <a:r>
+              <a:rPr lang="en-US" altLang="zh-CN" dirty="0" err="1" smtClean="0"/>
+              <a:t>Redis</a:t>
+            </a:r>
+            <a:r>
+              <a:rPr lang="zh-CN" altLang="en-US" dirty="0" smtClean="0"/>
+              <a:t>缓存</a:t>
+            </a:r>
+            <a:endParaRPr lang="zh-CN" altLang="en-US" dirty="0"/>
+          </a:p>
+        </p:txBody>
+      </p:sp>
+    </p:spTree>
+  </p:cSld>
+  <p:clrMapOvr>
+    <a:masterClrMapping/>
+  </p:clrMapOvr>
+</p:sld>
+</file>
+
+<file path=ppt/slides/slide73.xml><?xml version="1.0" encoding="utf-8"?>
+<p:sld xmlns:a="http://schemas.openxmlformats.org/drawingml/2006/main" xmlns:r="http://schemas.openxmlformats.org/officeDocument/2006/relationships" xmlns:p="http://schemas.openxmlformats.org/presentationml/2006/main">
+  <p:cSld>
+    <p:spTree>
+      <p:nvGrpSpPr>
+        <p:cNvPr id="1" name=""/>
+        <p:cNvGrpSpPr/>
+        <p:nvPr/>
+      </p:nvGrpSpPr>
+      <p:grpSpPr>
+        <a:xfrm>
+          <a:off x="0" y="0"/>
+          <a:ext cx="0" cy="0"/>
+          <a:chOff x="0" y="0"/>
+          <a:chExt cx="0" cy="0"/>
+        </a:xfrm>
+      </p:grpSpPr>
+      <p:sp>
+        <p:nvSpPr>
+          <p:cNvPr id="3" name="标题 2"/>
+          <p:cNvSpPr>
+            <a:spLocks noGrp="1"/>
+          </p:cNvSpPr>
+          <p:nvPr>
+            <p:ph type="title"/>
+          </p:nvPr>
+        </p:nvSpPr>
+        <p:spPr/>
+        <p:txBody>
+          <a:bodyPr/>
+          <a:lstStyle/>
+          <a:p>
+            <a:r>
+              <a:rPr lang="en-US" altLang="zh-CN" dirty="0" smtClean="0"/>
+              <a:t>Spring Cache</a:t>
+            </a:r>
+            <a:endParaRPr lang="zh-CN" altLang="en-US" dirty="0"/>
+          </a:p>
+        </p:txBody>
+      </p:sp>
+      <p:pic>
+        <p:nvPicPr>
+          <p:cNvPr id="17411" name="Picture 3"/>
+          <p:cNvPicPr>
+            <a:picLocks noChangeAspect="1" noChangeArrowheads="1"/>
+          </p:cNvPicPr>
+          <p:nvPr/>
+        </p:nvPicPr>
+        <p:blipFill>
+          <a:blip r:embed="rId2"/>
+          <a:srcRect/>
+          <a:stretch>
+            <a:fillRect/>
+          </a:stretch>
+        </p:blipFill>
+        <p:spPr bwMode="auto">
+          <a:xfrm>
+            <a:off x="500034" y="1247775"/>
+            <a:ext cx="3524250" cy="5610225"/>
+          </a:xfrm>
+          <a:prstGeom prst="rect">
+            <a:avLst/>
+          </a:prstGeom>
+          <a:noFill/>
+          <a:ln w="9525">
+            <a:noFill/>
+            <a:miter lim="800000"/>
+            <a:headEnd/>
+            <a:tailEnd/>
+          </a:ln>
+          <a:effectLst/>
+        </p:spPr>
+      </p:pic>
+      <p:sp>
+        <p:nvSpPr>
+          <p:cNvPr id="6" name="TextBox 5"/>
+          <p:cNvSpPr txBox="1"/>
+          <p:nvPr/>
+        </p:nvSpPr>
+        <p:spPr>
+          <a:xfrm>
+            <a:off x="4643438" y="1357298"/>
+            <a:ext cx="3789820" cy="646331"/>
+          </a:xfrm>
+          <a:prstGeom prst="rect">
+            <a:avLst/>
+          </a:prstGeom>
+          <a:noFill/>
+        </p:spPr>
+        <p:txBody>
+          <a:bodyPr wrap="none" rtlCol="0">
+            <a:spAutoFit/>
+          </a:bodyPr>
+          <a:lstStyle/>
+          <a:p>
+            <a:r>
+              <a:rPr lang="zh-CN" altLang="en-US" dirty="0" smtClean="0"/>
+              <a:t>已经集成了</a:t>
+            </a:r>
+            <a:r>
+              <a:rPr lang="en-US" altLang="zh-CN" dirty="0" smtClean="0"/>
+              <a:t>Spring Cache</a:t>
+            </a:r>
+            <a:r>
+              <a:rPr lang="zh-CN" altLang="en-US" dirty="0" smtClean="0"/>
+              <a:t>，</a:t>
+            </a:r>
+            <a:endParaRPr lang="en-US" altLang="zh-CN" dirty="0" smtClean="0"/>
+          </a:p>
+          <a:p>
+            <a:r>
+              <a:rPr lang="zh-CN" altLang="en-US" dirty="0" smtClean="0"/>
+              <a:t>实现了默认的本地缓存和</a:t>
+            </a:r>
+            <a:r>
+              <a:rPr lang="en-US" altLang="zh-CN" dirty="0" err="1" smtClean="0"/>
+              <a:t>Redis</a:t>
+            </a:r>
+            <a:r>
+              <a:rPr lang="zh-CN" altLang="en-US" dirty="0" smtClean="0"/>
+              <a:t>缓存</a:t>
+            </a:r>
+            <a:endParaRPr lang="zh-CN" altLang="en-US" dirty="0"/>
+          </a:p>
+        </p:txBody>
+      </p:sp>
+      <p:sp>
+        <p:nvSpPr>
+          <p:cNvPr id="7" name="TextBox 6"/>
+          <p:cNvSpPr txBox="1"/>
+          <p:nvPr/>
+        </p:nvSpPr>
+        <p:spPr>
+          <a:xfrm>
+            <a:off x="4714876" y="2500306"/>
+            <a:ext cx="3964547" cy="646331"/>
+          </a:xfrm>
+          <a:prstGeom prst="rect">
+            <a:avLst/>
+          </a:prstGeom>
+          <a:noFill/>
+        </p:spPr>
+        <p:txBody>
+          <a:bodyPr wrap="none" rtlCol="0">
+            <a:spAutoFit/>
+          </a:bodyPr>
+          <a:lstStyle/>
+          <a:p>
+            <a:r>
+              <a:rPr lang="zh-CN" altLang="en-US" dirty="0" smtClean="0"/>
+              <a:t>直接在方法上面使用</a:t>
+            </a:r>
+            <a:r>
+              <a:rPr lang="en-US" altLang="zh-CN" dirty="0" smtClean="0"/>
+              <a:t>Spring Cache</a:t>
+            </a:r>
+            <a:r>
+              <a:rPr lang="zh-CN" altLang="en-US" dirty="0" smtClean="0"/>
+              <a:t>的</a:t>
+            </a:r>
+            <a:endParaRPr lang="en-US" altLang="zh-CN" dirty="0" smtClean="0"/>
+          </a:p>
+          <a:p>
+            <a:r>
+              <a:rPr lang="zh-CN" altLang="en-US" dirty="0" smtClean="0"/>
+              <a:t>注解即可</a:t>
+            </a:r>
+            <a:endParaRPr lang="zh-CN" altLang="en-US" dirty="0"/>
+          </a:p>
+        </p:txBody>
+      </p:sp>
+    </p:spTree>
+  </p:cSld>
+  <p:clrMapOvr>
+    <a:masterClrMapping/>
+  </p:clrMapOvr>
+</p:sld>
+</file>
+
+<file path=ppt/slides/slide74.xml><?xml version="1.0" encoding="utf-8"?>
+<p:sld xmlns:a="http://schemas.openxmlformats.org/drawingml/2006/main" xmlns:r="http://schemas.openxmlformats.org/officeDocument/2006/relationships" xmlns:p="http://schemas.openxmlformats.org/presentationml/2006/main">
+  <p:cSld>
+    <p:spTree>
+      <p:nvGrpSpPr>
+        <p:cNvPr id="1" name=""/>
+        <p:cNvGrpSpPr/>
+        <p:nvPr/>
+      </p:nvGrpSpPr>
+      <p:grpSpPr>
+        <a:xfrm>
+          <a:off x="0" y="0"/>
+          <a:ext cx="0" cy="0"/>
+          <a:chOff x="0" y="0"/>
+          <a:chExt cx="0" cy="0"/>
+        </a:xfrm>
+      </p:grpSpPr>
+      <p:sp>
+        <p:nvSpPr>
+          <p:cNvPr id="3" name="标题 2"/>
+          <p:cNvSpPr>
+            <a:spLocks noGrp="1"/>
+          </p:cNvSpPr>
+          <p:nvPr>
+            <p:ph type="title"/>
+          </p:nvPr>
+        </p:nvSpPr>
+        <p:spPr/>
+        <p:txBody>
+          <a:bodyPr/>
+          <a:lstStyle/>
+          <a:p>
+            <a:r>
+              <a:rPr lang="zh-CN" altLang="en-US" dirty="0" smtClean="0"/>
               <a:t>地址联动</a:t>
             </a:r>
             <a:endParaRPr lang="zh-CN" altLang="en-US" dirty="0"/>
@@ -11754,7 +14627,757 @@
 </p:sld>
 </file>
 
-<file path=ppt/slides/slide61.xml><?xml version="1.0" encoding="utf-8"?>
+<file path=ppt/slides/slide75.xml><?xml version="1.0" encoding="utf-8"?>
+<p:sld xmlns:a="http://schemas.openxmlformats.org/drawingml/2006/main" xmlns:r="http://schemas.openxmlformats.org/officeDocument/2006/relationships" xmlns:p="http://schemas.openxmlformats.org/presentationml/2006/main">
+  <p:cSld>
+    <p:spTree>
+      <p:nvGrpSpPr>
+        <p:cNvPr id="1" name=""/>
+        <p:cNvGrpSpPr/>
+        <p:nvPr/>
+      </p:nvGrpSpPr>
+      <p:grpSpPr>
+        <a:xfrm>
+          <a:off x="0" y="0"/>
+          <a:ext cx="0" cy="0"/>
+          <a:chOff x="0" y="0"/>
+          <a:chExt cx="0" cy="0"/>
+        </a:xfrm>
+      </p:grpSpPr>
+      <p:sp>
+        <p:nvSpPr>
+          <p:cNvPr id="2" name="内容占位符 1"/>
+          <p:cNvSpPr>
+            <a:spLocks noGrp="1"/>
+          </p:cNvSpPr>
+          <p:nvPr>
+            <p:ph idx="1"/>
+          </p:nvPr>
+        </p:nvSpPr>
+        <p:spPr/>
+        <p:txBody>
+          <a:bodyPr/>
+          <a:lstStyle/>
+          <a:p>
+            <a:r>
+              <a:rPr lang="en-US" altLang="zh-CN" dirty="0" err="1" smtClean="0"/>
+              <a:t>json</a:t>
+            </a:r>
+            <a:r>
+              <a:rPr lang="zh-CN" altLang="en-US" dirty="0" smtClean="0"/>
+              <a:t>方式在原来的</a:t>
+            </a:r>
+            <a:r>
+              <a:rPr lang="en-US" altLang="zh-CN" dirty="0" err="1" smtClean="0"/>
+              <a:t>jackson</a:t>
+            </a:r>
+            <a:r>
+              <a:rPr lang="zh-CN" altLang="en-US" dirty="0" smtClean="0"/>
+              <a:t>的基础上，增加了</a:t>
+            </a:r>
+            <a:r>
+              <a:rPr lang="en-US" altLang="zh-CN" dirty="0" err="1" smtClean="0"/>
+              <a:t>fastjson</a:t>
+            </a:r>
+            <a:r>
+              <a:rPr lang="zh-CN" altLang="en-US" dirty="0" smtClean="0"/>
+              <a:t>实现方式</a:t>
+            </a:r>
+            <a:endParaRPr lang="en-US" altLang="zh-CN" dirty="0" smtClean="0"/>
+          </a:p>
+          <a:p>
+            <a:r>
+              <a:rPr lang="zh-CN" altLang="en-US" dirty="0" smtClean="0"/>
+              <a:t>直接调用</a:t>
+            </a:r>
+            <a:r>
+              <a:rPr lang="en-US" altLang="zh-CN" dirty="0" err="1" smtClean="0"/>
+              <a:t>FastJsonUtil</a:t>
+            </a:r>
+            <a:r>
+              <a:rPr lang="zh-CN" altLang="en-US" dirty="0" smtClean="0"/>
+              <a:t>类，即可使用</a:t>
+            </a:r>
+            <a:endParaRPr lang="zh-CN" altLang="en-US" dirty="0"/>
+          </a:p>
+        </p:txBody>
+      </p:sp>
+      <p:sp>
+        <p:nvSpPr>
+          <p:cNvPr id="3" name="标题 2"/>
+          <p:cNvSpPr>
+            <a:spLocks noGrp="1"/>
+          </p:cNvSpPr>
+          <p:nvPr>
+            <p:ph type="title"/>
+          </p:nvPr>
+        </p:nvSpPr>
+        <p:spPr/>
+        <p:txBody>
+          <a:bodyPr/>
+          <a:lstStyle/>
+          <a:p>
+            <a:r>
+              <a:rPr lang="en-US" altLang="zh-CN" dirty="0" err="1" smtClean="0"/>
+              <a:t>FastJson</a:t>
+            </a:r>
+            <a:endParaRPr lang="zh-CN" altLang="en-US" dirty="0"/>
+          </a:p>
+        </p:txBody>
+      </p:sp>
+    </p:spTree>
+  </p:cSld>
+  <p:clrMapOvr>
+    <a:masterClrMapping/>
+  </p:clrMapOvr>
+</p:sld>
+</file>
+
+<file path=ppt/slides/slide76.xml><?xml version="1.0" encoding="utf-8"?>
+<p:sld xmlns:a="http://schemas.openxmlformats.org/drawingml/2006/main" xmlns:r="http://schemas.openxmlformats.org/officeDocument/2006/relationships" xmlns:p="http://schemas.openxmlformats.org/presentationml/2006/main">
+  <p:cSld>
+    <p:spTree>
+      <p:nvGrpSpPr>
+        <p:cNvPr id="1" name=""/>
+        <p:cNvGrpSpPr/>
+        <p:nvPr/>
+      </p:nvGrpSpPr>
+      <p:grpSpPr>
+        <a:xfrm>
+          <a:off x="0" y="0"/>
+          <a:ext cx="0" cy="0"/>
+          <a:chOff x="0" y="0"/>
+          <a:chExt cx="0" cy="0"/>
+        </a:xfrm>
+      </p:grpSpPr>
+      <p:sp>
+        <p:nvSpPr>
+          <p:cNvPr id="3" name="标题 2"/>
+          <p:cNvSpPr>
+            <a:spLocks noGrp="1"/>
+          </p:cNvSpPr>
+          <p:nvPr>
+            <p:ph type="title"/>
+          </p:nvPr>
+        </p:nvSpPr>
+        <p:spPr/>
+        <p:txBody>
+          <a:bodyPr/>
+          <a:lstStyle/>
+          <a:p>
+            <a:r>
+              <a:rPr lang="en-US" altLang="zh-CN" dirty="0" err="1" smtClean="0"/>
+              <a:t>Dubbo</a:t>
+            </a:r>
+            <a:endParaRPr lang="zh-CN" altLang="en-US" dirty="0"/>
+          </a:p>
+        </p:txBody>
+      </p:sp>
+      <p:pic>
+        <p:nvPicPr>
+          <p:cNvPr id="18434" name="Picture 2"/>
+          <p:cNvPicPr>
+            <a:picLocks noChangeAspect="1" noChangeArrowheads="1"/>
+          </p:cNvPicPr>
+          <p:nvPr/>
+        </p:nvPicPr>
+        <p:blipFill>
+          <a:blip r:embed="rId2"/>
+          <a:srcRect/>
+          <a:stretch>
+            <a:fillRect/>
+          </a:stretch>
+        </p:blipFill>
+        <p:spPr bwMode="auto">
+          <a:xfrm>
+            <a:off x="0" y="1285860"/>
+            <a:ext cx="8929718" cy="2200275"/>
+          </a:xfrm>
+          <a:prstGeom prst="rect">
+            <a:avLst/>
+          </a:prstGeom>
+          <a:noFill/>
+          <a:ln w="9525">
+            <a:noFill/>
+            <a:miter lim="800000"/>
+            <a:headEnd/>
+            <a:tailEnd/>
+          </a:ln>
+          <a:effectLst/>
+        </p:spPr>
+      </p:pic>
+      <p:sp>
+        <p:nvSpPr>
+          <p:cNvPr id="5" name="TextBox 4"/>
+          <p:cNvSpPr txBox="1"/>
+          <p:nvPr/>
+        </p:nvSpPr>
+        <p:spPr>
+          <a:xfrm>
+            <a:off x="214282" y="3786190"/>
+            <a:ext cx="5641288" cy="923330"/>
+          </a:xfrm>
+          <a:prstGeom prst="rect">
+            <a:avLst/>
+          </a:prstGeom>
+          <a:noFill/>
+        </p:spPr>
+        <p:txBody>
+          <a:bodyPr wrap="none" rtlCol="0">
+            <a:spAutoFit/>
+          </a:bodyPr>
+          <a:lstStyle/>
+          <a:p>
+            <a:r>
+              <a:rPr lang="zh-CN" altLang="en-US" dirty="0" smtClean="0"/>
+              <a:t>系统集成了</a:t>
+            </a:r>
+            <a:r>
+              <a:rPr lang="en-US" altLang="zh-CN" dirty="0" err="1" smtClean="0"/>
+              <a:t>Dubbo</a:t>
+            </a:r>
+            <a:r>
+              <a:rPr lang="zh-CN" altLang="en-US" dirty="0" smtClean="0"/>
+              <a:t>，</a:t>
+            </a:r>
+            <a:endParaRPr lang="en-US" altLang="zh-CN" dirty="0" smtClean="0"/>
+          </a:p>
+          <a:p>
+            <a:r>
+              <a:rPr lang="zh-CN" altLang="en-US" dirty="0" smtClean="0"/>
+              <a:t>可以参考</a:t>
+            </a:r>
+            <a:r>
+              <a:rPr lang="en-US" altLang="zh-CN" dirty="0" smtClean="0"/>
+              <a:t>SpringDubbo.xml</a:t>
+            </a:r>
+            <a:r>
+              <a:rPr lang="zh-CN" altLang="en-US" dirty="0" smtClean="0"/>
+              <a:t>的配置和</a:t>
+            </a:r>
+            <a:r>
+              <a:rPr lang="en-US" altLang="zh-CN" dirty="0" err="1" smtClean="0"/>
+              <a:t>dubbo</a:t>
+            </a:r>
+            <a:r>
+              <a:rPr lang="zh-CN" altLang="en-US" dirty="0" smtClean="0"/>
+              <a:t>包下的类</a:t>
+            </a:r>
+            <a:endParaRPr lang="en-US" altLang="zh-CN" dirty="0" smtClean="0"/>
+          </a:p>
+          <a:p>
+            <a:r>
+              <a:rPr lang="zh-CN" altLang="en-US" dirty="0" smtClean="0"/>
+              <a:t>使用</a:t>
+            </a:r>
+            <a:r>
+              <a:rPr lang="en-US" altLang="zh-CN" dirty="0" err="1" smtClean="0"/>
+              <a:t>Dubbo</a:t>
+            </a:r>
+            <a:r>
+              <a:rPr lang="zh-CN" altLang="en-US" dirty="0" smtClean="0"/>
+              <a:t>来提供服务和调用服务</a:t>
+            </a:r>
+            <a:endParaRPr lang="zh-CN" altLang="en-US" dirty="0"/>
+          </a:p>
+        </p:txBody>
+      </p:sp>
+    </p:spTree>
+  </p:cSld>
+  <p:clrMapOvr>
+    <a:masterClrMapping/>
+  </p:clrMapOvr>
+</p:sld>
+</file>
+
+<file path=ppt/slides/slide77.xml><?xml version="1.0" encoding="utf-8"?>
+<p:sld xmlns:a="http://schemas.openxmlformats.org/drawingml/2006/main" xmlns:r="http://schemas.openxmlformats.org/officeDocument/2006/relationships" xmlns:p="http://schemas.openxmlformats.org/presentationml/2006/main">
+  <p:cSld>
+    <p:spTree>
+      <p:nvGrpSpPr>
+        <p:cNvPr id="1" name=""/>
+        <p:cNvGrpSpPr/>
+        <p:nvPr/>
+      </p:nvGrpSpPr>
+      <p:grpSpPr>
+        <a:xfrm>
+          <a:off x="0" y="0"/>
+          <a:ext cx="0" cy="0"/>
+          <a:chOff x="0" y="0"/>
+          <a:chExt cx="0" cy="0"/>
+        </a:xfrm>
+      </p:grpSpPr>
+      <p:sp>
+        <p:nvSpPr>
+          <p:cNvPr id="2" name="内容占位符 1"/>
+          <p:cNvSpPr>
+            <a:spLocks noGrp="1"/>
+          </p:cNvSpPr>
+          <p:nvPr>
+            <p:ph idx="1"/>
+          </p:nvPr>
+        </p:nvSpPr>
+        <p:spPr/>
+        <p:txBody>
+          <a:bodyPr/>
+          <a:lstStyle/>
+          <a:p>
+            <a:r>
+              <a:rPr lang="zh-CN" altLang="en-US" dirty="0" smtClean="0"/>
+              <a:t>系统使用的数据库连接池为</a:t>
+            </a:r>
+            <a:r>
+              <a:rPr lang="en-US" altLang="zh-CN" dirty="0" smtClean="0"/>
+              <a:t>druid</a:t>
+            </a:r>
+          </a:p>
+          <a:p>
+            <a:r>
+              <a:rPr lang="zh-CN" altLang="en-US" dirty="0" smtClean="0"/>
+              <a:t>相关的监控配置，已经配置好了，可以直接进入</a:t>
+            </a:r>
+            <a:r>
+              <a:rPr lang="en-US" altLang="zh-CN" dirty="0" smtClean="0"/>
+              <a:t>druid</a:t>
+            </a:r>
+            <a:r>
+              <a:rPr lang="zh-CN" altLang="en-US" dirty="0" smtClean="0"/>
+              <a:t>的管理端查看数据库监控数据（关于</a:t>
+            </a:r>
+            <a:r>
+              <a:rPr lang="en-US" altLang="zh-CN" dirty="0" smtClean="0"/>
+              <a:t>druid</a:t>
+            </a:r>
+            <a:r>
+              <a:rPr lang="zh-CN" altLang="en-US" dirty="0" smtClean="0"/>
+              <a:t>的管理的使用相关信息可以网上找到）</a:t>
+            </a:r>
+            <a:endParaRPr lang="zh-CN" altLang="en-US" dirty="0"/>
+          </a:p>
+        </p:txBody>
+      </p:sp>
+      <p:sp>
+        <p:nvSpPr>
+          <p:cNvPr id="3" name="标题 2"/>
+          <p:cNvSpPr>
+            <a:spLocks noGrp="1"/>
+          </p:cNvSpPr>
+          <p:nvPr>
+            <p:ph type="title"/>
+          </p:nvPr>
+        </p:nvSpPr>
+        <p:spPr/>
+        <p:txBody>
+          <a:bodyPr/>
+          <a:lstStyle/>
+          <a:p>
+            <a:r>
+              <a:rPr lang="zh-CN" altLang="en-US" dirty="0" smtClean="0"/>
+              <a:t>数据库连接池</a:t>
+            </a:r>
+            <a:r>
+              <a:rPr lang="en-US" altLang="zh-CN" dirty="0" smtClean="0"/>
+              <a:t>druid</a:t>
+            </a:r>
+            <a:endParaRPr lang="zh-CN" altLang="en-US" dirty="0"/>
+          </a:p>
+        </p:txBody>
+      </p:sp>
+    </p:spTree>
+  </p:cSld>
+  <p:clrMapOvr>
+    <a:masterClrMapping/>
+  </p:clrMapOvr>
+</p:sld>
+</file>
+
+<file path=ppt/slides/slide78.xml><?xml version="1.0" encoding="utf-8"?>
+<p:sld xmlns:a="http://schemas.openxmlformats.org/drawingml/2006/main" xmlns:r="http://schemas.openxmlformats.org/officeDocument/2006/relationships" xmlns:p="http://schemas.openxmlformats.org/presentationml/2006/main">
+  <p:cSld>
+    <p:spTree>
+      <p:nvGrpSpPr>
+        <p:cNvPr id="1" name=""/>
+        <p:cNvGrpSpPr/>
+        <p:nvPr/>
+      </p:nvGrpSpPr>
+      <p:grpSpPr>
+        <a:xfrm>
+          <a:off x="0" y="0"/>
+          <a:ext cx="0" cy="0"/>
+          <a:chOff x="0" y="0"/>
+          <a:chExt cx="0" cy="0"/>
+        </a:xfrm>
+      </p:grpSpPr>
+      <p:sp>
+        <p:nvSpPr>
+          <p:cNvPr id="2" name="内容占位符 1"/>
+          <p:cNvSpPr>
+            <a:spLocks noGrp="1"/>
+          </p:cNvSpPr>
+          <p:nvPr>
+            <p:ph idx="1"/>
+          </p:nvPr>
+        </p:nvSpPr>
+        <p:spPr/>
+        <p:txBody>
+          <a:bodyPr/>
+          <a:lstStyle/>
+          <a:p>
+            <a:r>
+              <a:rPr lang="zh-CN" altLang="en-US" dirty="0" smtClean="0"/>
+              <a:t>已经配置好使用</a:t>
+            </a:r>
+            <a:r>
+              <a:rPr lang="en-US" altLang="zh-CN" dirty="0" smtClean="0"/>
+              <a:t>Spring</a:t>
+            </a:r>
+            <a:r>
+              <a:rPr lang="zh-CN" altLang="en-US" dirty="0" smtClean="0"/>
+              <a:t>集成操作</a:t>
+            </a:r>
+            <a:r>
+              <a:rPr lang="en-US" altLang="zh-CN" dirty="0" err="1" smtClean="0"/>
+              <a:t>RabbitMQ</a:t>
+            </a:r>
+            <a:endParaRPr lang="en-US" altLang="zh-CN" dirty="0" smtClean="0"/>
+          </a:p>
+          <a:p>
+            <a:r>
+              <a:rPr lang="zh-CN" altLang="en-US" dirty="0" smtClean="0"/>
+              <a:t>具体</a:t>
+            </a:r>
+            <a:r>
+              <a:rPr lang="zh-CN" altLang="en-US" dirty="0" smtClean="0"/>
+              <a:t>配置可以参照</a:t>
+            </a:r>
+            <a:r>
+              <a:rPr lang="en-US" altLang="zh-CN" dirty="0" smtClean="0"/>
+              <a:t>SpringMQ.xml</a:t>
+            </a:r>
+            <a:r>
+              <a:rPr lang="zh-CN" altLang="en-US" dirty="0" smtClean="0"/>
+              <a:t>和</a:t>
+            </a:r>
+            <a:r>
+              <a:rPr lang="en-US" altLang="zh-CN" dirty="0" err="1" smtClean="0"/>
+              <a:t>mq</a:t>
+            </a:r>
+            <a:r>
+              <a:rPr lang="zh-CN" altLang="en-US" dirty="0" smtClean="0"/>
+              <a:t>包下的类</a:t>
+            </a:r>
+            <a:endParaRPr lang="zh-CN" altLang="en-US" dirty="0"/>
+          </a:p>
+        </p:txBody>
+      </p:sp>
+      <p:sp>
+        <p:nvSpPr>
+          <p:cNvPr id="3" name="标题 2"/>
+          <p:cNvSpPr>
+            <a:spLocks noGrp="1"/>
+          </p:cNvSpPr>
+          <p:nvPr>
+            <p:ph type="title"/>
+          </p:nvPr>
+        </p:nvSpPr>
+        <p:spPr/>
+        <p:txBody>
+          <a:bodyPr/>
+          <a:lstStyle/>
+          <a:p>
+            <a:r>
+              <a:rPr lang="en-US" altLang="zh-CN" dirty="0" err="1" smtClean="0"/>
+              <a:t>RabbitMQ</a:t>
+            </a:r>
+            <a:endParaRPr lang="zh-CN" altLang="en-US" dirty="0"/>
+          </a:p>
+        </p:txBody>
+      </p:sp>
+    </p:spTree>
+  </p:cSld>
+  <p:clrMapOvr>
+    <a:masterClrMapping/>
+  </p:clrMapOvr>
+</p:sld>
+</file>
+
+<file path=ppt/slides/slide79.xml><?xml version="1.0" encoding="utf-8"?>
+<p:sld xmlns:a="http://schemas.openxmlformats.org/drawingml/2006/main" xmlns:r="http://schemas.openxmlformats.org/officeDocument/2006/relationships" xmlns:p="http://schemas.openxmlformats.org/presentationml/2006/main">
+  <p:cSld>
+    <p:spTree>
+      <p:nvGrpSpPr>
+        <p:cNvPr id="1" name=""/>
+        <p:cNvGrpSpPr/>
+        <p:nvPr/>
+      </p:nvGrpSpPr>
+      <p:grpSpPr>
+        <a:xfrm>
+          <a:off x="0" y="0"/>
+          <a:ext cx="0" cy="0"/>
+          <a:chOff x="0" y="0"/>
+          <a:chExt cx="0" cy="0"/>
+        </a:xfrm>
+      </p:grpSpPr>
+      <p:sp>
+        <p:nvSpPr>
+          <p:cNvPr id="2" name="内容占位符 1"/>
+          <p:cNvSpPr>
+            <a:spLocks noGrp="1"/>
+          </p:cNvSpPr>
+          <p:nvPr>
+            <p:ph idx="1"/>
+          </p:nvPr>
+        </p:nvSpPr>
+        <p:spPr/>
+        <p:txBody>
+          <a:bodyPr/>
+          <a:lstStyle/>
+          <a:p>
+            <a:r>
+              <a:rPr lang="zh-CN" altLang="en-US" dirty="0" smtClean="0"/>
+              <a:t>可以使用</a:t>
+            </a:r>
+            <a:r>
+              <a:rPr lang="en-US" altLang="zh-CN" dirty="0" err="1" smtClean="0"/>
+              <a:t>VideoUtil</a:t>
+            </a:r>
+            <a:r>
+              <a:rPr lang="zh-CN" altLang="en-US" dirty="0" smtClean="0"/>
+              <a:t>对视频进行截图</a:t>
+            </a:r>
+            <a:endParaRPr lang="zh-CN" altLang="en-US" dirty="0"/>
+          </a:p>
+        </p:txBody>
+      </p:sp>
+      <p:sp>
+        <p:nvSpPr>
+          <p:cNvPr id="3" name="标题 2"/>
+          <p:cNvSpPr>
+            <a:spLocks noGrp="1"/>
+          </p:cNvSpPr>
+          <p:nvPr>
+            <p:ph type="title"/>
+          </p:nvPr>
+        </p:nvSpPr>
+        <p:spPr/>
+        <p:txBody>
+          <a:bodyPr/>
+          <a:lstStyle/>
+          <a:p>
+            <a:r>
+              <a:rPr lang="zh-CN" altLang="en-US" dirty="0" smtClean="0"/>
+              <a:t>视频截图</a:t>
+            </a:r>
+            <a:endParaRPr lang="zh-CN" altLang="en-US" dirty="0"/>
+          </a:p>
+        </p:txBody>
+      </p:sp>
+    </p:spTree>
+  </p:cSld>
+  <p:clrMapOvr>
+    <a:masterClrMapping/>
+  </p:clrMapOvr>
+</p:sld>
+</file>
+
+<file path=ppt/slides/slide8.xml><?xml version="1.0" encoding="utf-8"?>
+<p:sld xmlns:a="http://schemas.openxmlformats.org/drawingml/2006/main" xmlns:r="http://schemas.openxmlformats.org/officeDocument/2006/relationships" xmlns:p="http://schemas.openxmlformats.org/presentationml/2006/main">
+  <p:cSld>
+    <p:spTree>
+      <p:nvGrpSpPr>
+        <p:cNvPr id="1" name=""/>
+        <p:cNvGrpSpPr/>
+        <p:nvPr/>
+      </p:nvGrpSpPr>
+      <p:grpSpPr>
+        <a:xfrm>
+          <a:off x="0" y="0"/>
+          <a:ext cx="0" cy="0"/>
+          <a:chOff x="0" y="0"/>
+          <a:chExt cx="0" cy="0"/>
+        </a:xfrm>
+      </p:grpSpPr>
+      <p:sp>
+        <p:nvSpPr>
+          <p:cNvPr id="3" name="标题 2"/>
+          <p:cNvSpPr>
+            <a:spLocks noGrp="1"/>
+          </p:cNvSpPr>
+          <p:nvPr>
+            <p:ph type="title"/>
+          </p:nvPr>
+        </p:nvSpPr>
+        <p:spPr/>
+        <p:txBody>
+          <a:bodyPr/>
+          <a:lstStyle/>
+          <a:p>
+            <a:r>
+              <a:rPr lang="en-US" altLang="zh-CN" dirty="0" smtClean="0"/>
+              <a:t>Service</a:t>
+            </a:r>
+            <a:r>
+              <a:rPr lang="zh-CN" altLang="en-US" dirty="0" smtClean="0"/>
+              <a:t>层</a:t>
+            </a:r>
+            <a:endParaRPr lang="zh-CN" altLang="en-US" dirty="0"/>
+          </a:p>
+        </p:txBody>
+      </p:sp>
+      <p:pic>
+        <p:nvPicPr>
+          <p:cNvPr id="1026" name="Picture 2"/>
+          <p:cNvPicPr>
+            <a:picLocks noChangeAspect="1" noChangeArrowheads="1"/>
+          </p:cNvPicPr>
+          <p:nvPr/>
+        </p:nvPicPr>
+        <p:blipFill>
+          <a:blip r:embed="rId2"/>
+          <a:srcRect/>
+          <a:stretch>
+            <a:fillRect/>
+          </a:stretch>
+        </p:blipFill>
+        <p:spPr bwMode="auto">
+          <a:xfrm>
+            <a:off x="214282" y="1428736"/>
+            <a:ext cx="4191000" cy="1571625"/>
+          </a:xfrm>
+          <a:prstGeom prst="rect">
+            <a:avLst/>
+          </a:prstGeom>
+          <a:noFill/>
+          <a:ln w="9525">
+            <a:noFill/>
+            <a:miter lim="800000"/>
+            <a:headEnd/>
+            <a:tailEnd/>
+          </a:ln>
+          <a:effectLst/>
+        </p:spPr>
+      </p:pic>
+      <p:pic>
+        <p:nvPicPr>
+          <p:cNvPr id="1028" name="Picture 4"/>
+          <p:cNvPicPr>
+            <a:picLocks noChangeAspect="1" noChangeArrowheads="1"/>
+          </p:cNvPicPr>
+          <p:nvPr/>
+        </p:nvPicPr>
+        <p:blipFill>
+          <a:blip r:embed="rId3"/>
+          <a:srcRect/>
+          <a:stretch>
+            <a:fillRect/>
+          </a:stretch>
+        </p:blipFill>
+        <p:spPr bwMode="auto">
+          <a:xfrm>
+            <a:off x="4286248" y="1214422"/>
+            <a:ext cx="4276725" cy="5010150"/>
+          </a:xfrm>
+          <a:prstGeom prst="rect">
+            <a:avLst/>
+          </a:prstGeom>
+          <a:noFill/>
+          <a:ln w="9525">
+            <a:noFill/>
+            <a:miter lim="800000"/>
+            <a:headEnd/>
+            <a:tailEnd/>
+          </a:ln>
+          <a:effectLst/>
+        </p:spPr>
+      </p:pic>
+    </p:spTree>
+  </p:cSld>
+  <p:clrMapOvr>
+    <a:masterClrMapping/>
+  </p:clrMapOvr>
+</p:sld>
+</file>
+
+<file path=ppt/slides/slide80.xml><?xml version="1.0" encoding="utf-8"?>
+<p:sld xmlns:a="http://schemas.openxmlformats.org/drawingml/2006/main" xmlns:r="http://schemas.openxmlformats.org/officeDocument/2006/relationships" xmlns:p="http://schemas.openxmlformats.org/presentationml/2006/main">
+  <p:cSld>
+    <p:spTree>
+      <p:nvGrpSpPr>
+        <p:cNvPr id="1" name=""/>
+        <p:cNvGrpSpPr/>
+        <p:nvPr/>
+      </p:nvGrpSpPr>
+      <p:grpSpPr>
+        <a:xfrm>
+          <a:off x="0" y="0"/>
+          <a:ext cx="0" cy="0"/>
+          <a:chOff x="0" y="0"/>
+          <a:chExt cx="0" cy="0"/>
+        </a:xfrm>
+      </p:grpSpPr>
+      <p:sp>
+        <p:nvSpPr>
+          <p:cNvPr id="2" name="内容占位符 1"/>
+          <p:cNvSpPr>
+            <a:spLocks noGrp="1"/>
+          </p:cNvSpPr>
+          <p:nvPr>
+            <p:ph idx="1"/>
+          </p:nvPr>
+        </p:nvSpPr>
+        <p:spPr/>
+        <p:txBody>
+          <a:bodyPr/>
+          <a:lstStyle/>
+          <a:p>
+            <a:r>
+              <a:rPr lang="zh-CN" altLang="en-US" dirty="0" smtClean="0"/>
+              <a:t>可以使用</a:t>
+            </a:r>
+            <a:r>
+              <a:rPr lang="en-US" altLang="zh-CN" u="sng" dirty="0" err="1" smtClean="0"/>
+              <a:t>thumbnailator</a:t>
+            </a:r>
+            <a:r>
+              <a:rPr lang="zh-CN" altLang="en-US" u="sng" dirty="0" smtClean="0"/>
+              <a:t>对图片进行缩略图、截取、旋转等操作，具体使用接口可网上查询</a:t>
+            </a:r>
+            <a:endParaRPr lang="zh-CN" altLang="en-US" dirty="0"/>
+          </a:p>
+        </p:txBody>
+      </p:sp>
+      <p:sp>
+        <p:nvSpPr>
+          <p:cNvPr id="3" name="标题 2"/>
+          <p:cNvSpPr>
+            <a:spLocks noGrp="1"/>
+          </p:cNvSpPr>
+          <p:nvPr>
+            <p:ph type="title"/>
+          </p:nvPr>
+        </p:nvSpPr>
+        <p:spPr/>
+        <p:txBody>
+          <a:bodyPr/>
+          <a:lstStyle/>
+          <a:p>
+            <a:r>
+              <a:rPr lang="zh-CN" altLang="en-US" dirty="0" smtClean="0"/>
+              <a:t>图片截图</a:t>
+            </a:r>
+            <a:endParaRPr lang="zh-CN" altLang="en-US" dirty="0"/>
+          </a:p>
+        </p:txBody>
+      </p:sp>
+    </p:spTree>
+  </p:cSld>
+  <p:clrMapOvr>
+    <a:masterClrMapping/>
+  </p:clrMapOvr>
+</p:sld>
+</file>
+
+<file path=ppt/slides/slide81.xml><?xml version="1.0" encoding="utf-8"?>
 <p:sld xmlns:a="http://schemas.openxmlformats.org/drawingml/2006/main" xmlns:r="http://schemas.openxmlformats.org/officeDocument/2006/relationships" xmlns:p="http://schemas.openxmlformats.org/presentationml/2006/main">
   <p:cSld>
     <p:spTree>
@@ -11884,7 +15507,7 @@
     <a:masterClrMapping/>
   </p:clrMapOvr>
   <mc:AlternateContent xmlns:mc="http://schemas.openxmlformats.org/markup-compatibility/2006">
-    <mc:Choice xmlns:p14="http://schemas.microsoft.com/office/powerpoint/2010/main" xmlns="" Requires="p14">
+    <mc:Choice xmlns="" xmlns:p14="http://schemas.microsoft.com/office/powerpoint/2010/main" Requires="p14">
       <p:transition p14:dur="0"/>
     </mc:Choice>
     <mc:Fallback>
@@ -11898,262 +15521,6 @@
       </p:par>
     </p:tnLst>
   </p:timing>
-</p:sld>
-</file>
-
-<file path=ppt/slides/slide7.xml><?xml version="1.0" encoding="utf-8"?>
-<p:sld xmlns:a="http://schemas.openxmlformats.org/drawingml/2006/main" xmlns:r="http://schemas.openxmlformats.org/officeDocument/2006/relationships" xmlns:p="http://schemas.openxmlformats.org/presentationml/2006/main">
-  <p:cSld>
-    <p:spTree>
-      <p:nvGrpSpPr>
-        <p:cNvPr id="1" name=""/>
-        <p:cNvGrpSpPr/>
-        <p:nvPr/>
-      </p:nvGrpSpPr>
-      <p:grpSpPr>
-        <a:xfrm>
-          <a:off x="0" y="0"/>
-          <a:ext cx="0" cy="0"/>
-          <a:chOff x="0" y="0"/>
-          <a:chExt cx="0" cy="0"/>
-        </a:xfrm>
-      </p:grpSpPr>
-      <p:sp>
-        <p:nvSpPr>
-          <p:cNvPr id="3" name="标题 2"/>
-          <p:cNvSpPr>
-            <a:spLocks noGrp="1"/>
-          </p:cNvSpPr>
-          <p:nvPr>
-            <p:ph type="title"/>
-          </p:nvPr>
-        </p:nvSpPr>
-        <p:spPr/>
-        <p:txBody>
-          <a:bodyPr/>
-          <a:lstStyle/>
-          <a:p>
-            <a:r>
-              <a:rPr lang="en-US" altLang="zh-CN" dirty="0" err="1" smtClean="0"/>
-              <a:t>Jdbc</a:t>
-            </a:r>
-            <a:endParaRPr lang="zh-CN" altLang="en-US" dirty="0"/>
-          </a:p>
-        </p:txBody>
-      </p:sp>
-      <p:pic>
-        <p:nvPicPr>
-          <p:cNvPr id="6146" name="Picture 2"/>
-          <p:cNvPicPr>
-            <a:picLocks noChangeAspect="1" noChangeArrowheads="1"/>
-          </p:cNvPicPr>
-          <p:nvPr/>
-        </p:nvPicPr>
-        <p:blipFill>
-          <a:blip r:embed="rId2"/>
-          <a:srcRect/>
-          <a:stretch>
-            <a:fillRect/>
-          </a:stretch>
-        </p:blipFill>
-        <p:spPr bwMode="auto">
-          <a:xfrm>
-            <a:off x="142844" y="1142984"/>
-            <a:ext cx="8786874" cy="3848100"/>
-          </a:xfrm>
-          <a:prstGeom prst="rect">
-            <a:avLst/>
-          </a:prstGeom>
-          <a:noFill/>
-          <a:ln w="9525">
-            <a:noFill/>
-            <a:miter lim="800000"/>
-            <a:headEnd/>
-            <a:tailEnd/>
-          </a:ln>
-          <a:effectLst/>
-        </p:spPr>
-      </p:pic>
-      <p:sp>
-        <p:nvSpPr>
-          <p:cNvPr id="5" name="TextBox 4"/>
-          <p:cNvSpPr txBox="1"/>
-          <p:nvPr/>
-        </p:nvSpPr>
-        <p:spPr>
-          <a:xfrm>
-            <a:off x="357158" y="5214950"/>
-            <a:ext cx="7948010" cy="646331"/>
-          </a:xfrm>
-          <a:prstGeom prst="rect">
-            <a:avLst/>
-          </a:prstGeom>
-          <a:noFill/>
-        </p:spPr>
-        <p:txBody>
-          <a:bodyPr wrap="none" rtlCol="0">
-            <a:spAutoFit/>
-          </a:bodyPr>
-          <a:lstStyle/>
-          <a:p>
-            <a:r>
-              <a:rPr lang="zh-CN" altLang="en-US" dirty="0" smtClean="0"/>
-              <a:t>只需要修改</a:t>
-            </a:r>
-            <a:r>
-              <a:rPr lang="en-US" altLang="zh-CN" dirty="0" err="1" smtClean="0"/>
-              <a:t>configs.properties</a:t>
-            </a:r>
-            <a:r>
-              <a:rPr lang="zh-CN" altLang="en-US" dirty="0" smtClean="0"/>
-              <a:t>文件中的配置，就可以在</a:t>
-            </a:r>
-            <a:r>
-              <a:rPr lang="en-US" altLang="zh-CN" dirty="0" err="1" smtClean="0"/>
-              <a:t>dao</a:t>
-            </a:r>
-            <a:r>
-              <a:rPr lang="zh-CN" altLang="en-US" dirty="0" smtClean="0"/>
-              <a:t>层实现类中注入</a:t>
-            </a:r>
-            <a:endParaRPr lang="en-US" altLang="zh-CN" dirty="0" smtClean="0"/>
-          </a:p>
-          <a:p>
-            <a:r>
-              <a:rPr lang="en-US" altLang="zh-CN" dirty="0" err="1" smtClean="0"/>
-              <a:t>Jdbc</a:t>
-            </a:r>
-            <a:r>
-              <a:rPr lang="zh-CN" altLang="en-US" dirty="0" smtClean="0"/>
-              <a:t>对象操作数据库</a:t>
-            </a:r>
-            <a:endParaRPr lang="zh-CN" altLang="en-US" dirty="0"/>
-          </a:p>
-        </p:txBody>
-      </p:sp>
-    </p:spTree>
-  </p:cSld>
-  <p:clrMapOvr>
-    <a:masterClrMapping/>
-  </p:clrMapOvr>
-</p:sld>
-</file>
-
-<file path=ppt/slides/slide8.xml><?xml version="1.0" encoding="utf-8"?>
-<p:sld xmlns:a="http://schemas.openxmlformats.org/drawingml/2006/main" xmlns:r="http://schemas.openxmlformats.org/officeDocument/2006/relationships" xmlns:p="http://schemas.openxmlformats.org/presentationml/2006/main">
-  <p:cSld>
-    <p:spTree>
-      <p:nvGrpSpPr>
-        <p:cNvPr id="1" name=""/>
-        <p:cNvGrpSpPr/>
-        <p:nvPr/>
-      </p:nvGrpSpPr>
-      <p:grpSpPr>
-        <a:xfrm>
-          <a:off x="0" y="0"/>
-          <a:ext cx="0" cy="0"/>
-          <a:chOff x="0" y="0"/>
-          <a:chExt cx="0" cy="0"/>
-        </a:xfrm>
-      </p:grpSpPr>
-      <p:sp>
-        <p:nvSpPr>
-          <p:cNvPr id="3" name="标题 2"/>
-          <p:cNvSpPr>
-            <a:spLocks noGrp="1"/>
-          </p:cNvSpPr>
-          <p:nvPr>
-            <p:ph type="title"/>
-          </p:nvPr>
-        </p:nvSpPr>
-        <p:spPr/>
-        <p:txBody>
-          <a:bodyPr/>
-          <a:lstStyle/>
-          <a:p>
-            <a:r>
-              <a:rPr lang="en-US" altLang="zh-CN" dirty="0" smtClean="0"/>
-              <a:t>Service</a:t>
-            </a:r>
-            <a:r>
-              <a:rPr lang="zh-CN" altLang="en-US" dirty="0" smtClean="0"/>
-              <a:t>层</a:t>
-            </a:r>
-            <a:endParaRPr lang="zh-CN" altLang="en-US" dirty="0"/>
-          </a:p>
-        </p:txBody>
-      </p:sp>
-      <p:pic>
-        <p:nvPicPr>
-          <p:cNvPr id="1026" name="Picture 2"/>
-          <p:cNvPicPr>
-            <a:picLocks noChangeAspect="1" noChangeArrowheads="1"/>
-          </p:cNvPicPr>
-          <p:nvPr/>
-        </p:nvPicPr>
-        <p:blipFill>
-          <a:blip r:embed="rId2"/>
-          <a:srcRect/>
-          <a:stretch>
-            <a:fillRect/>
-          </a:stretch>
-        </p:blipFill>
-        <p:spPr bwMode="auto">
-          <a:xfrm>
-            <a:off x="214282" y="1428736"/>
-            <a:ext cx="4191000" cy="1571625"/>
-          </a:xfrm>
-          <a:prstGeom prst="rect">
-            <a:avLst/>
-          </a:prstGeom>
-          <a:noFill/>
-          <a:ln w="9525">
-            <a:noFill/>
-            <a:miter lim="800000"/>
-            <a:headEnd/>
-            <a:tailEnd/>
-          </a:ln>
-          <a:effectLst/>
-        </p:spPr>
-      </p:pic>
-      <p:pic>
-        <p:nvPicPr>
-          <p:cNvPr id="1028" name="Picture 4"/>
-          <p:cNvPicPr>
-            <a:picLocks noChangeAspect="1" noChangeArrowheads="1"/>
-          </p:cNvPicPr>
-          <p:nvPr/>
-        </p:nvPicPr>
-        <p:blipFill>
-          <a:blip r:embed="rId3"/>
-          <a:srcRect/>
-          <a:stretch>
-            <a:fillRect/>
-          </a:stretch>
-        </p:blipFill>
-        <p:spPr bwMode="auto">
-          <a:xfrm>
-            <a:off x="4286248" y="1214422"/>
-            <a:ext cx="4276725" cy="5010150"/>
-          </a:xfrm>
-          <a:prstGeom prst="rect">
-            <a:avLst/>
-          </a:prstGeom>
-          <a:noFill/>
-          <a:ln w="9525">
-            <a:noFill/>
-            <a:miter lim="800000"/>
-            <a:headEnd/>
-            <a:tailEnd/>
-          </a:ln>
-          <a:effectLst/>
-        </p:spPr>
-      </p:pic>
-    </p:spTree>
-  </p:cSld>
-  <p:clrMapOvr>
-    <a:masterClrMapping/>
-  </p:clrMapOvr>
 </p:sld>
 </file>
 
